--- a/Presentation 5/Presentation.pptx
+++ b/Presentation 5/Presentation.pptx
@@ -121,6 +121,11 @@
       </a:defRPr>
     </a:lvl9pPr>
   </p:defaultTextStyle>
+  <p:extLst>
+    <p:ext uri="{EFAFB233-063F-42B5-8137-9DF3F51BA10A}">
+      <p15:sldGuideLst xmlns:p15="http://schemas.microsoft.com/office/powerpoint/2012/main"/>
+    </p:ext>
+  </p:extLst>
 </p:presentation>
 </file>
 
@@ -4781,7 +4786,7 @@
           <a:p>
             <a:r>
               <a:rPr lang="en-US" sz="3200" dirty="0"/>
-              <a:t>We had regularly, weekly meetings.</a:t>
+              <a:t>We had regular weekly meetings.</a:t>
             </a:r>
           </a:p>
           <a:p>
@@ -5060,7 +5065,7 @@
             <a:pPr lvl="1"/>
             <a:r>
               <a:rPr lang="en-US" dirty="0"/>
-              <a:t>Half/Blind Chinese Chess – game consists of tokens with various power levels, each placed face-down on the board in a random position. Tokens must be flipped face up (revealing color/power level) before you can move them – higher power level tokens can take higher power level tokens.</a:t>
+              <a:t>Half/Blind Chinese Chess – game consists of tokens with various power levels, each placed face-down on the board in a random position. Tokens must be flipped face up (revealing color/power level) before you can move them – higher power level tokens can take lower power level tokens. Soldier can take General, General cannot take Soldier, Cannon can take anything (by jumping).</a:t>
             </a:r>
           </a:p>
         </p:txBody>

--- a/Presentation 5/Presentation.pptx
+++ b/Presentation 5/Presentation.pptx
@@ -357,7 +357,7 @@
           <a:p>
             <a:fld id="{91DBFED4-1FE4-4ADB-AD33-8C921B77A47A}" type="datetimeFigureOut">
               <a:rPr lang="en-US" smtClean="0"/>
-              <a:t>11/30/2017</a:t>
+              <a:t>12/3/2017</a:t>
             </a:fld>
             <a:endParaRPr lang="en-US"/>
           </a:p>
@@ -527,7 +527,7 @@
           <a:p>
             <a:fld id="{91DBFED4-1FE4-4ADB-AD33-8C921B77A47A}" type="datetimeFigureOut">
               <a:rPr lang="en-US" smtClean="0"/>
-              <a:t>11/30/2017</a:t>
+              <a:t>12/3/2017</a:t>
             </a:fld>
             <a:endParaRPr lang="en-US"/>
           </a:p>
@@ -707,7 +707,7 @@
           <a:p>
             <a:fld id="{91DBFED4-1FE4-4ADB-AD33-8C921B77A47A}" type="datetimeFigureOut">
               <a:rPr lang="en-US" smtClean="0"/>
-              <a:t>11/30/2017</a:t>
+              <a:t>12/3/2017</a:t>
             </a:fld>
             <a:endParaRPr lang="en-US"/>
           </a:p>
@@ -877,7 +877,7 @@
           <a:p>
             <a:fld id="{91DBFED4-1FE4-4ADB-AD33-8C921B77A47A}" type="datetimeFigureOut">
               <a:rPr lang="en-US" smtClean="0"/>
-              <a:t>11/30/2017</a:t>
+              <a:t>12/3/2017</a:t>
             </a:fld>
             <a:endParaRPr lang="en-US"/>
           </a:p>
@@ -1135,7 +1135,7 @@
           <a:p>
             <a:fld id="{91DBFED4-1FE4-4ADB-AD33-8C921B77A47A}" type="datetimeFigureOut">
               <a:rPr lang="en-US" smtClean="0"/>
-              <a:t>11/30/2017</a:t>
+              <a:t>12/3/2017</a:t>
             </a:fld>
             <a:endParaRPr lang="en-US"/>
           </a:p>
@@ -1423,7 +1423,7 @@
           <a:p>
             <a:fld id="{91DBFED4-1FE4-4ADB-AD33-8C921B77A47A}" type="datetimeFigureOut">
               <a:rPr lang="en-US" smtClean="0"/>
-              <a:t>11/30/2017</a:t>
+              <a:t>12/3/2017</a:t>
             </a:fld>
             <a:endParaRPr lang="en-US"/>
           </a:p>
@@ -1865,7 +1865,7 @@
           <a:p>
             <a:fld id="{91DBFED4-1FE4-4ADB-AD33-8C921B77A47A}" type="datetimeFigureOut">
               <a:rPr lang="en-US" smtClean="0"/>
-              <a:t>11/30/2017</a:t>
+              <a:t>12/3/2017</a:t>
             </a:fld>
             <a:endParaRPr lang="en-US"/>
           </a:p>
@@ -1983,7 +1983,7 @@
           <a:p>
             <a:fld id="{91DBFED4-1FE4-4ADB-AD33-8C921B77A47A}" type="datetimeFigureOut">
               <a:rPr lang="en-US" smtClean="0"/>
-              <a:t>11/30/2017</a:t>
+              <a:t>12/3/2017</a:t>
             </a:fld>
             <a:endParaRPr lang="en-US"/>
           </a:p>
@@ -2078,7 +2078,7 @@
           <a:p>
             <a:fld id="{91DBFED4-1FE4-4ADB-AD33-8C921B77A47A}" type="datetimeFigureOut">
               <a:rPr lang="en-US" smtClean="0"/>
-              <a:t>11/30/2017</a:t>
+              <a:t>12/3/2017</a:t>
             </a:fld>
             <a:endParaRPr lang="en-US"/>
           </a:p>
@@ -2366,7 +2366,7 @@
           <a:p>
             <a:fld id="{91DBFED4-1FE4-4ADB-AD33-8C921B77A47A}" type="datetimeFigureOut">
               <a:rPr lang="en-US" smtClean="0"/>
-              <a:t>11/30/2017</a:t>
+              <a:t>12/3/2017</a:t>
             </a:fld>
             <a:endParaRPr lang="en-US"/>
           </a:p>
@@ -2639,7 +2639,7 @@
           <a:p>
             <a:fld id="{91DBFED4-1FE4-4ADB-AD33-8C921B77A47A}" type="datetimeFigureOut">
               <a:rPr lang="en-US" smtClean="0"/>
-              <a:t>11/30/2017</a:t>
+              <a:t>12/3/2017</a:t>
             </a:fld>
             <a:endParaRPr lang="en-US"/>
           </a:p>
@@ -2936,7 +2936,7 @@
           <a:p>
             <a:fld id="{91DBFED4-1FE4-4ADB-AD33-8C921B77A47A}" type="datetimeFigureOut">
               <a:rPr lang="en-US" smtClean="0"/>
-              <a:t>11/30/2017</a:t>
+              <a:t>12/3/2017</a:t>
             </a:fld>
             <a:endParaRPr lang="en-US"/>
           </a:p>
@@ -5264,6 +5264,12 @@
           <a:p>
             <a:r>
               <a:rPr lang="en-US" dirty="0"/>
+              <a:t>#93 – Implement Creator Color (Nicholas)</a:t>
+            </a:r>
+          </a:p>
+          <a:p>
+            <a:r>
+              <a:rPr lang="en-US" dirty="0"/>
               <a:t>#95 – Fix Graveyard Issue (Nicholas, Max)</a:t>
             </a:r>
           </a:p>

--- a/Presentation 5/Presentation.pptx
+++ b/Presentation 5/Presentation.pptx
@@ -4319,10 +4319,10 @@
       </p:sp>
       <p:sp>
         <p:nvSpPr>
-          <p:cNvPr id="3" name="Content Placeholder 2">
+          <p:cNvPr id="7" name="Content Placeholder 6">
             <a:extLst>
               <a:ext uri="{FF2B5EF4-FFF2-40B4-BE49-F238E27FC236}">
-                <a16:creationId xmlns:a16="http://schemas.microsoft.com/office/drawing/2014/main" id="{3EE5EF92-30AE-49B2-824F-DF5C9D56E242}"/>
+                <a16:creationId xmlns:a16="http://schemas.microsoft.com/office/drawing/2014/main" id="{29B06102-522B-421B-A1CB-15574D84486B}"/>
               </a:ext>
             </a:extLst>
           </p:cNvPr>
@@ -4338,7 +4338,74 @@
           <a:bodyPr/>
           <a:lstStyle/>
           <a:p>
-            <a:endParaRPr lang="en-US"/>
+            <a:r>
+              <a:rPr lang="en-US" dirty="0"/>
+              <a:t>Separated classes into MVC layout</a:t>
+            </a:r>
+          </a:p>
+          <a:p>
+            <a:pPr lvl="1"/>
+            <a:r>
+              <a:rPr lang="en-US" dirty="0"/>
+              <a:t>Model contains all game logic</a:t>
+            </a:r>
+          </a:p>
+          <a:p>
+            <a:pPr lvl="1"/>
+            <a:r>
+              <a:rPr lang="en-US" dirty="0"/>
+              <a:t>View contain UI elements</a:t>
+            </a:r>
+          </a:p>
+          <a:p>
+            <a:pPr lvl="1"/>
+            <a:r>
+              <a:rPr lang="en-US" dirty="0"/>
+              <a:t>Controller helps with server and database interaction</a:t>
+            </a:r>
+          </a:p>
+          <a:p>
+            <a:r>
+              <a:rPr lang="en-US" dirty="0"/>
+              <a:t>Implemented Façade Pattern</a:t>
+            </a:r>
+          </a:p>
+          <a:p>
+            <a:pPr lvl="1"/>
+            <a:r>
+              <a:rPr lang="en-US" dirty="0"/>
+              <a:t>Mainly within </a:t>
+            </a:r>
+            <a:r>
+              <a:rPr lang="en-US"/>
+              <a:t>Model package</a:t>
+            </a:r>
+            <a:endParaRPr lang="en-US" dirty="0"/>
+          </a:p>
+          <a:p>
+            <a:r>
+              <a:rPr lang="en-US" dirty="0"/>
+              <a:t>Extraction of Code</a:t>
+            </a:r>
+          </a:p>
+          <a:p>
+            <a:r>
+              <a:rPr lang="en-US" dirty="0"/>
+              <a:t>Rearranged class structure to reduce coupling</a:t>
+            </a:r>
+          </a:p>
+          <a:p>
+            <a:r>
+              <a:rPr lang="en-US" dirty="0"/>
+              <a:t>Removed unneeded/unused classes</a:t>
+            </a:r>
+          </a:p>
+          <a:p>
+            <a:pPr lvl="1"/>
+            <a:r>
+              <a:rPr lang="en-US" dirty="0"/>
+              <a:t>Log, Profile, Invitation</a:t>
+            </a:r>
           </a:p>
         </p:txBody>
       </p:sp>

--- a/Presentation 5/Presentation.pptx
+++ b/Presentation 5/Presentation.pptx
@@ -17,12 +17,13 @@
     <p:sldId id="267" r:id="rId11"/>
     <p:sldId id="268" r:id="rId12"/>
     <p:sldId id="269" r:id="rId13"/>
-    <p:sldId id="270" r:id="rId14"/>
-    <p:sldId id="271" r:id="rId15"/>
-    <p:sldId id="272" r:id="rId16"/>
-    <p:sldId id="273" r:id="rId17"/>
-    <p:sldId id="274" r:id="rId18"/>
-    <p:sldId id="263" r:id="rId19"/>
+    <p:sldId id="275" r:id="rId14"/>
+    <p:sldId id="270" r:id="rId15"/>
+    <p:sldId id="271" r:id="rId16"/>
+    <p:sldId id="272" r:id="rId17"/>
+    <p:sldId id="273" r:id="rId18"/>
+    <p:sldId id="274" r:id="rId19"/>
+    <p:sldId id="263" r:id="rId20"/>
   </p:sldIdLst>
   <p:sldSz cx="12192000" cy="6858000"/>
   <p:notesSz cx="6858000" cy="9144000"/>
@@ -3839,6 +3840,10 @@
             <a:br>
               <a:rPr lang="en-US" dirty="0"/>
             </a:br>
+            <a:r>
+              <a:rPr lang="en-US" dirty="0"/>
+              <a:t/>
+            </a:r>
             <a:br>
               <a:rPr lang="en-US" dirty="0"/>
             </a:br>
@@ -3849,6 +3854,10 @@
             <a:br>
               <a:rPr lang="en-US" dirty="0"/>
             </a:br>
+            <a:r>
+              <a:rPr lang="en-US" dirty="0"/>
+              <a:t/>
+            </a:r>
             <a:br>
               <a:rPr lang="en-US" dirty="0"/>
             </a:br>
@@ -3860,31 +3869,35 @@
           </a:p>
         </p:txBody>
       </p:sp>
-      <p:sp>
-        <p:nvSpPr>
-          <p:cNvPr id="3" name="Content Placeholder 2">
+      <p:pic>
+        <p:nvPicPr>
+          <p:cNvPr id="4" name="Content Placeholder 3"/>
+          <p:cNvPicPr>
+            <a:picLocks noGrp="1" noChangeAspect="1"/>
+          </p:cNvPicPr>
+          <p:nvPr>
+            <p:ph idx="1"/>
+          </p:nvPr>
+        </p:nvPicPr>
+        <p:blipFill>
+          <a:blip r:embed="rId2" cstate="print">
             <a:extLst>
-              <a:ext uri="{FF2B5EF4-FFF2-40B4-BE49-F238E27FC236}">
-                <a16:creationId xmlns:a16="http://schemas.microsoft.com/office/drawing/2014/main" id="{17E637EA-7837-4756-9C47-68A2E71F6F98}"/>
+              <a:ext uri="{28A0092B-C50C-407E-A947-70E740481C1C}">
+                <a14:useLocalDpi xmlns:a14="http://schemas.microsoft.com/office/drawing/2010/main" val="0"/>
               </a:ext>
             </a:extLst>
-          </p:cNvPr>
-          <p:cNvSpPr>
-            <a:spLocks noGrp="1"/>
-          </p:cNvSpPr>
-          <p:nvPr>
-            <p:ph idx="1"/>
-          </p:nvPr>
-        </p:nvSpPr>
-        <p:spPr/>
-        <p:txBody>
-          <a:bodyPr/>
-          <a:lstStyle/>
-          <a:p>
-            <a:endParaRPr lang="en-US"/>
-          </a:p>
-        </p:txBody>
-      </p:sp>
+          </a:blip>
+          <a:stretch>
+            <a:fillRect/>
+          </a:stretch>
+        </p:blipFill>
+        <p:spPr>
+          <a:xfrm>
+            <a:off x="3464168" y="863600"/>
+            <a:ext cx="7860323" cy="5897685"/>
+          </a:xfrm>
+        </p:spPr>
+      </p:pic>
     </p:spTree>
     <p:extLst>
       <p:ext uri="{BB962C8B-B14F-4D97-AF65-F5344CB8AC3E}">
@@ -3943,6 +3956,10 @@
             <a:br>
               <a:rPr lang="en-US" dirty="0"/>
             </a:br>
+            <a:r>
+              <a:rPr lang="en-US" dirty="0"/>
+              <a:t/>
+            </a:r>
             <a:br>
               <a:rPr lang="en-US" dirty="0"/>
             </a:br>
@@ -3953,6 +3970,10 @@
             <a:br>
               <a:rPr lang="en-US" dirty="0"/>
             </a:br>
+            <a:r>
+              <a:rPr lang="en-US" dirty="0"/>
+              <a:t/>
+            </a:r>
             <a:br>
               <a:rPr lang="en-US" dirty="0"/>
             </a:br>
@@ -3964,31 +3985,35 @@
           </a:p>
         </p:txBody>
       </p:sp>
-      <p:sp>
-        <p:nvSpPr>
-          <p:cNvPr id="3" name="Content Placeholder 2">
+      <p:pic>
+        <p:nvPicPr>
+          <p:cNvPr id="4" name="Content Placeholder 3"/>
+          <p:cNvPicPr>
+            <a:picLocks noGrp="1" noChangeAspect="1"/>
+          </p:cNvPicPr>
+          <p:nvPr>
+            <p:ph idx="1"/>
+          </p:nvPr>
+        </p:nvPicPr>
+        <p:blipFill>
+          <a:blip r:embed="rId2" cstate="print">
             <a:extLst>
-              <a:ext uri="{FF2B5EF4-FFF2-40B4-BE49-F238E27FC236}">
-                <a16:creationId xmlns:a16="http://schemas.microsoft.com/office/drawing/2014/main" id="{D22DCD21-42B9-447A-918F-DA3A4B95AFA4}"/>
+              <a:ext uri="{28A0092B-C50C-407E-A947-70E740481C1C}">
+                <a14:useLocalDpi xmlns:a14="http://schemas.microsoft.com/office/drawing/2010/main" val="0"/>
               </a:ext>
             </a:extLst>
-          </p:cNvPr>
-          <p:cNvSpPr>
-            <a:spLocks noGrp="1"/>
-          </p:cNvSpPr>
-          <p:nvPr>
-            <p:ph idx="1"/>
-          </p:nvPr>
-        </p:nvSpPr>
-        <p:spPr/>
-        <p:txBody>
-          <a:bodyPr/>
-          <a:lstStyle/>
-          <a:p>
-            <a:endParaRPr lang="en-US"/>
-          </a:p>
-        </p:txBody>
-      </p:sp>
+          </a:blip>
+          <a:stretch>
+            <a:fillRect/>
+          </a:stretch>
+        </p:blipFill>
+        <p:spPr>
+          <a:xfrm>
+            <a:off x="3868738" y="747346"/>
+            <a:ext cx="7315200" cy="4977674"/>
+          </a:xfrm>
+        </p:spPr>
+      </p:pic>
     </p:spTree>
     <p:extLst>
       <p:ext uri="{BB962C8B-B14F-4D97-AF65-F5344CB8AC3E}">
@@ -4047,6 +4072,10 @@
             <a:br>
               <a:rPr lang="en-US" dirty="0"/>
             </a:br>
+            <a:r>
+              <a:rPr lang="en-US" dirty="0"/>
+              <a:t/>
+            </a:r>
             <a:br>
               <a:rPr lang="en-US" dirty="0"/>
             </a:br>
@@ -4057,42 +4086,54 @@
             <a:br>
               <a:rPr lang="en-US" dirty="0"/>
             </a:br>
+            <a:r>
+              <a:rPr lang="en-US" dirty="0"/>
+              <a:t/>
+            </a:r>
             <a:br>
               <a:rPr lang="en-US" dirty="0"/>
             </a:br>
             <a:r>
               <a:rPr lang="en-US" i="1" dirty="0"/>
-              <a:t>Sequence Diagram 3</a:t>
+              <a:t>Sequence Diagram </a:t>
+            </a:r>
+            <a:r>
+              <a:rPr lang="en-US" i="1" dirty="0" smtClean="0"/>
+              <a:t>3.1</a:t>
             </a:r>
             <a:endParaRPr lang="en-US" dirty="0"/>
           </a:p>
         </p:txBody>
       </p:sp>
-      <p:sp>
-        <p:nvSpPr>
-          <p:cNvPr id="3" name="Content Placeholder 2">
+      <p:pic>
+        <p:nvPicPr>
+          <p:cNvPr id="4" name="Content Placeholder 3"/>
+          <p:cNvPicPr>
+            <a:picLocks noGrp="1" noChangeAspect="1"/>
+          </p:cNvPicPr>
+          <p:nvPr>
+            <p:ph idx="1"/>
+          </p:nvPr>
+        </p:nvPicPr>
+        <p:blipFill>
+          <a:blip r:embed="rId2" cstate="print">
             <a:extLst>
-              <a:ext uri="{FF2B5EF4-FFF2-40B4-BE49-F238E27FC236}">
-                <a16:creationId xmlns:a16="http://schemas.microsoft.com/office/drawing/2014/main" id="{1A16BF24-E9CD-40FC-937C-4522D98D8273}"/>
+              <a:ext uri="{28A0092B-C50C-407E-A947-70E740481C1C}">
+                <a14:useLocalDpi xmlns:a14="http://schemas.microsoft.com/office/drawing/2010/main" val="0"/>
               </a:ext>
             </a:extLst>
-          </p:cNvPr>
-          <p:cNvSpPr>
-            <a:spLocks noGrp="1"/>
-          </p:cNvSpPr>
-          <p:nvPr>
-            <p:ph idx="1"/>
-          </p:nvPr>
-        </p:nvSpPr>
-        <p:spPr/>
-        <p:txBody>
-          <a:bodyPr/>
-          <a:lstStyle/>
-          <a:p>
-            <a:endParaRPr lang="en-US"/>
-          </a:p>
-        </p:txBody>
-      </p:sp>
+          </a:blip>
+          <a:stretch>
+            <a:fillRect/>
+          </a:stretch>
+        </p:blipFill>
+        <p:spPr>
+          <a:xfrm>
+            <a:off x="3868738" y="879231"/>
+            <a:ext cx="7315200" cy="5099538"/>
+          </a:xfrm>
+        </p:spPr>
+      </p:pic>
     </p:spTree>
     <p:extLst>
       <p:ext uri="{BB962C8B-B14F-4D97-AF65-F5344CB8AC3E}">
@@ -4128,7 +4169,7 @@
           <p:cNvPr id="2" name="Title 1">
             <a:extLst>
               <a:ext uri="{FF2B5EF4-FFF2-40B4-BE49-F238E27FC236}">
-                <a16:creationId xmlns:a16="http://schemas.microsoft.com/office/drawing/2014/main" id="{2B49AE7B-9AA3-4102-A5EC-002C891B002C}"/>
+                <a16:creationId xmlns:a16="http://schemas.microsoft.com/office/drawing/2014/main" id="{5EBC3A51-3E51-4723-B1E2-FE53EF3BE63C}"/>
               </a:ext>
             </a:extLst>
           </p:cNvPr>
@@ -4146,40 +4187,77 @@
           <a:p>
             <a:r>
               <a:rPr lang="en-US" dirty="0"/>
-              <a:t>Testing Document</a:t>
-            </a:r>
-          </a:p>
-        </p:txBody>
-      </p:sp>
-      <p:sp>
-        <p:nvSpPr>
-          <p:cNvPr id="3" name="Content Placeholder 2">
+              <a:t>Design Document,</a:t>
+            </a:r>
+            <a:br>
+              <a:rPr lang="en-US" dirty="0"/>
+            </a:br>
+            <a:r>
+              <a:rPr lang="en-US" dirty="0"/>
+              <a:t/>
+            </a:r>
+            <a:br>
+              <a:rPr lang="en-US" dirty="0"/>
+            </a:br>
+            <a:r>
+              <a:rPr lang="en-US" dirty="0"/>
+              <a:t>Part 3,</a:t>
+            </a:r>
+            <a:br>
+              <a:rPr lang="en-US" dirty="0"/>
+            </a:br>
+            <a:r>
+              <a:rPr lang="en-US" dirty="0"/>
+              <a:t/>
+            </a:r>
+            <a:br>
+              <a:rPr lang="en-US" dirty="0"/>
+            </a:br>
+            <a:r>
+              <a:rPr lang="en-US" i="1" dirty="0"/>
+              <a:t>Sequence Diagram </a:t>
+            </a:r>
+            <a:r>
+              <a:rPr lang="en-US" i="1" dirty="0" smtClean="0"/>
+              <a:t>3.2</a:t>
+            </a:r>
+            <a:endParaRPr lang="en-US" dirty="0"/>
+          </a:p>
+        </p:txBody>
+      </p:sp>
+      <p:pic>
+        <p:nvPicPr>
+          <p:cNvPr id="4" name="Content Placeholder 3"/>
+          <p:cNvPicPr>
+            <a:picLocks noGrp="1" noChangeAspect="1"/>
+          </p:cNvPicPr>
+          <p:nvPr>
+            <p:ph idx="1"/>
+          </p:nvPr>
+        </p:nvPicPr>
+        <p:blipFill>
+          <a:blip r:embed="rId2" cstate="print">
             <a:extLst>
-              <a:ext uri="{FF2B5EF4-FFF2-40B4-BE49-F238E27FC236}">
-                <a16:creationId xmlns:a16="http://schemas.microsoft.com/office/drawing/2014/main" id="{BC65C704-ABCF-4D49-B74E-C6E0866CE77F}"/>
+              <a:ext uri="{28A0092B-C50C-407E-A947-70E740481C1C}">
+                <a14:useLocalDpi xmlns:a14="http://schemas.microsoft.com/office/drawing/2010/main" val="0"/>
               </a:ext>
             </a:extLst>
-          </p:cNvPr>
-          <p:cNvSpPr>
-            <a:spLocks noGrp="1"/>
-          </p:cNvSpPr>
-          <p:nvPr>
-            <p:ph idx="1"/>
-          </p:nvPr>
-        </p:nvSpPr>
-        <p:spPr/>
-        <p:txBody>
-          <a:bodyPr/>
-          <a:lstStyle/>
-          <a:p>
-            <a:endParaRPr lang="en-US"/>
-          </a:p>
-        </p:txBody>
-      </p:sp>
+          </a:blip>
+          <a:stretch>
+            <a:fillRect/>
+          </a:stretch>
+        </p:blipFill>
+        <p:spPr>
+          <a:xfrm>
+            <a:off x="4176346" y="439615"/>
+            <a:ext cx="6620608" cy="5829299"/>
+          </a:xfrm>
+        </p:spPr>
+      </p:pic>
     </p:spTree>
     <p:extLst>
       <p:ext uri="{BB962C8B-B14F-4D97-AF65-F5344CB8AC3E}">
-        <p14:creationId xmlns:p14="http://schemas.microsoft.com/office/powerpoint/2010/main" val="3594849281"/>
+        <p14:creationId xmlns:p14="http://schemas.microsoft.com/office/powerpoint/2010/main" val="848234225"/>
       </p:ext>
     </p:extLst>
   </p:cSld>
@@ -4211,7 +4289,7 @@
           <p:cNvPr id="2" name="Title 1">
             <a:extLst>
               <a:ext uri="{FF2B5EF4-FFF2-40B4-BE49-F238E27FC236}">
-                <a16:creationId xmlns:a16="http://schemas.microsoft.com/office/drawing/2014/main" id="{F2E86484-FB57-4B77-9B4D-3852FE03A557}"/>
+                <a16:creationId xmlns:a16="http://schemas.microsoft.com/office/drawing/2014/main" id="{2B49AE7B-9AA3-4102-A5EC-002C891B002C}"/>
               </a:ext>
             </a:extLst>
           </p:cNvPr>
@@ -4229,7 +4307,7 @@
           <a:p>
             <a:r>
               <a:rPr lang="en-US" dirty="0"/>
-              <a:t>Development Manual</a:t>
+              <a:t>Testing Document</a:t>
             </a:r>
           </a:p>
         </p:txBody>
@@ -4239,7 +4317,7 @@
           <p:cNvPr id="3" name="Content Placeholder 2">
             <a:extLst>
               <a:ext uri="{FF2B5EF4-FFF2-40B4-BE49-F238E27FC236}">
-                <a16:creationId xmlns:a16="http://schemas.microsoft.com/office/drawing/2014/main" id="{0FB8A1D6-6C62-4CED-AE1A-58EB6417C63C}"/>
+                <a16:creationId xmlns:a16="http://schemas.microsoft.com/office/drawing/2014/main" id="{BC65C704-ABCF-4D49-B74E-C6E0866CE77F}"/>
               </a:ext>
             </a:extLst>
           </p:cNvPr>
@@ -4262,7 +4340,7 @@
     </p:spTree>
     <p:extLst>
       <p:ext uri="{BB962C8B-B14F-4D97-AF65-F5344CB8AC3E}">
-        <p14:creationId xmlns:p14="http://schemas.microsoft.com/office/powerpoint/2010/main" val="1329904567"/>
+        <p14:creationId xmlns:p14="http://schemas.microsoft.com/office/powerpoint/2010/main" val="3594849281"/>
       </p:ext>
     </p:extLst>
   </p:cSld>
@@ -4294,7 +4372,7 @@
           <p:cNvPr id="2" name="Title 1">
             <a:extLst>
               <a:ext uri="{FF2B5EF4-FFF2-40B4-BE49-F238E27FC236}">
-                <a16:creationId xmlns:a16="http://schemas.microsoft.com/office/drawing/2014/main" id="{3A34420C-3FD0-44C0-94F2-39C7ACC683E7}"/>
+                <a16:creationId xmlns:a16="http://schemas.microsoft.com/office/drawing/2014/main" id="{F2E86484-FB57-4B77-9B4D-3852FE03A557}"/>
               </a:ext>
             </a:extLst>
           </p:cNvPr>
@@ -4312,17 +4390,17 @@
           <a:p>
             <a:r>
               <a:rPr lang="en-US" dirty="0"/>
-              <a:t>Refactoring and Design Pattern List</a:t>
-            </a:r>
-          </a:p>
-        </p:txBody>
-      </p:sp>
-      <p:sp>
-        <p:nvSpPr>
-          <p:cNvPr id="7" name="Content Placeholder 6">
+              <a:t>Development Manual</a:t>
+            </a:r>
+          </a:p>
+        </p:txBody>
+      </p:sp>
+      <p:sp>
+        <p:nvSpPr>
+          <p:cNvPr id="3" name="Content Placeholder 2">
             <a:extLst>
               <a:ext uri="{FF2B5EF4-FFF2-40B4-BE49-F238E27FC236}">
-                <a16:creationId xmlns:a16="http://schemas.microsoft.com/office/drawing/2014/main" id="{29B06102-522B-421B-A1CB-15574D84486B}"/>
+                <a16:creationId xmlns:a16="http://schemas.microsoft.com/office/drawing/2014/main" id="{0FB8A1D6-6C62-4CED-AE1A-58EB6417C63C}"/>
               </a:ext>
             </a:extLst>
           </p:cNvPr>
@@ -4338,81 +4416,14 @@
           <a:bodyPr/>
           <a:lstStyle/>
           <a:p>
-            <a:r>
-              <a:rPr lang="en-US" dirty="0"/>
-              <a:t>Separated classes into MVC layout</a:t>
-            </a:r>
-          </a:p>
-          <a:p>
-            <a:pPr lvl="1"/>
-            <a:r>
-              <a:rPr lang="en-US" dirty="0"/>
-              <a:t>Model contains all game logic</a:t>
-            </a:r>
-          </a:p>
-          <a:p>
-            <a:pPr lvl="1"/>
-            <a:r>
-              <a:rPr lang="en-US" dirty="0"/>
-              <a:t>View contain UI elements</a:t>
-            </a:r>
-          </a:p>
-          <a:p>
-            <a:pPr lvl="1"/>
-            <a:r>
-              <a:rPr lang="en-US" dirty="0"/>
-              <a:t>Controller helps with server and database interaction</a:t>
-            </a:r>
-          </a:p>
-          <a:p>
-            <a:r>
-              <a:rPr lang="en-US" dirty="0"/>
-              <a:t>Implemented Façade Pattern</a:t>
-            </a:r>
-          </a:p>
-          <a:p>
-            <a:pPr lvl="1"/>
-            <a:r>
-              <a:rPr lang="en-US" dirty="0"/>
-              <a:t>Mainly within </a:t>
-            </a:r>
-            <a:r>
-              <a:rPr lang="en-US"/>
-              <a:t>Model package</a:t>
-            </a:r>
-            <a:endParaRPr lang="en-US" dirty="0"/>
-          </a:p>
-          <a:p>
-            <a:r>
-              <a:rPr lang="en-US" dirty="0"/>
-              <a:t>Extraction of Code</a:t>
-            </a:r>
-          </a:p>
-          <a:p>
-            <a:r>
-              <a:rPr lang="en-US" dirty="0"/>
-              <a:t>Rearranged class structure to reduce coupling</a:t>
-            </a:r>
-          </a:p>
-          <a:p>
-            <a:r>
-              <a:rPr lang="en-US" dirty="0"/>
-              <a:t>Removed unneeded/unused classes</a:t>
-            </a:r>
-          </a:p>
-          <a:p>
-            <a:pPr lvl="1"/>
-            <a:r>
-              <a:rPr lang="en-US" dirty="0"/>
-              <a:t>Log, Profile, Invitation</a:t>
-            </a:r>
+            <a:endParaRPr lang="en-US"/>
           </a:p>
         </p:txBody>
       </p:sp>
     </p:spTree>
     <p:extLst>
       <p:ext uri="{BB962C8B-B14F-4D97-AF65-F5344CB8AC3E}">
-        <p14:creationId xmlns:p14="http://schemas.microsoft.com/office/powerpoint/2010/main" val="1184941057"/>
+        <p14:creationId xmlns:p14="http://schemas.microsoft.com/office/powerpoint/2010/main" val="1329904567"/>
       </p:ext>
     </p:extLst>
   </p:cSld>
@@ -4444,7 +4455,7 @@
           <p:cNvPr id="2" name="Title 1">
             <a:extLst>
               <a:ext uri="{FF2B5EF4-FFF2-40B4-BE49-F238E27FC236}">
-                <a16:creationId xmlns:a16="http://schemas.microsoft.com/office/drawing/2014/main" id="{7EEBECC8-658F-4FF8-B9A7-619A08F9E0CD}"/>
+                <a16:creationId xmlns:a16="http://schemas.microsoft.com/office/drawing/2014/main" id="{3A34420C-3FD0-44C0-94F2-39C7ACC683E7}"/>
               </a:ext>
             </a:extLst>
           </p:cNvPr>
@@ -4462,17 +4473,17 @@
           <a:p>
             <a:r>
               <a:rPr lang="en-US" dirty="0"/>
-              <a:t>Traceability Link Matrix</a:t>
-            </a:r>
-          </a:p>
-        </p:txBody>
-      </p:sp>
-      <p:sp>
-        <p:nvSpPr>
-          <p:cNvPr id="3" name="Content Placeholder 2">
+              <a:t>Refactoring and Design Pattern List</a:t>
+            </a:r>
+          </a:p>
+        </p:txBody>
+      </p:sp>
+      <p:sp>
+        <p:nvSpPr>
+          <p:cNvPr id="7" name="Content Placeholder 6">
             <a:extLst>
               <a:ext uri="{FF2B5EF4-FFF2-40B4-BE49-F238E27FC236}">
-                <a16:creationId xmlns:a16="http://schemas.microsoft.com/office/drawing/2014/main" id="{7B880C6B-57DC-4300-8635-53594D3BAC94}"/>
+                <a16:creationId xmlns:a16="http://schemas.microsoft.com/office/drawing/2014/main" id="{29B06102-522B-421B-A1CB-15574D84486B}"/>
               </a:ext>
             </a:extLst>
           </p:cNvPr>
@@ -4488,14 +4499,81 @@
           <a:bodyPr/>
           <a:lstStyle/>
           <a:p>
-            <a:endParaRPr lang="en-US"/>
+            <a:r>
+              <a:rPr lang="en-US" dirty="0"/>
+              <a:t>Separated classes into MVC layout</a:t>
+            </a:r>
+          </a:p>
+          <a:p>
+            <a:pPr lvl="1"/>
+            <a:r>
+              <a:rPr lang="en-US" dirty="0"/>
+              <a:t>Model contains all game logic</a:t>
+            </a:r>
+          </a:p>
+          <a:p>
+            <a:pPr lvl="1"/>
+            <a:r>
+              <a:rPr lang="en-US" dirty="0"/>
+              <a:t>View contain UI elements</a:t>
+            </a:r>
+          </a:p>
+          <a:p>
+            <a:pPr lvl="1"/>
+            <a:r>
+              <a:rPr lang="en-US" dirty="0"/>
+              <a:t>Controller helps with server and database interaction</a:t>
+            </a:r>
+          </a:p>
+          <a:p>
+            <a:r>
+              <a:rPr lang="en-US" dirty="0"/>
+              <a:t>Implemented Façade Pattern</a:t>
+            </a:r>
+          </a:p>
+          <a:p>
+            <a:pPr lvl="1"/>
+            <a:r>
+              <a:rPr lang="en-US" dirty="0"/>
+              <a:t>Mainly within </a:t>
+            </a:r>
+            <a:r>
+              <a:rPr lang="en-US"/>
+              <a:t>Model package</a:t>
+            </a:r>
+            <a:endParaRPr lang="en-US" dirty="0"/>
+          </a:p>
+          <a:p>
+            <a:r>
+              <a:rPr lang="en-US" dirty="0"/>
+              <a:t>Extraction of Code</a:t>
+            </a:r>
+          </a:p>
+          <a:p>
+            <a:r>
+              <a:rPr lang="en-US" dirty="0"/>
+              <a:t>Rearranged class structure to reduce coupling</a:t>
+            </a:r>
+          </a:p>
+          <a:p>
+            <a:r>
+              <a:rPr lang="en-US" dirty="0"/>
+              <a:t>Removed unneeded/unused classes</a:t>
+            </a:r>
+          </a:p>
+          <a:p>
+            <a:pPr lvl="1"/>
+            <a:r>
+              <a:rPr lang="en-US" dirty="0"/>
+              <a:t>Log, Profile, Invitation</a:t>
+            </a:r>
           </a:p>
         </p:txBody>
       </p:sp>
     </p:spTree>
     <p:extLst>
       <p:ext uri="{BB962C8B-B14F-4D97-AF65-F5344CB8AC3E}">
-        <p14:creationId xmlns:p14="http://schemas.microsoft.com/office/powerpoint/2010/main" val="2673443539"/>
+        <p14:creationId xmlns:p14="http://schemas.microsoft.com/office/powerpoint/2010/main" val="1184941057"/>
       </p:ext>
     </p:extLst>
   </p:cSld>
@@ -4527,6 +4605,89 @@
           <p:cNvPr id="2" name="Title 1">
             <a:extLst>
               <a:ext uri="{FF2B5EF4-FFF2-40B4-BE49-F238E27FC236}">
+                <a16:creationId xmlns:a16="http://schemas.microsoft.com/office/drawing/2014/main" id="{7EEBECC8-658F-4FF8-B9A7-619A08F9E0CD}"/>
+              </a:ext>
+            </a:extLst>
+          </p:cNvPr>
+          <p:cNvSpPr>
+            <a:spLocks noGrp="1"/>
+          </p:cNvSpPr>
+          <p:nvPr>
+            <p:ph type="title"/>
+          </p:nvPr>
+        </p:nvSpPr>
+        <p:spPr/>
+        <p:txBody>
+          <a:bodyPr/>
+          <a:lstStyle/>
+          <a:p>
+            <a:r>
+              <a:rPr lang="en-US" dirty="0"/>
+              <a:t>Traceability Link Matrix</a:t>
+            </a:r>
+          </a:p>
+        </p:txBody>
+      </p:sp>
+      <p:sp>
+        <p:nvSpPr>
+          <p:cNvPr id="3" name="Content Placeholder 2">
+            <a:extLst>
+              <a:ext uri="{FF2B5EF4-FFF2-40B4-BE49-F238E27FC236}">
+                <a16:creationId xmlns:a16="http://schemas.microsoft.com/office/drawing/2014/main" id="{7B880C6B-57DC-4300-8635-53594D3BAC94}"/>
+              </a:ext>
+            </a:extLst>
+          </p:cNvPr>
+          <p:cNvSpPr>
+            <a:spLocks noGrp="1"/>
+          </p:cNvSpPr>
+          <p:nvPr>
+            <p:ph idx="1"/>
+          </p:nvPr>
+        </p:nvSpPr>
+        <p:spPr/>
+        <p:txBody>
+          <a:bodyPr/>
+          <a:lstStyle/>
+          <a:p>
+            <a:endParaRPr lang="en-US"/>
+          </a:p>
+        </p:txBody>
+      </p:sp>
+    </p:spTree>
+    <p:extLst>
+      <p:ext uri="{BB962C8B-B14F-4D97-AF65-F5344CB8AC3E}">
+        <p14:creationId xmlns:p14="http://schemas.microsoft.com/office/powerpoint/2010/main" val="2673443539"/>
+      </p:ext>
+    </p:extLst>
+  </p:cSld>
+  <p:clrMapOvr>
+    <a:masterClrMapping/>
+  </p:clrMapOvr>
+</p:sld>
+</file>
+
+<file path=ppt/slides/slide18.xml><?xml version="1.0" encoding="utf-8"?>
+<p:sld xmlns:a="http://schemas.openxmlformats.org/drawingml/2006/main" xmlns:r="http://schemas.openxmlformats.org/officeDocument/2006/relationships" xmlns:p="http://schemas.openxmlformats.org/presentationml/2006/main">
+  <p:cSld>
+    <p:spTree>
+      <p:nvGrpSpPr>
+        <p:cNvPr id="1" name=""/>
+        <p:cNvGrpSpPr/>
+        <p:nvPr/>
+      </p:nvGrpSpPr>
+      <p:grpSpPr>
+        <a:xfrm>
+          <a:off x="0" y="0"/>
+          <a:ext cx="0" cy="0"/>
+          <a:chOff x="0" y="0"/>
+          <a:chExt cx="0" cy="0"/>
+        </a:xfrm>
+      </p:grpSpPr>
+      <p:sp>
+        <p:nvSpPr>
+          <p:cNvPr id="2" name="Title 1">
+            <a:extLst>
+              <a:ext uri="{FF2B5EF4-FFF2-40B4-BE49-F238E27FC236}">
                 <a16:creationId xmlns:a16="http://schemas.microsoft.com/office/drawing/2014/main" id="{40AE4BCD-88FC-4B30-A88D-BDCBE9C938F5}"/>
               </a:ext>
             </a:extLst>
@@ -4700,7 +4861,7 @@
 </p:sld>
 </file>
 
-<file path=ppt/slides/slide18.xml><?xml version="1.0" encoding="utf-8"?>
+<file path=ppt/slides/slide19.xml><?xml version="1.0" encoding="utf-8"?>
 <p:sld xmlns:a="http://schemas.openxmlformats.org/drawingml/2006/main" xmlns:r="http://schemas.openxmlformats.org/officeDocument/2006/relationships" xmlns:p="http://schemas.openxmlformats.org/presentationml/2006/main">
   <p:cSld>
     <p:spTree>
@@ -5242,6 +5403,10 @@
             <a:br>
               <a:rPr lang="en-US" dirty="0"/>
             </a:br>
+            <a:r>
+              <a:rPr lang="en-US" dirty="0"/>
+              <a:t/>
+            </a:r>
             <a:br>
               <a:rPr lang="en-US" dirty="0"/>
             </a:br>
@@ -5583,6 +5748,10 @@
             <a:br>
               <a:rPr lang="en-US" dirty="0"/>
             </a:br>
+            <a:r>
+              <a:rPr lang="en-US" dirty="0"/>
+              <a:t/>
+            </a:r>
             <a:br>
               <a:rPr lang="en-US" dirty="0"/>
             </a:br>
@@ -5593,6 +5762,10 @@
             <a:br>
               <a:rPr lang="en-US" dirty="0"/>
             </a:br>
+            <a:r>
+              <a:rPr lang="en-US" dirty="0"/>
+              <a:t/>
+            </a:r>
             <a:br>
               <a:rPr lang="en-US" dirty="0"/>
             </a:br>
@@ -5696,6 +5869,10 @@
             <a:br>
               <a:rPr lang="en-US" dirty="0"/>
             </a:br>
+            <a:r>
+              <a:rPr lang="en-US" dirty="0"/>
+              <a:t/>
+            </a:r>
             <a:br>
               <a:rPr lang="en-US" dirty="0"/>
             </a:br>
@@ -5706,6 +5883,10 @@
             <a:br>
               <a:rPr lang="en-US" dirty="0"/>
             </a:br>
+            <a:r>
+              <a:rPr lang="en-US" dirty="0"/>
+              <a:t/>
+            </a:r>
             <a:br>
               <a:rPr lang="en-US" dirty="0"/>
             </a:br>

--- a/Presentation 5/Presentation.pptx
+++ b/Presentation 5/Presentation.pptx
@@ -14,16 +14,22 @@
     <p:sldId id="264" r:id="rId8"/>
     <p:sldId id="265" r:id="rId9"/>
     <p:sldId id="266" r:id="rId10"/>
-    <p:sldId id="267" r:id="rId11"/>
-    <p:sldId id="268" r:id="rId12"/>
-    <p:sldId id="269" r:id="rId13"/>
-    <p:sldId id="275" r:id="rId14"/>
-    <p:sldId id="270" r:id="rId15"/>
-    <p:sldId id="271" r:id="rId16"/>
-    <p:sldId id="272" r:id="rId17"/>
-    <p:sldId id="273" r:id="rId18"/>
-    <p:sldId id="274" r:id="rId19"/>
-    <p:sldId id="263" r:id="rId20"/>
+    <p:sldId id="276" r:id="rId11"/>
+    <p:sldId id="277" r:id="rId12"/>
+    <p:sldId id="278" r:id="rId13"/>
+    <p:sldId id="267" r:id="rId14"/>
+    <p:sldId id="268" r:id="rId15"/>
+    <p:sldId id="269" r:id="rId16"/>
+    <p:sldId id="275" r:id="rId17"/>
+    <p:sldId id="270" r:id="rId18"/>
+    <p:sldId id="271" r:id="rId19"/>
+    <p:sldId id="279" r:id="rId20"/>
+    <p:sldId id="272" r:id="rId21"/>
+    <p:sldId id="273" r:id="rId22"/>
+    <p:sldId id="280" r:id="rId23"/>
+    <p:sldId id="281" r:id="rId24"/>
+    <p:sldId id="274" r:id="rId25"/>
+    <p:sldId id="263" r:id="rId26"/>
   </p:sldIdLst>
   <p:sldSz cx="12192000" cy="6858000"/>
   <p:notesSz cx="6858000" cy="9144000"/>
@@ -3814,6 +3820,411 @@
       </p:grpSpPr>
       <p:sp>
         <p:nvSpPr>
+          <p:cNvPr id="2" name="Title 1"/>
+          <p:cNvSpPr>
+            <a:spLocks noGrp="1"/>
+          </p:cNvSpPr>
+          <p:nvPr>
+            <p:ph type="title"/>
+          </p:nvPr>
+        </p:nvSpPr>
+        <p:spPr/>
+        <p:txBody>
+          <a:bodyPr/>
+          <a:lstStyle/>
+          <a:p>
+            <a:r>
+              <a:rPr lang="en-US" dirty="0" smtClean="0"/>
+              <a:t>Design Document,</a:t>
+            </a:r>
+            <a:br>
+              <a:rPr lang="en-US" dirty="0" smtClean="0"/>
+            </a:br>
+            <a:r>
+              <a:rPr lang="en-US" dirty="0"/>
+              <a:t/>
+            </a:r>
+            <a:br>
+              <a:rPr lang="en-US" dirty="0"/>
+            </a:br>
+            <a:r>
+              <a:rPr lang="en-US" dirty="0" smtClean="0"/>
+              <a:t>Part 2,</a:t>
+            </a:r>
+            <a:br>
+              <a:rPr lang="en-US" dirty="0" smtClean="0"/>
+            </a:br>
+            <a:r>
+              <a:rPr lang="en-US" dirty="0"/>
+              <a:t/>
+            </a:r>
+            <a:br>
+              <a:rPr lang="en-US" dirty="0"/>
+            </a:br>
+            <a:r>
+              <a:rPr lang="en-US" dirty="0" smtClean="0"/>
+              <a:t>Design Class Diagram</a:t>
+            </a:r>
+            <a:endParaRPr lang="en-US" dirty="0"/>
+          </a:p>
+        </p:txBody>
+      </p:sp>
+      <p:pic>
+        <p:nvPicPr>
+          <p:cNvPr id="2050" name="Picture 2"/>
+          <p:cNvPicPr>
+            <a:picLocks noChangeAspect="1" noChangeArrowheads="1"/>
+          </p:cNvPicPr>
+          <p:nvPr/>
+        </p:nvPicPr>
+        <p:blipFill>
+          <a:blip r:embed="rId2">
+            <a:extLst>
+              <a:ext uri="{28A0092B-C50C-407E-A947-70E740481C1C}">
+                <a14:useLocalDpi xmlns:a14="http://schemas.microsoft.com/office/drawing/2010/main" val="0"/>
+              </a:ext>
+            </a:extLst>
+          </a:blip>
+          <a:srcRect/>
+          <a:stretch>
+            <a:fillRect/>
+          </a:stretch>
+        </p:blipFill>
+        <p:spPr bwMode="auto">
+          <a:xfrm>
+            <a:off x="5806098" y="1040667"/>
+            <a:ext cx="3011488" cy="4051300"/>
+          </a:xfrm>
+          <a:prstGeom prst="rect">
+            <a:avLst/>
+          </a:prstGeom>
+          <a:noFill/>
+          <a:ln>
+            <a:noFill/>
+          </a:ln>
+          <a:extLst>
+            <a:ext uri="{909E8E84-426E-40DD-AFC4-6F175D3DCCD1}">
+              <a14:hiddenFill xmlns:a14="http://schemas.microsoft.com/office/drawing/2010/main">
+                <a:solidFill>
+                  <a:srgbClr val="FFFFFF"/>
+                </a:solidFill>
+              </a14:hiddenFill>
+            </a:ext>
+            <a:ext uri="{91240B29-F687-4F45-9708-019B960494DF}">
+              <a14:hiddenLine xmlns:a14="http://schemas.microsoft.com/office/drawing/2010/main" w="12700" cap="flat">
+                <a:solidFill>
+                  <a:srgbClr val="000000"/>
+                </a:solidFill>
+                <a:miter lim="800000"/>
+                <a:headEnd/>
+                <a:tailEnd/>
+              </a14:hiddenLine>
+            </a:ext>
+          </a:extLst>
+        </p:spPr>
+      </p:pic>
+    </p:spTree>
+    <p:extLst>
+      <p:ext uri="{BB962C8B-B14F-4D97-AF65-F5344CB8AC3E}">
+        <p14:creationId xmlns:p14="http://schemas.microsoft.com/office/powerpoint/2010/main" val="3535383388"/>
+      </p:ext>
+    </p:extLst>
+  </p:cSld>
+  <p:clrMapOvr>
+    <a:masterClrMapping/>
+  </p:clrMapOvr>
+</p:sld>
+</file>
+
+<file path=ppt/slides/slide11.xml><?xml version="1.0" encoding="utf-8"?>
+<p:sld xmlns:a="http://schemas.openxmlformats.org/drawingml/2006/main" xmlns:r="http://schemas.openxmlformats.org/officeDocument/2006/relationships" xmlns:p="http://schemas.openxmlformats.org/presentationml/2006/main">
+  <p:cSld>
+    <p:spTree>
+      <p:nvGrpSpPr>
+        <p:cNvPr id="1" name=""/>
+        <p:cNvGrpSpPr/>
+        <p:nvPr/>
+      </p:nvGrpSpPr>
+      <p:grpSpPr>
+        <a:xfrm>
+          <a:off x="0" y="0"/>
+          <a:ext cx="0" cy="0"/>
+          <a:chOff x="0" y="0"/>
+          <a:chExt cx="0" cy="0"/>
+        </a:xfrm>
+      </p:grpSpPr>
+      <p:sp>
+        <p:nvSpPr>
+          <p:cNvPr id="2" name="Title 1"/>
+          <p:cNvSpPr>
+            <a:spLocks noGrp="1"/>
+          </p:cNvSpPr>
+          <p:nvPr>
+            <p:ph type="title"/>
+          </p:nvPr>
+        </p:nvSpPr>
+        <p:spPr/>
+        <p:txBody>
+          <a:bodyPr/>
+          <a:lstStyle/>
+          <a:p>
+            <a:r>
+              <a:rPr lang="en-US" dirty="0" smtClean="0"/>
+              <a:t>Design Document,</a:t>
+            </a:r>
+            <a:br>
+              <a:rPr lang="en-US" dirty="0" smtClean="0"/>
+            </a:br>
+            <a:r>
+              <a:rPr lang="en-US" dirty="0"/>
+              <a:t/>
+            </a:r>
+            <a:br>
+              <a:rPr lang="en-US" dirty="0"/>
+            </a:br>
+            <a:r>
+              <a:rPr lang="en-US" dirty="0" smtClean="0"/>
+              <a:t>Part 2,</a:t>
+            </a:r>
+            <a:br>
+              <a:rPr lang="en-US" dirty="0" smtClean="0"/>
+            </a:br>
+            <a:r>
+              <a:rPr lang="en-US" dirty="0"/>
+              <a:t/>
+            </a:r>
+            <a:br>
+              <a:rPr lang="en-US" dirty="0"/>
+            </a:br>
+            <a:r>
+              <a:rPr lang="en-US" dirty="0" smtClean="0"/>
+              <a:t>Design Class Diagram</a:t>
+            </a:r>
+            <a:endParaRPr lang="en-US" dirty="0"/>
+          </a:p>
+        </p:txBody>
+      </p:sp>
+      <p:pic>
+        <p:nvPicPr>
+          <p:cNvPr id="3074" name="Picture 2"/>
+          <p:cNvPicPr>
+            <a:picLocks noChangeAspect="1" noChangeArrowheads="1"/>
+          </p:cNvPicPr>
+          <p:nvPr/>
+        </p:nvPicPr>
+        <p:blipFill>
+          <a:blip r:embed="rId2">
+            <a:extLst>
+              <a:ext uri="{28A0092B-C50C-407E-A947-70E740481C1C}">
+                <a14:useLocalDpi xmlns:a14="http://schemas.microsoft.com/office/drawing/2010/main" val="0"/>
+              </a:ext>
+            </a:extLst>
+          </a:blip>
+          <a:srcRect/>
+          <a:stretch>
+            <a:fillRect/>
+          </a:stretch>
+        </p:blipFill>
+        <p:spPr bwMode="auto">
+          <a:xfrm>
+            <a:off x="3484275" y="839032"/>
+            <a:ext cx="8243809" cy="5170791"/>
+          </a:xfrm>
+          <a:prstGeom prst="rect">
+            <a:avLst/>
+          </a:prstGeom>
+          <a:noFill/>
+          <a:ln>
+            <a:noFill/>
+          </a:ln>
+          <a:extLst>
+            <a:ext uri="{909E8E84-426E-40DD-AFC4-6F175D3DCCD1}">
+              <a14:hiddenFill xmlns:a14="http://schemas.microsoft.com/office/drawing/2010/main">
+                <a:solidFill>
+                  <a:srgbClr val="FFFFFF"/>
+                </a:solidFill>
+              </a14:hiddenFill>
+            </a:ext>
+            <a:ext uri="{91240B29-F687-4F45-9708-019B960494DF}">
+              <a14:hiddenLine xmlns:a14="http://schemas.microsoft.com/office/drawing/2010/main" w="12700" cap="flat">
+                <a:solidFill>
+                  <a:srgbClr val="000000"/>
+                </a:solidFill>
+                <a:miter lim="800000"/>
+                <a:headEnd/>
+                <a:tailEnd/>
+              </a14:hiddenLine>
+            </a:ext>
+          </a:extLst>
+        </p:spPr>
+      </p:pic>
+    </p:spTree>
+    <p:extLst>
+      <p:ext uri="{BB962C8B-B14F-4D97-AF65-F5344CB8AC3E}">
+        <p14:creationId xmlns:p14="http://schemas.microsoft.com/office/powerpoint/2010/main" val="373520229"/>
+      </p:ext>
+    </p:extLst>
+  </p:cSld>
+  <p:clrMapOvr>
+    <a:masterClrMapping/>
+  </p:clrMapOvr>
+</p:sld>
+</file>
+
+<file path=ppt/slides/slide12.xml><?xml version="1.0" encoding="utf-8"?>
+<p:sld xmlns:a="http://schemas.openxmlformats.org/drawingml/2006/main" xmlns:r="http://schemas.openxmlformats.org/officeDocument/2006/relationships" xmlns:p="http://schemas.openxmlformats.org/presentationml/2006/main">
+  <p:cSld>
+    <p:spTree>
+      <p:nvGrpSpPr>
+        <p:cNvPr id="1" name=""/>
+        <p:cNvGrpSpPr/>
+        <p:nvPr/>
+      </p:nvGrpSpPr>
+      <p:grpSpPr>
+        <a:xfrm>
+          <a:off x="0" y="0"/>
+          <a:ext cx="0" cy="0"/>
+          <a:chOff x="0" y="0"/>
+          <a:chExt cx="0" cy="0"/>
+        </a:xfrm>
+      </p:grpSpPr>
+      <p:sp>
+        <p:nvSpPr>
+          <p:cNvPr id="2" name="Title 1"/>
+          <p:cNvSpPr>
+            <a:spLocks noGrp="1"/>
+          </p:cNvSpPr>
+          <p:nvPr>
+            <p:ph type="title"/>
+          </p:nvPr>
+        </p:nvSpPr>
+        <p:spPr/>
+        <p:txBody>
+          <a:bodyPr/>
+          <a:lstStyle/>
+          <a:p>
+            <a:r>
+              <a:rPr lang="en-US" dirty="0" smtClean="0"/>
+              <a:t>Design Document,</a:t>
+            </a:r>
+            <a:br>
+              <a:rPr lang="en-US" dirty="0" smtClean="0"/>
+            </a:br>
+            <a:r>
+              <a:rPr lang="en-US" dirty="0"/>
+              <a:t/>
+            </a:r>
+            <a:br>
+              <a:rPr lang="en-US" dirty="0"/>
+            </a:br>
+            <a:r>
+              <a:rPr lang="en-US" dirty="0" smtClean="0"/>
+              <a:t>Part 2,</a:t>
+            </a:r>
+            <a:br>
+              <a:rPr lang="en-US" dirty="0" smtClean="0"/>
+            </a:br>
+            <a:r>
+              <a:rPr lang="en-US" dirty="0"/>
+              <a:t/>
+            </a:r>
+            <a:br>
+              <a:rPr lang="en-US" dirty="0"/>
+            </a:br>
+            <a:r>
+              <a:rPr lang="en-US" dirty="0" smtClean="0"/>
+              <a:t>Design Class Diagram</a:t>
+            </a:r>
+            <a:endParaRPr lang="en-US" dirty="0"/>
+          </a:p>
+        </p:txBody>
+      </p:sp>
+      <p:pic>
+        <p:nvPicPr>
+          <p:cNvPr id="4098" name="Picture 2"/>
+          <p:cNvPicPr>
+            <a:picLocks noChangeAspect="1" noChangeArrowheads="1"/>
+          </p:cNvPicPr>
+          <p:nvPr/>
+        </p:nvPicPr>
+        <p:blipFill>
+          <a:blip r:embed="rId2">
+            <a:extLst>
+              <a:ext uri="{28A0092B-C50C-407E-A947-70E740481C1C}">
+                <a14:useLocalDpi xmlns:a14="http://schemas.microsoft.com/office/drawing/2010/main" val="0"/>
+              </a:ext>
+            </a:extLst>
+          </a:blip>
+          <a:srcRect/>
+          <a:stretch>
+            <a:fillRect/>
+          </a:stretch>
+        </p:blipFill>
+        <p:spPr bwMode="auto">
+          <a:xfrm>
+            <a:off x="3557762" y="851336"/>
+            <a:ext cx="8061639" cy="5146184"/>
+          </a:xfrm>
+          <a:prstGeom prst="rect">
+            <a:avLst/>
+          </a:prstGeom>
+          <a:noFill/>
+          <a:ln>
+            <a:noFill/>
+          </a:ln>
+          <a:extLst>
+            <a:ext uri="{909E8E84-426E-40DD-AFC4-6F175D3DCCD1}">
+              <a14:hiddenFill xmlns:a14="http://schemas.microsoft.com/office/drawing/2010/main">
+                <a:solidFill>
+                  <a:srgbClr val="FFFFFF"/>
+                </a:solidFill>
+              </a14:hiddenFill>
+            </a:ext>
+            <a:ext uri="{91240B29-F687-4F45-9708-019B960494DF}">
+              <a14:hiddenLine xmlns:a14="http://schemas.microsoft.com/office/drawing/2010/main" w="12700" cap="flat">
+                <a:solidFill>
+                  <a:srgbClr val="000000"/>
+                </a:solidFill>
+                <a:miter lim="800000"/>
+                <a:headEnd/>
+                <a:tailEnd/>
+              </a14:hiddenLine>
+            </a:ext>
+          </a:extLst>
+        </p:spPr>
+      </p:pic>
+    </p:spTree>
+    <p:extLst>
+      <p:ext uri="{BB962C8B-B14F-4D97-AF65-F5344CB8AC3E}">
+        <p14:creationId xmlns:p14="http://schemas.microsoft.com/office/powerpoint/2010/main" val="3575423352"/>
+      </p:ext>
+    </p:extLst>
+  </p:cSld>
+  <p:clrMapOvr>
+    <a:masterClrMapping/>
+  </p:clrMapOvr>
+</p:sld>
+</file>
+
+<file path=ppt/slides/slide13.xml><?xml version="1.0" encoding="utf-8"?>
+<p:sld xmlns:a="http://schemas.openxmlformats.org/drawingml/2006/main" xmlns:r="http://schemas.openxmlformats.org/officeDocument/2006/relationships" xmlns:p="http://schemas.openxmlformats.org/presentationml/2006/main">
+  <p:cSld>
+    <p:spTree>
+      <p:nvGrpSpPr>
+        <p:cNvPr id="1" name=""/>
+        <p:cNvGrpSpPr/>
+        <p:nvPr/>
+      </p:nvGrpSpPr>
+      <p:grpSpPr>
+        <a:xfrm>
+          <a:off x="0" y="0"/>
+          <a:ext cx="0" cy="0"/>
+          <a:chOff x="0" y="0"/>
+          <a:chExt cx="0" cy="0"/>
+        </a:xfrm>
+      </p:grpSpPr>
+      <p:sp>
+        <p:nvSpPr>
           <p:cNvPr id="2" name="Title 1">
             <a:extLst>
               <a:ext uri="{FF2B5EF4-FFF2-40B4-BE49-F238E27FC236}">
@@ -3911,7 +4322,7 @@
 </p:sld>
 </file>
 
-<file path=ppt/slides/slide11.xml><?xml version="1.0" encoding="utf-8"?>
+<file path=ppt/slides/slide14.xml><?xml version="1.0" encoding="utf-8"?>
 <p:sld xmlns:a="http://schemas.openxmlformats.org/drawingml/2006/main" xmlns:r="http://schemas.openxmlformats.org/officeDocument/2006/relationships" xmlns:p="http://schemas.openxmlformats.org/presentationml/2006/main">
   <p:cSld>
     <p:spTree>
@@ -4027,7 +4438,7 @@
 </p:sld>
 </file>
 
-<file path=ppt/slides/slide12.xml><?xml version="1.0" encoding="utf-8"?>
+<file path=ppt/slides/slide15.xml><?xml version="1.0" encoding="utf-8"?>
 <p:sld xmlns:a="http://schemas.openxmlformats.org/drawingml/2006/main" xmlns:r="http://schemas.openxmlformats.org/officeDocument/2006/relationships" xmlns:p="http://schemas.openxmlformats.org/presentationml/2006/main">
   <p:cSld>
     <p:spTree>
@@ -4147,7 +4558,7 @@
 </p:sld>
 </file>
 
-<file path=ppt/slides/slide13.xml><?xml version="1.0" encoding="utf-8"?>
+<file path=ppt/slides/slide16.xml><?xml version="1.0" encoding="utf-8"?>
 <p:sld xmlns:a="http://schemas.openxmlformats.org/drawingml/2006/main" xmlns:r="http://schemas.openxmlformats.org/officeDocument/2006/relationships" xmlns:p="http://schemas.openxmlformats.org/presentationml/2006/main">
   <p:cSld>
     <p:spTree>
@@ -4267,322 +4678,6 @@
 </p:sld>
 </file>
 
-<file path=ppt/slides/slide14.xml><?xml version="1.0" encoding="utf-8"?>
-<p:sld xmlns:a="http://schemas.openxmlformats.org/drawingml/2006/main" xmlns:r="http://schemas.openxmlformats.org/officeDocument/2006/relationships" xmlns:p="http://schemas.openxmlformats.org/presentationml/2006/main">
-  <p:cSld>
-    <p:spTree>
-      <p:nvGrpSpPr>
-        <p:cNvPr id="1" name=""/>
-        <p:cNvGrpSpPr/>
-        <p:nvPr/>
-      </p:nvGrpSpPr>
-      <p:grpSpPr>
-        <a:xfrm>
-          <a:off x="0" y="0"/>
-          <a:ext cx="0" cy="0"/>
-          <a:chOff x="0" y="0"/>
-          <a:chExt cx="0" cy="0"/>
-        </a:xfrm>
-      </p:grpSpPr>
-      <p:sp>
-        <p:nvSpPr>
-          <p:cNvPr id="2" name="Title 1">
-            <a:extLst>
-              <a:ext uri="{FF2B5EF4-FFF2-40B4-BE49-F238E27FC236}">
-                <a16:creationId xmlns:a16="http://schemas.microsoft.com/office/drawing/2014/main" id="{2B49AE7B-9AA3-4102-A5EC-002C891B002C}"/>
-              </a:ext>
-            </a:extLst>
-          </p:cNvPr>
-          <p:cNvSpPr>
-            <a:spLocks noGrp="1"/>
-          </p:cNvSpPr>
-          <p:nvPr>
-            <p:ph type="title"/>
-          </p:nvPr>
-        </p:nvSpPr>
-        <p:spPr/>
-        <p:txBody>
-          <a:bodyPr/>
-          <a:lstStyle/>
-          <a:p>
-            <a:r>
-              <a:rPr lang="en-US" dirty="0"/>
-              <a:t>Testing Document</a:t>
-            </a:r>
-          </a:p>
-        </p:txBody>
-      </p:sp>
-      <p:sp>
-        <p:nvSpPr>
-          <p:cNvPr id="3" name="Content Placeholder 2">
-            <a:extLst>
-              <a:ext uri="{FF2B5EF4-FFF2-40B4-BE49-F238E27FC236}">
-                <a16:creationId xmlns:a16="http://schemas.microsoft.com/office/drawing/2014/main" id="{BC65C704-ABCF-4D49-B74E-C6E0866CE77F}"/>
-              </a:ext>
-            </a:extLst>
-          </p:cNvPr>
-          <p:cNvSpPr>
-            <a:spLocks noGrp="1"/>
-          </p:cNvSpPr>
-          <p:nvPr>
-            <p:ph idx="1"/>
-          </p:nvPr>
-        </p:nvSpPr>
-        <p:spPr/>
-        <p:txBody>
-          <a:bodyPr/>
-          <a:lstStyle/>
-          <a:p>
-            <a:endParaRPr lang="en-US"/>
-          </a:p>
-        </p:txBody>
-      </p:sp>
-    </p:spTree>
-    <p:extLst>
-      <p:ext uri="{BB962C8B-B14F-4D97-AF65-F5344CB8AC3E}">
-        <p14:creationId xmlns:p14="http://schemas.microsoft.com/office/powerpoint/2010/main" val="3594849281"/>
-      </p:ext>
-    </p:extLst>
-  </p:cSld>
-  <p:clrMapOvr>
-    <a:masterClrMapping/>
-  </p:clrMapOvr>
-</p:sld>
-</file>
-
-<file path=ppt/slides/slide15.xml><?xml version="1.0" encoding="utf-8"?>
-<p:sld xmlns:a="http://schemas.openxmlformats.org/drawingml/2006/main" xmlns:r="http://schemas.openxmlformats.org/officeDocument/2006/relationships" xmlns:p="http://schemas.openxmlformats.org/presentationml/2006/main">
-  <p:cSld>
-    <p:spTree>
-      <p:nvGrpSpPr>
-        <p:cNvPr id="1" name=""/>
-        <p:cNvGrpSpPr/>
-        <p:nvPr/>
-      </p:nvGrpSpPr>
-      <p:grpSpPr>
-        <a:xfrm>
-          <a:off x="0" y="0"/>
-          <a:ext cx="0" cy="0"/>
-          <a:chOff x="0" y="0"/>
-          <a:chExt cx="0" cy="0"/>
-        </a:xfrm>
-      </p:grpSpPr>
-      <p:sp>
-        <p:nvSpPr>
-          <p:cNvPr id="2" name="Title 1">
-            <a:extLst>
-              <a:ext uri="{FF2B5EF4-FFF2-40B4-BE49-F238E27FC236}">
-                <a16:creationId xmlns:a16="http://schemas.microsoft.com/office/drawing/2014/main" id="{F2E86484-FB57-4B77-9B4D-3852FE03A557}"/>
-              </a:ext>
-            </a:extLst>
-          </p:cNvPr>
-          <p:cNvSpPr>
-            <a:spLocks noGrp="1"/>
-          </p:cNvSpPr>
-          <p:nvPr>
-            <p:ph type="title"/>
-          </p:nvPr>
-        </p:nvSpPr>
-        <p:spPr/>
-        <p:txBody>
-          <a:bodyPr/>
-          <a:lstStyle/>
-          <a:p>
-            <a:r>
-              <a:rPr lang="en-US" dirty="0"/>
-              <a:t>Development Manual</a:t>
-            </a:r>
-          </a:p>
-        </p:txBody>
-      </p:sp>
-      <p:sp>
-        <p:nvSpPr>
-          <p:cNvPr id="3" name="Content Placeholder 2">
-            <a:extLst>
-              <a:ext uri="{FF2B5EF4-FFF2-40B4-BE49-F238E27FC236}">
-                <a16:creationId xmlns:a16="http://schemas.microsoft.com/office/drawing/2014/main" id="{0FB8A1D6-6C62-4CED-AE1A-58EB6417C63C}"/>
-              </a:ext>
-            </a:extLst>
-          </p:cNvPr>
-          <p:cNvSpPr>
-            <a:spLocks noGrp="1"/>
-          </p:cNvSpPr>
-          <p:nvPr>
-            <p:ph idx="1"/>
-          </p:nvPr>
-        </p:nvSpPr>
-        <p:spPr/>
-        <p:txBody>
-          <a:bodyPr/>
-          <a:lstStyle/>
-          <a:p>
-            <a:endParaRPr lang="en-US"/>
-          </a:p>
-        </p:txBody>
-      </p:sp>
-    </p:spTree>
-    <p:extLst>
-      <p:ext uri="{BB962C8B-B14F-4D97-AF65-F5344CB8AC3E}">
-        <p14:creationId xmlns:p14="http://schemas.microsoft.com/office/powerpoint/2010/main" val="1329904567"/>
-      </p:ext>
-    </p:extLst>
-  </p:cSld>
-  <p:clrMapOvr>
-    <a:masterClrMapping/>
-  </p:clrMapOvr>
-</p:sld>
-</file>
-
-<file path=ppt/slides/slide16.xml><?xml version="1.0" encoding="utf-8"?>
-<p:sld xmlns:a="http://schemas.openxmlformats.org/drawingml/2006/main" xmlns:r="http://schemas.openxmlformats.org/officeDocument/2006/relationships" xmlns:p="http://schemas.openxmlformats.org/presentationml/2006/main">
-  <p:cSld>
-    <p:spTree>
-      <p:nvGrpSpPr>
-        <p:cNvPr id="1" name=""/>
-        <p:cNvGrpSpPr/>
-        <p:nvPr/>
-      </p:nvGrpSpPr>
-      <p:grpSpPr>
-        <a:xfrm>
-          <a:off x="0" y="0"/>
-          <a:ext cx="0" cy="0"/>
-          <a:chOff x="0" y="0"/>
-          <a:chExt cx="0" cy="0"/>
-        </a:xfrm>
-      </p:grpSpPr>
-      <p:sp>
-        <p:nvSpPr>
-          <p:cNvPr id="2" name="Title 1">
-            <a:extLst>
-              <a:ext uri="{FF2B5EF4-FFF2-40B4-BE49-F238E27FC236}">
-                <a16:creationId xmlns:a16="http://schemas.microsoft.com/office/drawing/2014/main" id="{3A34420C-3FD0-44C0-94F2-39C7ACC683E7}"/>
-              </a:ext>
-            </a:extLst>
-          </p:cNvPr>
-          <p:cNvSpPr>
-            <a:spLocks noGrp="1"/>
-          </p:cNvSpPr>
-          <p:nvPr>
-            <p:ph type="title"/>
-          </p:nvPr>
-        </p:nvSpPr>
-        <p:spPr/>
-        <p:txBody>
-          <a:bodyPr/>
-          <a:lstStyle/>
-          <a:p>
-            <a:r>
-              <a:rPr lang="en-US" dirty="0"/>
-              <a:t>Refactoring and Design Pattern List</a:t>
-            </a:r>
-          </a:p>
-        </p:txBody>
-      </p:sp>
-      <p:sp>
-        <p:nvSpPr>
-          <p:cNvPr id="7" name="Content Placeholder 6">
-            <a:extLst>
-              <a:ext uri="{FF2B5EF4-FFF2-40B4-BE49-F238E27FC236}">
-                <a16:creationId xmlns:a16="http://schemas.microsoft.com/office/drawing/2014/main" id="{29B06102-522B-421B-A1CB-15574D84486B}"/>
-              </a:ext>
-            </a:extLst>
-          </p:cNvPr>
-          <p:cNvSpPr>
-            <a:spLocks noGrp="1"/>
-          </p:cNvSpPr>
-          <p:nvPr>
-            <p:ph idx="1"/>
-          </p:nvPr>
-        </p:nvSpPr>
-        <p:spPr/>
-        <p:txBody>
-          <a:bodyPr/>
-          <a:lstStyle/>
-          <a:p>
-            <a:r>
-              <a:rPr lang="en-US" dirty="0"/>
-              <a:t>Separated classes into MVC layout</a:t>
-            </a:r>
-          </a:p>
-          <a:p>
-            <a:pPr lvl="1"/>
-            <a:r>
-              <a:rPr lang="en-US" dirty="0"/>
-              <a:t>Model contains all game logic</a:t>
-            </a:r>
-          </a:p>
-          <a:p>
-            <a:pPr lvl="1"/>
-            <a:r>
-              <a:rPr lang="en-US" dirty="0"/>
-              <a:t>View contain UI elements</a:t>
-            </a:r>
-          </a:p>
-          <a:p>
-            <a:pPr lvl="1"/>
-            <a:r>
-              <a:rPr lang="en-US" dirty="0"/>
-              <a:t>Controller helps with server and database interaction</a:t>
-            </a:r>
-          </a:p>
-          <a:p>
-            <a:r>
-              <a:rPr lang="en-US" dirty="0"/>
-              <a:t>Implemented Façade Pattern</a:t>
-            </a:r>
-          </a:p>
-          <a:p>
-            <a:pPr lvl="1"/>
-            <a:r>
-              <a:rPr lang="en-US" dirty="0"/>
-              <a:t>Mainly within </a:t>
-            </a:r>
-            <a:r>
-              <a:rPr lang="en-US"/>
-              <a:t>Model package</a:t>
-            </a:r>
-            <a:endParaRPr lang="en-US" dirty="0"/>
-          </a:p>
-          <a:p>
-            <a:r>
-              <a:rPr lang="en-US" dirty="0"/>
-              <a:t>Extraction of Code</a:t>
-            </a:r>
-          </a:p>
-          <a:p>
-            <a:r>
-              <a:rPr lang="en-US" dirty="0"/>
-              <a:t>Rearranged class structure to reduce coupling</a:t>
-            </a:r>
-          </a:p>
-          <a:p>
-            <a:r>
-              <a:rPr lang="en-US" dirty="0"/>
-              <a:t>Removed unneeded/unused classes</a:t>
-            </a:r>
-          </a:p>
-          <a:p>
-            <a:pPr lvl="1"/>
-            <a:r>
-              <a:rPr lang="en-US" dirty="0"/>
-              <a:t>Log, Profile, Invitation</a:t>
-            </a:r>
-          </a:p>
-        </p:txBody>
-      </p:sp>
-    </p:spTree>
-    <p:extLst>
-      <p:ext uri="{BB962C8B-B14F-4D97-AF65-F5344CB8AC3E}">
-        <p14:creationId xmlns:p14="http://schemas.microsoft.com/office/powerpoint/2010/main" val="1184941057"/>
-      </p:ext>
-    </p:extLst>
-  </p:cSld>
-  <p:clrMapOvr>
-    <a:masterClrMapping/>
-  </p:clrMapOvr>
-</p:sld>
-</file>
-
 <file path=ppt/slides/slide17.xml><?xml version="1.0" encoding="utf-8"?>
 <p:sld xmlns:a="http://schemas.openxmlformats.org/drawingml/2006/main" xmlns:r="http://schemas.openxmlformats.org/officeDocument/2006/relationships" xmlns:p="http://schemas.openxmlformats.org/presentationml/2006/main">
   <p:cSld>
@@ -4605,7 +4700,7 @@
           <p:cNvPr id="2" name="Title 1">
             <a:extLst>
               <a:ext uri="{FF2B5EF4-FFF2-40B4-BE49-F238E27FC236}">
-                <a16:creationId xmlns:a16="http://schemas.microsoft.com/office/drawing/2014/main" id="{7EEBECC8-658F-4FF8-B9A7-619A08F9E0CD}"/>
+                <a16:creationId xmlns:a16="http://schemas.microsoft.com/office/drawing/2014/main" id="{2B49AE7B-9AA3-4102-A5EC-002C891B002C}"/>
               </a:ext>
             </a:extLst>
           </p:cNvPr>
@@ -4623,7 +4718,7 @@
           <a:p>
             <a:r>
               <a:rPr lang="en-US" dirty="0"/>
-              <a:t>Traceability Link Matrix</a:t>
+              <a:t>Testing Document</a:t>
             </a:r>
           </a:p>
         </p:txBody>
@@ -4633,7 +4728,7 @@
           <p:cNvPr id="3" name="Content Placeholder 2">
             <a:extLst>
               <a:ext uri="{FF2B5EF4-FFF2-40B4-BE49-F238E27FC236}">
-                <a16:creationId xmlns:a16="http://schemas.microsoft.com/office/drawing/2014/main" id="{7B880C6B-57DC-4300-8635-53594D3BAC94}"/>
+                <a16:creationId xmlns:a16="http://schemas.microsoft.com/office/drawing/2014/main" id="{BC65C704-ABCF-4D49-B74E-C6E0866CE77F}"/>
               </a:ext>
             </a:extLst>
           </p:cNvPr>
@@ -4656,7 +4751,7 @@
     </p:spTree>
     <p:extLst>
       <p:ext uri="{BB962C8B-B14F-4D97-AF65-F5344CB8AC3E}">
-        <p14:creationId xmlns:p14="http://schemas.microsoft.com/office/powerpoint/2010/main" val="2673443539"/>
+        <p14:creationId xmlns:p14="http://schemas.microsoft.com/office/powerpoint/2010/main" val="3594849281"/>
       </p:ext>
     </p:extLst>
   </p:cSld>
@@ -4688,7 +4783,7 @@
           <p:cNvPr id="2" name="Title 1">
             <a:extLst>
               <a:ext uri="{FF2B5EF4-FFF2-40B4-BE49-F238E27FC236}">
-                <a16:creationId xmlns:a16="http://schemas.microsoft.com/office/drawing/2014/main" id="{40AE4BCD-88FC-4B30-A88D-BDCBE9C938F5}"/>
+                <a16:creationId xmlns:a16="http://schemas.microsoft.com/office/drawing/2014/main" id="{F2E86484-FB57-4B77-9B4D-3852FE03A557}"/>
               </a:ext>
             </a:extLst>
           </p:cNvPr>
@@ -4706,144 +4801,916 @@
           <a:p>
             <a:r>
               <a:rPr lang="en-US" dirty="0"/>
-              <a:t>Challenges and Lessons Learned</a:t>
-            </a:r>
-          </a:p>
-        </p:txBody>
-      </p:sp>
-      <p:sp>
-        <p:nvSpPr>
-          <p:cNvPr id="3" name="Content Placeholder 2">
-            <a:extLst>
-              <a:ext uri="{FF2B5EF4-FFF2-40B4-BE49-F238E27FC236}">
-                <a16:creationId xmlns:a16="http://schemas.microsoft.com/office/drawing/2014/main" id="{2032AC58-34D7-44C2-A01D-97417F35A2D1}"/>
-              </a:ext>
-            </a:extLst>
-          </p:cNvPr>
-          <p:cNvSpPr>
-            <a:spLocks noGrp="1"/>
-          </p:cNvSpPr>
-          <p:nvPr>
-            <p:ph idx="1"/>
-          </p:nvPr>
+              <a:t>Development Manual</a:t>
+            </a:r>
+          </a:p>
+        </p:txBody>
+      </p:sp>
+      <p:sp>
+        <p:nvSpPr>
+          <p:cNvPr id="5" name="Rectangle 4"/>
+          <p:cNvSpPr/>
+          <p:nvPr/>
         </p:nvSpPr>
         <p:spPr>
           <a:xfrm>
-            <a:off x="3869268" y="160422"/>
-            <a:ext cx="7315200" cy="6529136"/>
+            <a:off x="4191000" y="238940"/>
+            <a:ext cx="6096000" cy="6370975"/>
           </a:xfrm>
+          <a:prstGeom prst="rect">
+            <a:avLst/>
+          </a:prstGeom>
         </p:spPr>
         <p:txBody>
           <a:bodyPr>
-            <a:normAutofit/>
+            <a:spAutoFit/>
           </a:bodyPr>
           <a:lstStyle/>
           <a:p>
             <a:r>
-              <a:rPr lang="en-US" dirty="0"/>
-              <a:t>Teamwork: </a:t>
-            </a:r>
-          </a:p>
-          <a:p>
-            <a:pPr lvl="1"/>
-            <a:r>
-              <a:rPr lang="en-US" dirty="0"/>
-              <a:t>Challenge: we struggled to follow through on our plans.</a:t>
-            </a:r>
-          </a:p>
-          <a:p>
-            <a:pPr lvl="1"/>
-            <a:r>
-              <a:rPr lang="en-US" dirty="0"/>
-              <a:t>Lesson: make more manageable plans.</a:t>
-            </a:r>
-          </a:p>
-          <a:p>
-            <a:r>
-              <a:rPr lang="en-US" dirty="0"/>
-              <a:t>Communication:</a:t>
-            </a:r>
-          </a:p>
-          <a:p>
-            <a:pPr lvl="1"/>
-            <a:r>
-              <a:rPr lang="en-US" dirty="0"/>
-              <a:t>Challenge: we struggled to communicate our difficulties.</a:t>
-            </a:r>
-          </a:p>
-          <a:p>
-            <a:pPr lvl="1"/>
-            <a:r>
-              <a:rPr lang="en-US" dirty="0"/>
-              <a:t>Lesson: communicate our difficulties.</a:t>
-            </a:r>
-          </a:p>
-          <a:p>
-            <a:r>
-              <a:rPr lang="en-US" dirty="0"/>
-              <a:t>Software Design:</a:t>
-            </a:r>
-          </a:p>
-          <a:p>
-            <a:pPr lvl="1"/>
-            <a:r>
-              <a:rPr lang="en-US" dirty="0"/>
-              <a:t>Challenge: we struggled to do TDD or use Agile Methodology.</a:t>
-            </a:r>
-          </a:p>
-          <a:p>
-            <a:pPr lvl="1"/>
-            <a:r>
-              <a:rPr lang="en-US" dirty="0"/>
-              <a:t>Lesson: making more time for work allows us to work how we want to.</a:t>
-            </a:r>
-          </a:p>
-          <a:p>
-            <a:r>
-              <a:rPr lang="en-US" dirty="0"/>
-              <a:t>Software Development:</a:t>
-            </a:r>
-          </a:p>
-          <a:p>
-            <a:pPr lvl="1"/>
-            <a:r>
-              <a:rPr lang="en-US" dirty="0"/>
-              <a:t>Challenge: we struggled to implement as many design patterns as we would’ve liked.</a:t>
-            </a:r>
-          </a:p>
-          <a:p>
-            <a:pPr lvl="1"/>
-            <a:r>
-              <a:rPr lang="en-US" dirty="0"/>
-              <a:t>Lesson: making more time for work allows us to implement what we want to.</a:t>
-            </a:r>
-          </a:p>
-          <a:p>
-            <a:r>
-              <a:rPr lang="en-US" dirty="0"/>
-              <a:t>Commit Log: </a:t>
-            </a:r>
-          </a:p>
-          <a:p>
-            <a:pPr lvl="1"/>
-            <a:r>
-              <a:rPr lang="en-US" dirty="0"/>
-              <a:t>Challenge: 156 commits the week of November 12</a:t>
-            </a:r>
-            <a:r>
-              <a:rPr lang="en-US" baseline="30000" dirty="0"/>
-              <a:t>th</a:t>
-            </a:r>
-            <a:r>
-              <a:rPr lang="en-US" dirty="0"/>
-              <a:t>.</a:t>
-            </a:r>
-          </a:p>
-          <a:p>
-            <a:pPr lvl="1"/>
-            <a:r>
-              <a:rPr lang="en-US" dirty="0"/>
-              <a:t>Lesson: ensure all group members are doing their parts before the weekend before the due date.</a:t>
+              <a:rPr lang="en-US" sz="1200" b="1" dirty="0">
+                <a:solidFill>
+                  <a:srgbClr val="000000"/>
+                </a:solidFill>
+                <a:latin typeface="Helvetica" panose="020B0604020202020204" pitchFamily="34" charset="0"/>
+                <a:ea typeface="ヒラギノ角ゴ Pro W3"/>
+                <a:cs typeface="Times New Roman" panose="02020603050405020304" pitchFamily="18" charset="0"/>
+              </a:rPr>
+              <a:t>Development Manual</a:t>
+            </a:r>
+            <a:endParaRPr lang="en-US" sz="1200" dirty="0">
+              <a:solidFill>
+                <a:srgbClr val="000000"/>
+              </a:solidFill>
+              <a:latin typeface="Helvetica" panose="020B0604020202020204" pitchFamily="34" charset="0"/>
+              <a:ea typeface="ヒラギノ角ゴ Pro W3"/>
+              <a:cs typeface="Times New Roman" panose="02020603050405020304" pitchFamily="18" charset="0"/>
+            </a:endParaRPr>
+          </a:p>
+          <a:p>
+            <a:r>
+              <a:rPr lang="en-US" sz="1200" dirty="0">
+                <a:solidFill>
+                  <a:srgbClr val="000000"/>
+                </a:solidFill>
+                <a:latin typeface="Helvetica" panose="020B0604020202020204" pitchFamily="34" charset="0"/>
+                <a:ea typeface="ヒラギノ角ゴ Pro W3"/>
+                <a:cs typeface="Times New Roman" panose="02020603050405020304" pitchFamily="18" charset="0"/>
+              </a:rPr>
+              <a:t> </a:t>
+            </a:r>
+          </a:p>
+          <a:p>
+            <a:r>
+              <a:rPr lang="en-US" sz="1200" b="1" dirty="0">
+                <a:solidFill>
+                  <a:srgbClr val="000000"/>
+                </a:solidFill>
+                <a:latin typeface="Helvetica" panose="020B0604020202020204" pitchFamily="34" charset="0"/>
+                <a:ea typeface="ヒラギノ角ゴ Pro W3"/>
+                <a:cs typeface="Times New Roman" panose="02020603050405020304" pitchFamily="18" charset="0"/>
+              </a:rPr>
+              <a:t>Tools needed to begin development of product:</a:t>
+            </a:r>
+            <a:endParaRPr lang="en-US" sz="1200" dirty="0">
+              <a:solidFill>
+                <a:srgbClr val="000000"/>
+              </a:solidFill>
+              <a:latin typeface="Helvetica" panose="020B0604020202020204" pitchFamily="34" charset="0"/>
+              <a:ea typeface="ヒラギノ角ゴ Pro W3"/>
+              <a:cs typeface="Times New Roman" panose="02020603050405020304" pitchFamily="18" charset="0"/>
+            </a:endParaRPr>
+          </a:p>
+          <a:p>
+            <a:r>
+              <a:rPr lang="en-US" sz="1200" dirty="0">
+                <a:solidFill>
+                  <a:srgbClr val="000000"/>
+                </a:solidFill>
+                <a:latin typeface="Helvetica" panose="020B0604020202020204" pitchFamily="34" charset="0"/>
+                <a:ea typeface="ヒラギノ角ゴ Pro W3"/>
+                <a:cs typeface="Times New Roman" panose="02020603050405020304" pitchFamily="18" charset="0"/>
+              </a:rPr>
+              <a:t> </a:t>
+            </a:r>
+          </a:p>
+          <a:p>
+            <a:pPr marL="342900" marR="0" lvl="0" indent="-342900">
+              <a:spcBef>
+                <a:spcPts val="0"/>
+              </a:spcBef>
+              <a:spcAft>
+                <a:spcPts val="0"/>
+              </a:spcAft>
+              <a:buFont typeface="+mj-lt"/>
+              <a:buAutoNum type="arabicPeriod"/>
+              <a:tabLst>
+                <a:tab pos="165100" algn="l"/>
+              </a:tabLst>
+            </a:pPr>
+            <a:r>
+              <a:rPr lang="en-US" sz="1200" dirty="0">
+                <a:solidFill>
+                  <a:srgbClr val="000000"/>
+                </a:solidFill>
+                <a:latin typeface="Helvetica" panose="020B0604020202020204" pitchFamily="34" charset="0"/>
+                <a:ea typeface="ヒラギノ角ゴ Pro W3"/>
+                <a:cs typeface="Times New Roman" panose="02020603050405020304" pitchFamily="18" charset="0"/>
+              </a:rPr>
+              <a:t>Eclipse (</a:t>
+            </a:r>
+            <a:r>
+              <a:rPr lang="en-US" sz="1200" dirty="0">
+                <a:solidFill>
+                  <a:srgbClr val="000099"/>
+                </a:solidFill>
+                <a:latin typeface="Helvetica" panose="020B0604020202020204" pitchFamily="34" charset="0"/>
+                <a:ea typeface="ヒラギノ角ゴ Pro W3"/>
+                <a:cs typeface="Times New Roman" panose="02020603050405020304" pitchFamily="18" charset="0"/>
+                <a:hlinkClick r:id="rId2"/>
+              </a:rPr>
+              <a:t>https://www.eclipse.org/downloads/</a:t>
+            </a:r>
+            <a:r>
+              <a:rPr lang="en-US" sz="1200" dirty="0">
+                <a:solidFill>
+                  <a:srgbClr val="000000"/>
+                </a:solidFill>
+                <a:latin typeface="Helvetica" panose="020B0604020202020204" pitchFamily="34" charset="0"/>
+                <a:ea typeface="ヒラギノ角ゴ Pro W3"/>
+                <a:cs typeface="Times New Roman" panose="02020603050405020304" pitchFamily="18" charset="0"/>
+              </a:rPr>
+              <a:t>)</a:t>
+            </a:r>
+          </a:p>
+          <a:p>
+            <a:pPr marL="342900" marR="0" lvl="0" indent="-342900">
+              <a:spcBef>
+                <a:spcPts val="0"/>
+              </a:spcBef>
+              <a:spcAft>
+                <a:spcPts val="0"/>
+              </a:spcAft>
+              <a:buFont typeface="+mj-lt"/>
+              <a:buAutoNum type="arabicPeriod"/>
+              <a:tabLst>
+                <a:tab pos="165100" algn="l"/>
+              </a:tabLst>
+            </a:pPr>
+            <a:r>
+              <a:rPr lang="en-US" sz="1200" dirty="0">
+                <a:solidFill>
+                  <a:srgbClr val="000000"/>
+                </a:solidFill>
+                <a:latin typeface="Helvetica" panose="020B0604020202020204" pitchFamily="34" charset="0"/>
+                <a:ea typeface="ヒラギノ角ゴ Pro W3"/>
+                <a:cs typeface="Times New Roman" panose="02020603050405020304" pitchFamily="18" charset="0"/>
+              </a:rPr>
+              <a:t>MySQL (</a:t>
+            </a:r>
+            <a:r>
+              <a:rPr lang="en-US" sz="1200" dirty="0">
+                <a:solidFill>
+                  <a:srgbClr val="000099"/>
+                </a:solidFill>
+                <a:latin typeface="Helvetica" panose="020B0604020202020204" pitchFamily="34" charset="0"/>
+                <a:ea typeface="ヒラギノ角ゴ Pro W3"/>
+                <a:cs typeface="Times New Roman" panose="02020603050405020304" pitchFamily="18" charset="0"/>
+                <a:hlinkClick r:id="rId3"/>
+              </a:rPr>
+              <a:t>https://dev.mysql.com/downloads/repo/</a:t>
+            </a:r>
+            <a:r>
+              <a:rPr lang="en-US" sz="1200" dirty="0">
+                <a:solidFill>
+                  <a:srgbClr val="000000"/>
+                </a:solidFill>
+                <a:latin typeface="Helvetica" panose="020B0604020202020204" pitchFamily="34" charset="0"/>
+                <a:ea typeface="ヒラギノ角ゴ Pro W3"/>
+                <a:cs typeface="Times New Roman" panose="02020603050405020304" pitchFamily="18" charset="0"/>
+              </a:rPr>
+              <a:t>)</a:t>
+            </a:r>
+          </a:p>
+          <a:p>
+            <a:pPr marL="342900" marR="0" lvl="0" indent="-342900">
+              <a:spcBef>
+                <a:spcPts val="0"/>
+              </a:spcBef>
+              <a:spcAft>
+                <a:spcPts val="0"/>
+              </a:spcAft>
+              <a:buFont typeface="+mj-lt"/>
+              <a:buAutoNum type="arabicPeriod"/>
+              <a:tabLst>
+                <a:tab pos="165100" algn="l"/>
+              </a:tabLst>
+            </a:pPr>
+            <a:r>
+              <a:rPr lang="en-US" sz="1200" dirty="0" err="1">
+                <a:solidFill>
+                  <a:srgbClr val="000000"/>
+                </a:solidFill>
+                <a:latin typeface="Helvetica" panose="020B0604020202020204" pitchFamily="34" charset="0"/>
+                <a:ea typeface="ヒラギノ角ゴ Pro W3"/>
+                <a:cs typeface="Times New Roman" panose="02020603050405020304" pitchFamily="18" charset="0"/>
+              </a:rPr>
+              <a:t>Git</a:t>
+            </a:r>
+            <a:r>
+              <a:rPr lang="en-US" sz="1200" dirty="0">
+                <a:solidFill>
+                  <a:srgbClr val="000000"/>
+                </a:solidFill>
+                <a:latin typeface="Helvetica" panose="020B0604020202020204" pitchFamily="34" charset="0"/>
+                <a:ea typeface="ヒラギノ角ゴ Pro W3"/>
+                <a:cs typeface="Times New Roman" panose="02020603050405020304" pitchFamily="18" charset="0"/>
+              </a:rPr>
+              <a:t> (</a:t>
+            </a:r>
+            <a:r>
+              <a:rPr lang="en-US" sz="1200" dirty="0">
+                <a:solidFill>
+                  <a:srgbClr val="000099"/>
+                </a:solidFill>
+                <a:latin typeface="Helvetica" panose="020B0604020202020204" pitchFamily="34" charset="0"/>
+                <a:ea typeface="ヒラギノ角ゴ Pro W3"/>
+                <a:cs typeface="Times New Roman" panose="02020603050405020304" pitchFamily="18" charset="0"/>
+                <a:hlinkClick r:id="rId4"/>
+              </a:rPr>
+              <a:t>https://git-scm.com/downloads</a:t>
+            </a:r>
+            <a:r>
+              <a:rPr lang="en-US" sz="1200" dirty="0">
+                <a:solidFill>
+                  <a:srgbClr val="000000"/>
+                </a:solidFill>
+                <a:latin typeface="Helvetica" panose="020B0604020202020204" pitchFamily="34" charset="0"/>
+                <a:ea typeface="ヒラギノ角ゴ Pro W3"/>
+                <a:cs typeface="Times New Roman" panose="02020603050405020304" pitchFamily="18" charset="0"/>
+              </a:rPr>
+              <a:t>)</a:t>
+            </a:r>
+          </a:p>
+          <a:p>
+            <a:r>
+              <a:rPr lang="en-US" sz="1200" b="1" dirty="0">
+                <a:solidFill>
+                  <a:srgbClr val="000000"/>
+                </a:solidFill>
+                <a:latin typeface="Helvetica" panose="020B0604020202020204" pitchFamily="34" charset="0"/>
+                <a:ea typeface="ヒラギノ角ゴ Pro W3"/>
+                <a:cs typeface="Times New Roman" panose="02020603050405020304" pitchFamily="18" charset="0"/>
+              </a:rPr>
+              <a:t> </a:t>
+            </a:r>
+            <a:endParaRPr lang="en-US" sz="1200" dirty="0">
+              <a:solidFill>
+                <a:srgbClr val="000000"/>
+              </a:solidFill>
+              <a:latin typeface="Helvetica" panose="020B0604020202020204" pitchFamily="34" charset="0"/>
+              <a:ea typeface="ヒラギノ角ゴ Pro W3"/>
+              <a:cs typeface="Times New Roman" panose="02020603050405020304" pitchFamily="18" charset="0"/>
+            </a:endParaRPr>
+          </a:p>
+          <a:p>
+            <a:r>
+              <a:rPr lang="en-US" sz="1200" b="1" dirty="0">
+                <a:solidFill>
+                  <a:srgbClr val="000000"/>
+                </a:solidFill>
+                <a:latin typeface="Helvetica" panose="020B0604020202020204" pitchFamily="34" charset="0"/>
+                <a:ea typeface="ヒラギノ角ゴ Pro W3"/>
+                <a:cs typeface="Times New Roman" panose="02020603050405020304" pitchFamily="18" charset="0"/>
+              </a:rPr>
+              <a:t>Steps to set up MySQL:</a:t>
+            </a:r>
+            <a:endParaRPr lang="en-US" sz="1200" dirty="0">
+              <a:solidFill>
+                <a:srgbClr val="000000"/>
+              </a:solidFill>
+              <a:latin typeface="Helvetica" panose="020B0604020202020204" pitchFamily="34" charset="0"/>
+              <a:ea typeface="ヒラギノ角ゴ Pro W3"/>
+              <a:cs typeface="Times New Roman" panose="02020603050405020304" pitchFamily="18" charset="0"/>
+            </a:endParaRPr>
+          </a:p>
+          <a:p>
+            <a:r>
+              <a:rPr lang="en-US" sz="1200" dirty="0">
+                <a:solidFill>
+                  <a:srgbClr val="000000"/>
+                </a:solidFill>
+                <a:latin typeface="Helvetica" panose="020B0604020202020204" pitchFamily="34" charset="0"/>
+                <a:ea typeface="ヒラギノ角ゴ Pro W3"/>
+                <a:cs typeface="Times New Roman" panose="02020603050405020304" pitchFamily="18" charset="0"/>
+              </a:rPr>
+              <a:t> </a:t>
+            </a:r>
+          </a:p>
+          <a:p>
+            <a:pPr marL="342900" marR="0" lvl="0" indent="-342900">
+              <a:spcBef>
+                <a:spcPts val="0"/>
+              </a:spcBef>
+              <a:spcAft>
+                <a:spcPts val="0"/>
+              </a:spcAft>
+              <a:buFont typeface="+mj-lt"/>
+              <a:buAutoNum type="arabicPeriod"/>
+              <a:tabLst>
+                <a:tab pos="165100" algn="l"/>
+              </a:tabLst>
+            </a:pPr>
+            <a:r>
+              <a:rPr lang="en-US" sz="1200" dirty="0">
+                <a:solidFill>
+                  <a:srgbClr val="000000"/>
+                </a:solidFill>
+                <a:latin typeface="Helvetica" panose="020B0604020202020204" pitchFamily="34" charset="0"/>
+                <a:ea typeface="ヒラギノ角ゴ Pro W3"/>
+                <a:cs typeface="Times New Roman" panose="02020603050405020304" pitchFamily="18" charset="0"/>
+              </a:rPr>
+              <a:t>Start MySQL server on a local machine</a:t>
+            </a:r>
+          </a:p>
+          <a:p>
+            <a:pPr marL="342900" marR="0" lvl="0" indent="-342900">
+              <a:spcBef>
+                <a:spcPts val="0"/>
+              </a:spcBef>
+              <a:spcAft>
+                <a:spcPts val="0"/>
+              </a:spcAft>
+              <a:buFont typeface="+mj-lt"/>
+              <a:buAutoNum type="arabicPeriod"/>
+              <a:tabLst>
+                <a:tab pos="165100" algn="l"/>
+              </a:tabLst>
+            </a:pPr>
+            <a:r>
+              <a:rPr lang="en-US" sz="1200" dirty="0">
+                <a:solidFill>
+                  <a:srgbClr val="000000"/>
+                </a:solidFill>
+                <a:latin typeface="Helvetica" panose="020B0604020202020204" pitchFamily="34" charset="0"/>
+                <a:ea typeface="ヒラギノ角ゴ Pro W3"/>
+                <a:cs typeface="Times New Roman" panose="02020603050405020304" pitchFamily="18" charset="0"/>
+              </a:rPr>
+              <a:t>Download mysql-connector-java-5.1.44-bin.jar into local project</a:t>
+            </a:r>
+          </a:p>
+          <a:p>
+            <a:r>
+              <a:rPr lang="en-US" sz="1200" dirty="0">
+                <a:solidFill>
+                  <a:srgbClr val="000000"/>
+                </a:solidFill>
+                <a:latin typeface="Helvetica" panose="020B0604020202020204" pitchFamily="34" charset="0"/>
+                <a:ea typeface="ヒラギノ角ゴ Pro W3"/>
+                <a:cs typeface="Times New Roman" panose="02020603050405020304" pitchFamily="18" charset="0"/>
+              </a:rPr>
+              <a:t> </a:t>
+            </a:r>
+          </a:p>
+          <a:p>
+            <a:r>
+              <a:rPr lang="en-US" sz="1200" b="1" dirty="0">
+                <a:solidFill>
+                  <a:srgbClr val="000000"/>
+                </a:solidFill>
+                <a:latin typeface="Helvetica" panose="020B0604020202020204" pitchFamily="34" charset="0"/>
+                <a:ea typeface="ヒラギノ角ゴ Pro W3"/>
+                <a:cs typeface="Times New Roman" panose="02020603050405020304" pitchFamily="18" charset="0"/>
+              </a:rPr>
+              <a:t>Steps to be taken to work on Project in Eclipse:</a:t>
+            </a:r>
+            <a:endParaRPr lang="en-US" sz="1200" dirty="0">
+              <a:solidFill>
+                <a:srgbClr val="000000"/>
+              </a:solidFill>
+              <a:latin typeface="Helvetica" panose="020B0604020202020204" pitchFamily="34" charset="0"/>
+              <a:ea typeface="ヒラギノ角ゴ Pro W3"/>
+              <a:cs typeface="Times New Roman" panose="02020603050405020304" pitchFamily="18" charset="0"/>
+            </a:endParaRPr>
+          </a:p>
+          <a:p>
+            <a:r>
+              <a:rPr lang="en-US" sz="1200" dirty="0">
+                <a:solidFill>
+                  <a:srgbClr val="000000"/>
+                </a:solidFill>
+                <a:latin typeface="Helvetica" panose="020B0604020202020204" pitchFamily="34" charset="0"/>
+                <a:ea typeface="ヒラギノ角ゴ Pro W3"/>
+                <a:cs typeface="Times New Roman" panose="02020603050405020304" pitchFamily="18" charset="0"/>
+              </a:rPr>
+              <a:t> </a:t>
+            </a:r>
+          </a:p>
+          <a:p>
+            <a:pPr marL="342900" marR="0" lvl="0" indent="-342900">
+              <a:spcBef>
+                <a:spcPts val="0"/>
+              </a:spcBef>
+              <a:spcAft>
+                <a:spcPts val="0"/>
+              </a:spcAft>
+              <a:buFont typeface="+mj-lt"/>
+              <a:buAutoNum type="arabicPeriod"/>
+              <a:tabLst>
+                <a:tab pos="165100" algn="l"/>
+              </a:tabLst>
+            </a:pPr>
+            <a:r>
+              <a:rPr lang="en-US" sz="1200" dirty="0">
+                <a:solidFill>
+                  <a:srgbClr val="000000"/>
+                </a:solidFill>
+                <a:latin typeface="Helvetica" panose="020B0604020202020204" pitchFamily="34" charset="0"/>
+                <a:ea typeface="ヒラギノ角ゴ Pro W3"/>
+                <a:cs typeface="Times New Roman" panose="02020603050405020304" pitchFamily="18" charset="0"/>
+              </a:rPr>
+              <a:t>Attain </a:t>
+            </a:r>
+            <a:r>
+              <a:rPr lang="en-US" sz="1200" dirty="0" err="1">
+                <a:solidFill>
+                  <a:srgbClr val="000000"/>
+                </a:solidFill>
+                <a:latin typeface="Helvetica" panose="020B0604020202020204" pitchFamily="34" charset="0"/>
+                <a:ea typeface="ヒラギノ角ゴ Pro W3"/>
+                <a:cs typeface="Times New Roman" panose="02020603050405020304" pitchFamily="18" charset="0"/>
+              </a:rPr>
+              <a:t>git</a:t>
+            </a:r>
+            <a:r>
+              <a:rPr lang="en-US" sz="1200" dirty="0">
+                <a:solidFill>
+                  <a:srgbClr val="000000"/>
+                </a:solidFill>
+                <a:latin typeface="Helvetica" panose="020B0604020202020204" pitchFamily="34" charset="0"/>
+                <a:ea typeface="ヒラギノ角ゴ Pro W3"/>
+                <a:cs typeface="Times New Roman" panose="02020603050405020304" pitchFamily="18" charset="0"/>
+              </a:rPr>
+              <a:t> tools in eclipse by clicking on Window, Show View, Other, </a:t>
+            </a:r>
+            <a:r>
+              <a:rPr lang="en-US" sz="1200" dirty="0" err="1">
+                <a:solidFill>
+                  <a:srgbClr val="000000"/>
+                </a:solidFill>
+                <a:latin typeface="Helvetica" panose="020B0604020202020204" pitchFamily="34" charset="0"/>
+                <a:ea typeface="ヒラギノ角ゴ Pro W3"/>
+                <a:cs typeface="Times New Roman" panose="02020603050405020304" pitchFamily="18" charset="0"/>
+              </a:rPr>
+              <a:t>Git</a:t>
+            </a:r>
+            <a:r>
+              <a:rPr lang="en-US" sz="1200" dirty="0">
+                <a:solidFill>
+                  <a:srgbClr val="000000"/>
+                </a:solidFill>
+                <a:latin typeface="Helvetica" panose="020B0604020202020204" pitchFamily="34" charset="0"/>
+                <a:ea typeface="ヒラギノ角ゴ Pro W3"/>
+                <a:cs typeface="Times New Roman" panose="02020603050405020304" pitchFamily="18" charset="0"/>
+              </a:rPr>
+              <a:t>, </a:t>
+            </a:r>
+            <a:r>
+              <a:rPr lang="en-US" sz="1200" dirty="0" err="1">
+                <a:solidFill>
+                  <a:srgbClr val="000000"/>
+                </a:solidFill>
+                <a:latin typeface="Helvetica" panose="020B0604020202020204" pitchFamily="34" charset="0"/>
+                <a:ea typeface="ヒラギノ角ゴ Pro W3"/>
+                <a:cs typeface="Times New Roman" panose="02020603050405020304" pitchFamily="18" charset="0"/>
+              </a:rPr>
+              <a:t>Git</a:t>
+            </a:r>
+            <a:r>
+              <a:rPr lang="en-US" sz="1200" dirty="0">
+                <a:solidFill>
+                  <a:srgbClr val="000000"/>
+                </a:solidFill>
+                <a:latin typeface="Helvetica" panose="020B0604020202020204" pitchFamily="34" charset="0"/>
+                <a:ea typeface="ヒラギノ角ゴ Pro W3"/>
+                <a:cs typeface="Times New Roman" panose="02020603050405020304" pitchFamily="18" charset="0"/>
+              </a:rPr>
+              <a:t> Repositories &amp; </a:t>
+            </a:r>
+            <a:r>
+              <a:rPr lang="en-US" sz="1200" dirty="0" err="1">
+                <a:solidFill>
+                  <a:srgbClr val="000000"/>
+                </a:solidFill>
+                <a:latin typeface="Helvetica" panose="020B0604020202020204" pitchFamily="34" charset="0"/>
+                <a:ea typeface="ヒラギノ角ゴ Pro W3"/>
+                <a:cs typeface="Times New Roman" panose="02020603050405020304" pitchFamily="18" charset="0"/>
+              </a:rPr>
+              <a:t>Git</a:t>
+            </a:r>
+            <a:r>
+              <a:rPr lang="en-US" sz="1200" dirty="0">
+                <a:solidFill>
+                  <a:srgbClr val="000000"/>
+                </a:solidFill>
+                <a:latin typeface="Helvetica" panose="020B0604020202020204" pitchFamily="34" charset="0"/>
+                <a:ea typeface="ヒラギノ角ゴ Pro W3"/>
+                <a:cs typeface="Times New Roman" panose="02020603050405020304" pitchFamily="18" charset="0"/>
+              </a:rPr>
+              <a:t> Staging</a:t>
+            </a:r>
+          </a:p>
+          <a:p>
+            <a:pPr marL="342900" marR="0" lvl="0" indent="-342900">
+              <a:spcBef>
+                <a:spcPts val="0"/>
+              </a:spcBef>
+              <a:spcAft>
+                <a:spcPts val="0"/>
+              </a:spcAft>
+              <a:buFont typeface="+mj-lt"/>
+              <a:buAutoNum type="arabicPeriod"/>
+              <a:tabLst>
+                <a:tab pos="165100" algn="l"/>
+              </a:tabLst>
+            </a:pPr>
+            <a:r>
+              <a:rPr lang="en-US" sz="1200" dirty="0">
+                <a:solidFill>
+                  <a:srgbClr val="000000"/>
+                </a:solidFill>
+                <a:latin typeface="Helvetica" panose="020B0604020202020204" pitchFamily="34" charset="0"/>
+                <a:ea typeface="ヒラギノ角ゴ Pro W3"/>
+                <a:cs typeface="Times New Roman" panose="02020603050405020304" pitchFamily="18" charset="0"/>
+              </a:rPr>
+              <a:t>Clone </a:t>
+            </a:r>
+            <a:r>
+              <a:rPr lang="en-US" sz="1200" dirty="0" err="1">
+                <a:solidFill>
+                  <a:srgbClr val="000000"/>
+                </a:solidFill>
+                <a:latin typeface="Helvetica" panose="020B0604020202020204" pitchFamily="34" charset="0"/>
+                <a:ea typeface="ヒラギノ角ゴ Pro W3"/>
+                <a:cs typeface="Times New Roman" panose="02020603050405020304" pitchFamily="18" charset="0"/>
+              </a:rPr>
+              <a:t>Github</a:t>
+            </a:r>
+            <a:r>
+              <a:rPr lang="en-US" sz="1200" dirty="0">
+                <a:solidFill>
+                  <a:srgbClr val="000000"/>
+                </a:solidFill>
+                <a:latin typeface="Helvetica" panose="020B0604020202020204" pitchFamily="34" charset="0"/>
+                <a:ea typeface="ヒラギノ角ゴ Pro W3"/>
+                <a:cs typeface="Times New Roman" panose="02020603050405020304" pitchFamily="18" charset="0"/>
+              </a:rPr>
+              <a:t> repository by clicking on “Clone a </a:t>
+            </a:r>
+            <a:r>
+              <a:rPr lang="en-US" sz="1200" dirty="0" err="1">
+                <a:solidFill>
+                  <a:srgbClr val="000000"/>
+                </a:solidFill>
+                <a:latin typeface="Helvetica" panose="020B0604020202020204" pitchFamily="34" charset="0"/>
+                <a:ea typeface="ヒラギノ角ゴ Pro W3"/>
+                <a:cs typeface="Times New Roman" panose="02020603050405020304" pitchFamily="18" charset="0"/>
+              </a:rPr>
+              <a:t>Git</a:t>
+            </a:r>
+            <a:r>
+              <a:rPr lang="en-US" sz="1200" dirty="0">
+                <a:solidFill>
+                  <a:srgbClr val="000000"/>
+                </a:solidFill>
+                <a:latin typeface="Helvetica" panose="020B0604020202020204" pitchFamily="34" charset="0"/>
+                <a:ea typeface="ヒラギノ角ゴ Pro W3"/>
+                <a:cs typeface="Times New Roman" panose="02020603050405020304" pitchFamily="18" charset="0"/>
+              </a:rPr>
+              <a:t> Repository and add the clone to this view” button in Eclipse</a:t>
+            </a:r>
+          </a:p>
+          <a:p>
+            <a:pPr marL="342900" marR="0" lvl="0" indent="-342900">
+              <a:spcBef>
+                <a:spcPts val="0"/>
+              </a:spcBef>
+              <a:spcAft>
+                <a:spcPts val="0"/>
+              </a:spcAft>
+              <a:buFont typeface="+mj-lt"/>
+              <a:buAutoNum type="arabicPeriod"/>
+              <a:tabLst>
+                <a:tab pos="165100" algn="l"/>
+              </a:tabLst>
+            </a:pPr>
+            <a:r>
+              <a:rPr lang="en-US" sz="1200" dirty="0">
+                <a:solidFill>
+                  <a:srgbClr val="000000"/>
+                </a:solidFill>
+                <a:latin typeface="Helvetica" panose="020B0604020202020204" pitchFamily="34" charset="0"/>
+                <a:ea typeface="ヒラギノ角ゴ Pro W3"/>
+                <a:cs typeface="Times New Roman" panose="02020603050405020304" pitchFamily="18" charset="0"/>
+              </a:rPr>
+              <a:t>Then, a new window will appear and click on “Clone URI”</a:t>
+            </a:r>
+          </a:p>
+          <a:p>
+            <a:pPr marL="342900" marR="0" lvl="0" indent="-342900">
+              <a:spcBef>
+                <a:spcPts val="0"/>
+              </a:spcBef>
+              <a:spcAft>
+                <a:spcPts val="0"/>
+              </a:spcAft>
+              <a:buFont typeface="+mj-lt"/>
+              <a:buAutoNum type="arabicPeriod"/>
+              <a:tabLst>
+                <a:tab pos="165100" algn="l"/>
+              </a:tabLst>
+            </a:pPr>
+            <a:r>
+              <a:rPr lang="en-US" sz="1200" dirty="0">
+                <a:solidFill>
+                  <a:srgbClr val="000000"/>
+                </a:solidFill>
+                <a:latin typeface="Helvetica" panose="020B0604020202020204" pitchFamily="34" charset="0"/>
+                <a:ea typeface="ヒラギノ角ゴ Pro W3"/>
+                <a:cs typeface="Times New Roman" panose="02020603050405020304" pitchFamily="18" charset="0"/>
+              </a:rPr>
+              <a:t>Go to </a:t>
+            </a:r>
+            <a:r>
+              <a:rPr lang="en-US" sz="1200" dirty="0">
+                <a:solidFill>
+                  <a:srgbClr val="000099"/>
+                </a:solidFill>
+                <a:latin typeface="Helvetica" panose="020B0604020202020204" pitchFamily="34" charset="0"/>
+                <a:ea typeface="ヒラギノ角ゴ Pro W3"/>
+                <a:cs typeface="Times New Roman" panose="02020603050405020304" pitchFamily="18" charset="0"/>
+                <a:hlinkClick r:id="rId5"/>
+              </a:rPr>
+              <a:t>https://github.com/NickWaltCSU/cs414-f17-301-UltraLiteCoding</a:t>
+            </a:r>
+            <a:r>
+              <a:rPr lang="en-US" sz="1200" dirty="0">
+                <a:solidFill>
+                  <a:srgbClr val="000000"/>
+                </a:solidFill>
+                <a:latin typeface="Helvetica" panose="020B0604020202020204" pitchFamily="34" charset="0"/>
+                <a:ea typeface="ヒラギノ角ゴ Pro W3"/>
+                <a:cs typeface="Times New Roman" panose="02020603050405020304" pitchFamily="18" charset="0"/>
+              </a:rPr>
+              <a:t>, and click on “Clone or Download”</a:t>
+            </a:r>
+          </a:p>
+          <a:p>
+            <a:pPr marL="342900" marR="0" lvl="0" indent="-342900">
+              <a:spcBef>
+                <a:spcPts val="0"/>
+              </a:spcBef>
+              <a:spcAft>
+                <a:spcPts val="0"/>
+              </a:spcAft>
+              <a:buFont typeface="+mj-lt"/>
+              <a:buAutoNum type="arabicPeriod"/>
+              <a:tabLst>
+                <a:tab pos="165100" algn="l"/>
+              </a:tabLst>
+            </a:pPr>
+            <a:r>
+              <a:rPr lang="en-US" sz="1200" dirty="0">
+                <a:solidFill>
+                  <a:srgbClr val="000000"/>
+                </a:solidFill>
+                <a:latin typeface="Helvetica" panose="020B0604020202020204" pitchFamily="34" charset="0"/>
+                <a:ea typeface="ヒラギノ角ゴ Pro W3"/>
+                <a:cs typeface="Times New Roman" panose="02020603050405020304" pitchFamily="18" charset="0"/>
+              </a:rPr>
+              <a:t>Copy the URL that appears and copy it into the URI text box that appears when Step 3 is performed.</a:t>
+            </a:r>
+          </a:p>
+          <a:p>
+            <a:pPr marL="342900" marR="0" lvl="0" indent="-342900">
+              <a:spcBef>
+                <a:spcPts val="0"/>
+              </a:spcBef>
+              <a:spcAft>
+                <a:spcPts val="0"/>
+              </a:spcAft>
+              <a:buFont typeface="+mj-lt"/>
+              <a:buAutoNum type="arabicPeriod"/>
+              <a:tabLst>
+                <a:tab pos="165100" algn="l"/>
+              </a:tabLst>
+            </a:pPr>
+            <a:r>
+              <a:rPr lang="en-US" sz="1200" dirty="0">
+                <a:solidFill>
+                  <a:srgbClr val="000000"/>
+                </a:solidFill>
+                <a:latin typeface="Helvetica" panose="020B0604020202020204" pitchFamily="34" charset="0"/>
+                <a:ea typeface="ヒラギノ角ゴ Pro W3"/>
+                <a:cs typeface="Times New Roman" panose="02020603050405020304" pitchFamily="18" charset="0"/>
+              </a:rPr>
+              <a:t>To get the latest version of the project, right click on the repository, go to “Team”, “Switch”, “master”</a:t>
+            </a:r>
+          </a:p>
+          <a:p>
+            <a:pPr marL="342900" marR="0" lvl="0" indent="-342900">
+              <a:spcBef>
+                <a:spcPts val="0"/>
+              </a:spcBef>
+              <a:spcAft>
+                <a:spcPts val="0"/>
+              </a:spcAft>
+              <a:buFont typeface="+mj-lt"/>
+              <a:buAutoNum type="arabicPeriod"/>
+              <a:tabLst>
+                <a:tab pos="165100" algn="l"/>
+              </a:tabLst>
+            </a:pPr>
+            <a:r>
+              <a:rPr lang="en-US" sz="1200" dirty="0">
+                <a:solidFill>
+                  <a:srgbClr val="000000"/>
+                </a:solidFill>
+                <a:latin typeface="Helvetica" panose="020B0604020202020204" pitchFamily="34" charset="0"/>
+                <a:ea typeface="ヒラギノ角ゴ Pro W3"/>
+                <a:cs typeface="Times New Roman" panose="02020603050405020304" pitchFamily="18" charset="0"/>
+              </a:rPr>
+              <a:t>Right click on the repository again, go to “Team”, “Fetch from Upstream”, then “Pull”</a:t>
+            </a:r>
+          </a:p>
+          <a:p>
+            <a:pPr marL="342900" marR="0" lvl="0" indent="-342900">
+              <a:spcBef>
+                <a:spcPts val="0"/>
+              </a:spcBef>
+              <a:spcAft>
+                <a:spcPts val="0"/>
+              </a:spcAft>
+              <a:buFont typeface="+mj-lt"/>
+              <a:buAutoNum type="arabicPeriod"/>
+              <a:tabLst>
+                <a:tab pos="165100" algn="l"/>
+              </a:tabLst>
+            </a:pPr>
+            <a:r>
+              <a:rPr lang="en-US" sz="1200" dirty="0">
+                <a:solidFill>
+                  <a:srgbClr val="000000"/>
+                </a:solidFill>
+                <a:latin typeface="Helvetica" panose="020B0604020202020204" pitchFamily="34" charset="0"/>
+                <a:ea typeface="ヒラギノ角ゴ Pro W3"/>
+                <a:cs typeface="Times New Roman" panose="02020603050405020304" pitchFamily="18" charset="0"/>
+              </a:rPr>
+              <a:t>Start making updates or changes to the project by making a new local branch.</a:t>
+            </a:r>
+          </a:p>
+          <a:p>
+            <a:pPr marL="342900" marR="0" lvl="0" indent="-342900">
+              <a:spcBef>
+                <a:spcPts val="0"/>
+              </a:spcBef>
+              <a:spcAft>
+                <a:spcPts val="0"/>
+              </a:spcAft>
+              <a:buFont typeface="+mj-lt"/>
+              <a:buAutoNum type="arabicPeriod"/>
+              <a:tabLst>
+                <a:tab pos="165100" algn="l"/>
+              </a:tabLst>
+            </a:pPr>
+            <a:r>
+              <a:rPr lang="en-US" sz="1200" dirty="0">
+                <a:solidFill>
+                  <a:srgbClr val="000000"/>
+                </a:solidFill>
+                <a:latin typeface="Helvetica" panose="020B0604020202020204" pitchFamily="34" charset="0"/>
+                <a:ea typeface="ヒラギノ角ゴ Pro W3"/>
+                <a:cs typeface="Times New Roman" panose="02020603050405020304" pitchFamily="18" charset="0"/>
+              </a:rPr>
+              <a:t>Right click on the repository and select “Team”, “Switch To”, “New Branch”</a:t>
+            </a:r>
+          </a:p>
+          <a:p>
+            <a:pPr marL="342900" marR="0" lvl="0" indent="-342900">
+              <a:spcBef>
+                <a:spcPts val="0"/>
+              </a:spcBef>
+              <a:spcAft>
+                <a:spcPts val="0"/>
+              </a:spcAft>
+              <a:buFont typeface="+mj-lt"/>
+              <a:buAutoNum type="arabicPeriod"/>
+              <a:tabLst>
+                <a:tab pos="165100" algn="l"/>
+              </a:tabLst>
+            </a:pPr>
+            <a:r>
+              <a:rPr lang="en-US" sz="1200" dirty="0">
+                <a:solidFill>
+                  <a:srgbClr val="000000"/>
+                </a:solidFill>
+                <a:latin typeface="Helvetica" panose="020B0604020202020204" pitchFamily="34" charset="0"/>
+                <a:ea typeface="ヒラギノ角ゴ Pro W3"/>
+                <a:cs typeface="Times New Roman" panose="02020603050405020304" pitchFamily="18" charset="0"/>
+              </a:rPr>
+              <a:t> Any changes made will appear in </a:t>
+            </a:r>
+            <a:r>
+              <a:rPr lang="en-US" sz="1200" dirty="0" err="1">
+                <a:solidFill>
+                  <a:srgbClr val="000000"/>
+                </a:solidFill>
+                <a:latin typeface="Helvetica" panose="020B0604020202020204" pitchFamily="34" charset="0"/>
+                <a:ea typeface="ヒラギノ角ゴ Pro W3"/>
+                <a:cs typeface="Times New Roman" panose="02020603050405020304" pitchFamily="18" charset="0"/>
+              </a:rPr>
+              <a:t>Git</a:t>
+            </a:r>
+            <a:r>
+              <a:rPr lang="en-US" sz="1200" dirty="0">
+                <a:solidFill>
+                  <a:srgbClr val="000000"/>
+                </a:solidFill>
+                <a:latin typeface="Helvetica" panose="020B0604020202020204" pitchFamily="34" charset="0"/>
+                <a:ea typeface="ヒラギノ角ゴ Pro W3"/>
+                <a:cs typeface="Times New Roman" panose="02020603050405020304" pitchFamily="18" charset="0"/>
+              </a:rPr>
+              <a:t> Staging area in the </a:t>
+            </a:r>
+            <a:r>
+              <a:rPr lang="en-US" sz="1200" dirty="0" err="1">
+                <a:solidFill>
+                  <a:srgbClr val="000000"/>
+                </a:solidFill>
+                <a:latin typeface="Helvetica" panose="020B0604020202020204" pitchFamily="34" charset="0"/>
+                <a:ea typeface="ヒラギノ角ゴ Pro W3"/>
+                <a:cs typeface="Times New Roman" panose="02020603050405020304" pitchFamily="18" charset="0"/>
+              </a:rPr>
+              <a:t>unstaged</a:t>
+            </a:r>
+            <a:r>
+              <a:rPr lang="en-US" sz="1200" dirty="0">
+                <a:solidFill>
+                  <a:srgbClr val="000000"/>
+                </a:solidFill>
+                <a:latin typeface="Helvetica" panose="020B0604020202020204" pitchFamily="34" charset="0"/>
+                <a:ea typeface="ヒラギノ角ゴ Pro W3"/>
+                <a:cs typeface="Times New Roman" panose="02020603050405020304" pitchFamily="18" charset="0"/>
+              </a:rPr>
+              <a:t> commits text box</a:t>
+            </a:r>
+          </a:p>
+          <a:p>
+            <a:pPr marL="342900" marR="0" lvl="0" indent="-342900">
+              <a:spcBef>
+                <a:spcPts val="0"/>
+              </a:spcBef>
+              <a:spcAft>
+                <a:spcPts val="0"/>
+              </a:spcAft>
+              <a:buFont typeface="+mj-lt"/>
+              <a:buAutoNum type="arabicPeriod"/>
+              <a:tabLst>
+                <a:tab pos="165100" algn="l"/>
+              </a:tabLst>
+            </a:pPr>
+            <a:r>
+              <a:rPr lang="en-US" sz="1200" dirty="0">
+                <a:solidFill>
+                  <a:srgbClr val="000000"/>
+                </a:solidFill>
+                <a:latin typeface="Helvetica" panose="020B0604020202020204" pitchFamily="34" charset="0"/>
+                <a:ea typeface="ヒラギノ角ゴ Pro W3"/>
+                <a:cs typeface="Times New Roman" panose="02020603050405020304" pitchFamily="18" charset="0"/>
+              </a:rPr>
+              <a:t> To submit these changes to the </a:t>
+            </a:r>
+            <a:r>
+              <a:rPr lang="en-US" sz="1200" dirty="0" err="1">
+                <a:solidFill>
+                  <a:srgbClr val="000000"/>
+                </a:solidFill>
+                <a:latin typeface="Helvetica" panose="020B0604020202020204" pitchFamily="34" charset="0"/>
+                <a:ea typeface="ヒラギノ角ゴ Pro W3"/>
+                <a:cs typeface="Times New Roman" panose="02020603050405020304" pitchFamily="18" charset="0"/>
+              </a:rPr>
+              <a:t>Github</a:t>
+            </a:r>
+            <a:r>
+              <a:rPr lang="en-US" sz="1200" dirty="0">
+                <a:solidFill>
+                  <a:srgbClr val="000000"/>
+                </a:solidFill>
+                <a:latin typeface="Helvetica" panose="020B0604020202020204" pitchFamily="34" charset="0"/>
+                <a:ea typeface="ヒラギノ角ゴ Pro W3"/>
+                <a:cs typeface="Times New Roman" panose="02020603050405020304" pitchFamily="18" charset="0"/>
+              </a:rPr>
+              <a:t> repository, drag changed files to the staged commits text box and click on Commit and Push</a:t>
             </a:r>
           </a:p>
         </p:txBody>
@@ -4851,7 +5718,7 @@
     </p:spTree>
     <p:extLst>
       <p:ext uri="{BB962C8B-B14F-4D97-AF65-F5344CB8AC3E}">
-        <p14:creationId xmlns:p14="http://schemas.microsoft.com/office/powerpoint/2010/main" val="441682372"/>
+        <p14:creationId xmlns:p14="http://schemas.microsoft.com/office/powerpoint/2010/main" val="1329904567"/>
       </p:ext>
     </p:extLst>
   </p:cSld>
@@ -4880,13 +5747,7 @@
       </p:grpSpPr>
       <p:sp>
         <p:nvSpPr>
-          <p:cNvPr id="2" name="Title 1">
-            <a:extLst>
-              <a:ext uri="{FF2B5EF4-FFF2-40B4-BE49-F238E27FC236}">
-                <a16:creationId xmlns:a16="http://schemas.microsoft.com/office/drawing/2014/main" id="{6BECD90C-E70F-46A8-9BF0-7C0ECAA7344B}"/>
-              </a:ext>
-            </a:extLst>
-          </p:cNvPr>
+          <p:cNvPr id="2" name="Title 1"/>
           <p:cNvSpPr>
             <a:spLocks noGrp="1"/>
           </p:cNvSpPr>
@@ -4900,41 +5761,303 @@
           <a:lstStyle/>
           <a:p>
             <a:r>
-              <a:rPr lang="en-US" dirty="0"/>
-              <a:t>Demo</a:t>
-            </a:r>
-          </a:p>
-        </p:txBody>
-      </p:sp>
-      <p:sp>
-        <p:nvSpPr>
-          <p:cNvPr id="3" name="Content Placeholder 2">
-            <a:extLst>
-              <a:ext uri="{FF2B5EF4-FFF2-40B4-BE49-F238E27FC236}">
-                <a16:creationId xmlns:a16="http://schemas.microsoft.com/office/drawing/2014/main" id="{7F1FB63A-D2DB-4567-B1E3-A78BDF1EA25E}"/>
-              </a:ext>
-            </a:extLst>
-          </p:cNvPr>
-          <p:cNvSpPr>
-            <a:spLocks noGrp="1"/>
-          </p:cNvSpPr>
-          <p:nvPr>
-            <p:ph idx="1"/>
-          </p:nvPr>
-        </p:nvSpPr>
-        <p:spPr/>
-        <p:txBody>
-          <a:bodyPr/>
+              <a:rPr lang="en-US" dirty="0" smtClean="0"/>
+              <a:t>Development Manual</a:t>
+            </a:r>
+            <a:endParaRPr lang="en-US" dirty="0"/>
+          </a:p>
+        </p:txBody>
+      </p:sp>
+      <p:sp>
+        <p:nvSpPr>
+          <p:cNvPr id="5" name="Rectangle 4"/>
+          <p:cNvSpPr/>
+          <p:nvPr/>
+        </p:nvSpPr>
+        <p:spPr>
+          <a:xfrm>
+            <a:off x="4481146" y="746772"/>
+            <a:ext cx="6096000" cy="5355312"/>
+          </a:xfrm>
+          <a:prstGeom prst="rect">
+            <a:avLst/>
+          </a:prstGeom>
+        </p:spPr>
+        <p:txBody>
+          <a:bodyPr>
+            <a:spAutoFit/>
+          </a:bodyPr>
           <a:lstStyle/>
           <a:p>
-            <a:endParaRPr lang="en-US"/>
+            <a:r>
+              <a:rPr lang="en-US" b="1" dirty="0">
+                <a:solidFill>
+                  <a:srgbClr val="000000"/>
+                </a:solidFill>
+                <a:latin typeface="Helvetica" panose="020B0604020202020204" pitchFamily="34" charset="0"/>
+                <a:ea typeface="ヒラギノ角ゴ Pro W3"/>
+                <a:cs typeface="Times New Roman" panose="02020603050405020304" pitchFamily="18" charset="0"/>
+              </a:rPr>
+              <a:t>Steps to be taken to run </a:t>
+            </a:r>
+            <a:r>
+              <a:rPr lang="en-US" b="1" dirty="0" err="1">
+                <a:solidFill>
+                  <a:srgbClr val="000000"/>
+                </a:solidFill>
+                <a:latin typeface="Helvetica" panose="020B0604020202020204" pitchFamily="34" charset="0"/>
+                <a:ea typeface="ヒラギノ角ゴ Pro W3"/>
+                <a:cs typeface="Times New Roman" panose="02020603050405020304" pitchFamily="18" charset="0"/>
+              </a:rPr>
+              <a:t>Banqi</a:t>
+            </a:r>
+            <a:r>
+              <a:rPr lang="en-US" b="1" dirty="0">
+                <a:solidFill>
+                  <a:srgbClr val="000000"/>
+                </a:solidFill>
+                <a:latin typeface="Helvetica" panose="020B0604020202020204" pitchFamily="34" charset="0"/>
+                <a:ea typeface="ヒラギノ角ゴ Pro W3"/>
+                <a:cs typeface="Times New Roman" panose="02020603050405020304" pitchFamily="18" charset="0"/>
+              </a:rPr>
+              <a:t>:</a:t>
+            </a:r>
+            <a:endParaRPr lang="en-US" dirty="0">
+              <a:solidFill>
+                <a:srgbClr val="000000"/>
+              </a:solidFill>
+              <a:latin typeface="Helvetica" panose="020B0604020202020204" pitchFamily="34" charset="0"/>
+              <a:ea typeface="ヒラギノ角ゴ Pro W3"/>
+              <a:cs typeface="Times New Roman" panose="02020603050405020304" pitchFamily="18" charset="0"/>
+            </a:endParaRPr>
+          </a:p>
+          <a:p>
+            <a:r>
+              <a:rPr lang="en-US" dirty="0">
+                <a:solidFill>
+                  <a:srgbClr val="000000"/>
+                </a:solidFill>
+                <a:latin typeface="Helvetica" panose="020B0604020202020204" pitchFamily="34" charset="0"/>
+                <a:ea typeface="ヒラギノ角ゴ Pro W3"/>
+                <a:cs typeface="Times New Roman" panose="02020603050405020304" pitchFamily="18" charset="0"/>
+              </a:rPr>
+              <a:t> </a:t>
+            </a:r>
+          </a:p>
+          <a:p>
+            <a:pPr marL="342900" marR="0" lvl="0" indent="-342900">
+              <a:spcBef>
+                <a:spcPts val="0"/>
+              </a:spcBef>
+              <a:spcAft>
+                <a:spcPts val="0"/>
+              </a:spcAft>
+              <a:buFont typeface="+mj-lt"/>
+              <a:buAutoNum type="arabicPeriod"/>
+              <a:tabLst>
+                <a:tab pos="165100" algn="l"/>
+              </a:tabLst>
+            </a:pPr>
+            <a:r>
+              <a:rPr lang="en-US" dirty="0">
+                <a:solidFill>
+                  <a:srgbClr val="000000"/>
+                </a:solidFill>
+                <a:latin typeface="Helvetica" panose="020B0604020202020204" pitchFamily="34" charset="0"/>
+                <a:ea typeface="ヒラギノ角ゴ Pro W3"/>
+                <a:cs typeface="Times New Roman" panose="02020603050405020304" pitchFamily="18" charset="0"/>
+              </a:rPr>
+              <a:t>Run the server so users can play other users on different machines and can retrieve information from the database</a:t>
+            </a:r>
+          </a:p>
+          <a:p>
+            <a:pPr marL="342900" marR="0" lvl="0" indent="-342900">
+              <a:spcBef>
+                <a:spcPts val="0"/>
+              </a:spcBef>
+              <a:spcAft>
+                <a:spcPts val="0"/>
+              </a:spcAft>
+              <a:buFont typeface="+mj-lt"/>
+              <a:buAutoNum type="arabicPeriod"/>
+              <a:tabLst>
+                <a:tab pos="165100" algn="l"/>
+              </a:tabLst>
+            </a:pPr>
+            <a:r>
+              <a:rPr lang="en-US" dirty="0">
+                <a:solidFill>
+                  <a:srgbClr val="000000"/>
+                </a:solidFill>
+                <a:latin typeface="Helvetica" panose="020B0604020202020204" pitchFamily="34" charset="0"/>
+                <a:ea typeface="ヒラギノ角ゴ Pro W3"/>
+                <a:cs typeface="Times New Roman" panose="02020603050405020304" pitchFamily="18" charset="0"/>
+              </a:rPr>
+              <a:t>Run Login, and a window will appear with email and password text boxes.</a:t>
+            </a:r>
+          </a:p>
+          <a:p>
+            <a:pPr marL="342900" marR="0" lvl="0" indent="-342900">
+              <a:spcBef>
+                <a:spcPts val="0"/>
+              </a:spcBef>
+              <a:spcAft>
+                <a:spcPts val="0"/>
+              </a:spcAft>
+              <a:buFont typeface="+mj-lt"/>
+              <a:buAutoNum type="arabicPeriod"/>
+              <a:tabLst>
+                <a:tab pos="165100" algn="l"/>
+              </a:tabLst>
+            </a:pPr>
+            <a:r>
+              <a:rPr lang="en-US" dirty="0">
+                <a:solidFill>
+                  <a:srgbClr val="000000"/>
+                </a:solidFill>
+                <a:latin typeface="Helvetica" panose="020B0604020202020204" pitchFamily="34" charset="0"/>
+                <a:ea typeface="ヒラギノ角ゴ Pro W3"/>
+                <a:cs typeface="Times New Roman" panose="02020603050405020304" pitchFamily="18" charset="0"/>
+              </a:rPr>
+              <a:t>If you already have created account, enter your email and password and click “Login”</a:t>
+            </a:r>
+          </a:p>
+          <a:p>
+            <a:pPr marL="342900" marR="0" lvl="0" indent="-342900">
+              <a:spcBef>
+                <a:spcPts val="0"/>
+              </a:spcBef>
+              <a:spcAft>
+                <a:spcPts val="0"/>
+              </a:spcAft>
+              <a:buFont typeface="+mj-lt"/>
+              <a:buAutoNum type="arabicPeriod"/>
+              <a:tabLst>
+                <a:tab pos="165100" algn="l"/>
+              </a:tabLst>
+            </a:pPr>
+            <a:r>
+              <a:rPr lang="en-US" dirty="0">
+                <a:solidFill>
+                  <a:srgbClr val="000000"/>
+                </a:solidFill>
+                <a:latin typeface="Helvetica" panose="020B0604020202020204" pitchFamily="34" charset="0"/>
+                <a:ea typeface="ヒラギノ角ゴ Pro W3"/>
+                <a:cs typeface="Times New Roman" panose="02020603050405020304" pitchFamily="18" charset="0"/>
+              </a:rPr>
+              <a:t>If you have not created an account, click “Create Account” and enter credentials</a:t>
+            </a:r>
+          </a:p>
+          <a:p>
+            <a:pPr marL="342900" marR="0" lvl="0" indent="-342900">
+              <a:spcBef>
+                <a:spcPts val="0"/>
+              </a:spcBef>
+              <a:spcAft>
+                <a:spcPts val="0"/>
+              </a:spcAft>
+              <a:buFont typeface="+mj-lt"/>
+              <a:buAutoNum type="arabicPeriod"/>
+              <a:tabLst>
+                <a:tab pos="165100" algn="l"/>
+              </a:tabLst>
+            </a:pPr>
+            <a:r>
+              <a:rPr lang="en-US" dirty="0">
+                <a:solidFill>
+                  <a:srgbClr val="000000"/>
+                </a:solidFill>
+                <a:latin typeface="Helvetica" panose="020B0604020202020204" pitchFamily="34" charset="0"/>
+                <a:ea typeface="ヒラギノ角ゴ Pro W3"/>
+                <a:cs typeface="Times New Roman" panose="02020603050405020304" pitchFamily="18" charset="0"/>
+              </a:rPr>
+              <a:t>Once logged in, another dashboard window will appear where you can pick another user to send an invite to.</a:t>
+            </a:r>
+          </a:p>
+          <a:p>
+            <a:pPr marL="342900" marR="0" lvl="0" indent="-342900">
+              <a:spcBef>
+                <a:spcPts val="0"/>
+              </a:spcBef>
+              <a:spcAft>
+                <a:spcPts val="0"/>
+              </a:spcAft>
+              <a:buFont typeface="+mj-lt"/>
+              <a:buAutoNum type="arabicPeriod"/>
+              <a:tabLst>
+                <a:tab pos="165100" algn="l"/>
+              </a:tabLst>
+            </a:pPr>
+            <a:r>
+              <a:rPr lang="en-US" dirty="0">
+                <a:solidFill>
+                  <a:srgbClr val="000000"/>
+                </a:solidFill>
+                <a:latin typeface="Helvetica" panose="020B0604020202020204" pitchFamily="34" charset="0"/>
+                <a:ea typeface="ヒラギノ角ゴ Pro W3"/>
+                <a:cs typeface="Times New Roman" panose="02020603050405020304" pitchFamily="18" charset="0"/>
+              </a:rPr>
+              <a:t>You can also select a user and click view profile to see a history of games and win percentage</a:t>
+            </a:r>
+          </a:p>
+          <a:p>
+            <a:pPr marL="342900" marR="0" lvl="0" indent="-342900">
+              <a:spcBef>
+                <a:spcPts val="0"/>
+              </a:spcBef>
+              <a:spcAft>
+                <a:spcPts val="0"/>
+              </a:spcAft>
+              <a:buFont typeface="+mj-lt"/>
+              <a:buAutoNum type="arabicPeriod"/>
+              <a:tabLst>
+                <a:tab pos="165100" algn="l"/>
+              </a:tabLst>
+            </a:pPr>
+            <a:r>
+              <a:rPr lang="en-US" dirty="0">
+                <a:solidFill>
+                  <a:srgbClr val="000000"/>
+                </a:solidFill>
+                <a:latin typeface="Helvetica" panose="020B0604020202020204" pitchFamily="34" charset="0"/>
+                <a:ea typeface="ヒラギノ角ゴ Pro W3"/>
+                <a:cs typeface="Times New Roman" panose="02020603050405020304" pitchFamily="18" charset="0"/>
+              </a:rPr>
+              <a:t>If you are sent an invitation, you can either accept or reject the invitation</a:t>
+            </a:r>
+          </a:p>
+          <a:p>
+            <a:pPr marL="342900" marR="0" lvl="0" indent="-342900">
+              <a:spcBef>
+                <a:spcPts val="0"/>
+              </a:spcBef>
+              <a:spcAft>
+                <a:spcPts val="0"/>
+              </a:spcAft>
+              <a:buFont typeface="+mj-lt"/>
+              <a:buAutoNum type="arabicPeriod"/>
+              <a:tabLst>
+                <a:tab pos="165100" algn="l"/>
+              </a:tabLst>
+            </a:pPr>
+            <a:r>
+              <a:rPr lang="en-US" dirty="0">
+                <a:solidFill>
+                  <a:srgbClr val="000000"/>
+                </a:solidFill>
+                <a:latin typeface="Helvetica" panose="020B0604020202020204" pitchFamily="34" charset="0"/>
+                <a:ea typeface="ヒラギノ角ゴ Pro W3"/>
+                <a:cs typeface="Times New Roman" panose="02020603050405020304" pitchFamily="18" charset="0"/>
+              </a:rPr>
+              <a:t>If you accept the invitation, a game board will appear and a new game is started</a:t>
+            </a:r>
           </a:p>
         </p:txBody>
       </p:sp>
     </p:spTree>
     <p:extLst>
       <p:ext uri="{BB962C8B-B14F-4D97-AF65-F5344CB8AC3E}">
-        <p14:creationId xmlns:p14="http://schemas.microsoft.com/office/powerpoint/2010/main" val="268357577"/>
+        <p14:creationId xmlns:p14="http://schemas.microsoft.com/office/powerpoint/2010/main" val="1998811644"/>
       </p:ext>
     </p:extLst>
   </p:cSld>
@@ -5045,6 +6168,875 @@
     <p:extLst>
       <p:ext uri="{BB962C8B-B14F-4D97-AF65-F5344CB8AC3E}">
         <p14:creationId xmlns:p14="http://schemas.microsoft.com/office/powerpoint/2010/main" val="2242488321"/>
+      </p:ext>
+    </p:extLst>
+  </p:cSld>
+  <p:clrMapOvr>
+    <a:masterClrMapping/>
+  </p:clrMapOvr>
+</p:sld>
+</file>
+
+<file path=ppt/slides/slide20.xml><?xml version="1.0" encoding="utf-8"?>
+<p:sld xmlns:a="http://schemas.openxmlformats.org/drawingml/2006/main" xmlns:r="http://schemas.openxmlformats.org/officeDocument/2006/relationships" xmlns:p="http://schemas.openxmlformats.org/presentationml/2006/main">
+  <p:cSld>
+    <p:spTree>
+      <p:nvGrpSpPr>
+        <p:cNvPr id="1" name=""/>
+        <p:cNvGrpSpPr/>
+        <p:nvPr/>
+      </p:nvGrpSpPr>
+      <p:grpSpPr>
+        <a:xfrm>
+          <a:off x="0" y="0"/>
+          <a:ext cx="0" cy="0"/>
+          <a:chOff x="0" y="0"/>
+          <a:chExt cx="0" cy="0"/>
+        </a:xfrm>
+      </p:grpSpPr>
+      <p:sp>
+        <p:nvSpPr>
+          <p:cNvPr id="2" name="Title 1">
+            <a:extLst>
+              <a:ext uri="{FF2B5EF4-FFF2-40B4-BE49-F238E27FC236}">
+                <a16:creationId xmlns:a16="http://schemas.microsoft.com/office/drawing/2014/main" id="{3A34420C-3FD0-44C0-94F2-39C7ACC683E7}"/>
+              </a:ext>
+            </a:extLst>
+          </p:cNvPr>
+          <p:cNvSpPr>
+            <a:spLocks noGrp="1"/>
+          </p:cNvSpPr>
+          <p:nvPr>
+            <p:ph type="title"/>
+          </p:nvPr>
+        </p:nvSpPr>
+        <p:spPr/>
+        <p:txBody>
+          <a:bodyPr/>
+          <a:lstStyle/>
+          <a:p>
+            <a:r>
+              <a:rPr lang="en-US" dirty="0"/>
+              <a:t>Refactoring and Design Pattern List</a:t>
+            </a:r>
+          </a:p>
+        </p:txBody>
+      </p:sp>
+      <p:sp>
+        <p:nvSpPr>
+          <p:cNvPr id="7" name="Content Placeholder 6">
+            <a:extLst>
+              <a:ext uri="{FF2B5EF4-FFF2-40B4-BE49-F238E27FC236}">
+                <a16:creationId xmlns:a16="http://schemas.microsoft.com/office/drawing/2014/main" id="{29B06102-522B-421B-A1CB-15574D84486B}"/>
+              </a:ext>
+            </a:extLst>
+          </p:cNvPr>
+          <p:cNvSpPr>
+            <a:spLocks noGrp="1"/>
+          </p:cNvSpPr>
+          <p:nvPr>
+            <p:ph idx="1"/>
+          </p:nvPr>
+        </p:nvSpPr>
+        <p:spPr/>
+        <p:txBody>
+          <a:bodyPr/>
+          <a:lstStyle/>
+          <a:p>
+            <a:r>
+              <a:rPr lang="en-US" dirty="0"/>
+              <a:t>Separated classes into MVC layout</a:t>
+            </a:r>
+          </a:p>
+          <a:p>
+            <a:pPr lvl="1"/>
+            <a:r>
+              <a:rPr lang="en-US" dirty="0"/>
+              <a:t>Model contains all game logic</a:t>
+            </a:r>
+          </a:p>
+          <a:p>
+            <a:pPr lvl="1"/>
+            <a:r>
+              <a:rPr lang="en-US" dirty="0"/>
+              <a:t>View contain UI elements</a:t>
+            </a:r>
+          </a:p>
+          <a:p>
+            <a:pPr lvl="1"/>
+            <a:r>
+              <a:rPr lang="en-US" dirty="0"/>
+              <a:t>Controller helps with server and database interaction</a:t>
+            </a:r>
+          </a:p>
+          <a:p>
+            <a:r>
+              <a:rPr lang="en-US" dirty="0"/>
+              <a:t>Implemented Façade Pattern</a:t>
+            </a:r>
+          </a:p>
+          <a:p>
+            <a:pPr lvl="1"/>
+            <a:r>
+              <a:rPr lang="en-US" dirty="0"/>
+              <a:t>Mainly within </a:t>
+            </a:r>
+            <a:r>
+              <a:rPr lang="en-US"/>
+              <a:t>Model package</a:t>
+            </a:r>
+            <a:endParaRPr lang="en-US" dirty="0"/>
+          </a:p>
+          <a:p>
+            <a:r>
+              <a:rPr lang="en-US" dirty="0"/>
+              <a:t>Extraction of Code</a:t>
+            </a:r>
+          </a:p>
+          <a:p>
+            <a:r>
+              <a:rPr lang="en-US" dirty="0"/>
+              <a:t>Rearranged class structure to reduce coupling</a:t>
+            </a:r>
+          </a:p>
+          <a:p>
+            <a:r>
+              <a:rPr lang="en-US" dirty="0"/>
+              <a:t>Removed unneeded/unused classes</a:t>
+            </a:r>
+          </a:p>
+          <a:p>
+            <a:pPr lvl="1"/>
+            <a:r>
+              <a:rPr lang="en-US" dirty="0"/>
+              <a:t>Log, Profile, Invitation</a:t>
+            </a:r>
+          </a:p>
+        </p:txBody>
+      </p:sp>
+    </p:spTree>
+    <p:extLst>
+      <p:ext uri="{BB962C8B-B14F-4D97-AF65-F5344CB8AC3E}">
+        <p14:creationId xmlns:p14="http://schemas.microsoft.com/office/powerpoint/2010/main" val="1184941057"/>
+      </p:ext>
+    </p:extLst>
+  </p:cSld>
+  <p:clrMapOvr>
+    <a:masterClrMapping/>
+  </p:clrMapOvr>
+</p:sld>
+</file>
+
+<file path=ppt/slides/slide21.xml><?xml version="1.0" encoding="utf-8"?>
+<p:sld xmlns:a="http://schemas.openxmlformats.org/drawingml/2006/main" xmlns:r="http://schemas.openxmlformats.org/officeDocument/2006/relationships" xmlns:p="http://schemas.openxmlformats.org/presentationml/2006/main">
+  <p:cSld>
+    <p:spTree>
+      <p:nvGrpSpPr>
+        <p:cNvPr id="1" name=""/>
+        <p:cNvGrpSpPr/>
+        <p:nvPr/>
+      </p:nvGrpSpPr>
+      <p:grpSpPr>
+        <a:xfrm>
+          <a:off x="0" y="0"/>
+          <a:ext cx="0" cy="0"/>
+          <a:chOff x="0" y="0"/>
+          <a:chExt cx="0" cy="0"/>
+        </a:xfrm>
+      </p:grpSpPr>
+      <p:sp>
+        <p:nvSpPr>
+          <p:cNvPr id="2" name="Title 1">
+            <a:extLst>
+              <a:ext uri="{FF2B5EF4-FFF2-40B4-BE49-F238E27FC236}">
+                <a16:creationId xmlns:a16="http://schemas.microsoft.com/office/drawing/2014/main" id="{7EEBECC8-658F-4FF8-B9A7-619A08F9E0CD}"/>
+              </a:ext>
+            </a:extLst>
+          </p:cNvPr>
+          <p:cNvSpPr>
+            <a:spLocks noGrp="1"/>
+          </p:cNvSpPr>
+          <p:nvPr>
+            <p:ph type="title"/>
+          </p:nvPr>
+        </p:nvSpPr>
+        <p:spPr/>
+        <p:txBody>
+          <a:bodyPr/>
+          <a:lstStyle/>
+          <a:p>
+            <a:r>
+              <a:rPr lang="en-US" dirty="0"/>
+              <a:t>Traceability Link Matrix</a:t>
+            </a:r>
+          </a:p>
+        </p:txBody>
+      </p:sp>
+      <p:pic>
+        <p:nvPicPr>
+          <p:cNvPr id="5122" name="Picture 2"/>
+          <p:cNvPicPr>
+            <a:picLocks noChangeAspect="1" noChangeArrowheads="1"/>
+          </p:cNvPicPr>
+          <p:nvPr/>
+        </p:nvPicPr>
+        <p:blipFill>
+          <a:blip r:embed="rId2">
+            <a:extLst>
+              <a:ext uri="{28A0092B-C50C-407E-A947-70E740481C1C}">
+                <a14:useLocalDpi xmlns:a14="http://schemas.microsoft.com/office/drawing/2010/main" val="0"/>
+              </a:ext>
+            </a:extLst>
+          </a:blip>
+          <a:srcRect/>
+          <a:stretch>
+            <a:fillRect/>
+          </a:stretch>
+        </p:blipFill>
+        <p:spPr bwMode="auto">
+          <a:xfrm>
+            <a:off x="3792660" y="2088540"/>
+            <a:ext cx="7708900" cy="2209800"/>
+          </a:xfrm>
+          <a:prstGeom prst="rect">
+            <a:avLst/>
+          </a:prstGeom>
+          <a:noFill/>
+          <a:ln>
+            <a:noFill/>
+          </a:ln>
+          <a:extLst>
+            <a:ext uri="{909E8E84-426E-40DD-AFC4-6F175D3DCCD1}">
+              <a14:hiddenFill xmlns:a14="http://schemas.microsoft.com/office/drawing/2010/main">
+                <a:solidFill>
+                  <a:srgbClr val="FFFFFF"/>
+                </a:solidFill>
+              </a14:hiddenFill>
+            </a:ext>
+            <a:ext uri="{91240B29-F687-4F45-9708-019B960494DF}">
+              <a14:hiddenLine xmlns:a14="http://schemas.microsoft.com/office/drawing/2010/main" w="12700" cap="flat">
+                <a:solidFill>
+                  <a:srgbClr val="000000"/>
+                </a:solidFill>
+                <a:miter lim="800000"/>
+                <a:headEnd/>
+                <a:tailEnd/>
+              </a14:hiddenLine>
+            </a:ext>
+          </a:extLst>
+        </p:spPr>
+      </p:pic>
+    </p:spTree>
+    <p:extLst>
+      <p:ext uri="{BB962C8B-B14F-4D97-AF65-F5344CB8AC3E}">
+        <p14:creationId xmlns:p14="http://schemas.microsoft.com/office/powerpoint/2010/main" val="2673443539"/>
+      </p:ext>
+    </p:extLst>
+  </p:cSld>
+  <p:clrMapOvr>
+    <a:masterClrMapping/>
+  </p:clrMapOvr>
+</p:sld>
+</file>
+
+<file path=ppt/slides/slide22.xml><?xml version="1.0" encoding="utf-8"?>
+<p:sld xmlns:a="http://schemas.openxmlformats.org/drawingml/2006/main" xmlns:r="http://schemas.openxmlformats.org/officeDocument/2006/relationships" xmlns:p="http://schemas.openxmlformats.org/presentationml/2006/main">
+  <p:cSld>
+    <p:spTree>
+      <p:nvGrpSpPr>
+        <p:cNvPr id="1" name=""/>
+        <p:cNvGrpSpPr/>
+        <p:nvPr/>
+      </p:nvGrpSpPr>
+      <p:grpSpPr>
+        <a:xfrm>
+          <a:off x="0" y="0"/>
+          <a:ext cx="0" cy="0"/>
+          <a:chOff x="0" y="0"/>
+          <a:chExt cx="0" cy="0"/>
+        </a:xfrm>
+      </p:grpSpPr>
+      <p:sp>
+        <p:nvSpPr>
+          <p:cNvPr id="2" name="Title 1"/>
+          <p:cNvSpPr>
+            <a:spLocks noGrp="1"/>
+          </p:cNvSpPr>
+          <p:nvPr>
+            <p:ph type="title"/>
+          </p:nvPr>
+        </p:nvSpPr>
+        <p:spPr/>
+        <p:txBody>
+          <a:bodyPr/>
+          <a:lstStyle/>
+          <a:p>
+            <a:r>
+              <a:rPr lang="en-US" dirty="0" smtClean="0"/>
+              <a:t>Traceability Link Matrix</a:t>
+            </a:r>
+            <a:endParaRPr lang="en-US" dirty="0"/>
+          </a:p>
+        </p:txBody>
+      </p:sp>
+      <p:pic>
+        <p:nvPicPr>
+          <p:cNvPr id="6146" name="Picture 2"/>
+          <p:cNvPicPr>
+            <a:picLocks noChangeAspect="1" noChangeArrowheads="1"/>
+          </p:cNvPicPr>
+          <p:nvPr/>
+        </p:nvPicPr>
+        <p:blipFill>
+          <a:blip r:embed="rId2">
+            <a:extLst>
+              <a:ext uri="{28A0092B-C50C-407E-A947-70E740481C1C}">
+                <a14:useLocalDpi xmlns:a14="http://schemas.microsoft.com/office/drawing/2010/main" val="0"/>
+              </a:ext>
+            </a:extLst>
+          </a:blip>
+          <a:srcRect/>
+          <a:stretch>
+            <a:fillRect/>
+          </a:stretch>
+        </p:blipFill>
+        <p:spPr bwMode="auto">
+          <a:xfrm>
+            <a:off x="3572851" y="2338578"/>
+            <a:ext cx="1803400" cy="2171700"/>
+          </a:xfrm>
+          <a:prstGeom prst="rect">
+            <a:avLst/>
+          </a:prstGeom>
+          <a:noFill/>
+          <a:ln>
+            <a:noFill/>
+          </a:ln>
+          <a:extLst>
+            <a:ext uri="{909E8E84-426E-40DD-AFC4-6F175D3DCCD1}">
+              <a14:hiddenFill xmlns:a14="http://schemas.microsoft.com/office/drawing/2010/main">
+                <a:solidFill>
+                  <a:srgbClr val="FFFFFF"/>
+                </a:solidFill>
+              </a14:hiddenFill>
+            </a:ext>
+            <a:ext uri="{91240B29-F687-4F45-9708-019B960494DF}">
+              <a14:hiddenLine xmlns:a14="http://schemas.microsoft.com/office/drawing/2010/main" w="12700" cap="flat">
+                <a:solidFill>
+                  <a:srgbClr val="000000"/>
+                </a:solidFill>
+                <a:miter lim="800000"/>
+                <a:headEnd/>
+                <a:tailEnd/>
+              </a14:hiddenLine>
+            </a:ext>
+          </a:extLst>
+        </p:spPr>
+      </p:pic>
+      <p:pic>
+        <p:nvPicPr>
+          <p:cNvPr id="6147" name="Picture 3"/>
+          <p:cNvPicPr>
+            <a:picLocks noChangeAspect="1" noChangeArrowheads="1"/>
+          </p:cNvPicPr>
+          <p:nvPr/>
+        </p:nvPicPr>
+        <p:blipFill>
+          <a:blip r:embed="rId3">
+            <a:extLst>
+              <a:ext uri="{28A0092B-C50C-407E-A947-70E740481C1C}">
+                <a14:useLocalDpi xmlns:a14="http://schemas.microsoft.com/office/drawing/2010/main" val="0"/>
+              </a:ext>
+            </a:extLst>
+          </a:blip>
+          <a:srcRect/>
+          <a:stretch>
+            <a:fillRect/>
+          </a:stretch>
+        </p:blipFill>
+        <p:spPr bwMode="auto">
+          <a:xfrm>
+            <a:off x="5376251" y="2351278"/>
+            <a:ext cx="6616700" cy="2146300"/>
+          </a:xfrm>
+          <a:prstGeom prst="rect">
+            <a:avLst/>
+          </a:prstGeom>
+          <a:noFill/>
+          <a:ln>
+            <a:noFill/>
+          </a:ln>
+          <a:extLst>
+            <a:ext uri="{909E8E84-426E-40DD-AFC4-6F175D3DCCD1}">
+              <a14:hiddenFill xmlns:a14="http://schemas.microsoft.com/office/drawing/2010/main">
+                <a:solidFill>
+                  <a:srgbClr val="FFFFFF"/>
+                </a:solidFill>
+              </a14:hiddenFill>
+            </a:ext>
+            <a:ext uri="{91240B29-F687-4F45-9708-019B960494DF}">
+              <a14:hiddenLine xmlns:a14="http://schemas.microsoft.com/office/drawing/2010/main" w="12700" cap="flat">
+                <a:solidFill>
+                  <a:srgbClr val="000000"/>
+                </a:solidFill>
+                <a:miter lim="800000"/>
+                <a:headEnd/>
+                <a:tailEnd/>
+              </a14:hiddenLine>
+            </a:ext>
+          </a:extLst>
+        </p:spPr>
+      </p:pic>
+    </p:spTree>
+    <p:extLst>
+      <p:ext uri="{BB962C8B-B14F-4D97-AF65-F5344CB8AC3E}">
+        <p14:creationId xmlns:p14="http://schemas.microsoft.com/office/powerpoint/2010/main" val="2932573615"/>
+      </p:ext>
+    </p:extLst>
+  </p:cSld>
+  <p:clrMapOvr>
+    <a:masterClrMapping/>
+  </p:clrMapOvr>
+</p:sld>
+</file>
+
+<file path=ppt/slides/slide23.xml><?xml version="1.0" encoding="utf-8"?>
+<p:sld xmlns:a="http://schemas.openxmlformats.org/drawingml/2006/main" xmlns:r="http://schemas.openxmlformats.org/officeDocument/2006/relationships" xmlns:p="http://schemas.openxmlformats.org/presentationml/2006/main">
+  <p:cSld>
+    <p:spTree>
+      <p:nvGrpSpPr>
+        <p:cNvPr id="1" name=""/>
+        <p:cNvGrpSpPr/>
+        <p:nvPr/>
+      </p:nvGrpSpPr>
+      <p:grpSpPr>
+        <a:xfrm>
+          <a:off x="0" y="0"/>
+          <a:ext cx="0" cy="0"/>
+          <a:chOff x="0" y="0"/>
+          <a:chExt cx="0" cy="0"/>
+        </a:xfrm>
+      </p:grpSpPr>
+      <p:sp>
+        <p:nvSpPr>
+          <p:cNvPr id="2" name="Title 1"/>
+          <p:cNvSpPr>
+            <a:spLocks noGrp="1"/>
+          </p:cNvSpPr>
+          <p:nvPr>
+            <p:ph type="title"/>
+          </p:nvPr>
+        </p:nvSpPr>
+        <p:spPr/>
+        <p:txBody>
+          <a:bodyPr/>
+          <a:lstStyle/>
+          <a:p>
+            <a:r>
+              <a:rPr lang="en-US" dirty="0" smtClean="0"/>
+              <a:t/>
+            </a:r>
+            <a:br>
+              <a:rPr lang="en-US" dirty="0" smtClean="0"/>
+            </a:br>
+            <a:r>
+              <a:rPr lang="en-US" dirty="0" smtClean="0"/>
+              <a:t>Traceability Link Matrix</a:t>
+            </a:r>
+            <a:endParaRPr lang="en-US" dirty="0"/>
+          </a:p>
+        </p:txBody>
+      </p:sp>
+      <p:pic>
+        <p:nvPicPr>
+          <p:cNvPr id="7170" name="Picture 2"/>
+          <p:cNvPicPr>
+            <a:picLocks noChangeAspect="1" noChangeArrowheads="1"/>
+          </p:cNvPicPr>
+          <p:nvPr/>
+        </p:nvPicPr>
+        <p:blipFill>
+          <a:blip r:embed="rId2">
+            <a:extLst>
+              <a:ext uri="{28A0092B-C50C-407E-A947-70E740481C1C}">
+                <a14:useLocalDpi xmlns:a14="http://schemas.microsoft.com/office/drawing/2010/main" val="0"/>
+              </a:ext>
+            </a:extLst>
+          </a:blip>
+          <a:srcRect/>
+          <a:stretch>
+            <a:fillRect/>
+          </a:stretch>
+        </p:blipFill>
+        <p:spPr bwMode="auto">
+          <a:xfrm>
+            <a:off x="328115" y="952047"/>
+            <a:ext cx="1558201" cy="1876425"/>
+          </a:xfrm>
+          <a:prstGeom prst="rect">
+            <a:avLst/>
+          </a:prstGeom>
+          <a:noFill/>
+          <a:ln>
+            <a:noFill/>
+          </a:ln>
+          <a:extLst>
+            <a:ext uri="{909E8E84-426E-40DD-AFC4-6F175D3DCCD1}">
+              <a14:hiddenFill xmlns:a14="http://schemas.microsoft.com/office/drawing/2010/main">
+                <a:solidFill>
+                  <a:srgbClr val="FFFFFF"/>
+                </a:solidFill>
+              </a14:hiddenFill>
+            </a:ext>
+            <a:ext uri="{91240B29-F687-4F45-9708-019B960494DF}">
+              <a14:hiddenLine xmlns:a14="http://schemas.microsoft.com/office/drawing/2010/main" w="12700" cap="flat">
+                <a:solidFill>
+                  <a:srgbClr val="000000"/>
+                </a:solidFill>
+                <a:miter lim="800000"/>
+                <a:headEnd/>
+                <a:tailEnd/>
+              </a14:hiddenLine>
+            </a:ext>
+          </a:extLst>
+        </p:spPr>
+      </p:pic>
+      <p:pic>
+        <p:nvPicPr>
+          <p:cNvPr id="7172" name="Picture 4"/>
+          <p:cNvPicPr>
+            <a:picLocks noChangeAspect="1" noChangeArrowheads="1"/>
+          </p:cNvPicPr>
+          <p:nvPr/>
+        </p:nvPicPr>
+        <p:blipFill>
+          <a:blip r:embed="rId3">
+            <a:extLst>
+              <a:ext uri="{28A0092B-C50C-407E-A947-70E740481C1C}">
+                <a14:useLocalDpi xmlns:a14="http://schemas.microsoft.com/office/drawing/2010/main" val="0"/>
+              </a:ext>
+            </a:extLst>
+          </a:blip>
+          <a:srcRect/>
+          <a:stretch>
+            <a:fillRect/>
+          </a:stretch>
+        </p:blipFill>
+        <p:spPr bwMode="auto">
+          <a:xfrm>
+            <a:off x="1886316" y="952048"/>
+            <a:ext cx="10058401" cy="1876425"/>
+          </a:xfrm>
+          <a:prstGeom prst="rect">
+            <a:avLst/>
+          </a:prstGeom>
+          <a:noFill/>
+          <a:ln>
+            <a:noFill/>
+          </a:ln>
+          <a:extLst>
+            <a:ext uri="{909E8E84-426E-40DD-AFC4-6F175D3DCCD1}">
+              <a14:hiddenFill xmlns:a14="http://schemas.microsoft.com/office/drawing/2010/main">
+                <a:solidFill>
+                  <a:srgbClr val="FFFFFF"/>
+                </a:solidFill>
+              </a14:hiddenFill>
+            </a:ext>
+            <a:ext uri="{91240B29-F687-4F45-9708-019B960494DF}">
+              <a14:hiddenLine xmlns:a14="http://schemas.microsoft.com/office/drawing/2010/main" w="12700" cap="flat">
+                <a:solidFill>
+                  <a:srgbClr val="000000"/>
+                </a:solidFill>
+                <a:miter lim="800000"/>
+                <a:headEnd/>
+                <a:tailEnd/>
+              </a14:hiddenLine>
+            </a:ext>
+          </a:extLst>
+        </p:spPr>
+      </p:pic>
+    </p:spTree>
+    <p:extLst>
+      <p:ext uri="{BB962C8B-B14F-4D97-AF65-F5344CB8AC3E}">
+        <p14:creationId xmlns:p14="http://schemas.microsoft.com/office/powerpoint/2010/main" val="1250237924"/>
+      </p:ext>
+    </p:extLst>
+  </p:cSld>
+  <p:clrMapOvr>
+    <a:masterClrMapping/>
+  </p:clrMapOvr>
+</p:sld>
+</file>
+
+<file path=ppt/slides/slide24.xml><?xml version="1.0" encoding="utf-8"?>
+<p:sld xmlns:a="http://schemas.openxmlformats.org/drawingml/2006/main" xmlns:r="http://schemas.openxmlformats.org/officeDocument/2006/relationships" xmlns:p="http://schemas.openxmlformats.org/presentationml/2006/main">
+  <p:cSld>
+    <p:spTree>
+      <p:nvGrpSpPr>
+        <p:cNvPr id="1" name=""/>
+        <p:cNvGrpSpPr/>
+        <p:nvPr/>
+      </p:nvGrpSpPr>
+      <p:grpSpPr>
+        <a:xfrm>
+          <a:off x="0" y="0"/>
+          <a:ext cx="0" cy="0"/>
+          <a:chOff x="0" y="0"/>
+          <a:chExt cx="0" cy="0"/>
+        </a:xfrm>
+      </p:grpSpPr>
+      <p:sp>
+        <p:nvSpPr>
+          <p:cNvPr id="2" name="Title 1">
+            <a:extLst>
+              <a:ext uri="{FF2B5EF4-FFF2-40B4-BE49-F238E27FC236}">
+                <a16:creationId xmlns:a16="http://schemas.microsoft.com/office/drawing/2014/main" id="{40AE4BCD-88FC-4B30-A88D-BDCBE9C938F5}"/>
+              </a:ext>
+            </a:extLst>
+          </p:cNvPr>
+          <p:cNvSpPr>
+            <a:spLocks noGrp="1"/>
+          </p:cNvSpPr>
+          <p:nvPr>
+            <p:ph type="title"/>
+          </p:nvPr>
+        </p:nvSpPr>
+        <p:spPr/>
+        <p:txBody>
+          <a:bodyPr/>
+          <a:lstStyle/>
+          <a:p>
+            <a:r>
+              <a:rPr lang="en-US" dirty="0"/>
+              <a:t>Challenges and Lessons Learned</a:t>
+            </a:r>
+          </a:p>
+        </p:txBody>
+      </p:sp>
+      <p:sp>
+        <p:nvSpPr>
+          <p:cNvPr id="3" name="Content Placeholder 2">
+            <a:extLst>
+              <a:ext uri="{FF2B5EF4-FFF2-40B4-BE49-F238E27FC236}">
+                <a16:creationId xmlns:a16="http://schemas.microsoft.com/office/drawing/2014/main" id="{2032AC58-34D7-44C2-A01D-97417F35A2D1}"/>
+              </a:ext>
+            </a:extLst>
+          </p:cNvPr>
+          <p:cNvSpPr>
+            <a:spLocks noGrp="1"/>
+          </p:cNvSpPr>
+          <p:nvPr>
+            <p:ph idx="1"/>
+          </p:nvPr>
+        </p:nvSpPr>
+        <p:spPr>
+          <a:xfrm>
+            <a:off x="3869268" y="160422"/>
+            <a:ext cx="7315200" cy="6529136"/>
+          </a:xfrm>
+        </p:spPr>
+        <p:txBody>
+          <a:bodyPr>
+            <a:normAutofit/>
+          </a:bodyPr>
+          <a:lstStyle/>
+          <a:p>
+            <a:r>
+              <a:rPr lang="en-US" dirty="0"/>
+              <a:t>Teamwork: </a:t>
+            </a:r>
+          </a:p>
+          <a:p>
+            <a:pPr lvl="1"/>
+            <a:r>
+              <a:rPr lang="en-US" dirty="0"/>
+              <a:t>Challenge: we struggled to follow through on our plans.</a:t>
+            </a:r>
+          </a:p>
+          <a:p>
+            <a:pPr lvl="1"/>
+            <a:r>
+              <a:rPr lang="en-US" dirty="0"/>
+              <a:t>Lesson: make more manageable plans.</a:t>
+            </a:r>
+          </a:p>
+          <a:p>
+            <a:r>
+              <a:rPr lang="en-US" dirty="0"/>
+              <a:t>Communication:</a:t>
+            </a:r>
+          </a:p>
+          <a:p>
+            <a:pPr lvl="1"/>
+            <a:r>
+              <a:rPr lang="en-US" dirty="0"/>
+              <a:t>Challenge: we struggled to communicate our difficulties.</a:t>
+            </a:r>
+          </a:p>
+          <a:p>
+            <a:pPr lvl="1"/>
+            <a:r>
+              <a:rPr lang="en-US" dirty="0"/>
+              <a:t>Lesson: communicate our difficulties.</a:t>
+            </a:r>
+          </a:p>
+          <a:p>
+            <a:r>
+              <a:rPr lang="en-US" dirty="0"/>
+              <a:t>Software Design:</a:t>
+            </a:r>
+          </a:p>
+          <a:p>
+            <a:pPr lvl="1"/>
+            <a:r>
+              <a:rPr lang="en-US" dirty="0"/>
+              <a:t>Challenge: we struggled to do TDD or use Agile Methodology.</a:t>
+            </a:r>
+          </a:p>
+          <a:p>
+            <a:pPr lvl="1"/>
+            <a:r>
+              <a:rPr lang="en-US" dirty="0"/>
+              <a:t>Lesson: making more time for work allows us to work how we want to.</a:t>
+            </a:r>
+          </a:p>
+          <a:p>
+            <a:r>
+              <a:rPr lang="en-US" dirty="0"/>
+              <a:t>Software Development:</a:t>
+            </a:r>
+          </a:p>
+          <a:p>
+            <a:pPr lvl="1"/>
+            <a:r>
+              <a:rPr lang="en-US" dirty="0"/>
+              <a:t>Challenge: we struggled to implement as many design patterns as we would’ve liked.</a:t>
+            </a:r>
+          </a:p>
+          <a:p>
+            <a:pPr lvl="1"/>
+            <a:r>
+              <a:rPr lang="en-US" dirty="0"/>
+              <a:t>Lesson: making more time for work allows us to implement what we want to.</a:t>
+            </a:r>
+          </a:p>
+          <a:p>
+            <a:r>
+              <a:rPr lang="en-US" dirty="0"/>
+              <a:t>Commit Log: </a:t>
+            </a:r>
+          </a:p>
+          <a:p>
+            <a:pPr lvl="1"/>
+            <a:r>
+              <a:rPr lang="en-US" dirty="0"/>
+              <a:t>Challenge: 156 commits the week of November 12</a:t>
+            </a:r>
+            <a:r>
+              <a:rPr lang="en-US" baseline="30000" dirty="0"/>
+              <a:t>th</a:t>
+            </a:r>
+            <a:r>
+              <a:rPr lang="en-US" dirty="0"/>
+              <a:t>.</a:t>
+            </a:r>
+          </a:p>
+          <a:p>
+            <a:pPr lvl="1"/>
+            <a:r>
+              <a:rPr lang="en-US" dirty="0"/>
+              <a:t>Lesson: ensure all group members are doing their parts before the weekend before the due date.</a:t>
+            </a:r>
+          </a:p>
+        </p:txBody>
+      </p:sp>
+    </p:spTree>
+    <p:extLst>
+      <p:ext uri="{BB962C8B-B14F-4D97-AF65-F5344CB8AC3E}">
+        <p14:creationId xmlns:p14="http://schemas.microsoft.com/office/powerpoint/2010/main" val="441682372"/>
+      </p:ext>
+    </p:extLst>
+  </p:cSld>
+  <p:clrMapOvr>
+    <a:masterClrMapping/>
+  </p:clrMapOvr>
+</p:sld>
+</file>
+
+<file path=ppt/slides/slide25.xml><?xml version="1.0" encoding="utf-8"?>
+<p:sld xmlns:a="http://schemas.openxmlformats.org/drawingml/2006/main" xmlns:r="http://schemas.openxmlformats.org/officeDocument/2006/relationships" xmlns:p="http://schemas.openxmlformats.org/presentationml/2006/main">
+  <p:cSld>
+    <p:spTree>
+      <p:nvGrpSpPr>
+        <p:cNvPr id="1" name=""/>
+        <p:cNvGrpSpPr/>
+        <p:nvPr/>
+      </p:nvGrpSpPr>
+      <p:grpSpPr>
+        <a:xfrm>
+          <a:off x="0" y="0"/>
+          <a:ext cx="0" cy="0"/>
+          <a:chOff x="0" y="0"/>
+          <a:chExt cx="0" cy="0"/>
+        </a:xfrm>
+      </p:grpSpPr>
+      <p:sp>
+        <p:nvSpPr>
+          <p:cNvPr id="2" name="Title 1">
+            <a:extLst>
+              <a:ext uri="{FF2B5EF4-FFF2-40B4-BE49-F238E27FC236}">
+                <a16:creationId xmlns:a16="http://schemas.microsoft.com/office/drawing/2014/main" id="{6BECD90C-E70F-46A8-9BF0-7C0ECAA7344B}"/>
+              </a:ext>
+            </a:extLst>
+          </p:cNvPr>
+          <p:cNvSpPr>
+            <a:spLocks noGrp="1"/>
+          </p:cNvSpPr>
+          <p:nvPr>
+            <p:ph type="title"/>
+          </p:nvPr>
+        </p:nvSpPr>
+        <p:spPr/>
+        <p:txBody>
+          <a:bodyPr/>
+          <a:lstStyle/>
+          <a:p>
+            <a:r>
+              <a:rPr lang="en-US" dirty="0"/>
+              <a:t>Demo</a:t>
+            </a:r>
+          </a:p>
+        </p:txBody>
+      </p:sp>
+      <p:sp>
+        <p:nvSpPr>
+          <p:cNvPr id="3" name="Content Placeholder 2">
+            <a:extLst>
+              <a:ext uri="{FF2B5EF4-FFF2-40B4-BE49-F238E27FC236}">
+                <a16:creationId xmlns:a16="http://schemas.microsoft.com/office/drawing/2014/main" id="{7F1FB63A-D2DB-4567-B1E3-A78BDF1EA25E}"/>
+              </a:ext>
+            </a:extLst>
+          </p:cNvPr>
+          <p:cNvSpPr>
+            <a:spLocks noGrp="1"/>
+          </p:cNvSpPr>
+          <p:nvPr>
+            <p:ph idx="1"/>
+          </p:nvPr>
+        </p:nvSpPr>
+        <p:spPr/>
+        <p:txBody>
+          <a:bodyPr/>
+          <a:lstStyle/>
+          <a:p>
+            <a:endParaRPr lang="en-US"/>
+          </a:p>
+        </p:txBody>
+      </p:sp>
+    </p:spTree>
+    <p:extLst>
+      <p:ext uri="{BB962C8B-B14F-4D97-AF65-F5344CB8AC3E}">
+        <p14:creationId xmlns:p14="http://schemas.microsoft.com/office/powerpoint/2010/main" val="268357577"/>
       </p:ext>
     </p:extLst>
   </p:cSld>
@@ -5898,31 +7890,114 @@
           </a:p>
         </p:txBody>
       </p:sp>
-      <p:sp>
-        <p:nvSpPr>
-          <p:cNvPr id="3" name="Content Placeholder 2">
+      <p:pic>
+        <p:nvPicPr>
+          <p:cNvPr id="1026" name="Picture 2"/>
+          <p:cNvPicPr>
+            <a:picLocks noChangeAspect="1" noChangeArrowheads="1"/>
+          </p:cNvPicPr>
+          <p:nvPr/>
+        </p:nvPicPr>
+        <p:blipFill>
+          <a:blip r:embed="rId2">
             <a:extLst>
-              <a:ext uri="{FF2B5EF4-FFF2-40B4-BE49-F238E27FC236}">
-                <a16:creationId xmlns:a16="http://schemas.microsoft.com/office/drawing/2014/main" id="{E548EF9F-6339-4FB5-B839-DAFC940D2C53}"/>
+              <a:ext uri="{28A0092B-C50C-407E-A947-70E740481C1C}">
+                <a14:useLocalDpi xmlns:a14="http://schemas.microsoft.com/office/drawing/2010/main" val="0"/>
               </a:ext>
             </a:extLst>
-          </p:cNvPr>
-          <p:cNvSpPr>
-            <a:spLocks noGrp="1"/>
-          </p:cNvSpPr>
-          <p:nvPr>
-            <p:ph idx="1"/>
-          </p:nvPr>
-        </p:nvSpPr>
-        <p:spPr/>
-        <p:txBody>
-          <a:bodyPr/>
-          <a:lstStyle/>
-          <a:p>
-            <a:endParaRPr lang="en-US"/>
-          </a:p>
-        </p:txBody>
-      </p:sp>
+          </a:blip>
+          <a:srcRect/>
+          <a:stretch>
+            <a:fillRect/>
+          </a:stretch>
+        </p:blipFill>
+        <p:spPr bwMode="auto">
+          <a:xfrm>
+            <a:off x="4058016" y="684403"/>
+            <a:ext cx="7132637" cy="2740025"/>
+          </a:xfrm>
+          <a:prstGeom prst="rect">
+            <a:avLst/>
+          </a:prstGeom>
+          <a:noFill/>
+          <a:ln>
+            <a:noFill/>
+          </a:ln>
+          <a:extLst>
+            <a:ext uri="{909E8E84-426E-40DD-AFC4-6F175D3DCCD1}">
+              <a14:hiddenFill xmlns:a14="http://schemas.microsoft.com/office/drawing/2010/main">
+                <a:solidFill>
+                  <a:srgbClr val="FFFFFF"/>
+                </a:solidFill>
+              </a14:hiddenFill>
+            </a:ext>
+            <a:ext uri="{91240B29-F687-4F45-9708-019B960494DF}">
+              <a14:hiddenLine xmlns:a14="http://schemas.microsoft.com/office/drawing/2010/main" w="12700" cap="flat">
+                <a:solidFill>
+                  <a:srgbClr val="000000"/>
+                </a:solidFill>
+                <a:miter lim="800000"/>
+                <a:headEnd/>
+                <a:tailEnd/>
+              </a14:hiddenLine>
+            </a:ext>
+          </a:extLst>
+        </p:spPr>
+      </p:pic>
+      <p:pic>
+        <p:nvPicPr>
+          <p:cNvPr id="1027" name="Picture 3"/>
+          <p:cNvPicPr>
+            <a:picLocks noChangeAspect="1" noChangeArrowheads="1"/>
+          </p:cNvPicPr>
+          <p:nvPr/>
+        </p:nvPicPr>
+        <p:blipFill>
+          <a:blip r:embed="rId3">
+            <a:extLst>
+              <a:ext uri="{28A0092B-C50C-407E-A947-70E740481C1C}">
+                <a14:useLocalDpi xmlns:a14="http://schemas.microsoft.com/office/drawing/2010/main" val="0"/>
+              </a:ext>
+            </a:extLst>
+          </a:blip>
+          <a:srcRect/>
+          <a:stretch>
+            <a:fillRect/>
+          </a:stretch>
+        </p:blipFill>
+        <p:spPr bwMode="auto">
+          <a:xfrm>
+            <a:off x="4594590" y="3523273"/>
+            <a:ext cx="6059488" cy="3225800"/>
+          </a:xfrm>
+          <a:prstGeom prst="rect">
+            <a:avLst/>
+          </a:prstGeom>
+          <a:noFill/>
+          <a:ln>
+            <a:noFill/>
+          </a:ln>
+          <a:extLst>
+            <a:ext uri="{909E8E84-426E-40DD-AFC4-6F175D3DCCD1}">
+              <a14:hiddenFill xmlns:a14="http://schemas.microsoft.com/office/drawing/2010/main">
+                <a:solidFill>
+                  <a:srgbClr val="FFFFFF"/>
+                </a:solidFill>
+              </a14:hiddenFill>
+            </a:ext>
+            <a:ext uri="{91240B29-F687-4F45-9708-019B960494DF}">
+              <a14:hiddenLine xmlns:a14="http://schemas.microsoft.com/office/drawing/2010/main" w="12700" cap="flat">
+                <a:solidFill>
+                  <a:srgbClr val="000000"/>
+                </a:solidFill>
+                <a:miter lim="800000"/>
+                <a:headEnd/>
+                <a:tailEnd/>
+              </a14:hiddenLine>
+            </a:ext>
+          </a:extLst>
+        </p:spPr>
+      </p:pic>
     </p:spTree>
     <p:extLst>
       <p:ext uri="{BB962C8B-B14F-4D97-AF65-F5344CB8AC3E}">

--- a/Presentation 5/Presentation.pptx
+++ b/Presentation 5/Presentation.pptx
@@ -22,14 +22,16 @@
     <p:sldId id="269" r:id="rId16"/>
     <p:sldId id="275" r:id="rId17"/>
     <p:sldId id="270" r:id="rId18"/>
-    <p:sldId id="271" r:id="rId19"/>
-    <p:sldId id="279" r:id="rId20"/>
-    <p:sldId id="272" r:id="rId21"/>
-    <p:sldId id="273" r:id="rId22"/>
-    <p:sldId id="280" r:id="rId23"/>
-    <p:sldId id="281" r:id="rId24"/>
-    <p:sldId id="274" r:id="rId25"/>
-    <p:sldId id="263" r:id="rId26"/>
+    <p:sldId id="282" r:id="rId19"/>
+    <p:sldId id="283" r:id="rId20"/>
+    <p:sldId id="271" r:id="rId21"/>
+    <p:sldId id="279" r:id="rId22"/>
+    <p:sldId id="272" r:id="rId23"/>
+    <p:sldId id="273" r:id="rId24"/>
+    <p:sldId id="280" r:id="rId25"/>
+    <p:sldId id="281" r:id="rId26"/>
+    <p:sldId id="274" r:id="rId27"/>
+    <p:sldId id="263" r:id="rId28"/>
   </p:sldIdLst>
   <p:sldSz cx="12192000" cy="6858000"/>
   <p:notesSz cx="6858000" cy="9144000"/>
@@ -364,7 +366,7 @@
           <a:p>
             <a:fld id="{91DBFED4-1FE4-4ADB-AD33-8C921B77A47A}" type="datetimeFigureOut">
               <a:rPr lang="en-US" smtClean="0"/>
-              <a:t>12/3/2017</a:t>
+              <a:t>12/4/2017</a:t>
             </a:fld>
             <a:endParaRPr lang="en-US"/>
           </a:p>
@@ -534,7 +536,7 @@
           <a:p>
             <a:fld id="{91DBFED4-1FE4-4ADB-AD33-8C921B77A47A}" type="datetimeFigureOut">
               <a:rPr lang="en-US" smtClean="0"/>
-              <a:t>12/3/2017</a:t>
+              <a:t>12/4/2017</a:t>
             </a:fld>
             <a:endParaRPr lang="en-US"/>
           </a:p>
@@ -714,7 +716,7 @@
           <a:p>
             <a:fld id="{91DBFED4-1FE4-4ADB-AD33-8C921B77A47A}" type="datetimeFigureOut">
               <a:rPr lang="en-US" smtClean="0"/>
-              <a:t>12/3/2017</a:t>
+              <a:t>12/4/2017</a:t>
             </a:fld>
             <a:endParaRPr lang="en-US"/>
           </a:p>
@@ -884,7 +886,7 @@
           <a:p>
             <a:fld id="{91DBFED4-1FE4-4ADB-AD33-8C921B77A47A}" type="datetimeFigureOut">
               <a:rPr lang="en-US" smtClean="0"/>
-              <a:t>12/3/2017</a:t>
+              <a:t>12/4/2017</a:t>
             </a:fld>
             <a:endParaRPr lang="en-US"/>
           </a:p>
@@ -1142,7 +1144,7 @@
           <a:p>
             <a:fld id="{91DBFED4-1FE4-4ADB-AD33-8C921B77A47A}" type="datetimeFigureOut">
               <a:rPr lang="en-US" smtClean="0"/>
-              <a:t>12/3/2017</a:t>
+              <a:t>12/4/2017</a:t>
             </a:fld>
             <a:endParaRPr lang="en-US"/>
           </a:p>
@@ -1430,7 +1432,7 @@
           <a:p>
             <a:fld id="{91DBFED4-1FE4-4ADB-AD33-8C921B77A47A}" type="datetimeFigureOut">
               <a:rPr lang="en-US" smtClean="0"/>
-              <a:t>12/3/2017</a:t>
+              <a:t>12/4/2017</a:t>
             </a:fld>
             <a:endParaRPr lang="en-US"/>
           </a:p>
@@ -1872,7 +1874,7 @@
           <a:p>
             <a:fld id="{91DBFED4-1FE4-4ADB-AD33-8C921B77A47A}" type="datetimeFigureOut">
               <a:rPr lang="en-US" smtClean="0"/>
-              <a:t>12/3/2017</a:t>
+              <a:t>12/4/2017</a:t>
             </a:fld>
             <a:endParaRPr lang="en-US"/>
           </a:p>
@@ -1990,7 +1992,7 @@
           <a:p>
             <a:fld id="{91DBFED4-1FE4-4ADB-AD33-8C921B77A47A}" type="datetimeFigureOut">
               <a:rPr lang="en-US" smtClean="0"/>
-              <a:t>12/3/2017</a:t>
+              <a:t>12/4/2017</a:t>
             </a:fld>
             <a:endParaRPr lang="en-US"/>
           </a:p>
@@ -2085,7 +2087,7 @@
           <a:p>
             <a:fld id="{91DBFED4-1FE4-4ADB-AD33-8C921B77A47A}" type="datetimeFigureOut">
               <a:rPr lang="en-US" smtClean="0"/>
-              <a:t>12/3/2017</a:t>
+              <a:t>12/4/2017</a:t>
             </a:fld>
             <a:endParaRPr lang="en-US"/>
           </a:p>
@@ -2373,7 +2375,7 @@
           <a:p>
             <a:fld id="{91DBFED4-1FE4-4ADB-AD33-8C921B77A47A}" type="datetimeFigureOut">
               <a:rPr lang="en-US" smtClean="0"/>
-              <a:t>12/3/2017</a:t>
+              <a:t>12/4/2017</a:t>
             </a:fld>
             <a:endParaRPr lang="en-US"/>
           </a:p>
@@ -2646,7 +2648,7 @@
           <a:p>
             <a:fld id="{91DBFED4-1FE4-4ADB-AD33-8C921B77A47A}" type="datetimeFigureOut">
               <a:rPr lang="en-US" smtClean="0"/>
-              <a:t>12/3/2017</a:t>
+              <a:t>12/4/2017</a:t>
             </a:fld>
             <a:endParaRPr lang="en-US"/>
           </a:p>
@@ -2943,7 +2945,7 @@
           <a:p>
             <a:fld id="{91DBFED4-1FE4-4ADB-AD33-8C921B77A47A}" type="datetimeFigureOut">
               <a:rPr lang="en-US" smtClean="0"/>
-              <a:t>12/3/2017</a:t>
+              <a:t>12/4/2017</a:t>
             </a:fld>
             <a:endParaRPr lang="en-US"/>
           </a:p>
@@ -4725,26 +4727,893 @@
       </p:sp>
       <p:sp>
         <p:nvSpPr>
-          <p:cNvPr id="3" name="Content Placeholder 2">
-            <a:extLst>
-              <a:ext uri="{FF2B5EF4-FFF2-40B4-BE49-F238E27FC236}">
-                <a16:creationId xmlns:a16="http://schemas.microsoft.com/office/drawing/2014/main" id="{BC65C704-ABCF-4D49-B74E-C6E0866CE77F}"/>
-              </a:ext>
-            </a:extLst>
-          </p:cNvPr>
-          <p:cNvSpPr>
-            <a:spLocks noGrp="1"/>
-          </p:cNvSpPr>
-          <p:nvPr>
-            <p:ph idx="1"/>
-          </p:nvPr>
+          <p:cNvPr id="5" name="Rectangle 4"/>
+          <p:cNvSpPr/>
+          <p:nvPr/>
         </p:nvSpPr>
-        <p:spPr/>
+        <p:spPr>
+          <a:xfrm>
+            <a:off x="4296508" y="386861"/>
+            <a:ext cx="6096000" cy="5786199"/>
+          </a:xfrm>
+          <a:prstGeom prst="rect">
+            <a:avLst/>
+          </a:prstGeom>
+        </p:spPr>
         <p:txBody>
-          <a:bodyPr/>
+          <a:bodyPr>
+            <a:spAutoFit/>
+          </a:bodyPr>
           <a:lstStyle/>
           <a:p>
-            <a:endParaRPr lang="en-US"/>
+            <a:r>
+              <a:rPr lang="en-US" sz="1000" b="1" dirty="0">
+                <a:solidFill>
+                  <a:srgbClr val="000000"/>
+                </a:solidFill>
+                <a:latin typeface="Helvetica" panose="020B0604020202020204" pitchFamily="34" charset="0"/>
+                <a:ea typeface="ヒラギノ角ゴ Pro W3"/>
+                <a:cs typeface="Times New Roman" panose="02020603050405020304" pitchFamily="18" charset="0"/>
+              </a:rPr>
+              <a:t>Test Document</a:t>
+            </a:r>
+            <a:endParaRPr lang="en-US" sz="1000" dirty="0">
+              <a:solidFill>
+                <a:srgbClr val="000000"/>
+              </a:solidFill>
+              <a:latin typeface="Helvetica" panose="020B0604020202020204" pitchFamily="34" charset="0"/>
+              <a:ea typeface="ヒラギノ角ゴ Pro W3"/>
+              <a:cs typeface="Times New Roman" panose="02020603050405020304" pitchFamily="18" charset="0"/>
+            </a:endParaRPr>
+          </a:p>
+          <a:p>
+            <a:r>
+              <a:rPr lang="en-US" sz="1000" dirty="0">
+                <a:solidFill>
+                  <a:srgbClr val="000000"/>
+                </a:solidFill>
+                <a:latin typeface="Helvetica" panose="020B0604020202020204" pitchFamily="34" charset="0"/>
+                <a:ea typeface="ヒラギノ角ゴ Pro W3"/>
+                <a:cs typeface="Times New Roman" panose="02020603050405020304" pitchFamily="18" charset="0"/>
+              </a:rPr>
+              <a:t> </a:t>
+            </a:r>
+          </a:p>
+          <a:p>
+            <a:r>
+              <a:rPr lang="en-US" sz="1000" b="1" dirty="0">
+                <a:solidFill>
+                  <a:srgbClr val="000000"/>
+                </a:solidFill>
+                <a:latin typeface="Helvetica" panose="020B0604020202020204" pitchFamily="34" charset="0"/>
+                <a:ea typeface="ヒラギノ角ゴ Pro W3"/>
+                <a:cs typeface="Times New Roman" panose="02020603050405020304" pitchFamily="18" charset="0"/>
+              </a:rPr>
+              <a:t>Test 1</a:t>
+            </a:r>
+            <a:r>
+              <a:rPr lang="en-US" sz="1000" dirty="0">
+                <a:solidFill>
+                  <a:srgbClr val="000000"/>
+                </a:solidFill>
+                <a:latin typeface="Helvetica" panose="020B0604020202020204" pitchFamily="34" charset="0"/>
+                <a:ea typeface="ヒラギノ角ゴ Pro W3"/>
+                <a:cs typeface="Times New Roman" panose="02020603050405020304" pitchFamily="18" charset="0"/>
+              </a:rPr>
+              <a:t>:</a:t>
+            </a:r>
+          </a:p>
+          <a:p>
+            <a:r>
+              <a:rPr lang="en-US" sz="1000" b="1" dirty="0">
+                <a:solidFill>
+                  <a:srgbClr val="000000"/>
+                </a:solidFill>
+                <a:latin typeface="Helvetica" panose="020B0604020202020204" pitchFamily="34" charset="0"/>
+                <a:ea typeface="ヒラギノ角ゴ Pro W3"/>
+                <a:cs typeface="Times New Roman" panose="02020603050405020304" pitchFamily="18" charset="0"/>
+              </a:rPr>
+              <a:t>Description</a:t>
+            </a:r>
+            <a:r>
+              <a:rPr lang="en-US" sz="1000" dirty="0">
+                <a:solidFill>
+                  <a:srgbClr val="000000"/>
+                </a:solidFill>
+                <a:latin typeface="Helvetica" panose="020B0604020202020204" pitchFamily="34" charset="0"/>
+                <a:ea typeface="ヒラギノ角ゴ Pro W3"/>
+                <a:cs typeface="Times New Roman" panose="02020603050405020304" pitchFamily="18" charset="0"/>
+              </a:rPr>
+              <a:t>: A user can register</a:t>
+            </a:r>
+          </a:p>
+          <a:p>
+            <a:r>
+              <a:rPr lang="en-US" sz="1000" b="1" dirty="0">
+                <a:solidFill>
+                  <a:srgbClr val="000000"/>
+                </a:solidFill>
+                <a:latin typeface="Helvetica" panose="020B0604020202020204" pitchFamily="34" charset="0"/>
+                <a:ea typeface="ヒラギノ角ゴ Pro W3"/>
+                <a:cs typeface="Times New Roman" panose="02020603050405020304" pitchFamily="18" charset="0"/>
+              </a:rPr>
+              <a:t>Preconditions</a:t>
+            </a:r>
+            <a:r>
+              <a:rPr lang="en-US" sz="1000" dirty="0">
+                <a:solidFill>
+                  <a:srgbClr val="000000"/>
+                </a:solidFill>
+                <a:latin typeface="Helvetica" panose="020B0604020202020204" pitchFamily="34" charset="0"/>
+                <a:ea typeface="ヒラギノ角ゴ Pro W3"/>
+                <a:cs typeface="Times New Roman" panose="02020603050405020304" pitchFamily="18" charset="0"/>
+              </a:rPr>
+              <a:t>: A user enters a valid email, password, and a unique nickname</a:t>
+            </a:r>
+          </a:p>
+          <a:p>
+            <a:r>
+              <a:rPr lang="en-US" sz="1000" b="1" dirty="0">
+                <a:solidFill>
+                  <a:srgbClr val="000000"/>
+                </a:solidFill>
+                <a:latin typeface="Helvetica" panose="020B0604020202020204" pitchFamily="34" charset="0"/>
+                <a:ea typeface="ヒラギノ角ゴ Pro W3"/>
+                <a:cs typeface="Times New Roman" panose="02020603050405020304" pitchFamily="18" charset="0"/>
+              </a:rPr>
+              <a:t>Steps</a:t>
+            </a:r>
+            <a:r>
+              <a:rPr lang="en-US" sz="1000" dirty="0">
+                <a:solidFill>
+                  <a:srgbClr val="000000"/>
+                </a:solidFill>
+                <a:latin typeface="Helvetica" panose="020B0604020202020204" pitchFamily="34" charset="0"/>
+                <a:ea typeface="ヒラギノ角ゴ Pro W3"/>
+                <a:cs typeface="Times New Roman" panose="02020603050405020304" pitchFamily="18" charset="0"/>
+              </a:rPr>
+              <a:t>:</a:t>
+            </a:r>
+          </a:p>
+          <a:p>
+            <a:pPr marL="342900" marR="0" lvl="0" indent="-342900">
+              <a:spcBef>
+                <a:spcPts val="0"/>
+              </a:spcBef>
+              <a:spcAft>
+                <a:spcPts val="0"/>
+              </a:spcAft>
+              <a:buFont typeface="+mj-lt"/>
+              <a:buAutoNum type="arabicPeriod"/>
+              <a:tabLst>
+                <a:tab pos="165100" algn="l"/>
+              </a:tabLst>
+            </a:pPr>
+            <a:r>
+              <a:rPr lang="en-US" sz="1000" dirty="0">
+                <a:solidFill>
+                  <a:srgbClr val="000000"/>
+                </a:solidFill>
+                <a:latin typeface="Helvetica" panose="020B0604020202020204" pitchFamily="34" charset="0"/>
+                <a:ea typeface="ヒラギノ角ゴ Pro W3"/>
+                <a:cs typeface="Times New Roman" panose="02020603050405020304" pitchFamily="18" charset="0"/>
+              </a:rPr>
+              <a:t>A user starts the project and is directed to the login page</a:t>
+            </a:r>
+          </a:p>
+          <a:p>
+            <a:pPr marL="342900" marR="0" lvl="0" indent="-342900">
+              <a:spcBef>
+                <a:spcPts val="0"/>
+              </a:spcBef>
+              <a:spcAft>
+                <a:spcPts val="0"/>
+              </a:spcAft>
+              <a:buFont typeface="+mj-lt"/>
+              <a:buAutoNum type="arabicPeriod"/>
+              <a:tabLst>
+                <a:tab pos="165100" algn="l"/>
+              </a:tabLst>
+            </a:pPr>
+            <a:r>
+              <a:rPr lang="en-US" sz="1000" dirty="0">
+                <a:solidFill>
+                  <a:srgbClr val="000000"/>
+                </a:solidFill>
+                <a:latin typeface="Helvetica" panose="020B0604020202020204" pitchFamily="34" charset="0"/>
+                <a:ea typeface="ヒラギノ角ゴ Pro W3"/>
+                <a:cs typeface="Times New Roman" panose="02020603050405020304" pitchFamily="18" charset="0"/>
+              </a:rPr>
+              <a:t>The user clicks on Register User.</a:t>
+            </a:r>
+          </a:p>
+          <a:p>
+            <a:pPr marL="342900" marR="0" lvl="0" indent="-342900">
+              <a:spcBef>
+                <a:spcPts val="0"/>
+              </a:spcBef>
+              <a:spcAft>
+                <a:spcPts val="0"/>
+              </a:spcAft>
+              <a:buFont typeface="+mj-lt"/>
+              <a:buAutoNum type="arabicPeriod"/>
+              <a:tabLst>
+                <a:tab pos="165100" algn="l"/>
+              </a:tabLst>
+            </a:pPr>
+            <a:r>
+              <a:rPr lang="en-US" sz="1000" dirty="0">
+                <a:solidFill>
+                  <a:srgbClr val="000000"/>
+                </a:solidFill>
+                <a:latin typeface="Helvetica" panose="020B0604020202020204" pitchFamily="34" charset="0"/>
+                <a:ea typeface="ヒラギノ角ゴ Pro W3"/>
+                <a:cs typeface="Times New Roman" panose="02020603050405020304" pitchFamily="18" charset="0"/>
+              </a:rPr>
+              <a:t>The user enters an email, </a:t>
+            </a:r>
+            <a:r>
+              <a:rPr lang="en-US" sz="1000" u="sng" dirty="0">
+                <a:solidFill>
+                  <a:srgbClr val="000099"/>
+                </a:solidFill>
+                <a:latin typeface="Helvetica" panose="020B0604020202020204" pitchFamily="34" charset="0"/>
+                <a:ea typeface="ヒラギノ角ゴ Pro W3"/>
+                <a:cs typeface="Times New Roman" panose="02020603050405020304" pitchFamily="18" charset="0"/>
+                <a:hlinkClick r:id="rId2"/>
+              </a:rPr>
+              <a:t>test@test.com</a:t>
+            </a:r>
+            <a:endParaRPr lang="en-US" sz="1000" dirty="0">
+              <a:solidFill>
+                <a:srgbClr val="000000"/>
+              </a:solidFill>
+              <a:latin typeface="Helvetica" panose="020B0604020202020204" pitchFamily="34" charset="0"/>
+              <a:ea typeface="ヒラギノ角ゴ Pro W3"/>
+              <a:cs typeface="Times New Roman" panose="02020603050405020304" pitchFamily="18" charset="0"/>
+            </a:endParaRPr>
+          </a:p>
+          <a:p>
+            <a:pPr marL="342900" marR="0" lvl="0" indent="-342900">
+              <a:spcBef>
+                <a:spcPts val="0"/>
+              </a:spcBef>
+              <a:spcAft>
+                <a:spcPts val="0"/>
+              </a:spcAft>
+              <a:buFont typeface="+mj-lt"/>
+              <a:buAutoNum type="arabicPeriod"/>
+              <a:tabLst>
+                <a:tab pos="165100" algn="l"/>
+              </a:tabLst>
+            </a:pPr>
+            <a:r>
+              <a:rPr lang="en-US" sz="1000" dirty="0">
+                <a:solidFill>
+                  <a:srgbClr val="000000"/>
+                </a:solidFill>
+                <a:latin typeface="Helvetica" panose="020B0604020202020204" pitchFamily="34" charset="0"/>
+                <a:ea typeface="ヒラギノ角ゴ Pro W3"/>
+                <a:cs typeface="Times New Roman" panose="02020603050405020304" pitchFamily="18" charset="0"/>
+              </a:rPr>
+              <a:t>The user enters a password, test.</a:t>
+            </a:r>
+          </a:p>
+          <a:p>
+            <a:pPr marL="342900" marR="0" lvl="0" indent="-342900">
+              <a:spcBef>
+                <a:spcPts val="0"/>
+              </a:spcBef>
+              <a:spcAft>
+                <a:spcPts val="0"/>
+              </a:spcAft>
+              <a:buFont typeface="+mj-lt"/>
+              <a:buAutoNum type="arabicPeriod"/>
+              <a:tabLst>
+                <a:tab pos="165100" algn="l"/>
+              </a:tabLst>
+            </a:pPr>
+            <a:r>
+              <a:rPr lang="en-US" sz="1000" dirty="0">
+                <a:solidFill>
+                  <a:srgbClr val="000000"/>
+                </a:solidFill>
+                <a:latin typeface="Helvetica" panose="020B0604020202020204" pitchFamily="34" charset="0"/>
+                <a:ea typeface="ヒラギノ角ゴ Pro W3"/>
+                <a:cs typeface="Times New Roman" panose="02020603050405020304" pitchFamily="18" charset="0"/>
+              </a:rPr>
+              <a:t>The user enters a nickname, test123.</a:t>
+            </a:r>
+          </a:p>
+          <a:p>
+            <a:r>
+              <a:rPr lang="en-US" sz="1000" b="1" dirty="0">
+                <a:solidFill>
+                  <a:srgbClr val="000000"/>
+                </a:solidFill>
+                <a:latin typeface="Helvetica" panose="020B0604020202020204" pitchFamily="34" charset="0"/>
+                <a:ea typeface="ヒラギノ角ゴ Pro W3"/>
+                <a:cs typeface="Times New Roman" panose="02020603050405020304" pitchFamily="18" charset="0"/>
+              </a:rPr>
+              <a:t>Expected Result</a:t>
+            </a:r>
+            <a:r>
+              <a:rPr lang="en-US" sz="1000" dirty="0">
+                <a:solidFill>
+                  <a:srgbClr val="000000"/>
+                </a:solidFill>
+                <a:latin typeface="Helvetica" panose="020B0604020202020204" pitchFamily="34" charset="0"/>
+                <a:ea typeface="ヒラギノ角ゴ Pro W3"/>
+                <a:cs typeface="Times New Roman" panose="02020603050405020304" pitchFamily="18" charset="0"/>
+              </a:rPr>
+              <a:t>: A new user has been registered and a message is shown that indicates a new user has been registered.</a:t>
+            </a:r>
+          </a:p>
+          <a:p>
+            <a:r>
+              <a:rPr lang="en-US" sz="1000" b="1" dirty="0" err="1">
+                <a:solidFill>
+                  <a:srgbClr val="000000"/>
+                </a:solidFill>
+                <a:latin typeface="Helvetica" panose="020B0604020202020204" pitchFamily="34" charset="0"/>
+                <a:ea typeface="ヒラギノ角ゴ Pro W3"/>
+                <a:cs typeface="Times New Roman" panose="02020603050405020304" pitchFamily="18" charset="0"/>
+              </a:rPr>
+              <a:t>Postconditions</a:t>
+            </a:r>
+            <a:r>
+              <a:rPr lang="en-US" sz="1000" dirty="0">
+                <a:solidFill>
+                  <a:srgbClr val="000000"/>
+                </a:solidFill>
+                <a:latin typeface="Helvetica" panose="020B0604020202020204" pitchFamily="34" charset="0"/>
+                <a:ea typeface="ヒラギノ角ゴ Pro W3"/>
+                <a:cs typeface="Times New Roman" panose="02020603050405020304" pitchFamily="18" charset="0"/>
+              </a:rPr>
+              <a:t>: A new user is added to the database</a:t>
+            </a:r>
+          </a:p>
+          <a:p>
+            <a:r>
+              <a:rPr lang="en-US" sz="1000" b="1" dirty="0">
+                <a:solidFill>
+                  <a:srgbClr val="000000"/>
+                </a:solidFill>
+                <a:latin typeface="Helvetica" panose="020B0604020202020204" pitchFamily="34" charset="0"/>
+                <a:ea typeface="ヒラギノ角ゴ Pro W3"/>
+                <a:cs typeface="Times New Roman" panose="02020603050405020304" pitchFamily="18" charset="0"/>
+              </a:rPr>
+              <a:t>Status</a:t>
+            </a:r>
+            <a:r>
+              <a:rPr lang="en-US" sz="1000" dirty="0">
+                <a:solidFill>
+                  <a:srgbClr val="000000"/>
+                </a:solidFill>
+                <a:latin typeface="Helvetica" panose="020B0604020202020204" pitchFamily="34" charset="0"/>
+                <a:ea typeface="ヒラギノ角ゴ Pro W3"/>
+                <a:cs typeface="Times New Roman" panose="02020603050405020304" pitchFamily="18" charset="0"/>
+              </a:rPr>
+              <a:t>: Pass</a:t>
+            </a:r>
+          </a:p>
+          <a:p>
+            <a:r>
+              <a:rPr lang="en-US" sz="1000" dirty="0">
+                <a:solidFill>
+                  <a:srgbClr val="000000"/>
+                </a:solidFill>
+                <a:latin typeface="Helvetica" panose="020B0604020202020204" pitchFamily="34" charset="0"/>
+                <a:ea typeface="ヒラギノ角ゴ Pro W3"/>
+                <a:cs typeface="Times New Roman" panose="02020603050405020304" pitchFamily="18" charset="0"/>
+              </a:rPr>
+              <a:t> </a:t>
+            </a:r>
+          </a:p>
+          <a:p>
+            <a:r>
+              <a:rPr lang="en-US" sz="1000" b="1" dirty="0">
+                <a:solidFill>
+                  <a:srgbClr val="000000"/>
+                </a:solidFill>
+                <a:latin typeface="Helvetica" panose="020B0604020202020204" pitchFamily="34" charset="0"/>
+                <a:ea typeface="ヒラギノ角ゴ Pro W3"/>
+                <a:cs typeface="Times New Roman" panose="02020603050405020304" pitchFamily="18" charset="0"/>
+              </a:rPr>
+              <a:t>Test 2</a:t>
+            </a:r>
+            <a:r>
+              <a:rPr lang="en-US" sz="1000" dirty="0">
+                <a:solidFill>
+                  <a:srgbClr val="000000"/>
+                </a:solidFill>
+                <a:latin typeface="Helvetica" panose="020B0604020202020204" pitchFamily="34" charset="0"/>
+                <a:ea typeface="ヒラギノ角ゴ Pro W3"/>
+                <a:cs typeface="Times New Roman" panose="02020603050405020304" pitchFamily="18" charset="0"/>
+              </a:rPr>
+              <a:t>:</a:t>
+            </a:r>
+          </a:p>
+          <a:p>
+            <a:r>
+              <a:rPr lang="en-US" sz="1000" b="1" dirty="0">
+                <a:solidFill>
+                  <a:srgbClr val="000000"/>
+                </a:solidFill>
+                <a:latin typeface="Helvetica" panose="020B0604020202020204" pitchFamily="34" charset="0"/>
+                <a:ea typeface="ヒラギノ角ゴ Pro W3"/>
+                <a:cs typeface="Times New Roman" panose="02020603050405020304" pitchFamily="18" charset="0"/>
+              </a:rPr>
+              <a:t>Description</a:t>
+            </a:r>
+            <a:r>
+              <a:rPr lang="en-US" sz="1000" dirty="0">
+                <a:solidFill>
+                  <a:srgbClr val="000000"/>
+                </a:solidFill>
+                <a:latin typeface="Helvetica" panose="020B0604020202020204" pitchFamily="34" charset="0"/>
+                <a:ea typeface="ヒラギノ角ゴ Pro W3"/>
+                <a:cs typeface="Times New Roman" panose="02020603050405020304" pitchFamily="18" charset="0"/>
+              </a:rPr>
+              <a:t>: A registered user is able to login to the system</a:t>
+            </a:r>
+          </a:p>
+          <a:p>
+            <a:r>
+              <a:rPr lang="en-US" sz="1000" b="1" dirty="0">
+                <a:solidFill>
+                  <a:srgbClr val="000000"/>
+                </a:solidFill>
+                <a:latin typeface="Helvetica" panose="020B0604020202020204" pitchFamily="34" charset="0"/>
+                <a:ea typeface="ヒラギノ角ゴ Pro W3"/>
+                <a:cs typeface="Times New Roman" panose="02020603050405020304" pitchFamily="18" charset="0"/>
+              </a:rPr>
+              <a:t>Preconditions</a:t>
+            </a:r>
+            <a:r>
+              <a:rPr lang="en-US" sz="1000" dirty="0">
+                <a:solidFill>
+                  <a:srgbClr val="000000"/>
+                </a:solidFill>
+                <a:latin typeface="Helvetica" panose="020B0604020202020204" pitchFamily="34" charset="0"/>
+                <a:ea typeface="ヒラギノ角ゴ Pro W3"/>
+                <a:cs typeface="Times New Roman" panose="02020603050405020304" pitchFamily="18" charset="0"/>
+              </a:rPr>
+              <a:t>: A user enters an email and password into the login page</a:t>
+            </a:r>
+          </a:p>
+          <a:p>
+            <a:r>
+              <a:rPr lang="en-US" sz="1000" b="1" dirty="0">
+                <a:solidFill>
+                  <a:srgbClr val="000000"/>
+                </a:solidFill>
+                <a:latin typeface="Helvetica" panose="020B0604020202020204" pitchFamily="34" charset="0"/>
+                <a:ea typeface="ヒラギノ角ゴ Pro W3"/>
+                <a:cs typeface="Times New Roman" panose="02020603050405020304" pitchFamily="18" charset="0"/>
+              </a:rPr>
+              <a:t>Steps</a:t>
+            </a:r>
+            <a:r>
+              <a:rPr lang="en-US" sz="1000" dirty="0">
+                <a:solidFill>
+                  <a:srgbClr val="000000"/>
+                </a:solidFill>
+                <a:latin typeface="Helvetica" panose="020B0604020202020204" pitchFamily="34" charset="0"/>
+                <a:ea typeface="ヒラギノ角ゴ Pro W3"/>
+                <a:cs typeface="Times New Roman" panose="02020603050405020304" pitchFamily="18" charset="0"/>
+              </a:rPr>
+              <a:t>:</a:t>
+            </a:r>
+          </a:p>
+          <a:p>
+            <a:pPr marL="342900" marR="0" lvl="0" indent="-342900">
+              <a:spcBef>
+                <a:spcPts val="0"/>
+              </a:spcBef>
+              <a:spcAft>
+                <a:spcPts val="0"/>
+              </a:spcAft>
+              <a:buFont typeface="+mj-lt"/>
+              <a:buAutoNum type="arabicPeriod"/>
+              <a:tabLst>
+                <a:tab pos="165100" algn="l"/>
+              </a:tabLst>
+            </a:pPr>
+            <a:r>
+              <a:rPr lang="en-US" sz="1000" dirty="0">
+                <a:solidFill>
+                  <a:srgbClr val="000000"/>
+                </a:solidFill>
+                <a:latin typeface="Helvetica" panose="020B0604020202020204" pitchFamily="34" charset="0"/>
+                <a:ea typeface="ヒラギノ角ゴ Pro W3"/>
+                <a:cs typeface="Times New Roman" panose="02020603050405020304" pitchFamily="18" charset="0"/>
+              </a:rPr>
+              <a:t>A user who has been registered enters their email</a:t>
+            </a:r>
+          </a:p>
+          <a:p>
+            <a:pPr marL="342900" marR="0" lvl="0" indent="-342900">
+              <a:spcBef>
+                <a:spcPts val="0"/>
+              </a:spcBef>
+              <a:spcAft>
+                <a:spcPts val="0"/>
+              </a:spcAft>
+              <a:buFont typeface="+mj-lt"/>
+              <a:buAutoNum type="arabicPeriod"/>
+              <a:tabLst>
+                <a:tab pos="165100" algn="l"/>
+              </a:tabLst>
+            </a:pPr>
+            <a:r>
+              <a:rPr lang="en-US" sz="1000" dirty="0">
+                <a:solidFill>
+                  <a:srgbClr val="000000"/>
+                </a:solidFill>
+                <a:latin typeface="Helvetica" panose="020B0604020202020204" pitchFamily="34" charset="0"/>
+                <a:ea typeface="ヒラギノ角ゴ Pro W3"/>
+                <a:cs typeface="Times New Roman" panose="02020603050405020304" pitchFamily="18" charset="0"/>
+              </a:rPr>
+              <a:t>That user enters their password</a:t>
+            </a:r>
+          </a:p>
+          <a:p>
+            <a:pPr marL="342900" marR="0" lvl="0" indent="-342900">
+              <a:spcBef>
+                <a:spcPts val="0"/>
+              </a:spcBef>
+              <a:spcAft>
+                <a:spcPts val="0"/>
+              </a:spcAft>
+              <a:buFont typeface="+mj-lt"/>
+              <a:buAutoNum type="arabicPeriod"/>
+              <a:tabLst>
+                <a:tab pos="165100" algn="l"/>
+              </a:tabLst>
+            </a:pPr>
+            <a:r>
+              <a:rPr lang="en-US" sz="1000" dirty="0">
+                <a:solidFill>
+                  <a:srgbClr val="000000"/>
+                </a:solidFill>
+                <a:latin typeface="Helvetica" panose="020B0604020202020204" pitchFamily="34" charset="0"/>
+                <a:ea typeface="ヒラギノ角ゴ Pro W3"/>
+                <a:cs typeface="Times New Roman" panose="02020603050405020304" pitchFamily="18" charset="0"/>
+              </a:rPr>
+              <a:t>The user clicks login</a:t>
+            </a:r>
+          </a:p>
+          <a:p>
+            <a:r>
+              <a:rPr lang="en-US" sz="1000" b="1" dirty="0">
+                <a:solidFill>
+                  <a:srgbClr val="000000"/>
+                </a:solidFill>
+                <a:latin typeface="Helvetica" panose="020B0604020202020204" pitchFamily="34" charset="0"/>
+                <a:ea typeface="ヒラギノ角ゴ Pro W3"/>
+                <a:cs typeface="Times New Roman" panose="02020603050405020304" pitchFamily="18" charset="0"/>
+              </a:rPr>
+              <a:t>Expected Result</a:t>
+            </a:r>
+            <a:r>
+              <a:rPr lang="en-US" sz="1000" dirty="0">
+                <a:solidFill>
+                  <a:srgbClr val="000000"/>
+                </a:solidFill>
+                <a:latin typeface="Helvetica" panose="020B0604020202020204" pitchFamily="34" charset="0"/>
+                <a:ea typeface="ヒラギノ角ゴ Pro W3"/>
+                <a:cs typeface="Times New Roman" panose="02020603050405020304" pitchFamily="18" charset="0"/>
+              </a:rPr>
+              <a:t>: The user is directed to the game dashboard</a:t>
+            </a:r>
+          </a:p>
+          <a:p>
+            <a:r>
+              <a:rPr lang="en-US" sz="1000" b="1" dirty="0" err="1">
+                <a:solidFill>
+                  <a:srgbClr val="000000"/>
+                </a:solidFill>
+                <a:latin typeface="Helvetica" panose="020B0604020202020204" pitchFamily="34" charset="0"/>
+                <a:ea typeface="ヒラギノ角ゴ Pro W3"/>
+                <a:cs typeface="Times New Roman" panose="02020603050405020304" pitchFamily="18" charset="0"/>
+              </a:rPr>
+              <a:t>Postconditions</a:t>
+            </a:r>
+            <a:r>
+              <a:rPr lang="en-US" sz="1000" dirty="0">
+                <a:solidFill>
+                  <a:srgbClr val="000000"/>
+                </a:solidFill>
+                <a:latin typeface="Helvetica" panose="020B0604020202020204" pitchFamily="34" charset="0"/>
+                <a:ea typeface="ヒラギノ角ゴ Pro W3"/>
+                <a:cs typeface="Times New Roman" panose="02020603050405020304" pitchFamily="18" charset="0"/>
+              </a:rPr>
+              <a:t>: The user is logged in to the system</a:t>
+            </a:r>
+          </a:p>
+          <a:p>
+            <a:r>
+              <a:rPr lang="en-US" sz="1000" b="1" dirty="0">
+                <a:solidFill>
+                  <a:srgbClr val="000000"/>
+                </a:solidFill>
+                <a:latin typeface="Helvetica" panose="020B0604020202020204" pitchFamily="34" charset="0"/>
+                <a:ea typeface="ヒラギノ角ゴ Pro W3"/>
+                <a:cs typeface="Times New Roman" panose="02020603050405020304" pitchFamily="18" charset="0"/>
+              </a:rPr>
+              <a:t>Status</a:t>
+            </a:r>
+            <a:r>
+              <a:rPr lang="en-US" sz="1000" dirty="0">
+                <a:solidFill>
+                  <a:srgbClr val="000000"/>
+                </a:solidFill>
+                <a:latin typeface="Helvetica" panose="020B0604020202020204" pitchFamily="34" charset="0"/>
+                <a:ea typeface="ヒラギノ角ゴ Pro W3"/>
+                <a:cs typeface="Times New Roman" panose="02020603050405020304" pitchFamily="18" charset="0"/>
+              </a:rPr>
+              <a:t>: Pass</a:t>
+            </a:r>
+          </a:p>
+          <a:p>
+            <a:r>
+              <a:rPr lang="en-US" sz="1000" dirty="0">
+                <a:solidFill>
+                  <a:srgbClr val="000000"/>
+                </a:solidFill>
+                <a:latin typeface="Helvetica" panose="020B0604020202020204" pitchFamily="34" charset="0"/>
+                <a:ea typeface="ヒラギノ角ゴ Pro W3"/>
+                <a:cs typeface="Times New Roman" panose="02020603050405020304" pitchFamily="18" charset="0"/>
+              </a:rPr>
+              <a:t> </a:t>
+            </a:r>
+          </a:p>
+          <a:p>
+            <a:r>
+              <a:rPr lang="en-US" sz="1000" b="1" dirty="0">
+                <a:solidFill>
+                  <a:srgbClr val="000000"/>
+                </a:solidFill>
+                <a:latin typeface="Helvetica" panose="020B0604020202020204" pitchFamily="34" charset="0"/>
+                <a:ea typeface="ヒラギノ角ゴ Pro W3"/>
+                <a:cs typeface="Times New Roman" panose="02020603050405020304" pitchFamily="18" charset="0"/>
+              </a:rPr>
+              <a:t>Test 3</a:t>
+            </a:r>
+            <a:r>
+              <a:rPr lang="en-US" sz="1000" dirty="0">
+                <a:solidFill>
+                  <a:srgbClr val="000000"/>
+                </a:solidFill>
+                <a:latin typeface="Helvetica" panose="020B0604020202020204" pitchFamily="34" charset="0"/>
+                <a:ea typeface="ヒラギノ角ゴ Pro W3"/>
+                <a:cs typeface="Times New Roman" panose="02020603050405020304" pitchFamily="18" charset="0"/>
+              </a:rPr>
+              <a:t>:</a:t>
+            </a:r>
+          </a:p>
+          <a:p>
+            <a:r>
+              <a:rPr lang="en-US" sz="1000" b="1" dirty="0">
+                <a:solidFill>
+                  <a:srgbClr val="000000"/>
+                </a:solidFill>
+                <a:latin typeface="Helvetica" panose="020B0604020202020204" pitchFamily="34" charset="0"/>
+                <a:ea typeface="ヒラギノ角ゴ Pro W3"/>
+                <a:cs typeface="Times New Roman" panose="02020603050405020304" pitchFamily="18" charset="0"/>
+              </a:rPr>
+              <a:t>Description</a:t>
+            </a:r>
+            <a:r>
+              <a:rPr lang="en-US" sz="1000" dirty="0">
+                <a:solidFill>
+                  <a:srgbClr val="000000"/>
+                </a:solidFill>
+                <a:latin typeface="Helvetica" panose="020B0604020202020204" pitchFamily="34" charset="0"/>
+                <a:ea typeface="ヒラギノ角ゴ Pro W3"/>
+                <a:cs typeface="Times New Roman" panose="02020603050405020304" pitchFamily="18" charset="0"/>
+              </a:rPr>
+              <a:t>: A registered user can deregister their account</a:t>
+            </a:r>
+          </a:p>
+          <a:p>
+            <a:r>
+              <a:rPr lang="en-US" sz="1000" b="1" dirty="0">
+                <a:solidFill>
+                  <a:srgbClr val="000000"/>
+                </a:solidFill>
+                <a:latin typeface="Helvetica" panose="020B0604020202020204" pitchFamily="34" charset="0"/>
+                <a:ea typeface="ヒラギノ角ゴ Pro W3"/>
+                <a:cs typeface="Times New Roman" panose="02020603050405020304" pitchFamily="18" charset="0"/>
+              </a:rPr>
+              <a:t>Preconditions</a:t>
+            </a:r>
+            <a:r>
+              <a:rPr lang="en-US" sz="1000" dirty="0">
+                <a:solidFill>
+                  <a:srgbClr val="000000"/>
+                </a:solidFill>
+                <a:latin typeface="Helvetica" panose="020B0604020202020204" pitchFamily="34" charset="0"/>
+                <a:ea typeface="ヒラギノ角ゴ Pro W3"/>
+                <a:cs typeface="Times New Roman" panose="02020603050405020304" pitchFamily="18" charset="0"/>
+              </a:rPr>
+              <a:t>: A user enters their credentials and clicks deregister</a:t>
+            </a:r>
+          </a:p>
+          <a:p>
+            <a:r>
+              <a:rPr lang="en-US" sz="1000" b="1" dirty="0">
+                <a:solidFill>
+                  <a:srgbClr val="000000"/>
+                </a:solidFill>
+                <a:latin typeface="Helvetica" panose="020B0604020202020204" pitchFamily="34" charset="0"/>
+                <a:ea typeface="ヒラギノ角ゴ Pro W3"/>
+                <a:cs typeface="Times New Roman" panose="02020603050405020304" pitchFamily="18" charset="0"/>
+              </a:rPr>
+              <a:t>Steps</a:t>
+            </a:r>
+            <a:r>
+              <a:rPr lang="en-US" sz="1000" dirty="0">
+                <a:solidFill>
+                  <a:srgbClr val="000000"/>
+                </a:solidFill>
+                <a:latin typeface="Helvetica" panose="020B0604020202020204" pitchFamily="34" charset="0"/>
+                <a:ea typeface="ヒラギノ角ゴ Pro W3"/>
+                <a:cs typeface="Times New Roman" panose="02020603050405020304" pitchFamily="18" charset="0"/>
+              </a:rPr>
+              <a:t>:</a:t>
+            </a:r>
+          </a:p>
+          <a:p>
+            <a:pPr marL="342900" marR="0" lvl="0" indent="-342900">
+              <a:spcBef>
+                <a:spcPts val="0"/>
+              </a:spcBef>
+              <a:spcAft>
+                <a:spcPts val="0"/>
+              </a:spcAft>
+              <a:buFont typeface="+mj-lt"/>
+              <a:buAutoNum type="arabicPeriod"/>
+              <a:tabLst>
+                <a:tab pos="165100" algn="l"/>
+              </a:tabLst>
+            </a:pPr>
+            <a:r>
+              <a:rPr lang="en-US" sz="1000" dirty="0">
+                <a:solidFill>
+                  <a:srgbClr val="000000"/>
+                </a:solidFill>
+                <a:latin typeface="Helvetica" panose="020B0604020202020204" pitchFamily="34" charset="0"/>
+                <a:ea typeface="ヒラギノ角ゴ Pro W3"/>
+                <a:cs typeface="Times New Roman" panose="02020603050405020304" pitchFamily="18" charset="0"/>
+              </a:rPr>
+              <a:t>User enters email</a:t>
+            </a:r>
+          </a:p>
+          <a:p>
+            <a:pPr marL="342900" marR="0" lvl="0" indent="-342900">
+              <a:spcBef>
+                <a:spcPts val="0"/>
+              </a:spcBef>
+              <a:spcAft>
+                <a:spcPts val="0"/>
+              </a:spcAft>
+              <a:buFont typeface="+mj-lt"/>
+              <a:buAutoNum type="arabicPeriod"/>
+              <a:tabLst>
+                <a:tab pos="165100" algn="l"/>
+              </a:tabLst>
+            </a:pPr>
+            <a:r>
+              <a:rPr lang="en-US" sz="1000" dirty="0">
+                <a:solidFill>
+                  <a:srgbClr val="000000"/>
+                </a:solidFill>
+                <a:latin typeface="Helvetica" panose="020B0604020202020204" pitchFamily="34" charset="0"/>
+                <a:ea typeface="ヒラギノ角ゴ Pro W3"/>
+                <a:cs typeface="Times New Roman" panose="02020603050405020304" pitchFamily="18" charset="0"/>
+              </a:rPr>
+              <a:t>User enters password</a:t>
+            </a:r>
+          </a:p>
+          <a:p>
+            <a:pPr marL="342900" marR="0" lvl="0" indent="-342900">
+              <a:spcBef>
+                <a:spcPts val="0"/>
+              </a:spcBef>
+              <a:spcAft>
+                <a:spcPts val="0"/>
+              </a:spcAft>
+              <a:buFont typeface="+mj-lt"/>
+              <a:buAutoNum type="arabicPeriod"/>
+              <a:tabLst>
+                <a:tab pos="165100" algn="l"/>
+              </a:tabLst>
+            </a:pPr>
+            <a:r>
+              <a:rPr lang="en-US" sz="1000" dirty="0">
+                <a:solidFill>
+                  <a:srgbClr val="000000"/>
+                </a:solidFill>
+                <a:latin typeface="Helvetica" panose="020B0604020202020204" pitchFamily="34" charset="0"/>
+                <a:ea typeface="ヒラギノ角ゴ Pro W3"/>
+                <a:cs typeface="Times New Roman" panose="02020603050405020304" pitchFamily="18" charset="0"/>
+              </a:rPr>
+              <a:t>User clicks deregister button</a:t>
+            </a:r>
+          </a:p>
+          <a:p>
+            <a:r>
+              <a:rPr lang="en-US" sz="1000" b="1" dirty="0">
+                <a:solidFill>
+                  <a:srgbClr val="000000"/>
+                </a:solidFill>
+                <a:latin typeface="Helvetica" panose="020B0604020202020204" pitchFamily="34" charset="0"/>
+                <a:ea typeface="ヒラギノ角ゴ Pro W3"/>
+                <a:cs typeface="Times New Roman" panose="02020603050405020304" pitchFamily="18" charset="0"/>
+              </a:rPr>
+              <a:t>Expected Result</a:t>
+            </a:r>
+            <a:r>
+              <a:rPr lang="en-US" sz="1000" dirty="0">
+                <a:solidFill>
+                  <a:srgbClr val="000000"/>
+                </a:solidFill>
+                <a:latin typeface="Helvetica" panose="020B0604020202020204" pitchFamily="34" charset="0"/>
+                <a:ea typeface="ヒラギノ角ゴ Pro W3"/>
+                <a:cs typeface="Times New Roman" panose="02020603050405020304" pitchFamily="18" charset="0"/>
+              </a:rPr>
+              <a:t>: The user is presented a message that they have been deregistered</a:t>
+            </a:r>
+          </a:p>
+          <a:p>
+            <a:r>
+              <a:rPr lang="en-US" sz="1000" b="1" dirty="0" err="1">
+                <a:solidFill>
+                  <a:srgbClr val="000000"/>
+                </a:solidFill>
+                <a:latin typeface="Helvetica" panose="020B0604020202020204" pitchFamily="34" charset="0"/>
+                <a:ea typeface="ヒラギノ角ゴ Pro W3"/>
+                <a:cs typeface="Times New Roman" panose="02020603050405020304" pitchFamily="18" charset="0"/>
+              </a:rPr>
+              <a:t>Postconditions</a:t>
+            </a:r>
+            <a:r>
+              <a:rPr lang="en-US" sz="1000" dirty="0">
+                <a:solidFill>
+                  <a:srgbClr val="000000"/>
+                </a:solidFill>
+                <a:latin typeface="Helvetica" panose="020B0604020202020204" pitchFamily="34" charset="0"/>
+                <a:ea typeface="ヒラギノ角ゴ Pro W3"/>
+                <a:cs typeface="Times New Roman" panose="02020603050405020304" pitchFamily="18" charset="0"/>
+              </a:rPr>
+              <a:t>: The account for the user is deleted from the database</a:t>
+            </a:r>
+          </a:p>
+          <a:p>
+            <a:r>
+              <a:rPr lang="en-US" sz="1000" b="1" dirty="0">
+                <a:solidFill>
+                  <a:srgbClr val="000000"/>
+                </a:solidFill>
+                <a:latin typeface="Helvetica" panose="020B0604020202020204" pitchFamily="34" charset="0"/>
+                <a:ea typeface="ヒラギノ角ゴ Pro W3"/>
+                <a:cs typeface="Times New Roman" panose="02020603050405020304" pitchFamily="18" charset="0"/>
+              </a:rPr>
+              <a:t>Status</a:t>
+            </a:r>
+            <a:r>
+              <a:rPr lang="en-US" sz="1000" dirty="0">
+                <a:solidFill>
+                  <a:srgbClr val="000000"/>
+                </a:solidFill>
+                <a:latin typeface="Helvetica" panose="020B0604020202020204" pitchFamily="34" charset="0"/>
+                <a:ea typeface="ヒラギノ角ゴ Pro W3"/>
+                <a:cs typeface="Times New Roman" panose="02020603050405020304" pitchFamily="18" charset="0"/>
+              </a:rPr>
+              <a:t>: Pass</a:t>
+            </a:r>
           </a:p>
         </p:txBody>
       </p:sp>
@@ -4780,13 +5649,7 @@
       </p:grpSpPr>
       <p:sp>
         <p:nvSpPr>
-          <p:cNvPr id="2" name="Title 1">
-            <a:extLst>
-              <a:ext uri="{FF2B5EF4-FFF2-40B4-BE49-F238E27FC236}">
-                <a16:creationId xmlns:a16="http://schemas.microsoft.com/office/drawing/2014/main" id="{F2E86484-FB57-4B77-9B4D-3852FE03A557}"/>
-              </a:ext>
-            </a:extLst>
-          </p:cNvPr>
+          <p:cNvPr id="2" name="Title 1"/>
           <p:cNvSpPr>
             <a:spLocks noGrp="1"/>
           </p:cNvSpPr>
@@ -4800,22 +5663,23 @@
           <a:lstStyle/>
           <a:p>
             <a:r>
-              <a:rPr lang="en-US" dirty="0"/>
-              <a:t>Development Manual</a:t>
-            </a:r>
+              <a:rPr lang="en-US" dirty="0" smtClean="0"/>
+              <a:t>Testing Document</a:t>
+            </a:r>
+            <a:endParaRPr lang="en-US" dirty="0"/>
           </a:p>
         </p:txBody>
       </p:sp>
       <p:sp>
         <p:nvSpPr>
-          <p:cNvPr id="5" name="Rectangle 4"/>
+          <p:cNvPr id="4" name="Rectangle 3"/>
           <p:cNvSpPr/>
           <p:nvPr/>
         </p:nvSpPr>
         <p:spPr>
           <a:xfrm>
-            <a:off x="4191000" y="238940"/>
-            <a:ext cx="6096000" cy="6370975"/>
+            <a:off x="4243754" y="515939"/>
+            <a:ext cx="6096000" cy="5816977"/>
           </a:xfrm>
           <a:prstGeom prst="rect">
             <a:avLst/>
@@ -4836,18 +5700,8 @@
                 <a:ea typeface="ヒラギノ角ゴ Pro W3"/>
                 <a:cs typeface="Times New Roman" panose="02020603050405020304" pitchFamily="18" charset="0"/>
               </a:rPr>
-              <a:t>Development Manual</a:t>
-            </a:r>
-            <a:endParaRPr lang="en-US" sz="1200" dirty="0">
-              <a:solidFill>
-                <a:srgbClr val="000000"/>
-              </a:solidFill>
-              <a:latin typeface="Helvetica" panose="020B0604020202020204" pitchFamily="34" charset="0"/>
-              <a:ea typeface="ヒラギノ角ゴ Pro W3"/>
-              <a:cs typeface="Times New Roman" panose="02020603050405020304" pitchFamily="18" charset="0"/>
-            </a:endParaRPr>
-          </a:p>
-          <a:p>
+              <a:t>Test 4</a:t>
+            </a:r>
             <a:r>
               <a:rPr lang="en-US" sz="1200" dirty="0">
                 <a:solidFill>
@@ -4857,7 +5711,7 @@
                 <a:ea typeface="ヒラギノ角ゴ Pro W3"/>
                 <a:cs typeface="Times New Roman" panose="02020603050405020304" pitchFamily="18" charset="0"/>
               </a:rPr>
-              <a:t> </a:t>
+              <a:t>:</a:t>
             </a:r>
           </a:p>
           <a:p>
@@ -4870,18 +5724,8 @@
                 <a:ea typeface="ヒラギノ角ゴ Pro W3"/>
                 <a:cs typeface="Times New Roman" panose="02020603050405020304" pitchFamily="18" charset="0"/>
               </a:rPr>
-              <a:t>Tools needed to begin development of product:</a:t>
-            </a:r>
-            <a:endParaRPr lang="en-US" sz="1200" dirty="0">
-              <a:solidFill>
-                <a:srgbClr val="000000"/>
-              </a:solidFill>
-              <a:latin typeface="Helvetica" panose="020B0604020202020204" pitchFamily="34" charset="0"/>
-              <a:ea typeface="ヒラギノ角ゴ Pro W3"/>
-              <a:cs typeface="Times New Roman" panose="02020603050405020304" pitchFamily="18" charset="0"/>
-            </a:endParaRPr>
-          </a:p>
-          <a:p>
+              <a:t>Description</a:t>
+            </a:r>
             <a:r>
               <a:rPr lang="en-US" sz="1200" dirty="0">
                 <a:solidFill>
@@ -4891,7 +5735,55 @@
                 <a:ea typeface="ヒラギノ角ゴ Pro W3"/>
                 <a:cs typeface="Times New Roman" panose="02020603050405020304" pitchFamily="18" charset="0"/>
               </a:rPr>
-              <a:t> </a:t>
+              <a:t>: A registered user can invite another registered user to a game</a:t>
+            </a:r>
+          </a:p>
+          <a:p>
+            <a:r>
+              <a:rPr lang="en-US" sz="1200" b="1" dirty="0">
+                <a:solidFill>
+                  <a:srgbClr val="000000"/>
+                </a:solidFill>
+                <a:latin typeface="Helvetica" panose="020B0604020202020204" pitchFamily="34" charset="0"/>
+                <a:ea typeface="ヒラギノ角ゴ Pro W3"/>
+                <a:cs typeface="Times New Roman" panose="02020603050405020304" pitchFamily="18" charset="0"/>
+              </a:rPr>
+              <a:t>Preconditions</a:t>
+            </a:r>
+            <a:r>
+              <a:rPr lang="en-US" sz="1200" dirty="0">
+                <a:solidFill>
+                  <a:srgbClr val="000000"/>
+                </a:solidFill>
+                <a:latin typeface="Helvetica" panose="020B0604020202020204" pitchFamily="34" charset="0"/>
+                <a:ea typeface="ヒラギノ角ゴ Pro W3"/>
+                <a:cs typeface="Times New Roman" panose="02020603050405020304" pitchFamily="18" charset="0"/>
+              </a:rPr>
+              <a:t>: A user types another user’s nickname to send an invite</a:t>
+            </a:r>
+          </a:p>
+          <a:p>
+            <a:r>
+              <a:rPr lang="en-US" sz="1200" b="1" dirty="0">
+                <a:solidFill>
+                  <a:srgbClr val="000000"/>
+                </a:solidFill>
+                <a:latin typeface="Helvetica" panose="020B0604020202020204" pitchFamily="34" charset="0"/>
+                <a:ea typeface="ヒラギノ角ゴ Pro W3"/>
+                <a:cs typeface="Times New Roman" panose="02020603050405020304" pitchFamily="18" charset="0"/>
+              </a:rPr>
+              <a:t>Steps</a:t>
+            </a:r>
+            <a:r>
+              <a:rPr lang="en-US" sz="1200" dirty="0">
+                <a:solidFill>
+                  <a:srgbClr val="000000"/>
+                </a:solidFill>
+                <a:latin typeface="Helvetica" panose="020B0604020202020204" pitchFamily="34" charset="0"/>
+                <a:ea typeface="ヒラギノ角ゴ Pro W3"/>
+                <a:cs typeface="Times New Roman" panose="02020603050405020304" pitchFamily="18" charset="0"/>
+              </a:rPr>
+              <a:t>:</a:t>
             </a:r>
           </a:p>
           <a:p>
@@ -4917,19 +5809,44 @@
                 <a:ea typeface="ヒラギノ角ゴ Pro W3"/>
                 <a:cs typeface="Times New Roman" panose="02020603050405020304" pitchFamily="18" charset="0"/>
               </a:rPr>
-              <a:t>Eclipse (</a:t>
+              <a:t>User types another user’s nickname into text box.</a:t>
+            </a:r>
+          </a:p>
+          <a:p>
+            <a:r>
+              <a:rPr lang="en-US" sz="1200" b="1" dirty="0">
+                <a:solidFill>
+                  <a:srgbClr val="000000"/>
+                </a:solidFill>
+                <a:latin typeface="Helvetica" panose="020B0604020202020204" pitchFamily="34" charset="0"/>
+                <a:ea typeface="ヒラギノ角ゴ Pro W3"/>
+                <a:cs typeface="Times New Roman" panose="02020603050405020304" pitchFamily="18" charset="0"/>
+              </a:rPr>
+              <a:t>Expected Result</a:t>
             </a:r>
             <a:r>
               <a:rPr lang="en-US" sz="1200" dirty="0">
                 <a:solidFill>
-                  <a:srgbClr val="000099"/>
-                </a:solidFill>
-                <a:latin typeface="Helvetica" panose="020B0604020202020204" pitchFamily="34" charset="0"/>
-                <a:ea typeface="ヒラギノ角ゴ Pro W3"/>
-                <a:cs typeface="Times New Roman" panose="02020603050405020304" pitchFamily="18" charset="0"/>
-                <a:hlinkClick r:id="rId2"/>
-              </a:rPr>
-              <a:t>https://www.eclipse.org/downloads/</a:t>
+                  <a:srgbClr val="000000"/>
+                </a:solidFill>
+                <a:latin typeface="Helvetica" panose="020B0604020202020204" pitchFamily="34" charset="0"/>
+                <a:ea typeface="ヒラギノ角ゴ Pro W3"/>
+                <a:cs typeface="Times New Roman" panose="02020603050405020304" pitchFamily="18" charset="0"/>
+              </a:rPr>
+              <a:t>: The user that is sent the invite receives a notification to join a game</a:t>
+            </a:r>
+          </a:p>
+          <a:p>
+            <a:r>
+              <a:rPr lang="en-US" sz="1200" b="1" dirty="0" err="1">
+                <a:solidFill>
+                  <a:srgbClr val="000000"/>
+                </a:solidFill>
+                <a:latin typeface="Helvetica" panose="020B0604020202020204" pitchFamily="34" charset="0"/>
+                <a:ea typeface="ヒラギノ角ゴ Pro W3"/>
+                <a:cs typeface="Times New Roman" panose="02020603050405020304" pitchFamily="18" charset="0"/>
+              </a:rPr>
+              <a:t>Postconditions</a:t>
             </a:r>
             <a:r>
               <a:rPr lang="en-US" sz="1200" dirty="0">
@@ -4940,7 +5857,127 @@
                 <a:ea typeface="ヒラギノ角ゴ Pro W3"/>
                 <a:cs typeface="Times New Roman" panose="02020603050405020304" pitchFamily="18" charset="0"/>
               </a:rPr>
-              <a:t>)</a:t>
+              <a:t>: An invite is sent to the user</a:t>
+            </a:r>
+          </a:p>
+          <a:p>
+            <a:r>
+              <a:rPr lang="en-US" sz="1200" b="1" dirty="0">
+                <a:solidFill>
+                  <a:srgbClr val="000000"/>
+                </a:solidFill>
+                <a:latin typeface="Helvetica" panose="020B0604020202020204" pitchFamily="34" charset="0"/>
+                <a:ea typeface="ヒラギノ角ゴ Pro W3"/>
+                <a:cs typeface="Times New Roman" panose="02020603050405020304" pitchFamily="18" charset="0"/>
+              </a:rPr>
+              <a:t>Status</a:t>
+            </a:r>
+            <a:r>
+              <a:rPr lang="en-US" sz="1200" dirty="0">
+                <a:solidFill>
+                  <a:srgbClr val="000000"/>
+                </a:solidFill>
+                <a:latin typeface="Helvetica" panose="020B0604020202020204" pitchFamily="34" charset="0"/>
+                <a:ea typeface="ヒラギノ角ゴ Pro W3"/>
+                <a:cs typeface="Times New Roman" panose="02020603050405020304" pitchFamily="18" charset="0"/>
+              </a:rPr>
+              <a:t>: Pass</a:t>
+            </a:r>
+          </a:p>
+          <a:p>
+            <a:r>
+              <a:rPr lang="en-US" sz="1200" b="1" dirty="0">
+                <a:solidFill>
+                  <a:srgbClr val="000000"/>
+                </a:solidFill>
+                <a:latin typeface="Helvetica" panose="020B0604020202020204" pitchFamily="34" charset="0"/>
+                <a:ea typeface="ヒラギノ角ゴ Pro W3"/>
+                <a:cs typeface="Times New Roman" panose="02020603050405020304" pitchFamily="18" charset="0"/>
+              </a:rPr>
+              <a:t>Test 5</a:t>
+            </a:r>
+            <a:r>
+              <a:rPr lang="en-US" sz="1200" dirty="0">
+                <a:solidFill>
+                  <a:srgbClr val="000000"/>
+                </a:solidFill>
+                <a:latin typeface="Helvetica" panose="020B0604020202020204" pitchFamily="34" charset="0"/>
+                <a:ea typeface="ヒラギノ角ゴ Pro W3"/>
+                <a:cs typeface="Times New Roman" panose="02020603050405020304" pitchFamily="18" charset="0"/>
+              </a:rPr>
+              <a:t>:</a:t>
+            </a:r>
+          </a:p>
+          <a:p>
+            <a:r>
+              <a:rPr lang="en-US" sz="1200" b="1" dirty="0">
+                <a:solidFill>
+                  <a:srgbClr val="000000"/>
+                </a:solidFill>
+                <a:latin typeface="Helvetica" panose="020B0604020202020204" pitchFamily="34" charset="0"/>
+                <a:ea typeface="ヒラギノ角ゴ Pro W3"/>
+                <a:cs typeface="Times New Roman" panose="02020603050405020304" pitchFamily="18" charset="0"/>
+              </a:rPr>
+              <a:t>Description</a:t>
+            </a:r>
+            <a:r>
+              <a:rPr lang="en-US" sz="1200" dirty="0">
+                <a:solidFill>
+                  <a:srgbClr val="000000"/>
+                </a:solidFill>
+                <a:latin typeface="Helvetica" panose="020B0604020202020204" pitchFamily="34" charset="0"/>
+                <a:ea typeface="ヒラギノ角ゴ Pro W3"/>
+                <a:cs typeface="Times New Roman" panose="02020603050405020304" pitchFamily="18" charset="0"/>
+              </a:rPr>
+              <a:t>: A registered user that has logged in can create a new game</a:t>
+            </a:r>
+          </a:p>
+          <a:p>
+            <a:r>
+              <a:rPr lang="en-US" sz="1200" b="1" dirty="0">
+                <a:solidFill>
+                  <a:srgbClr val="000000"/>
+                </a:solidFill>
+                <a:latin typeface="Helvetica" panose="020B0604020202020204" pitchFamily="34" charset="0"/>
+                <a:ea typeface="ヒラギノ角ゴ Pro W3"/>
+                <a:cs typeface="Times New Roman" panose="02020603050405020304" pitchFamily="18" charset="0"/>
+              </a:rPr>
+              <a:t>Preconditions</a:t>
+            </a:r>
+            <a:r>
+              <a:rPr lang="en-US" sz="1200" dirty="0">
+                <a:solidFill>
+                  <a:srgbClr val="000000"/>
+                </a:solidFill>
+                <a:latin typeface="Helvetica" panose="020B0604020202020204" pitchFamily="34" charset="0"/>
+                <a:ea typeface="ヒラギノ角ゴ Pro W3"/>
+                <a:cs typeface="Times New Roman" panose="02020603050405020304" pitchFamily="18" charset="0"/>
+              </a:rPr>
+              <a:t>: A user has logged in and clicks “Create Game”</a:t>
+            </a:r>
+          </a:p>
+          <a:p>
+            <a:r>
+              <a:rPr lang="en-US" sz="1200" b="1" dirty="0">
+                <a:solidFill>
+                  <a:srgbClr val="000000"/>
+                </a:solidFill>
+                <a:latin typeface="Helvetica" panose="020B0604020202020204" pitchFamily="34" charset="0"/>
+                <a:ea typeface="ヒラギノ角ゴ Pro W3"/>
+                <a:cs typeface="Times New Roman" panose="02020603050405020304" pitchFamily="18" charset="0"/>
+              </a:rPr>
+              <a:t>Steps</a:t>
+            </a:r>
+            <a:r>
+              <a:rPr lang="en-US" sz="1200" dirty="0">
+                <a:solidFill>
+                  <a:srgbClr val="000000"/>
+                </a:solidFill>
+                <a:latin typeface="Helvetica" panose="020B0604020202020204" pitchFamily="34" charset="0"/>
+                <a:ea typeface="ヒラギノ角ゴ Pro W3"/>
+                <a:cs typeface="Times New Roman" panose="02020603050405020304" pitchFamily="18" charset="0"/>
+              </a:rPr>
+              <a:t>:</a:t>
             </a:r>
           </a:p>
           <a:p>
@@ -4966,30 +6003,7 @@
                 <a:ea typeface="ヒラギノ角ゴ Pro W3"/>
                 <a:cs typeface="Times New Roman" panose="02020603050405020304" pitchFamily="18" charset="0"/>
               </a:rPr>
-              <a:t>MySQL (</a:t>
-            </a:r>
-            <a:r>
-              <a:rPr lang="en-US" sz="1200" dirty="0">
-                <a:solidFill>
-                  <a:srgbClr val="000099"/>
-                </a:solidFill>
-                <a:latin typeface="Helvetica" panose="020B0604020202020204" pitchFamily="34" charset="0"/>
-                <a:ea typeface="ヒラギノ角ゴ Pro W3"/>
-                <a:cs typeface="Times New Roman" panose="02020603050405020304" pitchFamily="18" charset="0"/>
-                <a:hlinkClick r:id="rId3"/>
-              </a:rPr>
-              <a:t>https://dev.mysql.com/downloads/repo/</a:t>
-            </a:r>
-            <a:r>
-              <a:rPr lang="en-US" sz="1200" dirty="0">
-                <a:solidFill>
-                  <a:srgbClr val="000000"/>
-                </a:solidFill>
-                <a:latin typeface="Helvetica" panose="020B0604020202020204" pitchFamily="34" charset="0"/>
-                <a:ea typeface="ヒラギノ角ゴ Pro W3"/>
-                <a:cs typeface="Times New Roman" panose="02020603050405020304" pitchFamily="18" charset="0"/>
-              </a:rPr>
-              <a:t>)</a:t>
+              <a:t>A user logs in</a:t>
             </a:r>
           </a:p>
           <a:p>
@@ -5007,17 +6021,6 @@
               </a:tabLst>
             </a:pPr>
             <a:r>
-              <a:rPr lang="en-US" sz="1200" dirty="0" err="1">
-                <a:solidFill>
-                  <a:srgbClr val="000000"/>
-                </a:solidFill>
-                <a:latin typeface="Helvetica" panose="020B0604020202020204" pitchFamily="34" charset="0"/>
-                <a:ea typeface="ヒラギノ角ゴ Pro W3"/>
-                <a:cs typeface="Times New Roman" panose="02020603050405020304" pitchFamily="18" charset="0"/>
-              </a:rPr>
-              <a:t>Git</a:t>
-            </a:r>
-            <a:r>
               <a:rPr lang="en-US" sz="1200" dirty="0">
                 <a:solidFill>
                   <a:srgbClr val="000000"/>
@@ -5026,19 +6029,44 @@
                 <a:ea typeface="ヒラギノ角ゴ Pro W3"/>
                 <a:cs typeface="Times New Roman" panose="02020603050405020304" pitchFamily="18" charset="0"/>
               </a:rPr>
-              <a:t> (</a:t>
+              <a:t>That user clicks create game button</a:t>
+            </a:r>
+          </a:p>
+          <a:p>
+            <a:r>
+              <a:rPr lang="en-US" sz="1200" b="1" dirty="0">
+                <a:solidFill>
+                  <a:srgbClr val="000000"/>
+                </a:solidFill>
+                <a:latin typeface="Helvetica" panose="020B0604020202020204" pitchFamily="34" charset="0"/>
+                <a:ea typeface="ヒラギノ角ゴ Pro W3"/>
+                <a:cs typeface="Times New Roman" panose="02020603050405020304" pitchFamily="18" charset="0"/>
+              </a:rPr>
+              <a:t>Expected Result</a:t>
             </a:r>
             <a:r>
               <a:rPr lang="en-US" sz="1200" dirty="0">
                 <a:solidFill>
-                  <a:srgbClr val="000099"/>
-                </a:solidFill>
-                <a:latin typeface="Helvetica" panose="020B0604020202020204" pitchFamily="34" charset="0"/>
-                <a:ea typeface="ヒラギノ角ゴ Pro W3"/>
-                <a:cs typeface="Times New Roman" panose="02020603050405020304" pitchFamily="18" charset="0"/>
-                <a:hlinkClick r:id="rId4"/>
-              </a:rPr>
-              <a:t>https://git-scm.com/downloads</a:t>
+                  <a:srgbClr val="000000"/>
+                </a:solidFill>
+                <a:latin typeface="Helvetica" panose="020B0604020202020204" pitchFamily="34" charset="0"/>
+                <a:ea typeface="ヒラギノ角ゴ Pro W3"/>
+                <a:cs typeface="Times New Roman" panose="02020603050405020304" pitchFamily="18" charset="0"/>
+              </a:rPr>
+              <a:t>: A new game is created</a:t>
+            </a:r>
+          </a:p>
+          <a:p>
+            <a:r>
+              <a:rPr lang="en-US" sz="1200" b="1" dirty="0" err="1">
+                <a:solidFill>
+                  <a:srgbClr val="000000"/>
+                </a:solidFill>
+                <a:latin typeface="Helvetica" panose="020B0604020202020204" pitchFamily="34" charset="0"/>
+                <a:ea typeface="ヒラギノ角ゴ Pro W3"/>
+                <a:cs typeface="Times New Roman" panose="02020603050405020304" pitchFamily="18" charset="0"/>
+              </a:rPr>
+              <a:t>Postconditions</a:t>
             </a:r>
             <a:r>
               <a:rPr lang="en-US" sz="1200" dirty="0">
@@ -5049,7 +6077,7 @@
                 <a:ea typeface="ヒラギノ角ゴ Pro W3"/>
                 <a:cs typeface="Times New Roman" panose="02020603050405020304" pitchFamily="18" charset="0"/>
               </a:rPr>
-              <a:t>)</a:t>
+              <a:t>: The start of a new game pops up</a:t>
             </a:r>
           </a:p>
           <a:p>
@@ -5062,16 +6090,32 @@
                 <a:ea typeface="ヒラギノ角ゴ Pro W3"/>
                 <a:cs typeface="Times New Roman" panose="02020603050405020304" pitchFamily="18" charset="0"/>
               </a:rPr>
+              <a:t>Status</a:t>
+            </a:r>
+            <a:r>
+              <a:rPr lang="en-US" sz="1200" dirty="0">
+                <a:solidFill>
+                  <a:srgbClr val="000000"/>
+                </a:solidFill>
+                <a:latin typeface="Helvetica" panose="020B0604020202020204" pitchFamily="34" charset="0"/>
+                <a:ea typeface="ヒラギノ角ゴ Pro W3"/>
+                <a:cs typeface="Times New Roman" panose="02020603050405020304" pitchFamily="18" charset="0"/>
+              </a:rPr>
+              <a:t>: Pass</a:t>
+            </a:r>
+          </a:p>
+          <a:p>
+            <a:r>
+              <a:rPr lang="en-US" sz="1200" dirty="0">
+                <a:solidFill>
+                  <a:srgbClr val="000000"/>
+                </a:solidFill>
+                <a:latin typeface="Helvetica" panose="020B0604020202020204" pitchFamily="34" charset="0"/>
+                <a:ea typeface="ヒラギノ角ゴ Pro W3"/>
+                <a:cs typeface="Times New Roman" panose="02020603050405020304" pitchFamily="18" charset="0"/>
+              </a:rPr>
               <a:t> </a:t>
             </a:r>
-            <a:endParaRPr lang="en-US" sz="1200" dirty="0">
-              <a:solidFill>
-                <a:srgbClr val="000000"/>
-              </a:solidFill>
-              <a:latin typeface="Helvetica" panose="020B0604020202020204" pitchFamily="34" charset="0"/>
-              <a:ea typeface="ヒラギノ角ゴ Pro W3"/>
-              <a:cs typeface="Times New Roman" panose="02020603050405020304" pitchFamily="18" charset="0"/>
-            </a:endParaRPr>
           </a:p>
           <a:p>
             <a:r>
@@ -5083,18 +6127,8 @@
                 <a:ea typeface="ヒラギノ角ゴ Pro W3"/>
                 <a:cs typeface="Times New Roman" panose="02020603050405020304" pitchFamily="18" charset="0"/>
               </a:rPr>
-              <a:t>Steps to set up MySQL:</a:t>
-            </a:r>
-            <a:endParaRPr lang="en-US" sz="1200" dirty="0">
-              <a:solidFill>
-                <a:srgbClr val="000000"/>
-              </a:solidFill>
-              <a:latin typeface="Helvetica" panose="020B0604020202020204" pitchFamily="34" charset="0"/>
-              <a:ea typeface="ヒラギノ角ゴ Pro W3"/>
-              <a:cs typeface="Times New Roman" panose="02020603050405020304" pitchFamily="18" charset="0"/>
-            </a:endParaRPr>
-          </a:p>
-          <a:p>
+              <a:t>Test 6</a:t>
+            </a:r>
             <a:r>
               <a:rPr lang="en-US" sz="1200" dirty="0">
                 <a:solidFill>
@@ -5104,7 +6138,79 @@
                 <a:ea typeface="ヒラギノ角ゴ Pro W3"/>
                 <a:cs typeface="Times New Roman" panose="02020603050405020304" pitchFamily="18" charset="0"/>
               </a:rPr>
-              <a:t> </a:t>
+              <a:t>:</a:t>
+            </a:r>
+          </a:p>
+          <a:p>
+            <a:r>
+              <a:rPr lang="en-US" sz="1200" b="1" dirty="0">
+                <a:solidFill>
+                  <a:srgbClr val="000000"/>
+                </a:solidFill>
+                <a:latin typeface="Helvetica" panose="020B0604020202020204" pitchFamily="34" charset="0"/>
+                <a:ea typeface="ヒラギノ角ゴ Pro W3"/>
+                <a:cs typeface="Times New Roman" panose="02020603050405020304" pitchFamily="18" charset="0"/>
+              </a:rPr>
+              <a:t>Description</a:t>
+            </a:r>
+            <a:r>
+              <a:rPr lang="en-US" sz="1200" dirty="0">
+                <a:solidFill>
+                  <a:srgbClr val="000000"/>
+                </a:solidFill>
+                <a:latin typeface="Helvetica" panose="020B0604020202020204" pitchFamily="34" charset="0"/>
+                <a:ea typeface="ヒラギノ角ゴ Pro W3"/>
+                <a:cs typeface="Times New Roman" panose="02020603050405020304" pitchFamily="18" charset="0"/>
+              </a:rPr>
+              <a:t>: A user can choose to play a game that they are currently involved in</a:t>
+            </a:r>
+          </a:p>
+          <a:p>
+            <a:r>
+              <a:rPr lang="en-US" sz="1200" b="1" dirty="0">
+                <a:solidFill>
+                  <a:srgbClr val="000000"/>
+                </a:solidFill>
+                <a:latin typeface="Helvetica" panose="020B0604020202020204" pitchFamily="34" charset="0"/>
+                <a:ea typeface="ヒラギノ角ゴ Pro W3"/>
+                <a:cs typeface="Times New Roman" panose="02020603050405020304" pitchFamily="18" charset="0"/>
+              </a:rPr>
+              <a:t>Preconditions</a:t>
+            </a:r>
+            <a:r>
+              <a:rPr lang="en-US" sz="1200" dirty="0">
+                <a:solidFill>
+                  <a:srgbClr val="000000"/>
+                </a:solidFill>
+                <a:latin typeface="Helvetica" panose="020B0604020202020204" pitchFamily="34" charset="0"/>
+                <a:ea typeface="ヒラギノ角ゴ Pro W3"/>
+                <a:cs typeface="Times New Roman" panose="02020603050405020304" pitchFamily="18" charset="0"/>
+              </a:rPr>
+              <a:t>: A user has logged in, joined multiple games, and chooses a game to play</a:t>
+            </a:r>
+          </a:p>
+          <a:p>
+            <a:r>
+              <a:rPr lang="en-US" sz="1200" b="1" dirty="0">
+                <a:solidFill>
+                  <a:srgbClr val="000000"/>
+                </a:solidFill>
+                <a:latin typeface="Helvetica" panose="020B0604020202020204" pitchFamily="34" charset="0"/>
+                <a:ea typeface="ヒラギノ角ゴ Pro W3"/>
+                <a:cs typeface="Times New Roman" panose="02020603050405020304" pitchFamily="18" charset="0"/>
+              </a:rPr>
+              <a:t>Steps</a:t>
+            </a:r>
+            <a:r>
+              <a:rPr lang="en-US" sz="1200" dirty="0">
+                <a:solidFill>
+                  <a:srgbClr val="000000"/>
+                </a:solidFill>
+                <a:latin typeface="Helvetica" panose="020B0604020202020204" pitchFamily="34" charset="0"/>
+                <a:ea typeface="ヒラギノ角ゴ Pro W3"/>
+                <a:cs typeface="Times New Roman" panose="02020603050405020304" pitchFamily="18" charset="0"/>
+              </a:rPr>
+              <a:t>:</a:t>
             </a:r>
           </a:p>
           <a:p>
@@ -5130,7 +6236,7 @@
                 <a:ea typeface="ヒラギノ角ゴ Pro W3"/>
                 <a:cs typeface="Times New Roman" panose="02020603050405020304" pitchFamily="18" charset="0"/>
               </a:rPr>
-              <a:t>Start MySQL server on a local machine</a:t>
+              <a:t>A user logs in</a:t>
             </a:r>
           </a:p>
           <a:p>
@@ -5156,54 +6262,7 @@
                 <a:ea typeface="ヒラギノ角ゴ Pro W3"/>
                 <a:cs typeface="Times New Roman" panose="02020603050405020304" pitchFamily="18" charset="0"/>
               </a:rPr>
-              <a:t>Download mysql-connector-java-5.1.44-bin.jar into local project</a:t>
-            </a:r>
-          </a:p>
-          <a:p>
-            <a:r>
-              <a:rPr lang="en-US" sz="1200" dirty="0">
-                <a:solidFill>
-                  <a:srgbClr val="000000"/>
-                </a:solidFill>
-                <a:latin typeface="Helvetica" panose="020B0604020202020204" pitchFamily="34" charset="0"/>
-                <a:ea typeface="ヒラギノ角ゴ Pro W3"/>
-                <a:cs typeface="Times New Roman" panose="02020603050405020304" pitchFamily="18" charset="0"/>
-              </a:rPr>
-              <a:t> </a:t>
-            </a:r>
-          </a:p>
-          <a:p>
-            <a:r>
-              <a:rPr lang="en-US" sz="1200" b="1" dirty="0">
-                <a:solidFill>
-                  <a:srgbClr val="000000"/>
-                </a:solidFill>
-                <a:latin typeface="Helvetica" panose="020B0604020202020204" pitchFamily="34" charset="0"/>
-                <a:ea typeface="ヒラギノ角ゴ Pro W3"/>
-                <a:cs typeface="Times New Roman" panose="02020603050405020304" pitchFamily="18" charset="0"/>
-              </a:rPr>
-              <a:t>Steps to be taken to work on Project in Eclipse:</a:t>
-            </a:r>
-            <a:endParaRPr lang="en-US" sz="1200" dirty="0">
-              <a:solidFill>
-                <a:srgbClr val="000000"/>
-              </a:solidFill>
-              <a:latin typeface="Helvetica" panose="020B0604020202020204" pitchFamily="34" charset="0"/>
-              <a:ea typeface="ヒラギノ角ゴ Pro W3"/>
-              <a:cs typeface="Times New Roman" panose="02020603050405020304" pitchFamily="18" charset="0"/>
-            </a:endParaRPr>
-          </a:p>
-          <a:p>
-            <a:r>
-              <a:rPr lang="en-US" sz="1200" dirty="0">
-                <a:solidFill>
-                  <a:srgbClr val="000000"/>
-                </a:solidFill>
-                <a:latin typeface="Helvetica" panose="020B0604020202020204" pitchFamily="34" charset="0"/>
-                <a:ea typeface="ヒラギノ角ゴ Pro W3"/>
-                <a:cs typeface="Times New Roman" panose="02020603050405020304" pitchFamily="18" charset="0"/>
-              </a:rPr>
-              <a:t> </a:t>
+              <a:t>That user joins a game or creates a game</a:t>
             </a:r>
           </a:p>
           <a:p>
@@ -5229,18 +6288,20 @@
                 <a:ea typeface="ヒラギノ角ゴ Pro W3"/>
                 <a:cs typeface="Times New Roman" panose="02020603050405020304" pitchFamily="18" charset="0"/>
               </a:rPr>
-              <a:t>Attain </a:t>
-            </a:r>
-            <a:r>
-              <a:rPr lang="en-US" sz="1200" dirty="0" err="1">
-                <a:solidFill>
-                  <a:srgbClr val="000000"/>
-                </a:solidFill>
-                <a:latin typeface="Helvetica" panose="020B0604020202020204" pitchFamily="34" charset="0"/>
-                <a:ea typeface="ヒラギノ角ゴ Pro W3"/>
-                <a:cs typeface="Times New Roman" panose="02020603050405020304" pitchFamily="18" charset="0"/>
-              </a:rPr>
-              <a:t>git</a:t>
+              <a:t>The user can click another game ID in the side panel to change the game they are playing</a:t>
+            </a:r>
+          </a:p>
+          <a:p>
+            <a:r>
+              <a:rPr lang="en-US" sz="1200" b="1" dirty="0">
+                <a:solidFill>
+                  <a:srgbClr val="000000"/>
+                </a:solidFill>
+                <a:latin typeface="Helvetica" panose="020B0604020202020204" pitchFamily="34" charset="0"/>
+                <a:ea typeface="ヒラギノ角ゴ Pro W3"/>
+                <a:cs typeface="Times New Roman" panose="02020603050405020304" pitchFamily="18" charset="0"/>
+              </a:rPr>
+              <a:t>Expected Result</a:t>
             </a:r>
             <a:r>
               <a:rPr lang="en-US" sz="1200" dirty="0">
@@ -5251,18 +6312,20 @@
                 <a:ea typeface="ヒラギノ角ゴ Pro W3"/>
                 <a:cs typeface="Times New Roman" panose="02020603050405020304" pitchFamily="18" charset="0"/>
               </a:rPr>
-              <a:t> tools in eclipse by clicking on Window, Show View, Other, </a:t>
-            </a:r>
-            <a:r>
-              <a:rPr lang="en-US" sz="1200" dirty="0" err="1">
-                <a:solidFill>
-                  <a:srgbClr val="000000"/>
-                </a:solidFill>
-                <a:latin typeface="Helvetica" panose="020B0604020202020204" pitchFamily="34" charset="0"/>
-                <a:ea typeface="ヒラギノ角ゴ Pro W3"/>
-                <a:cs typeface="Times New Roman" panose="02020603050405020304" pitchFamily="18" charset="0"/>
-              </a:rPr>
-              <a:t>Git</a:t>
+              <a:t>: The user is transferred from one game they are playing to another</a:t>
+            </a:r>
+          </a:p>
+          <a:p>
+            <a:r>
+              <a:rPr lang="en-US" sz="1200" b="1" dirty="0" err="1">
+                <a:solidFill>
+                  <a:srgbClr val="000000"/>
+                </a:solidFill>
+                <a:latin typeface="Helvetica" panose="020B0604020202020204" pitchFamily="34" charset="0"/>
+                <a:ea typeface="ヒラギノ角ゴ Pro W3"/>
+                <a:cs typeface="Times New Roman" panose="02020603050405020304" pitchFamily="18" charset="0"/>
+              </a:rPr>
+              <a:t>Postconditions</a:t>
             </a:r>
             <a:r>
               <a:rPr lang="en-US" sz="1200" dirty="0">
@@ -5273,18 +6336,20 @@
                 <a:ea typeface="ヒラギノ角ゴ Pro W3"/>
                 <a:cs typeface="Times New Roman" panose="02020603050405020304" pitchFamily="18" charset="0"/>
               </a:rPr>
-              <a:t>, </a:t>
-            </a:r>
-            <a:r>
-              <a:rPr lang="en-US" sz="1200" dirty="0" err="1">
-                <a:solidFill>
-                  <a:srgbClr val="000000"/>
-                </a:solidFill>
-                <a:latin typeface="Helvetica" panose="020B0604020202020204" pitchFamily="34" charset="0"/>
-                <a:ea typeface="ヒラギノ角ゴ Pro W3"/>
-                <a:cs typeface="Times New Roman" panose="02020603050405020304" pitchFamily="18" charset="0"/>
-              </a:rPr>
-              <a:t>Git</a:t>
+              <a:t>: The game board that belongs to the game chosen by the user pops up</a:t>
+            </a:r>
+          </a:p>
+          <a:p>
+            <a:r>
+              <a:rPr lang="en-US" sz="1200" b="1" dirty="0">
+                <a:solidFill>
+                  <a:srgbClr val="000000"/>
+                </a:solidFill>
+                <a:latin typeface="Helvetica" panose="020B0604020202020204" pitchFamily="34" charset="0"/>
+                <a:ea typeface="ヒラギノ角ゴ Pro W3"/>
+                <a:cs typeface="Times New Roman" panose="02020603050405020304" pitchFamily="18" charset="0"/>
+              </a:rPr>
+              <a:t>Status</a:t>
             </a:r>
             <a:r>
               <a:rPr lang="en-US" sz="1200" dirty="0">
@@ -5295,422 +6360,7 @@
                 <a:ea typeface="ヒラギノ角ゴ Pro W3"/>
                 <a:cs typeface="Times New Roman" panose="02020603050405020304" pitchFamily="18" charset="0"/>
               </a:rPr>
-              <a:t> Repositories &amp; </a:t>
-            </a:r>
-            <a:r>
-              <a:rPr lang="en-US" sz="1200" dirty="0" err="1">
-                <a:solidFill>
-                  <a:srgbClr val="000000"/>
-                </a:solidFill>
-                <a:latin typeface="Helvetica" panose="020B0604020202020204" pitchFamily="34" charset="0"/>
-                <a:ea typeface="ヒラギノ角ゴ Pro W3"/>
-                <a:cs typeface="Times New Roman" panose="02020603050405020304" pitchFamily="18" charset="0"/>
-              </a:rPr>
-              <a:t>Git</a:t>
-            </a:r>
-            <a:r>
-              <a:rPr lang="en-US" sz="1200" dirty="0">
-                <a:solidFill>
-                  <a:srgbClr val="000000"/>
-                </a:solidFill>
-                <a:latin typeface="Helvetica" panose="020B0604020202020204" pitchFamily="34" charset="0"/>
-                <a:ea typeface="ヒラギノ角ゴ Pro W3"/>
-                <a:cs typeface="Times New Roman" panose="02020603050405020304" pitchFamily="18" charset="0"/>
-              </a:rPr>
-              <a:t> Staging</a:t>
-            </a:r>
-          </a:p>
-          <a:p>
-            <a:pPr marL="342900" marR="0" lvl="0" indent="-342900">
-              <a:spcBef>
-                <a:spcPts val="0"/>
-              </a:spcBef>
-              <a:spcAft>
-                <a:spcPts val="0"/>
-              </a:spcAft>
-              <a:buFont typeface="+mj-lt"/>
-              <a:buAutoNum type="arabicPeriod"/>
-              <a:tabLst>
-                <a:tab pos="165100" algn="l"/>
-              </a:tabLst>
-            </a:pPr>
-            <a:r>
-              <a:rPr lang="en-US" sz="1200" dirty="0">
-                <a:solidFill>
-                  <a:srgbClr val="000000"/>
-                </a:solidFill>
-                <a:latin typeface="Helvetica" panose="020B0604020202020204" pitchFamily="34" charset="0"/>
-                <a:ea typeface="ヒラギノ角ゴ Pro W3"/>
-                <a:cs typeface="Times New Roman" panose="02020603050405020304" pitchFamily="18" charset="0"/>
-              </a:rPr>
-              <a:t>Clone </a:t>
-            </a:r>
-            <a:r>
-              <a:rPr lang="en-US" sz="1200" dirty="0" err="1">
-                <a:solidFill>
-                  <a:srgbClr val="000000"/>
-                </a:solidFill>
-                <a:latin typeface="Helvetica" panose="020B0604020202020204" pitchFamily="34" charset="0"/>
-                <a:ea typeface="ヒラギノ角ゴ Pro W3"/>
-                <a:cs typeface="Times New Roman" panose="02020603050405020304" pitchFamily="18" charset="0"/>
-              </a:rPr>
-              <a:t>Github</a:t>
-            </a:r>
-            <a:r>
-              <a:rPr lang="en-US" sz="1200" dirty="0">
-                <a:solidFill>
-                  <a:srgbClr val="000000"/>
-                </a:solidFill>
-                <a:latin typeface="Helvetica" panose="020B0604020202020204" pitchFamily="34" charset="0"/>
-                <a:ea typeface="ヒラギノ角ゴ Pro W3"/>
-                <a:cs typeface="Times New Roman" panose="02020603050405020304" pitchFamily="18" charset="0"/>
-              </a:rPr>
-              <a:t> repository by clicking on “Clone a </a:t>
-            </a:r>
-            <a:r>
-              <a:rPr lang="en-US" sz="1200" dirty="0" err="1">
-                <a:solidFill>
-                  <a:srgbClr val="000000"/>
-                </a:solidFill>
-                <a:latin typeface="Helvetica" panose="020B0604020202020204" pitchFamily="34" charset="0"/>
-                <a:ea typeface="ヒラギノ角ゴ Pro W3"/>
-                <a:cs typeface="Times New Roman" panose="02020603050405020304" pitchFamily="18" charset="0"/>
-              </a:rPr>
-              <a:t>Git</a:t>
-            </a:r>
-            <a:r>
-              <a:rPr lang="en-US" sz="1200" dirty="0">
-                <a:solidFill>
-                  <a:srgbClr val="000000"/>
-                </a:solidFill>
-                <a:latin typeface="Helvetica" panose="020B0604020202020204" pitchFamily="34" charset="0"/>
-                <a:ea typeface="ヒラギノ角ゴ Pro W3"/>
-                <a:cs typeface="Times New Roman" panose="02020603050405020304" pitchFamily="18" charset="0"/>
-              </a:rPr>
-              <a:t> Repository and add the clone to this view” button in Eclipse</a:t>
-            </a:r>
-          </a:p>
-          <a:p>
-            <a:pPr marL="342900" marR="0" lvl="0" indent="-342900">
-              <a:spcBef>
-                <a:spcPts val="0"/>
-              </a:spcBef>
-              <a:spcAft>
-                <a:spcPts val="0"/>
-              </a:spcAft>
-              <a:buFont typeface="+mj-lt"/>
-              <a:buAutoNum type="arabicPeriod"/>
-              <a:tabLst>
-                <a:tab pos="165100" algn="l"/>
-              </a:tabLst>
-            </a:pPr>
-            <a:r>
-              <a:rPr lang="en-US" sz="1200" dirty="0">
-                <a:solidFill>
-                  <a:srgbClr val="000000"/>
-                </a:solidFill>
-                <a:latin typeface="Helvetica" panose="020B0604020202020204" pitchFamily="34" charset="0"/>
-                <a:ea typeface="ヒラギノ角ゴ Pro W3"/>
-                <a:cs typeface="Times New Roman" panose="02020603050405020304" pitchFamily="18" charset="0"/>
-              </a:rPr>
-              <a:t>Then, a new window will appear and click on “Clone URI”</a:t>
-            </a:r>
-          </a:p>
-          <a:p>
-            <a:pPr marL="342900" marR="0" lvl="0" indent="-342900">
-              <a:spcBef>
-                <a:spcPts val="0"/>
-              </a:spcBef>
-              <a:spcAft>
-                <a:spcPts val="0"/>
-              </a:spcAft>
-              <a:buFont typeface="+mj-lt"/>
-              <a:buAutoNum type="arabicPeriod"/>
-              <a:tabLst>
-                <a:tab pos="165100" algn="l"/>
-              </a:tabLst>
-            </a:pPr>
-            <a:r>
-              <a:rPr lang="en-US" sz="1200" dirty="0">
-                <a:solidFill>
-                  <a:srgbClr val="000000"/>
-                </a:solidFill>
-                <a:latin typeface="Helvetica" panose="020B0604020202020204" pitchFamily="34" charset="0"/>
-                <a:ea typeface="ヒラギノ角ゴ Pro W3"/>
-                <a:cs typeface="Times New Roman" panose="02020603050405020304" pitchFamily="18" charset="0"/>
-              </a:rPr>
-              <a:t>Go to </a:t>
-            </a:r>
-            <a:r>
-              <a:rPr lang="en-US" sz="1200" dirty="0">
-                <a:solidFill>
-                  <a:srgbClr val="000099"/>
-                </a:solidFill>
-                <a:latin typeface="Helvetica" panose="020B0604020202020204" pitchFamily="34" charset="0"/>
-                <a:ea typeface="ヒラギノ角ゴ Pro W3"/>
-                <a:cs typeface="Times New Roman" panose="02020603050405020304" pitchFamily="18" charset="0"/>
-                <a:hlinkClick r:id="rId5"/>
-              </a:rPr>
-              <a:t>https://github.com/NickWaltCSU/cs414-f17-301-UltraLiteCoding</a:t>
-            </a:r>
-            <a:r>
-              <a:rPr lang="en-US" sz="1200" dirty="0">
-                <a:solidFill>
-                  <a:srgbClr val="000000"/>
-                </a:solidFill>
-                <a:latin typeface="Helvetica" panose="020B0604020202020204" pitchFamily="34" charset="0"/>
-                <a:ea typeface="ヒラギノ角ゴ Pro W3"/>
-                <a:cs typeface="Times New Roman" panose="02020603050405020304" pitchFamily="18" charset="0"/>
-              </a:rPr>
-              <a:t>, and click on “Clone or Download”</a:t>
-            </a:r>
-          </a:p>
-          <a:p>
-            <a:pPr marL="342900" marR="0" lvl="0" indent="-342900">
-              <a:spcBef>
-                <a:spcPts val="0"/>
-              </a:spcBef>
-              <a:spcAft>
-                <a:spcPts val="0"/>
-              </a:spcAft>
-              <a:buFont typeface="+mj-lt"/>
-              <a:buAutoNum type="arabicPeriod"/>
-              <a:tabLst>
-                <a:tab pos="165100" algn="l"/>
-              </a:tabLst>
-            </a:pPr>
-            <a:r>
-              <a:rPr lang="en-US" sz="1200" dirty="0">
-                <a:solidFill>
-                  <a:srgbClr val="000000"/>
-                </a:solidFill>
-                <a:latin typeface="Helvetica" panose="020B0604020202020204" pitchFamily="34" charset="0"/>
-                <a:ea typeface="ヒラギノ角ゴ Pro W3"/>
-                <a:cs typeface="Times New Roman" panose="02020603050405020304" pitchFamily="18" charset="0"/>
-              </a:rPr>
-              <a:t>Copy the URL that appears and copy it into the URI text box that appears when Step 3 is performed.</a:t>
-            </a:r>
-          </a:p>
-          <a:p>
-            <a:pPr marL="342900" marR="0" lvl="0" indent="-342900">
-              <a:spcBef>
-                <a:spcPts val="0"/>
-              </a:spcBef>
-              <a:spcAft>
-                <a:spcPts val="0"/>
-              </a:spcAft>
-              <a:buFont typeface="+mj-lt"/>
-              <a:buAutoNum type="arabicPeriod"/>
-              <a:tabLst>
-                <a:tab pos="165100" algn="l"/>
-              </a:tabLst>
-            </a:pPr>
-            <a:r>
-              <a:rPr lang="en-US" sz="1200" dirty="0">
-                <a:solidFill>
-                  <a:srgbClr val="000000"/>
-                </a:solidFill>
-                <a:latin typeface="Helvetica" panose="020B0604020202020204" pitchFamily="34" charset="0"/>
-                <a:ea typeface="ヒラギノ角ゴ Pro W3"/>
-                <a:cs typeface="Times New Roman" panose="02020603050405020304" pitchFamily="18" charset="0"/>
-              </a:rPr>
-              <a:t>To get the latest version of the project, right click on the repository, go to “Team”, “Switch”, “master”</a:t>
-            </a:r>
-          </a:p>
-          <a:p>
-            <a:pPr marL="342900" marR="0" lvl="0" indent="-342900">
-              <a:spcBef>
-                <a:spcPts val="0"/>
-              </a:spcBef>
-              <a:spcAft>
-                <a:spcPts val="0"/>
-              </a:spcAft>
-              <a:buFont typeface="+mj-lt"/>
-              <a:buAutoNum type="arabicPeriod"/>
-              <a:tabLst>
-                <a:tab pos="165100" algn="l"/>
-              </a:tabLst>
-            </a:pPr>
-            <a:r>
-              <a:rPr lang="en-US" sz="1200" dirty="0">
-                <a:solidFill>
-                  <a:srgbClr val="000000"/>
-                </a:solidFill>
-                <a:latin typeface="Helvetica" panose="020B0604020202020204" pitchFamily="34" charset="0"/>
-                <a:ea typeface="ヒラギノ角ゴ Pro W3"/>
-                <a:cs typeface="Times New Roman" panose="02020603050405020304" pitchFamily="18" charset="0"/>
-              </a:rPr>
-              <a:t>Right click on the repository again, go to “Team”, “Fetch from Upstream”, then “Pull”</a:t>
-            </a:r>
-          </a:p>
-          <a:p>
-            <a:pPr marL="342900" marR="0" lvl="0" indent="-342900">
-              <a:spcBef>
-                <a:spcPts val="0"/>
-              </a:spcBef>
-              <a:spcAft>
-                <a:spcPts val="0"/>
-              </a:spcAft>
-              <a:buFont typeface="+mj-lt"/>
-              <a:buAutoNum type="arabicPeriod"/>
-              <a:tabLst>
-                <a:tab pos="165100" algn="l"/>
-              </a:tabLst>
-            </a:pPr>
-            <a:r>
-              <a:rPr lang="en-US" sz="1200" dirty="0">
-                <a:solidFill>
-                  <a:srgbClr val="000000"/>
-                </a:solidFill>
-                <a:latin typeface="Helvetica" panose="020B0604020202020204" pitchFamily="34" charset="0"/>
-                <a:ea typeface="ヒラギノ角ゴ Pro W3"/>
-                <a:cs typeface="Times New Roman" panose="02020603050405020304" pitchFamily="18" charset="0"/>
-              </a:rPr>
-              <a:t>Start making updates or changes to the project by making a new local branch.</a:t>
-            </a:r>
-          </a:p>
-          <a:p>
-            <a:pPr marL="342900" marR="0" lvl="0" indent="-342900">
-              <a:spcBef>
-                <a:spcPts val="0"/>
-              </a:spcBef>
-              <a:spcAft>
-                <a:spcPts val="0"/>
-              </a:spcAft>
-              <a:buFont typeface="+mj-lt"/>
-              <a:buAutoNum type="arabicPeriod"/>
-              <a:tabLst>
-                <a:tab pos="165100" algn="l"/>
-              </a:tabLst>
-            </a:pPr>
-            <a:r>
-              <a:rPr lang="en-US" sz="1200" dirty="0">
-                <a:solidFill>
-                  <a:srgbClr val="000000"/>
-                </a:solidFill>
-                <a:latin typeface="Helvetica" panose="020B0604020202020204" pitchFamily="34" charset="0"/>
-                <a:ea typeface="ヒラギノ角ゴ Pro W3"/>
-                <a:cs typeface="Times New Roman" panose="02020603050405020304" pitchFamily="18" charset="0"/>
-              </a:rPr>
-              <a:t>Right click on the repository and select “Team”, “Switch To”, “New Branch”</a:t>
-            </a:r>
-          </a:p>
-          <a:p>
-            <a:pPr marL="342900" marR="0" lvl="0" indent="-342900">
-              <a:spcBef>
-                <a:spcPts val="0"/>
-              </a:spcBef>
-              <a:spcAft>
-                <a:spcPts val="0"/>
-              </a:spcAft>
-              <a:buFont typeface="+mj-lt"/>
-              <a:buAutoNum type="arabicPeriod"/>
-              <a:tabLst>
-                <a:tab pos="165100" algn="l"/>
-              </a:tabLst>
-            </a:pPr>
-            <a:r>
-              <a:rPr lang="en-US" sz="1200" dirty="0">
-                <a:solidFill>
-                  <a:srgbClr val="000000"/>
-                </a:solidFill>
-                <a:latin typeface="Helvetica" panose="020B0604020202020204" pitchFamily="34" charset="0"/>
-                <a:ea typeface="ヒラギノ角ゴ Pro W3"/>
-                <a:cs typeface="Times New Roman" panose="02020603050405020304" pitchFamily="18" charset="0"/>
-              </a:rPr>
-              <a:t> Any changes made will appear in </a:t>
-            </a:r>
-            <a:r>
-              <a:rPr lang="en-US" sz="1200" dirty="0" err="1">
-                <a:solidFill>
-                  <a:srgbClr val="000000"/>
-                </a:solidFill>
-                <a:latin typeface="Helvetica" panose="020B0604020202020204" pitchFamily="34" charset="0"/>
-                <a:ea typeface="ヒラギノ角ゴ Pro W3"/>
-                <a:cs typeface="Times New Roman" panose="02020603050405020304" pitchFamily="18" charset="0"/>
-              </a:rPr>
-              <a:t>Git</a:t>
-            </a:r>
-            <a:r>
-              <a:rPr lang="en-US" sz="1200" dirty="0">
-                <a:solidFill>
-                  <a:srgbClr val="000000"/>
-                </a:solidFill>
-                <a:latin typeface="Helvetica" panose="020B0604020202020204" pitchFamily="34" charset="0"/>
-                <a:ea typeface="ヒラギノ角ゴ Pro W3"/>
-                <a:cs typeface="Times New Roman" panose="02020603050405020304" pitchFamily="18" charset="0"/>
-              </a:rPr>
-              <a:t> Staging area in the </a:t>
-            </a:r>
-            <a:r>
-              <a:rPr lang="en-US" sz="1200" dirty="0" err="1">
-                <a:solidFill>
-                  <a:srgbClr val="000000"/>
-                </a:solidFill>
-                <a:latin typeface="Helvetica" panose="020B0604020202020204" pitchFamily="34" charset="0"/>
-                <a:ea typeface="ヒラギノ角ゴ Pro W3"/>
-                <a:cs typeface="Times New Roman" panose="02020603050405020304" pitchFamily="18" charset="0"/>
-              </a:rPr>
-              <a:t>unstaged</a:t>
-            </a:r>
-            <a:r>
-              <a:rPr lang="en-US" sz="1200" dirty="0">
-                <a:solidFill>
-                  <a:srgbClr val="000000"/>
-                </a:solidFill>
-                <a:latin typeface="Helvetica" panose="020B0604020202020204" pitchFamily="34" charset="0"/>
-                <a:ea typeface="ヒラギノ角ゴ Pro W3"/>
-                <a:cs typeface="Times New Roman" panose="02020603050405020304" pitchFamily="18" charset="0"/>
-              </a:rPr>
-              <a:t> commits text box</a:t>
-            </a:r>
-          </a:p>
-          <a:p>
-            <a:pPr marL="342900" marR="0" lvl="0" indent="-342900">
-              <a:spcBef>
-                <a:spcPts val="0"/>
-              </a:spcBef>
-              <a:spcAft>
-                <a:spcPts val="0"/>
-              </a:spcAft>
-              <a:buFont typeface="+mj-lt"/>
-              <a:buAutoNum type="arabicPeriod"/>
-              <a:tabLst>
-                <a:tab pos="165100" algn="l"/>
-              </a:tabLst>
-            </a:pPr>
-            <a:r>
-              <a:rPr lang="en-US" sz="1200" dirty="0">
-                <a:solidFill>
-                  <a:srgbClr val="000000"/>
-                </a:solidFill>
-                <a:latin typeface="Helvetica" panose="020B0604020202020204" pitchFamily="34" charset="0"/>
-                <a:ea typeface="ヒラギノ角ゴ Pro W3"/>
-                <a:cs typeface="Times New Roman" panose="02020603050405020304" pitchFamily="18" charset="0"/>
-              </a:rPr>
-              <a:t> To submit these changes to the </a:t>
-            </a:r>
-            <a:r>
-              <a:rPr lang="en-US" sz="1200" dirty="0" err="1">
-                <a:solidFill>
-                  <a:srgbClr val="000000"/>
-                </a:solidFill>
-                <a:latin typeface="Helvetica" panose="020B0604020202020204" pitchFamily="34" charset="0"/>
-                <a:ea typeface="ヒラギノ角ゴ Pro W3"/>
-                <a:cs typeface="Times New Roman" panose="02020603050405020304" pitchFamily="18" charset="0"/>
-              </a:rPr>
-              <a:t>Github</a:t>
-            </a:r>
-            <a:r>
-              <a:rPr lang="en-US" sz="1200" dirty="0">
-                <a:solidFill>
-                  <a:srgbClr val="000000"/>
-                </a:solidFill>
-                <a:latin typeface="Helvetica" panose="020B0604020202020204" pitchFamily="34" charset="0"/>
-                <a:ea typeface="ヒラギノ角ゴ Pro W3"/>
-                <a:cs typeface="Times New Roman" panose="02020603050405020304" pitchFamily="18" charset="0"/>
-              </a:rPr>
-              <a:t> repository, drag changed files to the staged commits text box and click on Commit and Push</a:t>
+              <a:t>: Pass</a:t>
             </a:r>
           </a:p>
         </p:txBody>
@@ -5718,7 +6368,7 @@
     </p:spTree>
     <p:extLst>
       <p:ext uri="{BB962C8B-B14F-4D97-AF65-F5344CB8AC3E}">
-        <p14:creationId xmlns:p14="http://schemas.microsoft.com/office/powerpoint/2010/main" val="1329904567"/>
+        <p14:creationId xmlns:p14="http://schemas.microsoft.com/office/powerpoint/2010/main" val="1134305560"/>
       </p:ext>
     </p:extLst>
   </p:cSld>
@@ -5762,7 +6412,7 @@
           <a:p>
             <a:r>
               <a:rPr lang="en-US" dirty="0" smtClean="0"/>
-              <a:t>Development Manual</a:t>
+              <a:t>Testing Document</a:t>
             </a:r>
             <a:endParaRPr lang="en-US" dirty="0"/>
           </a:p>
@@ -5770,14 +6420,14 @@
       </p:sp>
       <p:sp>
         <p:nvSpPr>
-          <p:cNvPr id="5" name="Rectangle 4"/>
+          <p:cNvPr id="4" name="Rectangle 3"/>
           <p:cNvSpPr/>
           <p:nvPr/>
         </p:nvSpPr>
         <p:spPr>
           <a:xfrm>
-            <a:off x="4481146" y="746772"/>
-            <a:ext cx="6096000" cy="5355312"/>
+            <a:off x="4410808" y="238940"/>
+            <a:ext cx="6096000" cy="6370975"/>
           </a:xfrm>
           <a:prstGeom prst="rect">
             <a:avLst/>
@@ -5790,29 +6440,18 @@
           <a:lstStyle/>
           <a:p>
             <a:r>
-              <a:rPr lang="en-US" b="1" dirty="0">
-                <a:solidFill>
-                  <a:srgbClr val="000000"/>
-                </a:solidFill>
-                <a:latin typeface="Helvetica" panose="020B0604020202020204" pitchFamily="34" charset="0"/>
-                <a:ea typeface="ヒラギノ角ゴ Pro W3"/>
-                <a:cs typeface="Times New Roman" panose="02020603050405020304" pitchFamily="18" charset="0"/>
-              </a:rPr>
-              <a:t>Steps to be taken to run </a:t>
-            </a:r>
-            <a:r>
-              <a:rPr lang="en-US" b="1" dirty="0" err="1">
-                <a:solidFill>
-                  <a:srgbClr val="000000"/>
-                </a:solidFill>
-                <a:latin typeface="Helvetica" panose="020B0604020202020204" pitchFamily="34" charset="0"/>
-                <a:ea typeface="ヒラギノ角ゴ Pro W3"/>
-                <a:cs typeface="Times New Roman" panose="02020603050405020304" pitchFamily="18" charset="0"/>
-              </a:rPr>
-              <a:t>Banqi</a:t>
-            </a:r>
-            <a:r>
-              <a:rPr lang="en-US" b="1" dirty="0">
+              <a:rPr lang="en-US" sz="1200" b="1" dirty="0">
+                <a:solidFill>
+                  <a:srgbClr val="000000"/>
+                </a:solidFill>
+                <a:latin typeface="Helvetica" panose="020B0604020202020204" pitchFamily="34" charset="0"/>
+                <a:ea typeface="ヒラギノ角ゴ Pro W3"/>
+                <a:cs typeface="Times New Roman" panose="02020603050405020304" pitchFamily="18" charset="0"/>
+              </a:rPr>
+              <a:t>Test 7</a:t>
+            </a:r>
+            <a:r>
+              <a:rPr lang="en-US" sz="1200" dirty="0">
                 <a:solidFill>
                   <a:srgbClr val="000000"/>
                 </a:solidFill>
@@ -5822,26 +6461,77 @@
               </a:rPr>
               <a:t>:</a:t>
             </a:r>
-            <a:endParaRPr lang="en-US" dirty="0">
-              <a:solidFill>
-                <a:srgbClr val="000000"/>
-              </a:solidFill>
-              <a:latin typeface="Helvetica" panose="020B0604020202020204" pitchFamily="34" charset="0"/>
-              <a:ea typeface="ヒラギノ角ゴ Pro W3"/>
-              <a:cs typeface="Times New Roman" panose="02020603050405020304" pitchFamily="18" charset="0"/>
-            </a:endParaRPr>
-          </a:p>
-          <a:p>
-            <a:r>
-              <a:rPr lang="en-US" dirty="0">
-                <a:solidFill>
-                  <a:srgbClr val="000000"/>
-                </a:solidFill>
-                <a:latin typeface="Helvetica" panose="020B0604020202020204" pitchFamily="34" charset="0"/>
-                <a:ea typeface="ヒラギノ角ゴ Pro W3"/>
-                <a:cs typeface="Times New Roman" panose="02020603050405020304" pitchFamily="18" charset="0"/>
-              </a:rPr>
-              <a:t> </a:t>
+          </a:p>
+          <a:p>
+            <a:r>
+              <a:rPr lang="en-US" sz="1200" b="1" dirty="0">
+                <a:solidFill>
+                  <a:srgbClr val="000000"/>
+                </a:solidFill>
+                <a:latin typeface="Helvetica" panose="020B0604020202020204" pitchFamily="34" charset="0"/>
+                <a:ea typeface="ヒラギノ角ゴ Pro W3"/>
+                <a:cs typeface="Times New Roman" panose="02020603050405020304" pitchFamily="18" charset="0"/>
+              </a:rPr>
+              <a:t>Description</a:t>
+            </a:r>
+            <a:r>
+              <a:rPr lang="en-US" sz="1200" dirty="0">
+                <a:solidFill>
+                  <a:srgbClr val="000000"/>
+                </a:solidFill>
+                <a:latin typeface="Helvetica" panose="020B0604020202020204" pitchFamily="34" charset="0"/>
+                <a:ea typeface="ヒラギノ角ゴ Pro W3"/>
+                <a:cs typeface="Times New Roman" panose="02020603050405020304" pitchFamily="18" charset="0"/>
+              </a:rPr>
+              <a:t>: A user that is currently involved in a game can make a move</a:t>
+            </a:r>
+          </a:p>
+          <a:p>
+            <a:r>
+              <a:rPr lang="en-US" sz="1200" b="1" dirty="0">
+                <a:solidFill>
+                  <a:srgbClr val="000000"/>
+                </a:solidFill>
+                <a:latin typeface="Helvetica" panose="020B0604020202020204" pitchFamily="34" charset="0"/>
+                <a:ea typeface="ヒラギノ角ゴ Pro W3"/>
+                <a:cs typeface="Times New Roman" panose="02020603050405020304" pitchFamily="18" charset="0"/>
+              </a:rPr>
+              <a:t>Preconditions</a:t>
+            </a:r>
+            <a:r>
+              <a:rPr lang="en-US" sz="1200" dirty="0">
+                <a:solidFill>
+                  <a:srgbClr val="000000"/>
+                </a:solidFill>
+                <a:latin typeface="Helvetica" panose="020B0604020202020204" pitchFamily="34" charset="0"/>
+                <a:ea typeface="ヒラギノ角ゴ Pro W3"/>
+                <a:cs typeface="Times New Roman" panose="02020603050405020304" pitchFamily="18" charset="0"/>
+              </a:rPr>
+              <a:t>: The user can drag a piece to another tile that has an opponent’s piece on it</a:t>
+            </a:r>
+          </a:p>
+          <a:p>
+            <a:r>
+              <a:rPr lang="en-US" sz="1200" b="1" dirty="0">
+                <a:solidFill>
+                  <a:srgbClr val="000000"/>
+                </a:solidFill>
+                <a:latin typeface="Helvetica" panose="020B0604020202020204" pitchFamily="34" charset="0"/>
+                <a:ea typeface="ヒラギノ角ゴ Pro W3"/>
+                <a:cs typeface="Times New Roman" panose="02020603050405020304" pitchFamily="18" charset="0"/>
+              </a:rPr>
+              <a:t>Steps</a:t>
+            </a:r>
+            <a:r>
+              <a:rPr lang="en-US" sz="1200" dirty="0">
+                <a:solidFill>
+                  <a:srgbClr val="000000"/>
+                </a:solidFill>
+                <a:latin typeface="Helvetica" panose="020B0604020202020204" pitchFamily="34" charset="0"/>
+                <a:ea typeface="ヒラギノ角ゴ Pro W3"/>
+                <a:cs typeface="Times New Roman" panose="02020603050405020304" pitchFamily="18" charset="0"/>
+              </a:rPr>
+              <a:t>:</a:t>
             </a:r>
           </a:p>
           <a:p>
@@ -5859,15 +6549,15 @@
               </a:tabLst>
             </a:pPr>
             <a:r>
-              <a:rPr lang="en-US" dirty="0">
-                <a:solidFill>
-                  <a:srgbClr val="000000"/>
-                </a:solidFill>
-                <a:latin typeface="Helvetica" panose="020B0604020202020204" pitchFamily="34" charset="0"/>
-                <a:ea typeface="ヒラギノ角ゴ Pro W3"/>
-                <a:cs typeface="Times New Roman" panose="02020603050405020304" pitchFamily="18" charset="0"/>
-              </a:rPr>
-              <a:t>Run the server so users can play other users on different machines and can retrieve information from the database</a:t>
+              <a:rPr lang="en-US" sz="1200" dirty="0">
+                <a:solidFill>
+                  <a:srgbClr val="000000"/>
+                </a:solidFill>
+                <a:latin typeface="Helvetica" panose="020B0604020202020204" pitchFamily="34" charset="0"/>
+                <a:ea typeface="ヒラギノ角ゴ Pro W3"/>
+                <a:cs typeface="Times New Roman" panose="02020603050405020304" pitchFamily="18" charset="0"/>
+              </a:rPr>
+              <a:t>A user clicks and drags one of their pieces to an adjacent tile</a:t>
             </a:r>
           </a:p>
           <a:p>
@@ -5885,15 +6575,196 @@
               </a:tabLst>
             </a:pPr>
             <a:r>
-              <a:rPr lang="en-US" dirty="0">
-                <a:solidFill>
-                  <a:srgbClr val="000000"/>
-                </a:solidFill>
-                <a:latin typeface="Helvetica" panose="020B0604020202020204" pitchFamily="34" charset="0"/>
-                <a:ea typeface="ヒラギノ角ゴ Pro W3"/>
-                <a:cs typeface="Times New Roman" panose="02020603050405020304" pitchFamily="18" charset="0"/>
-              </a:rPr>
-              <a:t>Run Login, and a window will appear with email and password text boxes.</a:t>
+              <a:rPr lang="en-US" sz="1200" dirty="0">
+                <a:solidFill>
+                  <a:srgbClr val="000000"/>
+                </a:solidFill>
+                <a:latin typeface="Helvetica" panose="020B0604020202020204" pitchFamily="34" charset="0"/>
+                <a:ea typeface="ヒラギノ角ゴ Pro W3"/>
+                <a:cs typeface="Times New Roman" panose="02020603050405020304" pitchFamily="18" charset="0"/>
+              </a:rPr>
+              <a:t>The piece they are moving has a higher rank than the piece they are dragging to</a:t>
+            </a:r>
+          </a:p>
+          <a:p>
+            <a:r>
+              <a:rPr lang="en-US" sz="1200" b="1" dirty="0">
+                <a:solidFill>
+                  <a:srgbClr val="000000"/>
+                </a:solidFill>
+                <a:latin typeface="Helvetica" panose="020B0604020202020204" pitchFamily="34" charset="0"/>
+                <a:ea typeface="ヒラギノ角ゴ Pro W3"/>
+                <a:cs typeface="Times New Roman" panose="02020603050405020304" pitchFamily="18" charset="0"/>
+              </a:rPr>
+              <a:t>Expected Result</a:t>
+            </a:r>
+            <a:r>
+              <a:rPr lang="en-US" sz="1200" dirty="0">
+                <a:solidFill>
+                  <a:srgbClr val="000000"/>
+                </a:solidFill>
+                <a:latin typeface="Helvetica" panose="020B0604020202020204" pitchFamily="34" charset="0"/>
+                <a:ea typeface="ヒラギノ角ゴ Pro W3"/>
+                <a:cs typeface="Times New Roman" panose="02020603050405020304" pitchFamily="18" charset="0"/>
+              </a:rPr>
+              <a:t>: The token on the adjacent tile is removed from the board</a:t>
+            </a:r>
+          </a:p>
+          <a:p>
+            <a:r>
+              <a:rPr lang="en-US" sz="1200" b="1" dirty="0" err="1">
+                <a:solidFill>
+                  <a:srgbClr val="000000"/>
+                </a:solidFill>
+                <a:latin typeface="Helvetica" panose="020B0604020202020204" pitchFamily="34" charset="0"/>
+                <a:ea typeface="ヒラギノ角ゴ Pro W3"/>
+                <a:cs typeface="Times New Roman" panose="02020603050405020304" pitchFamily="18" charset="0"/>
+              </a:rPr>
+              <a:t>Postconditions</a:t>
+            </a:r>
+            <a:r>
+              <a:rPr lang="en-US" sz="1200" dirty="0">
+                <a:solidFill>
+                  <a:srgbClr val="000000"/>
+                </a:solidFill>
+                <a:latin typeface="Helvetica" panose="020B0604020202020204" pitchFamily="34" charset="0"/>
+                <a:ea typeface="ヒラギノ角ゴ Pro W3"/>
+                <a:cs typeface="Times New Roman" panose="02020603050405020304" pitchFamily="18" charset="0"/>
+              </a:rPr>
+              <a:t>: The token that is taken is taken off the board and added to the graveyard</a:t>
+            </a:r>
+          </a:p>
+          <a:p>
+            <a:r>
+              <a:rPr lang="en-US" sz="1200" b="1" dirty="0">
+                <a:solidFill>
+                  <a:srgbClr val="000000"/>
+                </a:solidFill>
+                <a:latin typeface="Helvetica" panose="020B0604020202020204" pitchFamily="34" charset="0"/>
+                <a:ea typeface="ヒラギノ角ゴ Pro W3"/>
+                <a:cs typeface="Times New Roman" panose="02020603050405020304" pitchFamily="18" charset="0"/>
+              </a:rPr>
+              <a:t>Status</a:t>
+            </a:r>
+            <a:r>
+              <a:rPr lang="en-US" sz="1200" dirty="0">
+                <a:solidFill>
+                  <a:srgbClr val="000000"/>
+                </a:solidFill>
+                <a:latin typeface="Helvetica" panose="020B0604020202020204" pitchFamily="34" charset="0"/>
+                <a:ea typeface="ヒラギノ角ゴ Pro W3"/>
+                <a:cs typeface="Times New Roman" panose="02020603050405020304" pitchFamily="18" charset="0"/>
+              </a:rPr>
+              <a:t>: Pass</a:t>
+            </a:r>
+          </a:p>
+          <a:p>
+            <a:r>
+              <a:rPr lang="en-US" sz="1200" dirty="0">
+                <a:solidFill>
+                  <a:srgbClr val="000000"/>
+                </a:solidFill>
+                <a:latin typeface="Helvetica" panose="020B0604020202020204" pitchFamily="34" charset="0"/>
+                <a:ea typeface="ヒラギノ角ゴ Pro W3"/>
+                <a:cs typeface="Times New Roman" panose="02020603050405020304" pitchFamily="18" charset="0"/>
+              </a:rPr>
+              <a:t> </a:t>
+            </a:r>
+          </a:p>
+          <a:p>
+            <a:r>
+              <a:rPr lang="en-US" sz="1200" b="1" dirty="0">
+                <a:solidFill>
+                  <a:srgbClr val="000000"/>
+                </a:solidFill>
+                <a:latin typeface="Helvetica" panose="020B0604020202020204" pitchFamily="34" charset="0"/>
+                <a:ea typeface="ヒラギノ角ゴ Pro W3"/>
+                <a:cs typeface="Times New Roman" panose="02020603050405020304" pitchFamily="18" charset="0"/>
+              </a:rPr>
+              <a:t>Test 8</a:t>
+            </a:r>
+            <a:r>
+              <a:rPr lang="en-US" sz="1200" dirty="0">
+                <a:solidFill>
+                  <a:srgbClr val="000000"/>
+                </a:solidFill>
+                <a:latin typeface="Helvetica" panose="020B0604020202020204" pitchFamily="34" charset="0"/>
+                <a:ea typeface="ヒラギノ角ゴ Pro W3"/>
+                <a:cs typeface="Times New Roman" panose="02020603050405020304" pitchFamily="18" charset="0"/>
+              </a:rPr>
+              <a:t>:</a:t>
+            </a:r>
+          </a:p>
+          <a:p>
+            <a:r>
+              <a:rPr lang="en-US" sz="1200" b="1" dirty="0">
+                <a:solidFill>
+                  <a:srgbClr val="000000"/>
+                </a:solidFill>
+                <a:latin typeface="Helvetica" panose="020B0604020202020204" pitchFamily="34" charset="0"/>
+                <a:ea typeface="ヒラギノ角ゴ Pro W3"/>
+                <a:cs typeface="Times New Roman" panose="02020603050405020304" pitchFamily="18" charset="0"/>
+              </a:rPr>
+              <a:t>Description</a:t>
+            </a:r>
+            <a:r>
+              <a:rPr lang="en-US" sz="1200" dirty="0">
+                <a:solidFill>
+                  <a:srgbClr val="000000"/>
+                </a:solidFill>
+                <a:latin typeface="Helvetica" panose="020B0604020202020204" pitchFamily="34" charset="0"/>
+                <a:ea typeface="ヒラギノ角ゴ Pro W3"/>
+                <a:cs typeface="Times New Roman" panose="02020603050405020304" pitchFamily="18" charset="0"/>
+              </a:rPr>
+              <a:t>: A user that is currently involved in a game can quit that game</a:t>
+            </a:r>
+          </a:p>
+          <a:p>
+            <a:r>
+              <a:rPr lang="en-US" sz="1200" b="1" dirty="0">
+                <a:solidFill>
+                  <a:srgbClr val="000000"/>
+                </a:solidFill>
+                <a:latin typeface="Helvetica" panose="020B0604020202020204" pitchFamily="34" charset="0"/>
+                <a:ea typeface="ヒラギノ角ゴ Pro W3"/>
+                <a:cs typeface="Times New Roman" panose="02020603050405020304" pitchFamily="18" charset="0"/>
+              </a:rPr>
+              <a:t>Preconditions</a:t>
+            </a:r>
+            <a:r>
+              <a:rPr lang="en-US" sz="1200" dirty="0">
+                <a:solidFill>
+                  <a:srgbClr val="000000"/>
+                </a:solidFill>
+                <a:latin typeface="Helvetica" panose="020B0604020202020204" pitchFamily="34" charset="0"/>
+                <a:ea typeface="ヒラギノ角ゴ Pro W3"/>
+                <a:cs typeface="Times New Roman" panose="02020603050405020304" pitchFamily="18" charset="0"/>
+              </a:rPr>
+              <a:t>: A user can click on the “Quit Game” button</a:t>
+            </a:r>
+          </a:p>
+          <a:p>
+            <a:r>
+              <a:rPr lang="en-US" sz="1200" b="1" dirty="0">
+                <a:solidFill>
+                  <a:srgbClr val="000000"/>
+                </a:solidFill>
+                <a:latin typeface="Helvetica" panose="020B0604020202020204" pitchFamily="34" charset="0"/>
+                <a:ea typeface="ヒラギノ角ゴ Pro W3"/>
+                <a:cs typeface="Times New Roman" panose="02020603050405020304" pitchFamily="18" charset="0"/>
+              </a:rPr>
+              <a:t>Steps</a:t>
+            </a:r>
+            <a:r>
+              <a:rPr lang="en-US" sz="1200" dirty="0">
+                <a:solidFill>
+                  <a:srgbClr val="000000"/>
+                </a:solidFill>
+                <a:latin typeface="Helvetica" panose="020B0604020202020204" pitchFamily="34" charset="0"/>
+                <a:ea typeface="ヒラギノ角ゴ Pro W3"/>
+                <a:cs typeface="Times New Roman" panose="02020603050405020304" pitchFamily="18" charset="0"/>
+              </a:rPr>
+              <a:t>:</a:t>
             </a:r>
           </a:p>
           <a:p>
@@ -5911,15 +6782,15 @@
               </a:tabLst>
             </a:pPr>
             <a:r>
-              <a:rPr lang="en-US" dirty="0">
-                <a:solidFill>
-                  <a:srgbClr val="000000"/>
-                </a:solidFill>
-                <a:latin typeface="Helvetica" panose="020B0604020202020204" pitchFamily="34" charset="0"/>
-                <a:ea typeface="ヒラギノ角ゴ Pro W3"/>
-                <a:cs typeface="Times New Roman" panose="02020603050405020304" pitchFamily="18" charset="0"/>
-              </a:rPr>
-              <a:t>If you already have created account, enter your email and password and click “Login”</a:t>
+              <a:rPr lang="en-US" sz="1200" dirty="0">
+                <a:solidFill>
+                  <a:srgbClr val="000000"/>
+                </a:solidFill>
+                <a:latin typeface="Helvetica" panose="020B0604020202020204" pitchFamily="34" charset="0"/>
+                <a:ea typeface="ヒラギノ角ゴ Pro W3"/>
+                <a:cs typeface="Times New Roman" panose="02020603050405020304" pitchFamily="18" charset="0"/>
+              </a:rPr>
+              <a:t>A user joins a game</a:t>
             </a:r>
           </a:p>
           <a:p>
@@ -5937,15 +6808,198 @@
               </a:tabLst>
             </a:pPr>
             <a:r>
-              <a:rPr lang="en-US" dirty="0">
-                <a:solidFill>
-                  <a:srgbClr val="000000"/>
-                </a:solidFill>
-                <a:latin typeface="Helvetica" panose="020B0604020202020204" pitchFamily="34" charset="0"/>
-                <a:ea typeface="ヒラギノ角ゴ Pro W3"/>
-                <a:cs typeface="Times New Roman" panose="02020603050405020304" pitchFamily="18" charset="0"/>
-              </a:rPr>
-              <a:t>If you have not created an account, click “Create Account” and enter credentials</a:t>
+              <a:rPr lang="en-US" sz="1200" dirty="0">
+                <a:solidFill>
+                  <a:srgbClr val="000000"/>
+                </a:solidFill>
+                <a:latin typeface="Helvetica" panose="020B0604020202020204" pitchFamily="34" charset="0"/>
+                <a:ea typeface="ヒラギノ角ゴ Pro W3"/>
+                <a:cs typeface="Times New Roman" panose="02020603050405020304" pitchFamily="18" charset="0"/>
+              </a:rPr>
+              <a:t>A user quits the game</a:t>
+            </a:r>
+          </a:p>
+          <a:p>
+            <a:r>
+              <a:rPr lang="en-US" sz="1200" b="1" dirty="0">
+                <a:solidFill>
+                  <a:srgbClr val="000000"/>
+                </a:solidFill>
+                <a:latin typeface="Helvetica" panose="020B0604020202020204" pitchFamily="34" charset="0"/>
+                <a:ea typeface="ヒラギノ角ゴ Pro W3"/>
+                <a:cs typeface="Times New Roman" panose="02020603050405020304" pitchFamily="18" charset="0"/>
+              </a:rPr>
+              <a:t>Expected Result</a:t>
+            </a:r>
+            <a:r>
+              <a:rPr lang="en-US" sz="1200" dirty="0">
+                <a:solidFill>
+                  <a:srgbClr val="000000"/>
+                </a:solidFill>
+                <a:latin typeface="Helvetica" panose="020B0604020202020204" pitchFamily="34" charset="0"/>
+                <a:ea typeface="ヒラギノ角ゴ Pro W3"/>
+                <a:cs typeface="Times New Roman" panose="02020603050405020304" pitchFamily="18" charset="0"/>
+              </a:rPr>
+              <a:t>: The game board disappears and the game ID is removed from the users current games</a:t>
+            </a:r>
+          </a:p>
+          <a:p>
+            <a:r>
+              <a:rPr lang="en-US" sz="1200" b="1" dirty="0" err="1">
+                <a:solidFill>
+                  <a:srgbClr val="000000"/>
+                </a:solidFill>
+                <a:latin typeface="Helvetica" panose="020B0604020202020204" pitchFamily="34" charset="0"/>
+                <a:ea typeface="ヒラギノ角ゴ Pro W3"/>
+                <a:cs typeface="Times New Roman" panose="02020603050405020304" pitchFamily="18" charset="0"/>
+              </a:rPr>
+              <a:t>Postconditions</a:t>
+            </a:r>
+            <a:r>
+              <a:rPr lang="en-US" sz="1200" dirty="0">
+                <a:solidFill>
+                  <a:srgbClr val="000000"/>
+                </a:solidFill>
+                <a:latin typeface="Helvetica" panose="020B0604020202020204" pitchFamily="34" charset="0"/>
+                <a:ea typeface="ヒラギノ角ゴ Pro W3"/>
+                <a:cs typeface="Times New Roman" panose="02020603050405020304" pitchFamily="18" charset="0"/>
+              </a:rPr>
+              <a:t>: The game the user is involved in is deleted</a:t>
+            </a:r>
+          </a:p>
+          <a:p>
+            <a:r>
+              <a:rPr lang="en-US" sz="1200" dirty="0">
+                <a:solidFill>
+                  <a:srgbClr val="000000"/>
+                </a:solidFill>
+                <a:latin typeface="Helvetica" panose="020B0604020202020204" pitchFamily="34" charset="0"/>
+                <a:ea typeface="ヒラギノ角ゴ Pro W3"/>
+                <a:cs typeface="Times New Roman" panose="02020603050405020304" pitchFamily="18" charset="0"/>
+              </a:rPr>
+              <a:t>Status: Pass</a:t>
+            </a:r>
+          </a:p>
+          <a:p>
+            <a:r>
+              <a:rPr lang="en-US" sz="1200" dirty="0">
+                <a:solidFill>
+                  <a:srgbClr val="000000"/>
+                </a:solidFill>
+                <a:latin typeface="Helvetica" panose="020B0604020202020204" pitchFamily="34" charset="0"/>
+                <a:ea typeface="ヒラギノ角ゴ Pro W3"/>
+                <a:cs typeface="Times New Roman" panose="02020603050405020304" pitchFamily="18" charset="0"/>
+              </a:rPr>
+              <a:t> </a:t>
+            </a:r>
+          </a:p>
+          <a:p>
+            <a:r>
+              <a:rPr lang="en-US" sz="1200" dirty="0">
+                <a:solidFill>
+                  <a:srgbClr val="000000"/>
+                </a:solidFill>
+                <a:latin typeface="Helvetica" panose="020B0604020202020204" pitchFamily="34" charset="0"/>
+                <a:ea typeface="ヒラギノ角ゴ Pro W3"/>
+                <a:cs typeface="Times New Roman" panose="02020603050405020304" pitchFamily="18" charset="0"/>
+              </a:rPr>
+              <a:t> </a:t>
+            </a:r>
+          </a:p>
+          <a:p>
+            <a:r>
+              <a:rPr lang="en-US" sz="1200" b="1" dirty="0">
+                <a:solidFill>
+                  <a:srgbClr val="000000"/>
+                </a:solidFill>
+                <a:latin typeface="Helvetica" panose="020B0604020202020204" pitchFamily="34" charset="0"/>
+                <a:ea typeface="ヒラギノ角ゴ Pro W3"/>
+                <a:cs typeface="Times New Roman" panose="02020603050405020304" pitchFamily="18" charset="0"/>
+              </a:rPr>
+              <a:t>Test 9</a:t>
+            </a:r>
+            <a:r>
+              <a:rPr lang="en-US" sz="1200" dirty="0">
+                <a:solidFill>
+                  <a:srgbClr val="000000"/>
+                </a:solidFill>
+                <a:latin typeface="Helvetica" panose="020B0604020202020204" pitchFamily="34" charset="0"/>
+                <a:ea typeface="ヒラギノ角ゴ Pro W3"/>
+                <a:cs typeface="Times New Roman" panose="02020603050405020304" pitchFamily="18" charset="0"/>
+              </a:rPr>
+              <a:t>:</a:t>
+            </a:r>
+          </a:p>
+          <a:p>
+            <a:r>
+              <a:rPr lang="en-US" sz="1200" b="1" dirty="0">
+                <a:solidFill>
+                  <a:srgbClr val="000000"/>
+                </a:solidFill>
+                <a:latin typeface="Helvetica" panose="020B0604020202020204" pitchFamily="34" charset="0"/>
+                <a:ea typeface="ヒラギノ角ゴ Pro W3"/>
+                <a:cs typeface="Times New Roman" panose="02020603050405020304" pitchFamily="18" charset="0"/>
+              </a:rPr>
+              <a:t>Description</a:t>
+            </a:r>
+            <a:r>
+              <a:rPr lang="en-US" sz="1200" dirty="0">
+                <a:solidFill>
+                  <a:srgbClr val="000000"/>
+                </a:solidFill>
+                <a:latin typeface="Helvetica" panose="020B0604020202020204" pitchFamily="34" charset="0"/>
+                <a:ea typeface="ヒラギノ角ゴ Pro W3"/>
+                <a:cs typeface="Times New Roman" panose="02020603050405020304" pitchFamily="18" charset="0"/>
+              </a:rPr>
+              <a:t>: A user can view another user’s profile</a:t>
+            </a:r>
+          </a:p>
+          <a:p>
+            <a:r>
+              <a:rPr lang="en-US" sz="1200" b="1" dirty="0" err="1">
+                <a:solidFill>
+                  <a:srgbClr val="000000"/>
+                </a:solidFill>
+                <a:latin typeface="Helvetica" panose="020B0604020202020204" pitchFamily="34" charset="0"/>
+                <a:ea typeface="ヒラギノ角ゴ Pro W3"/>
+                <a:cs typeface="Times New Roman" panose="02020603050405020304" pitchFamily="18" charset="0"/>
+              </a:rPr>
+              <a:t>Postconditions</a:t>
+            </a:r>
+            <a:r>
+              <a:rPr lang="en-US" sz="1200" dirty="0">
+                <a:solidFill>
+                  <a:srgbClr val="000000"/>
+                </a:solidFill>
+                <a:latin typeface="Helvetica" panose="020B0604020202020204" pitchFamily="34" charset="0"/>
+                <a:ea typeface="ヒラギノ角ゴ Pro W3"/>
+                <a:cs typeface="Times New Roman" panose="02020603050405020304" pitchFamily="18" charset="0"/>
+              </a:rPr>
+              <a:t>: A user clicks on “View Profile” and enters another user’s nickname</a:t>
+            </a:r>
+          </a:p>
+          <a:p>
+            <a:r>
+              <a:rPr lang="en-US" sz="1200" b="1" dirty="0">
+                <a:solidFill>
+                  <a:srgbClr val="000000"/>
+                </a:solidFill>
+                <a:latin typeface="Helvetica" panose="020B0604020202020204" pitchFamily="34" charset="0"/>
+                <a:ea typeface="ヒラギノ角ゴ Pro W3"/>
+                <a:cs typeface="Times New Roman" panose="02020603050405020304" pitchFamily="18" charset="0"/>
+              </a:rPr>
+              <a:t>Steps</a:t>
+            </a:r>
+            <a:r>
+              <a:rPr lang="en-US" sz="1200" dirty="0">
+                <a:solidFill>
+                  <a:srgbClr val="000000"/>
+                </a:solidFill>
+                <a:latin typeface="Helvetica" panose="020B0604020202020204" pitchFamily="34" charset="0"/>
+                <a:ea typeface="ヒラギノ角ゴ Pro W3"/>
+                <a:cs typeface="Times New Roman" panose="02020603050405020304" pitchFamily="18" charset="0"/>
+              </a:rPr>
+              <a:t>:</a:t>
             </a:r>
           </a:p>
           <a:p>
@@ -5963,15 +7017,15 @@
               </a:tabLst>
             </a:pPr>
             <a:r>
-              <a:rPr lang="en-US" dirty="0">
-                <a:solidFill>
-                  <a:srgbClr val="000000"/>
-                </a:solidFill>
-                <a:latin typeface="Helvetica" panose="020B0604020202020204" pitchFamily="34" charset="0"/>
-                <a:ea typeface="ヒラギノ角ゴ Pro W3"/>
-                <a:cs typeface="Times New Roman" panose="02020603050405020304" pitchFamily="18" charset="0"/>
-              </a:rPr>
-              <a:t>Once logged in, another dashboard window will appear where you can pick another user to send an invite to.</a:t>
+              <a:rPr lang="en-US" sz="1200" dirty="0">
+                <a:solidFill>
+                  <a:srgbClr val="000000"/>
+                </a:solidFill>
+                <a:latin typeface="Helvetica" panose="020B0604020202020204" pitchFamily="34" charset="0"/>
+                <a:ea typeface="ヒラギノ角ゴ Pro W3"/>
+                <a:cs typeface="Times New Roman" panose="02020603050405020304" pitchFamily="18" charset="0"/>
+              </a:rPr>
+              <a:t>A user logs into the system</a:t>
             </a:r>
           </a:p>
           <a:p>
@@ -5989,15 +7043,15 @@
               </a:tabLst>
             </a:pPr>
             <a:r>
-              <a:rPr lang="en-US" dirty="0">
-                <a:solidFill>
-                  <a:srgbClr val="000000"/>
-                </a:solidFill>
-                <a:latin typeface="Helvetica" panose="020B0604020202020204" pitchFamily="34" charset="0"/>
-                <a:ea typeface="ヒラギノ角ゴ Pro W3"/>
-                <a:cs typeface="Times New Roman" panose="02020603050405020304" pitchFamily="18" charset="0"/>
-              </a:rPr>
-              <a:t>You can also select a user and click view profile to see a history of games and win percentage</a:t>
+              <a:rPr lang="en-US" sz="1200" dirty="0">
+                <a:solidFill>
+                  <a:srgbClr val="000000"/>
+                </a:solidFill>
+                <a:latin typeface="Helvetica" panose="020B0604020202020204" pitchFamily="34" charset="0"/>
+                <a:ea typeface="ヒラギノ角ゴ Pro W3"/>
+                <a:cs typeface="Times New Roman" panose="02020603050405020304" pitchFamily="18" charset="0"/>
+              </a:rPr>
+              <a:t>A user clicks on “View Profile” in the dashboard</a:t>
             </a:r>
           </a:p>
           <a:p>
@@ -6015,41 +7069,87 @@
               </a:tabLst>
             </a:pPr>
             <a:r>
-              <a:rPr lang="en-US" dirty="0">
-                <a:solidFill>
-                  <a:srgbClr val="000000"/>
-                </a:solidFill>
-                <a:latin typeface="Helvetica" panose="020B0604020202020204" pitchFamily="34" charset="0"/>
-                <a:ea typeface="ヒラギノ角ゴ Pro W3"/>
-                <a:cs typeface="Times New Roman" panose="02020603050405020304" pitchFamily="18" charset="0"/>
-              </a:rPr>
-              <a:t>If you are sent an invitation, you can either accept or reject the invitation</a:t>
-            </a:r>
-          </a:p>
-          <a:p>
-            <a:pPr marL="342900" marR="0" lvl="0" indent="-342900">
-              <a:spcBef>
-                <a:spcPts val="0"/>
-              </a:spcBef>
-              <a:spcAft>
-                <a:spcPts val="0"/>
-              </a:spcAft>
-              <a:buFont typeface="+mj-lt"/>
-              <a:buAutoNum type="arabicPeriod"/>
-              <a:tabLst>
-                <a:tab pos="165100" algn="l"/>
-              </a:tabLst>
-            </a:pPr>
-            <a:r>
-              <a:rPr lang="en-US" dirty="0">
-                <a:solidFill>
-                  <a:srgbClr val="000000"/>
-                </a:solidFill>
-                <a:latin typeface="Helvetica" panose="020B0604020202020204" pitchFamily="34" charset="0"/>
-                <a:ea typeface="ヒラギノ角ゴ Pro W3"/>
-                <a:cs typeface="Times New Roman" panose="02020603050405020304" pitchFamily="18" charset="0"/>
-              </a:rPr>
-              <a:t>If you accept the invitation, a game board will appear and a new game is started</a:t>
+              <a:rPr lang="en-US" sz="1200" dirty="0">
+                <a:solidFill>
+                  <a:srgbClr val="000000"/>
+                </a:solidFill>
+                <a:latin typeface="Helvetica" panose="020B0604020202020204" pitchFamily="34" charset="0"/>
+                <a:ea typeface="ヒラギノ角ゴ Pro W3"/>
+                <a:cs typeface="Times New Roman" panose="02020603050405020304" pitchFamily="18" charset="0"/>
+              </a:rPr>
+              <a:t>A user enters another user’s nickname</a:t>
+            </a:r>
+          </a:p>
+          <a:p>
+            <a:r>
+              <a:rPr lang="en-US" sz="1200" b="1" dirty="0">
+                <a:solidFill>
+                  <a:srgbClr val="000000"/>
+                </a:solidFill>
+                <a:latin typeface="Helvetica" panose="020B0604020202020204" pitchFamily="34" charset="0"/>
+                <a:ea typeface="ヒラギノ角ゴ Pro W3"/>
+                <a:cs typeface="Times New Roman" panose="02020603050405020304" pitchFamily="18" charset="0"/>
+              </a:rPr>
+              <a:t>Expected Result</a:t>
+            </a:r>
+            <a:r>
+              <a:rPr lang="en-US" sz="1200" dirty="0">
+                <a:solidFill>
+                  <a:srgbClr val="000000"/>
+                </a:solidFill>
+                <a:latin typeface="Helvetica" panose="020B0604020202020204" pitchFamily="34" charset="0"/>
+                <a:ea typeface="ヒラギノ角ゴ Pro W3"/>
+                <a:cs typeface="Times New Roman" panose="02020603050405020304" pitchFamily="18" charset="0"/>
+              </a:rPr>
+              <a:t>: A user is directed to another user’s profile</a:t>
+            </a:r>
+          </a:p>
+          <a:p>
+            <a:r>
+              <a:rPr lang="en-US" sz="1200" b="1" dirty="0" err="1">
+                <a:solidFill>
+                  <a:srgbClr val="000000"/>
+                </a:solidFill>
+                <a:latin typeface="Helvetica" panose="020B0604020202020204" pitchFamily="34" charset="0"/>
+                <a:ea typeface="ヒラギノ角ゴ Pro W3"/>
+                <a:cs typeface="Times New Roman" panose="02020603050405020304" pitchFamily="18" charset="0"/>
+              </a:rPr>
+              <a:t>Postconditions</a:t>
+            </a:r>
+            <a:r>
+              <a:rPr lang="en-US" sz="1200" dirty="0">
+                <a:solidFill>
+                  <a:srgbClr val="000000"/>
+                </a:solidFill>
+                <a:latin typeface="Helvetica" panose="020B0604020202020204" pitchFamily="34" charset="0"/>
+                <a:ea typeface="ヒラギノ角ゴ Pro W3"/>
+                <a:cs typeface="Times New Roman" panose="02020603050405020304" pitchFamily="18" charset="0"/>
+              </a:rPr>
+              <a:t>: Another user’s profile is presented</a:t>
+            </a:r>
+          </a:p>
+          <a:p>
+            <a:r>
+              <a:rPr lang="en-US" sz="1200" b="1" dirty="0">
+                <a:solidFill>
+                  <a:srgbClr val="000000"/>
+                </a:solidFill>
+                <a:latin typeface="Helvetica" panose="020B0604020202020204" pitchFamily="34" charset="0"/>
+                <a:ea typeface="ヒラギノ角ゴ Pro W3"/>
+                <a:cs typeface="Times New Roman" panose="02020603050405020304" pitchFamily="18" charset="0"/>
+              </a:rPr>
+              <a:t>Status</a:t>
+            </a:r>
+            <a:r>
+              <a:rPr lang="en-US" sz="1200" dirty="0">
+                <a:solidFill>
+                  <a:srgbClr val="000000"/>
+                </a:solidFill>
+                <a:latin typeface="Helvetica" panose="020B0604020202020204" pitchFamily="34" charset="0"/>
+                <a:ea typeface="ヒラギノ角ゴ Pro W3"/>
+                <a:cs typeface="Times New Roman" panose="02020603050405020304" pitchFamily="18" charset="0"/>
+              </a:rPr>
+              <a:t>: Pass</a:t>
             </a:r>
           </a:p>
         </p:txBody>
@@ -6057,7 +7157,7 @@
     </p:spTree>
     <p:extLst>
       <p:ext uri="{BB962C8B-B14F-4D97-AF65-F5344CB8AC3E}">
-        <p14:creationId xmlns:p14="http://schemas.microsoft.com/office/powerpoint/2010/main" val="1998811644"/>
+        <p14:creationId xmlns:p14="http://schemas.microsoft.com/office/powerpoint/2010/main" val="1417247259"/>
       </p:ext>
     </p:extLst>
   </p:cSld>
@@ -6199,6 +7299,1312 @@
           <p:cNvPr id="2" name="Title 1">
             <a:extLst>
               <a:ext uri="{FF2B5EF4-FFF2-40B4-BE49-F238E27FC236}">
+                <a16:creationId xmlns:a16="http://schemas.microsoft.com/office/drawing/2014/main" id="{F2E86484-FB57-4B77-9B4D-3852FE03A557}"/>
+              </a:ext>
+            </a:extLst>
+          </p:cNvPr>
+          <p:cNvSpPr>
+            <a:spLocks noGrp="1"/>
+          </p:cNvSpPr>
+          <p:nvPr>
+            <p:ph type="title"/>
+          </p:nvPr>
+        </p:nvSpPr>
+        <p:spPr/>
+        <p:txBody>
+          <a:bodyPr/>
+          <a:lstStyle/>
+          <a:p>
+            <a:r>
+              <a:rPr lang="en-US" dirty="0"/>
+              <a:t>Development Manual</a:t>
+            </a:r>
+          </a:p>
+        </p:txBody>
+      </p:sp>
+      <p:sp>
+        <p:nvSpPr>
+          <p:cNvPr id="5" name="Rectangle 4"/>
+          <p:cNvSpPr/>
+          <p:nvPr/>
+        </p:nvSpPr>
+        <p:spPr>
+          <a:xfrm>
+            <a:off x="4191000" y="238940"/>
+            <a:ext cx="6096000" cy="6370975"/>
+          </a:xfrm>
+          <a:prstGeom prst="rect">
+            <a:avLst/>
+          </a:prstGeom>
+        </p:spPr>
+        <p:txBody>
+          <a:bodyPr>
+            <a:spAutoFit/>
+          </a:bodyPr>
+          <a:lstStyle/>
+          <a:p>
+            <a:r>
+              <a:rPr lang="en-US" sz="1200" b="1" dirty="0">
+                <a:solidFill>
+                  <a:srgbClr val="000000"/>
+                </a:solidFill>
+                <a:latin typeface="Helvetica" panose="020B0604020202020204" pitchFamily="34" charset="0"/>
+                <a:ea typeface="ヒラギノ角ゴ Pro W3"/>
+                <a:cs typeface="Times New Roman" panose="02020603050405020304" pitchFamily="18" charset="0"/>
+              </a:rPr>
+              <a:t>Development Manual</a:t>
+            </a:r>
+            <a:endParaRPr lang="en-US" sz="1200" dirty="0">
+              <a:solidFill>
+                <a:srgbClr val="000000"/>
+              </a:solidFill>
+              <a:latin typeface="Helvetica" panose="020B0604020202020204" pitchFamily="34" charset="0"/>
+              <a:ea typeface="ヒラギノ角ゴ Pro W3"/>
+              <a:cs typeface="Times New Roman" panose="02020603050405020304" pitchFamily="18" charset="0"/>
+            </a:endParaRPr>
+          </a:p>
+          <a:p>
+            <a:r>
+              <a:rPr lang="en-US" sz="1200" dirty="0">
+                <a:solidFill>
+                  <a:srgbClr val="000000"/>
+                </a:solidFill>
+                <a:latin typeface="Helvetica" panose="020B0604020202020204" pitchFamily="34" charset="0"/>
+                <a:ea typeface="ヒラギノ角ゴ Pro W3"/>
+                <a:cs typeface="Times New Roman" panose="02020603050405020304" pitchFamily="18" charset="0"/>
+              </a:rPr>
+              <a:t> </a:t>
+            </a:r>
+          </a:p>
+          <a:p>
+            <a:r>
+              <a:rPr lang="en-US" sz="1200" b="1" dirty="0">
+                <a:solidFill>
+                  <a:srgbClr val="000000"/>
+                </a:solidFill>
+                <a:latin typeface="Helvetica" panose="020B0604020202020204" pitchFamily="34" charset="0"/>
+                <a:ea typeface="ヒラギノ角ゴ Pro W3"/>
+                <a:cs typeface="Times New Roman" panose="02020603050405020304" pitchFamily="18" charset="0"/>
+              </a:rPr>
+              <a:t>Tools needed to begin development of product:</a:t>
+            </a:r>
+            <a:endParaRPr lang="en-US" sz="1200" dirty="0">
+              <a:solidFill>
+                <a:srgbClr val="000000"/>
+              </a:solidFill>
+              <a:latin typeface="Helvetica" panose="020B0604020202020204" pitchFamily="34" charset="0"/>
+              <a:ea typeface="ヒラギノ角ゴ Pro W3"/>
+              <a:cs typeface="Times New Roman" panose="02020603050405020304" pitchFamily="18" charset="0"/>
+            </a:endParaRPr>
+          </a:p>
+          <a:p>
+            <a:r>
+              <a:rPr lang="en-US" sz="1200" dirty="0">
+                <a:solidFill>
+                  <a:srgbClr val="000000"/>
+                </a:solidFill>
+                <a:latin typeface="Helvetica" panose="020B0604020202020204" pitchFamily="34" charset="0"/>
+                <a:ea typeface="ヒラギノ角ゴ Pro W3"/>
+                <a:cs typeface="Times New Roman" panose="02020603050405020304" pitchFamily="18" charset="0"/>
+              </a:rPr>
+              <a:t> </a:t>
+            </a:r>
+          </a:p>
+          <a:p>
+            <a:pPr marL="342900" marR="0" lvl="0" indent="-342900">
+              <a:spcBef>
+                <a:spcPts val="0"/>
+              </a:spcBef>
+              <a:spcAft>
+                <a:spcPts val="0"/>
+              </a:spcAft>
+              <a:buFont typeface="+mj-lt"/>
+              <a:buAutoNum type="arabicPeriod"/>
+              <a:tabLst>
+                <a:tab pos="165100" algn="l"/>
+              </a:tabLst>
+            </a:pPr>
+            <a:r>
+              <a:rPr lang="en-US" sz="1200" dirty="0">
+                <a:solidFill>
+                  <a:srgbClr val="000000"/>
+                </a:solidFill>
+                <a:latin typeface="Helvetica" panose="020B0604020202020204" pitchFamily="34" charset="0"/>
+                <a:ea typeface="ヒラギノ角ゴ Pro W3"/>
+                <a:cs typeface="Times New Roman" panose="02020603050405020304" pitchFamily="18" charset="0"/>
+              </a:rPr>
+              <a:t>Eclipse (</a:t>
+            </a:r>
+            <a:r>
+              <a:rPr lang="en-US" sz="1200" dirty="0">
+                <a:solidFill>
+                  <a:srgbClr val="000099"/>
+                </a:solidFill>
+                <a:latin typeface="Helvetica" panose="020B0604020202020204" pitchFamily="34" charset="0"/>
+                <a:ea typeface="ヒラギノ角ゴ Pro W3"/>
+                <a:cs typeface="Times New Roman" panose="02020603050405020304" pitchFamily="18" charset="0"/>
+                <a:hlinkClick r:id="rId2"/>
+              </a:rPr>
+              <a:t>https://www.eclipse.org/downloads/</a:t>
+            </a:r>
+            <a:r>
+              <a:rPr lang="en-US" sz="1200" dirty="0">
+                <a:solidFill>
+                  <a:srgbClr val="000000"/>
+                </a:solidFill>
+                <a:latin typeface="Helvetica" panose="020B0604020202020204" pitchFamily="34" charset="0"/>
+                <a:ea typeface="ヒラギノ角ゴ Pro W3"/>
+                <a:cs typeface="Times New Roman" panose="02020603050405020304" pitchFamily="18" charset="0"/>
+              </a:rPr>
+              <a:t>)</a:t>
+            </a:r>
+          </a:p>
+          <a:p>
+            <a:pPr marL="342900" marR="0" lvl="0" indent="-342900">
+              <a:spcBef>
+                <a:spcPts val="0"/>
+              </a:spcBef>
+              <a:spcAft>
+                <a:spcPts val="0"/>
+              </a:spcAft>
+              <a:buFont typeface="+mj-lt"/>
+              <a:buAutoNum type="arabicPeriod"/>
+              <a:tabLst>
+                <a:tab pos="165100" algn="l"/>
+              </a:tabLst>
+            </a:pPr>
+            <a:r>
+              <a:rPr lang="en-US" sz="1200" dirty="0">
+                <a:solidFill>
+                  <a:srgbClr val="000000"/>
+                </a:solidFill>
+                <a:latin typeface="Helvetica" panose="020B0604020202020204" pitchFamily="34" charset="0"/>
+                <a:ea typeface="ヒラギノ角ゴ Pro W3"/>
+                <a:cs typeface="Times New Roman" panose="02020603050405020304" pitchFamily="18" charset="0"/>
+              </a:rPr>
+              <a:t>MySQL (</a:t>
+            </a:r>
+            <a:r>
+              <a:rPr lang="en-US" sz="1200" dirty="0">
+                <a:solidFill>
+                  <a:srgbClr val="000099"/>
+                </a:solidFill>
+                <a:latin typeface="Helvetica" panose="020B0604020202020204" pitchFamily="34" charset="0"/>
+                <a:ea typeface="ヒラギノ角ゴ Pro W3"/>
+                <a:cs typeface="Times New Roman" panose="02020603050405020304" pitchFamily="18" charset="0"/>
+                <a:hlinkClick r:id="rId3"/>
+              </a:rPr>
+              <a:t>https://dev.mysql.com/downloads/repo/</a:t>
+            </a:r>
+            <a:r>
+              <a:rPr lang="en-US" sz="1200" dirty="0">
+                <a:solidFill>
+                  <a:srgbClr val="000000"/>
+                </a:solidFill>
+                <a:latin typeface="Helvetica" panose="020B0604020202020204" pitchFamily="34" charset="0"/>
+                <a:ea typeface="ヒラギノ角ゴ Pro W3"/>
+                <a:cs typeface="Times New Roman" panose="02020603050405020304" pitchFamily="18" charset="0"/>
+              </a:rPr>
+              <a:t>)</a:t>
+            </a:r>
+          </a:p>
+          <a:p>
+            <a:pPr marL="342900" marR="0" lvl="0" indent="-342900">
+              <a:spcBef>
+                <a:spcPts val="0"/>
+              </a:spcBef>
+              <a:spcAft>
+                <a:spcPts val="0"/>
+              </a:spcAft>
+              <a:buFont typeface="+mj-lt"/>
+              <a:buAutoNum type="arabicPeriod"/>
+              <a:tabLst>
+                <a:tab pos="165100" algn="l"/>
+              </a:tabLst>
+            </a:pPr>
+            <a:r>
+              <a:rPr lang="en-US" sz="1200" dirty="0" err="1">
+                <a:solidFill>
+                  <a:srgbClr val="000000"/>
+                </a:solidFill>
+                <a:latin typeface="Helvetica" panose="020B0604020202020204" pitchFamily="34" charset="0"/>
+                <a:ea typeface="ヒラギノ角ゴ Pro W3"/>
+                <a:cs typeface="Times New Roman" panose="02020603050405020304" pitchFamily="18" charset="0"/>
+              </a:rPr>
+              <a:t>Git</a:t>
+            </a:r>
+            <a:r>
+              <a:rPr lang="en-US" sz="1200" dirty="0">
+                <a:solidFill>
+                  <a:srgbClr val="000000"/>
+                </a:solidFill>
+                <a:latin typeface="Helvetica" panose="020B0604020202020204" pitchFamily="34" charset="0"/>
+                <a:ea typeface="ヒラギノ角ゴ Pro W3"/>
+                <a:cs typeface="Times New Roman" panose="02020603050405020304" pitchFamily="18" charset="0"/>
+              </a:rPr>
+              <a:t> (</a:t>
+            </a:r>
+            <a:r>
+              <a:rPr lang="en-US" sz="1200" dirty="0">
+                <a:solidFill>
+                  <a:srgbClr val="000099"/>
+                </a:solidFill>
+                <a:latin typeface="Helvetica" panose="020B0604020202020204" pitchFamily="34" charset="0"/>
+                <a:ea typeface="ヒラギノ角ゴ Pro W3"/>
+                <a:cs typeface="Times New Roman" panose="02020603050405020304" pitchFamily="18" charset="0"/>
+                <a:hlinkClick r:id="rId4"/>
+              </a:rPr>
+              <a:t>https://git-scm.com/downloads</a:t>
+            </a:r>
+            <a:r>
+              <a:rPr lang="en-US" sz="1200" dirty="0">
+                <a:solidFill>
+                  <a:srgbClr val="000000"/>
+                </a:solidFill>
+                <a:latin typeface="Helvetica" panose="020B0604020202020204" pitchFamily="34" charset="0"/>
+                <a:ea typeface="ヒラギノ角ゴ Pro W3"/>
+                <a:cs typeface="Times New Roman" panose="02020603050405020304" pitchFamily="18" charset="0"/>
+              </a:rPr>
+              <a:t>)</a:t>
+            </a:r>
+          </a:p>
+          <a:p>
+            <a:r>
+              <a:rPr lang="en-US" sz="1200" b="1" dirty="0">
+                <a:solidFill>
+                  <a:srgbClr val="000000"/>
+                </a:solidFill>
+                <a:latin typeface="Helvetica" panose="020B0604020202020204" pitchFamily="34" charset="0"/>
+                <a:ea typeface="ヒラギノ角ゴ Pro W3"/>
+                <a:cs typeface="Times New Roman" panose="02020603050405020304" pitchFamily="18" charset="0"/>
+              </a:rPr>
+              <a:t> </a:t>
+            </a:r>
+            <a:endParaRPr lang="en-US" sz="1200" dirty="0">
+              <a:solidFill>
+                <a:srgbClr val="000000"/>
+              </a:solidFill>
+              <a:latin typeface="Helvetica" panose="020B0604020202020204" pitchFamily="34" charset="0"/>
+              <a:ea typeface="ヒラギノ角ゴ Pro W3"/>
+              <a:cs typeface="Times New Roman" panose="02020603050405020304" pitchFamily="18" charset="0"/>
+            </a:endParaRPr>
+          </a:p>
+          <a:p>
+            <a:r>
+              <a:rPr lang="en-US" sz="1200" b="1" dirty="0">
+                <a:solidFill>
+                  <a:srgbClr val="000000"/>
+                </a:solidFill>
+                <a:latin typeface="Helvetica" panose="020B0604020202020204" pitchFamily="34" charset="0"/>
+                <a:ea typeface="ヒラギノ角ゴ Pro W3"/>
+                <a:cs typeface="Times New Roman" panose="02020603050405020304" pitchFamily="18" charset="0"/>
+              </a:rPr>
+              <a:t>Steps to set up MySQL:</a:t>
+            </a:r>
+            <a:endParaRPr lang="en-US" sz="1200" dirty="0">
+              <a:solidFill>
+                <a:srgbClr val="000000"/>
+              </a:solidFill>
+              <a:latin typeface="Helvetica" panose="020B0604020202020204" pitchFamily="34" charset="0"/>
+              <a:ea typeface="ヒラギノ角ゴ Pro W3"/>
+              <a:cs typeface="Times New Roman" panose="02020603050405020304" pitchFamily="18" charset="0"/>
+            </a:endParaRPr>
+          </a:p>
+          <a:p>
+            <a:r>
+              <a:rPr lang="en-US" sz="1200" dirty="0">
+                <a:solidFill>
+                  <a:srgbClr val="000000"/>
+                </a:solidFill>
+                <a:latin typeface="Helvetica" panose="020B0604020202020204" pitchFamily="34" charset="0"/>
+                <a:ea typeface="ヒラギノ角ゴ Pro W3"/>
+                <a:cs typeface="Times New Roman" panose="02020603050405020304" pitchFamily="18" charset="0"/>
+              </a:rPr>
+              <a:t> </a:t>
+            </a:r>
+          </a:p>
+          <a:p>
+            <a:pPr marL="342900" marR="0" lvl="0" indent="-342900">
+              <a:spcBef>
+                <a:spcPts val="0"/>
+              </a:spcBef>
+              <a:spcAft>
+                <a:spcPts val="0"/>
+              </a:spcAft>
+              <a:buFont typeface="+mj-lt"/>
+              <a:buAutoNum type="arabicPeriod"/>
+              <a:tabLst>
+                <a:tab pos="165100" algn="l"/>
+              </a:tabLst>
+            </a:pPr>
+            <a:r>
+              <a:rPr lang="en-US" sz="1200" dirty="0">
+                <a:solidFill>
+                  <a:srgbClr val="000000"/>
+                </a:solidFill>
+                <a:latin typeface="Helvetica" panose="020B0604020202020204" pitchFamily="34" charset="0"/>
+                <a:ea typeface="ヒラギノ角ゴ Pro W3"/>
+                <a:cs typeface="Times New Roman" panose="02020603050405020304" pitchFamily="18" charset="0"/>
+              </a:rPr>
+              <a:t>Start MySQL server on a local machine</a:t>
+            </a:r>
+          </a:p>
+          <a:p>
+            <a:pPr marL="342900" marR="0" lvl="0" indent="-342900">
+              <a:spcBef>
+                <a:spcPts val="0"/>
+              </a:spcBef>
+              <a:spcAft>
+                <a:spcPts val="0"/>
+              </a:spcAft>
+              <a:buFont typeface="+mj-lt"/>
+              <a:buAutoNum type="arabicPeriod"/>
+              <a:tabLst>
+                <a:tab pos="165100" algn="l"/>
+              </a:tabLst>
+            </a:pPr>
+            <a:r>
+              <a:rPr lang="en-US" sz="1200" dirty="0">
+                <a:solidFill>
+                  <a:srgbClr val="000000"/>
+                </a:solidFill>
+                <a:latin typeface="Helvetica" panose="020B0604020202020204" pitchFamily="34" charset="0"/>
+                <a:ea typeface="ヒラギノ角ゴ Pro W3"/>
+                <a:cs typeface="Times New Roman" panose="02020603050405020304" pitchFamily="18" charset="0"/>
+              </a:rPr>
+              <a:t>Download mysql-connector-java-5.1.44-bin.jar into local project</a:t>
+            </a:r>
+          </a:p>
+          <a:p>
+            <a:r>
+              <a:rPr lang="en-US" sz="1200" dirty="0">
+                <a:solidFill>
+                  <a:srgbClr val="000000"/>
+                </a:solidFill>
+                <a:latin typeface="Helvetica" panose="020B0604020202020204" pitchFamily="34" charset="0"/>
+                <a:ea typeface="ヒラギノ角ゴ Pro W3"/>
+                <a:cs typeface="Times New Roman" panose="02020603050405020304" pitchFamily="18" charset="0"/>
+              </a:rPr>
+              <a:t> </a:t>
+            </a:r>
+          </a:p>
+          <a:p>
+            <a:r>
+              <a:rPr lang="en-US" sz="1200" b="1" dirty="0">
+                <a:solidFill>
+                  <a:srgbClr val="000000"/>
+                </a:solidFill>
+                <a:latin typeface="Helvetica" panose="020B0604020202020204" pitchFamily="34" charset="0"/>
+                <a:ea typeface="ヒラギノ角ゴ Pro W3"/>
+                <a:cs typeface="Times New Roman" panose="02020603050405020304" pitchFamily="18" charset="0"/>
+              </a:rPr>
+              <a:t>Steps to be taken to work on Project in Eclipse:</a:t>
+            </a:r>
+            <a:endParaRPr lang="en-US" sz="1200" dirty="0">
+              <a:solidFill>
+                <a:srgbClr val="000000"/>
+              </a:solidFill>
+              <a:latin typeface="Helvetica" panose="020B0604020202020204" pitchFamily="34" charset="0"/>
+              <a:ea typeface="ヒラギノ角ゴ Pro W3"/>
+              <a:cs typeface="Times New Roman" panose="02020603050405020304" pitchFamily="18" charset="0"/>
+            </a:endParaRPr>
+          </a:p>
+          <a:p>
+            <a:r>
+              <a:rPr lang="en-US" sz="1200" dirty="0">
+                <a:solidFill>
+                  <a:srgbClr val="000000"/>
+                </a:solidFill>
+                <a:latin typeface="Helvetica" panose="020B0604020202020204" pitchFamily="34" charset="0"/>
+                <a:ea typeface="ヒラギノ角ゴ Pro W3"/>
+                <a:cs typeface="Times New Roman" panose="02020603050405020304" pitchFamily="18" charset="0"/>
+              </a:rPr>
+              <a:t> </a:t>
+            </a:r>
+          </a:p>
+          <a:p>
+            <a:pPr marL="342900" marR="0" lvl="0" indent="-342900">
+              <a:spcBef>
+                <a:spcPts val="0"/>
+              </a:spcBef>
+              <a:spcAft>
+                <a:spcPts val="0"/>
+              </a:spcAft>
+              <a:buFont typeface="+mj-lt"/>
+              <a:buAutoNum type="arabicPeriod"/>
+              <a:tabLst>
+                <a:tab pos="165100" algn="l"/>
+              </a:tabLst>
+            </a:pPr>
+            <a:r>
+              <a:rPr lang="en-US" sz="1200" dirty="0">
+                <a:solidFill>
+                  <a:srgbClr val="000000"/>
+                </a:solidFill>
+                <a:latin typeface="Helvetica" panose="020B0604020202020204" pitchFamily="34" charset="0"/>
+                <a:ea typeface="ヒラギノ角ゴ Pro W3"/>
+                <a:cs typeface="Times New Roman" panose="02020603050405020304" pitchFamily="18" charset="0"/>
+              </a:rPr>
+              <a:t>Attain </a:t>
+            </a:r>
+            <a:r>
+              <a:rPr lang="en-US" sz="1200" dirty="0" err="1">
+                <a:solidFill>
+                  <a:srgbClr val="000000"/>
+                </a:solidFill>
+                <a:latin typeface="Helvetica" panose="020B0604020202020204" pitchFamily="34" charset="0"/>
+                <a:ea typeface="ヒラギノ角ゴ Pro W3"/>
+                <a:cs typeface="Times New Roman" panose="02020603050405020304" pitchFamily="18" charset="0"/>
+              </a:rPr>
+              <a:t>git</a:t>
+            </a:r>
+            <a:r>
+              <a:rPr lang="en-US" sz="1200" dirty="0">
+                <a:solidFill>
+                  <a:srgbClr val="000000"/>
+                </a:solidFill>
+                <a:latin typeface="Helvetica" panose="020B0604020202020204" pitchFamily="34" charset="0"/>
+                <a:ea typeface="ヒラギノ角ゴ Pro W3"/>
+                <a:cs typeface="Times New Roman" panose="02020603050405020304" pitchFamily="18" charset="0"/>
+              </a:rPr>
+              <a:t> tools in eclipse by clicking on Window, Show View, Other, </a:t>
+            </a:r>
+            <a:r>
+              <a:rPr lang="en-US" sz="1200" dirty="0" err="1">
+                <a:solidFill>
+                  <a:srgbClr val="000000"/>
+                </a:solidFill>
+                <a:latin typeface="Helvetica" panose="020B0604020202020204" pitchFamily="34" charset="0"/>
+                <a:ea typeface="ヒラギノ角ゴ Pro W3"/>
+                <a:cs typeface="Times New Roman" panose="02020603050405020304" pitchFamily="18" charset="0"/>
+              </a:rPr>
+              <a:t>Git</a:t>
+            </a:r>
+            <a:r>
+              <a:rPr lang="en-US" sz="1200" dirty="0">
+                <a:solidFill>
+                  <a:srgbClr val="000000"/>
+                </a:solidFill>
+                <a:latin typeface="Helvetica" panose="020B0604020202020204" pitchFamily="34" charset="0"/>
+                <a:ea typeface="ヒラギノ角ゴ Pro W3"/>
+                <a:cs typeface="Times New Roman" panose="02020603050405020304" pitchFamily="18" charset="0"/>
+              </a:rPr>
+              <a:t>, </a:t>
+            </a:r>
+            <a:r>
+              <a:rPr lang="en-US" sz="1200" dirty="0" err="1">
+                <a:solidFill>
+                  <a:srgbClr val="000000"/>
+                </a:solidFill>
+                <a:latin typeface="Helvetica" panose="020B0604020202020204" pitchFamily="34" charset="0"/>
+                <a:ea typeface="ヒラギノ角ゴ Pro W3"/>
+                <a:cs typeface="Times New Roman" panose="02020603050405020304" pitchFamily="18" charset="0"/>
+              </a:rPr>
+              <a:t>Git</a:t>
+            </a:r>
+            <a:r>
+              <a:rPr lang="en-US" sz="1200" dirty="0">
+                <a:solidFill>
+                  <a:srgbClr val="000000"/>
+                </a:solidFill>
+                <a:latin typeface="Helvetica" panose="020B0604020202020204" pitchFamily="34" charset="0"/>
+                <a:ea typeface="ヒラギノ角ゴ Pro W3"/>
+                <a:cs typeface="Times New Roman" panose="02020603050405020304" pitchFamily="18" charset="0"/>
+              </a:rPr>
+              <a:t> Repositories &amp; </a:t>
+            </a:r>
+            <a:r>
+              <a:rPr lang="en-US" sz="1200" dirty="0" err="1">
+                <a:solidFill>
+                  <a:srgbClr val="000000"/>
+                </a:solidFill>
+                <a:latin typeface="Helvetica" panose="020B0604020202020204" pitchFamily="34" charset="0"/>
+                <a:ea typeface="ヒラギノ角ゴ Pro W3"/>
+                <a:cs typeface="Times New Roman" panose="02020603050405020304" pitchFamily="18" charset="0"/>
+              </a:rPr>
+              <a:t>Git</a:t>
+            </a:r>
+            <a:r>
+              <a:rPr lang="en-US" sz="1200" dirty="0">
+                <a:solidFill>
+                  <a:srgbClr val="000000"/>
+                </a:solidFill>
+                <a:latin typeface="Helvetica" panose="020B0604020202020204" pitchFamily="34" charset="0"/>
+                <a:ea typeface="ヒラギノ角ゴ Pro W3"/>
+                <a:cs typeface="Times New Roman" panose="02020603050405020304" pitchFamily="18" charset="0"/>
+              </a:rPr>
+              <a:t> Staging</a:t>
+            </a:r>
+          </a:p>
+          <a:p>
+            <a:pPr marL="342900" marR="0" lvl="0" indent="-342900">
+              <a:spcBef>
+                <a:spcPts val="0"/>
+              </a:spcBef>
+              <a:spcAft>
+                <a:spcPts val="0"/>
+              </a:spcAft>
+              <a:buFont typeface="+mj-lt"/>
+              <a:buAutoNum type="arabicPeriod"/>
+              <a:tabLst>
+                <a:tab pos="165100" algn="l"/>
+              </a:tabLst>
+            </a:pPr>
+            <a:r>
+              <a:rPr lang="en-US" sz="1200" dirty="0">
+                <a:solidFill>
+                  <a:srgbClr val="000000"/>
+                </a:solidFill>
+                <a:latin typeface="Helvetica" panose="020B0604020202020204" pitchFamily="34" charset="0"/>
+                <a:ea typeface="ヒラギノ角ゴ Pro W3"/>
+                <a:cs typeface="Times New Roman" panose="02020603050405020304" pitchFamily="18" charset="0"/>
+              </a:rPr>
+              <a:t>Clone </a:t>
+            </a:r>
+            <a:r>
+              <a:rPr lang="en-US" sz="1200" dirty="0" err="1">
+                <a:solidFill>
+                  <a:srgbClr val="000000"/>
+                </a:solidFill>
+                <a:latin typeface="Helvetica" panose="020B0604020202020204" pitchFamily="34" charset="0"/>
+                <a:ea typeface="ヒラギノ角ゴ Pro W3"/>
+                <a:cs typeface="Times New Roman" panose="02020603050405020304" pitchFamily="18" charset="0"/>
+              </a:rPr>
+              <a:t>Github</a:t>
+            </a:r>
+            <a:r>
+              <a:rPr lang="en-US" sz="1200" dirty="0">
+                <a:solidFill>
+                  <a:srgbClr val="000000"/>
+                </a:solidFill>
+                <a:latin typeface="Helvetica" panose="020B0604020202020204" pitchFamily="34" charset="0"/>
+                <a:ea typeface="ヒラギノ角ゴ Pro W3"/>
+                <a:cs typeface="Times New Roman" panose="02020603050405020304" pitchFamily="18" charset="0"/>
+              </a:rPr>
+              <a:t> repository by clicking on “Clone a </a:t>
+            </a:r>
+            <a:r>
+              <a:rPr lang="en-US" sz="1200" dirty="0" err="1">
+                <a:solidFill>
+                  <a:srgbClr val="000000"/>
+                </a:solidFill>
+                <a:latin typeface="Helvetica" panose="020B0604020202020204" pitchFamily="34" charset="0"/>
+                <a:ea typeface="ヒラギノ角ゴ Pro W3"/>
+                <a:cs typeface="Times New Roman" panose="02020603050405020304" pitchFamily="18" charset="0"/>
+              </a:rPr>
+              <a:t>Git</a:t>
+            </a:r>
+            <a:r>
+              <a:rPr lang="en-US" sz="1200" dirty="0">
+                <a:solidFill>
+                  <a:srgbClr val="000000"/>
+                </a:solidFill>
+                <a:latin typeface="Helvetica" panose="020B0604020202020204" pitchFamily="34" charset="0"/>
+                <a:ea typeface="ヒラギノ角ゴ Pro W3"/>
+                <a:cs typeface="Times New Roman" panose="02020603050405020304" pitchFamily="18" charset="0"/>
+              </a:rPr>
+              <a:t> Repository and add the clone to this view” button in Eclipse</a:t>
+            </a:r>
+          </a:p>
+          <a:p>
+            <a:pPr marL="342900" marR="0" lvl="0" indent="-342900">
+              <a:spcBef>
+                <a:spcPts val="0"/>
+              </a:spcBef>
+              <a:spcAft>
+                <a:spcPts val="0"/>
+              </a:spcAft>
+              <a:buFont typeface="+mj-lt"/>
+              <a:buAutoNum type="arabicPeriod"/>
+              <a:tabLst>
+                <a:tab pos="165100" algn="l"/>
+              </a:tabLst>
+            </a:pPr>
+            <a:r>
+              <a:rPr lang="en-US" sz="1200" dirty="0">
+                <a:solidFill>
+                  <a:srgbClr val="000000"/>
+                </a:solidFill>
+                <a:latin typeface="Helvetica" panose="020B0604020202020204" pitchFamily="34" charset="0"/>
+                <a:ea typeface="ヒラギノ角ゴ Pro W3"/>
+                <a:cs typeface="Times New Roman" panose="02020603050405020304" pitchFamily="18" charset="0"/>
+              </a:rPr>
+              <a:t>Then, a new window will appear and click on “Clone URI”</a:t>
+            </a:r>
+          </a:p>
+          <a:p>
+            <a:pPr marL="342900" marR="0" lvl="0" indent="-342900">
+              <a:spcBef>
+                <a:spcPts val="0"/>
+              </a:spcBef>
+              <a:spcAft>
+                <a:spcPts val="0"/>
+              </a:spcAft>
+              <a:buFont typeface="+mj-lt"/>
+              <a:buAutoNum type="arabicPeriod"/>
+              <a:tabLst>
+                <a:tab pos="165100" algn="l"/>
+              </a:tabLst>
+            </a:pPr>
+            <a:r>
+              <a:rPr lang="en-US" sz="1200" dirty="0">
+                <a:solidFill>
+                  <a:srgbClr val="000000"/>
+                </a:solidFill>
+                <a:latin typeface="Helvetica" panose="020B0604020202020204" pitchFamily="34" charset="0"/>
+                <a:ea typeface="ヒラギノ角ゴ Pro W3"/>
+                <a:cs typeface="Times New Roman" panose="02020603050405020304" pitchFamily="18" charset="0"/>
+              </a:rPr>
+              <a:t>Go to </a:t>
+            </a:r>
+            <a:r>
+              <a:rPr lang="en-US" sz="1200" dirty="0">
+                <a:solidFill>
+                  <a:srgbClr val="000099"/>
+                </a:solidFill>
+                <a:latin typeface="Helvetica" panose="020B0604020202020204" pitchFamily="34" charset="0"/>
+                <a:ea typeface="ヒラギノ角ゴ Pro W3"/>
+                <a:cs typeface="Times New Roman" panose="02020603050405020304" pitchFamily="18" charset="0"/>
+                <a:hlinkClick r:id="rId5"/>
+              </a:rPr>
+              <a:t>https://github.com/NickWaltCSU/cs414-f17-301-UltraLiteCoding</a:t>
+            </a:r>
+            <a:r>
+              <a:rPr lang="en-US" sz="1200" dirty="0">
+                <a:solidFill>
+                  <a:srgbClr val="000000"/>
+                </a:solidFill>
+                <a:latin typeface="Helvetica" panose="020B0604020202020204" pitchFamily="34" charset="0"/>
+                <a:ea typeface="ヒラギノ角ゴ Pro W3"/>
+                <a:cs typeface="Times New Roman" panose="02020603050405020304" pitchFamily="18" charset="0"/>
+              </a:rPr>
+              <a:t>, and click on “Clone or Download”</a:t>
+            </a:r>
+          </a:p>
+          <a:p>
+            <a:pPr marL="342900" marR="0" lvl="0" indent="-342900">
+              <a:spcBef>
+                <a:spcPts val="0"/>
+              </a:spcBef>
+              <a:spcAft>
+                <a:spcPts val="0"/>
+              </a:spcAft>
+              <a:buFont typeface="+mj-lt"/>
+              <a:buAutoNum type="arabicPeriod"/>
+              <a:tabLst>
+                <a:tab pos="165100" algn="l"/>
+              </a:tabLst>
+            </a:pPr>
+            <a:r>
+              <a:rPr lang="en-US" sz="1200" dirty="0">
+                <a:solidFill>
+                  <a:srgbClr val="000000"/>
+                </a:solidFill>
+                <a:latin typeface="Helvetica" panose="020B0604020202020204" pitchFamily="34" charset="0"/>
+                <a:ea typeface="ヒラギノ角ゴ Pro W3"/>
+                <a:cs typeface="Times New Roman" panose="02020603050405020304" pitchFamily="18" charset="0"/>
+              </a:rPr>
+              <a:t>Copy the URL that appears and copy it into the URI text box that appears when Step 3 is performed.</a:t>
+            </a:r>
+          </a:p>
+          <a:p>
+            <a:pPr marL="342900" marR="0" lvl="0" indent="-342900">
+              <a:spcBef>
+                <a:spcPts val="0"/>
+              </a:spcBef>
+              <a:spcAft>
+                <a:spcPts val="0"/>
+              </a:spcAft>
+              <a:buFont typeface="+mj-lt"/>
+              <a:buAutoNum type="arabicPeriod"/>
+              <a:tabLst>
+                <a:tab pos="165100" algn="l"/>
+              </a:tabLst>
+            </a:pPr>
+            <a:r>
+              <a:rPr lang="en-US" sz="1200" dirty="0">
+                <a:solidFill>
+                  <a:srgbClr val="000000"/>
+                </a:solidFill>
+                <a:latin typeface="Helvetica" panose="020B0604020202020204" pitchFamily="34" charset="0"/>
+                <a:ea typeface="ヒラギノ角ゴ Pro W3"/>
+                <a:cs typeface="Times New Roman" panose="02020603050405020304" pitchFamily="18" charset="0"/>
+              </a:rPr>
+              <a:t>To get the latest version of the project, right click on the repository, go to “Team”, “Switch”, “master”</a:t>
+            </a:r>
+          </a:p>
+          <a:p>
+            <a:pPr marL="342900" marR="0" lvl="0" indent="-342900">
+              <a:spcBef>
+                <a:spcPts val="0"/>
+              </a:spcBef>
+              <a:spcAft>
+                <a:spcPts val="0"/>
+              </a:spcAft>
+              <a:buFont typeface="+mj-lt"/>
+              <a:buAutoNum type="arabicPeriod"/>
+              <a:tabLst>
+                <a:tab pos="165100" algn="l"/>
+              </a:tabLst>
+            </a:pPr>
+            <a:r>
+              <a:rPr lang="en-US" sz="1200" dirty="0">
+                <a:solidFill>
+                  <a:srgbClr val="000000"/>
+                </a:solidFill>
+                <a:latin typeface="Helvetica" panose="020B0604020202020204" pitchFamily="34" charset="0"/>
+                <a:ea typeface="ヒラギノ角ゴ Pro W3"/>
+                <a:cs typeface="Times New Roman" panose="02020603050405020304" pitchFamily="18" charset="0"/>
+              </a:rPr>
+              <a:t>Right click on the repository again, go to “Team”, “Fetch from Upstream”, then “Pull”</a:t>
+            </a:r>
+          </a:p>
+          <a:p>
+            <a:pPr marL="342900" marR="0" lvl="0" indent="-342900">
+              <a:spcBef>
+                <a:spcPts val="0"/>
+              </a:spcBef>
+              <a:spcAft>
+                <a:spcPts val="0"/>
+              </a:spcAft>
+              <a:buFont typeface="+mj-lt"/>
+              <a:buAutoNum type="arabicPeriod"/>
+              <a:tabLst>
+                <a:tab pos="165100" algn="l"/>
+              </a:tabLst>
+            </a:pPr>
+            <a:r>
+              <a:rPr lang="en-US" sz="1200" dirty="0">
+                <a:solidFill>
+                  <a:srgbClr val="000000"/>
+                </a:solidFill>
+                <a:latin typeface="Helvetica" panose="020B0604020202020204" pitchFamily="34" charset="0"/>
+                <a:ea typeface="ヒラギノ角ゴ Pro W3"/>
+                <a:cs typeface="Times New Roman" panose="02020603050405020304" pitchFamily="18" charset="0"/>
+              </a:rPr>
+              <a:t>Start making updates or changes to the project by making a new local branch.</a:t>
+            </a:r>
+          </a:p>
+          <a:p>
+            <a:pPr marL="342900" marR="0" lvl="0" indent="-342900">
+              <a:spcBef>
+                <a:spcPts val="0"/>
+              </a:spcBef>
+              <a:spcAft>
+                <a:spcPts val="0"/>
+              </a:spcAft>
+              <a:buFont typeface="+mj-lt"/>
+              <a:buAutoNum type="arabicPeriod"/>
+              <a:tabLst>
+                <a:tab pos="165100" algn="l"/>
+              </a:tabLst>
+            </a:pPr>
+            <a:r>
+              <a:rPr lang="en-US" sz="1200" dirty="0">
+                <a:solidFill>
+                  <a:srgbClr val="000000"/>
+                </a:solidFill>
+                <a:latin typeface="Helvetica" panose="020B0604020202020204" pitchFamily="34" charset="0"/>
+                <a:ea typeface="ヒラギノ角ゴ Pro W3"/>
+                <a:cs typeface="Times New Roman" panose="02020603050405020304" pitchFamily="18" charset="0"/>
+              </a:rPr>
+              <a:t>Right click on the repository and select “Team”, “Switch To”, “New Branch”</a:t>
+            </a:r>
+          </a:p>
+          <a:p>
+            <a:pPr marL="342900" marR="0" lvl="0" indent="-342900">
+              <a:spcBef>
+                <a:spcPts val="0"/>
+              </a:spcBef>
+              <a:spcAft>
+                <a:spcPts val="0"/>
+              </a:spcAft>
+              <a:buFont typeface="+mj-lt"/>
+              <a:buAutoNum type="arabicPeriod"/>
+              <a:tabLst>
+                <a:tab pos="165100" algn="l"/>
+              </a:tabLst>
+            </a:pPr>
+            <a:r>
+              <a:rPr lang="en-US" sz="1200" dirty="0">
+                <a:solidFill>
+                  <a:srgbClr val="000000"/>
+                </a:solidFill>
+                <a:latin typeface="Helvetica" panose="020B0604020202020204" pitchFamily="34" charset="0"/>
+                <a:ea typeface="ヒラギノ角ゴ Pro W3"/>
+                <a:cs typeface="Times New Roman" panose="02020603050405020304" pitchFamily="18" charset="0"/>
+              </a:rPr>
+              <a:t> Any changes made will appear in </a:t>
+            </a:r>
+            <a:r>
+              <a:rPr lang="en-US" sz="1200" dirty="0" err="1">
+                <a:solidFill>
+                  <a:srgbClr val="000000"/>
+                </a:solidFill>
+                <a:latin typeface="Helvetica" panose="020B0604020202020204" pitchFamily="34" charset="0"/>
+                <a:ea typeface="ヒラギノ角ゴ Pro W3"/>
+                <a:cs typeface="Times New Roman" panose="02020603050405020304" pitchFamily="18" charset="0"/>
+              </a:rPr>
+              <a:t>Git</a:t>
+            </a:r>
+            <a:r>
+              <a:rPr lang="en-US" sz="1200" dirty="0">
+                <a:solidFill>
+                  <a:srgbClr val="000000"/>
+                </a:solidFill>
+                <a:latin typeface="Helvetica" panose="020B0604020202020204" pitchFamily="34" charset="0"/>
+                <a:ea typeface="ヒラギノ角ゴ Pro W3"/>
+                <a:cs typeface="Times New Roman" panose="02020603050405020304" pitchFamily="18" charset="0"/>
+              </a:rPr>
+              <a:t> Staging area in the </a:t>
+            </a:r>
+            <a:r>
+              <a:rPr lang="en-US" sz="1200" dirty="0" err="1">
+                <a:solidFill>
+                  <a:srgbClr val="000000"/>
+                </a:solidFill>
+                <a:latin typeface="Helvetica" panose="020B0604020202020204" pitchFamily="34" charset="0"/>
+                <a:ea typeface="ヒラギノ角ゴ Pro W3"/>
+                <a:cs typeface="Times New Roman" panose="02020603050405020304" pitchFamily="18" charset="0"/>
+              </a:rPr>
+              <a:t>unstaged</a:t>
+            </a:r>
+            <a:r>
+              <a:rPr lang="en-US" sz="1200" dirty="0">
+                <a:solidFill>
+                  <a:srgbClr val="000000"/>
+                </a:solidFill>
+                <a:latin typeface="Helvetica" panose="020B0604020202020204" pitchFamily="34" charset="0"/>
+                <a:ea typeface="ヒラギノ角ゴ Pro W3"/>
+                <a:cs typeface="Times New Roman" panose="02020603050405020304" pitchFamily="18" charset="0"/>
+              </a:rPr>
+              <a:t> commits text box</a:t>
+            </a:r>
+          </a:p>
+          <a:p>
+            <a:pPr marL="342900" marR="0" lvl="0" indent="-342900">
+              <a:spcBef>
+                <a:spcPts val="0"/>
+              </a:spcBef>
+              <a:spcAft>
+                <a:spcPts val="0"/>
+              </a:spcAft>
+              <a:buFont typeface="+mj-lt"/>
+              <a:buAutoNum type="arabicPeriod"/>
+              <a:tabLst>
+                <a:tab pos="165100" algn="l"/>
+              </a:tabLst>
+            </a:pPr>
+            <a:r>
+              <a:rPr lang="en-US" sz="1200" dirty="0">
+                <a:solidFill>
+                  <a:srgbClr val="000000"/>
+                </a:solidFill>
+                <a:latin typeface="Helvetica" panose="020B0604020202020204" pitchFamily="34" charset="0"/>
+                <a:ea typeface="ヒラギノ角ゴ Pro W3"/>
+                <a:cs typeface="Times New Roman" panose="02020603050405020304" pitchFamily="18" charset="0"/>
+              </a:rPr>
+              <a:t> To submit these changes to the </a:t>
+            </a:r>
+            <a:r>
+              <a:rPr lang="en-US" sz="1200" dirty="0" err="1">
+                <a:solidFill>
+                  <a:srgbClr val="000000"/>
+                </a:solidFill>
+                <a:latin typeface="Helvetica" panose="020B0604020202020204" pitchFamily="34" charset="0"/>
+                <a:ea typeface="ヒラギノ角ゴ Pro W3"/>
+                <a:cs typeface="Times New Roman" panose="02020603050405020304" pitchFamily="18" charset="0"/>
+              </a:rPr>
+              <a:t>Github</a:t>
+            </a:r>
+            <a:r>
+              <a:rPr lang="en-US" sz="1200" dirty="0">
+                <a:solidFill>
+                  <a:srgbClr val="000000"/>
+                </a:solidFill>
+                <a:latin typeface="Helvetica" panose="020B0604020202020204" pitchFamily="34" charset="0"/>
+                <a:ea typeface="ヒラギノ角ゴ Pro W3"/>
+                <a:cs typeface="Times New Roman" panose="02020603050405020304" pitchFamily="18" charset="0"/>
+              </a:rPr>
+              <a:t> repository, drag changed files to the staged commits text box and click on Commit and Push</a:t>
+            </a:r>
+          </a:p>
+        </p:txBody>
+      </p:sp>
+    </p:spTree>
+    <p:extLst>
+      <p:ext uri="{BB962C8B-B14F-4D97-AF65-F5344CB8AC3E}">
+        <p14:creationId xmlns:p14="http://schemas.microsoft.com/office/powerpoint/2010/main" val="1329904567"/>
+      </p:ext>
+    </p:extLst>
+  </p:cSld>
+  <p:clrMapOvr>
+    <a:masterClrMapping/>
+  </p:clrMapOvr>
+</p:sld>
+</file>
+
+<file path=ppt/slides/slide21.xml><?xml version="1.0" encoding="utf-8"?>
+<p:sld xmlns:a="http://schemas.openxmlformats.org/drawingml/2006/main" xmlns:r="http://schemas.openxmlformats.org/officeDocument/2006/relationships" xmlns:p="http://schemas.openxmlformats.org/presentationml/2006/main">
+  <p:cSld>
+    <p:spTree>
+      <p:nvGrpSpPr>
+        <p:cNvPr id="1" name=""/>
+        <p:cNvGrpSpPr/>
+        <p:nvPr/>
+      </p:nvGrpSpPr>
+      <p:grpSpPr>
+        <a:xfrm>
+          <a:off x="0" y="0"/>
+          <a:ext cx="0" cy="0"/>
+          <a:chOff x="0" y="0"/>
+          <a:chExt cx="0" cy="0"/>
+        </a:xfrm>
+      </p:grpSpPr>
+      <p:sp>
+        <p:nvSpPr>
+          <p:cNvPr id="2" name="Title 1"/>
+          <p:cNvSpPr>
+            <a:spLocks noGrp="1"/>
+          </p:cNvSpPr>
+          <p:nvPr>
+            <p:ph type="title"/>
+          </p:nvPr>
+        </p:nvSpPr>
+        <p:spPr/>
+        <p:txBody>
+          <a:bodyPr/>
+          <a:lstStyle/>
+          <a:p>
+            <a:r>
+              <a:rPr lang="en-US" dirty="0" smtClean="0"/>
+              <a:t>Development Manual</a:t>
+            </a:r>
+            <a:endParaRPr lang="en-US" dirty="0"/>
+          </a:p>
+        </p:txBody>
+      </p:sp>
+      <p:sp>
+        <p:nvSpPr>
+          <p:cNvPr id="5" name="Rectangle 4"/>
+          <p:cNvSpPr/>
+          <p:nvPr/>
+        </p:nvSpPr>
+        <p:spPr>
+          <a:xfrm>
+            <a:off x="4481146" y="746772"/>
+            <a:ext cx="6096000" cy="5355312"/>
+          </a:xfrm>
+          <a:prstGeom prst="rect">
+            <a:avLst/>
+          </a:prstGeom>
+        </p:spPr>
+        <p:txBody>
+          <a:bodyPr>
+            <a:spAutoFit/>
+          </a:bodyPr>
+          <a:lstStyle/>
+          <a:p>
+            <a:r>
+              <a:rPr lang="en-US" b="1" dirty="0">
+                <a:solidFill>
+                  <a:srgbClr val="000000"/>
+                </a:solidFill>
+                <a:latin typeface="Helvetica" panose="020B0604020202020204" pitchFamily="34" charset="0"/>
+                <a:ea typeface="ヒラギノ角ゴ Pro W3"/>
+                <a:cs typeface="Times New Roman" panose="02020603050405020304" pitchFamily="18" charset="0"/>
+              </a:rPr>
+              <a:t>Steps to be taken to run </a:t>
+            </a:r>
+            <a:r>
+              <a:rPr lang="en-US" b="1" dirty="0" err="1">
+                <a:solidFill>
+                  <a:srgbClr val="000000"/>
+                </a:solidFill>
+                <a:latin typeface="Helvetica" panose="020B0604020202020204" pitchFamily="34" charset="0"/>
+                <a:ea typeface="ヒラギノ角ゴ Pro W3"/>
+                <a:cs typeface="Times New Roman" panose="02020603050405020304" pitchFamily="18" charset="0"/>
+              </a:rPr>
+              <a:t>Banqi</a:t>
+            </a:r>
+            <a:r>
+              <a:rPr lang="en-US" b="1" dirty="0">
+                <a:solidFill>
+                  <a:srgbClr val="000000"/>
+                </a:solidFill>
+                <a:latin typeface="Helvetica" panose="020B0604020202020204" pitchFamily="34" charset="0"/>
+                <a:ea typeface="ヒラギノ角ゴ Pro W3"/>
+                <a:cs typeface="Times New Roman" panose="02020603050405020304" pitchFamily="18" charset="0"/>
+              </a:rPr>
+              <a:t>:</a:t>
+            </a:r>
+            <a:endParaRPr lang="en-US" dirty="0">
+              <a:solidFill>
+                <a:srgbClr val="000000"/>
+              </a:solidFill>
+              <a:latin typeface="Helvetica" panose="020B0604020202020204" pitchFamily="34" charset="0"/>
+              <a:ea typeface="ヒラギノ角ゴ Pro W3"/>
+              <a:cs typeface="Times New Roman" panose="02020603050405020304" pitchFamily="18" charset="0"/>
+            </a:endParaRPr>
+          </a:p>
+          <a:p>
+            <a:r>
+              <a:rPr lang="en-US" dirty="0">
+                <a:solidFill>
+                  <a:srgbClr val="000000"/>
+                </a:solidFill>
+                <a:latin typeface="Helvetica" panose="020B0604020202020204" pitchFamily="34" charset="0"/>
+                <a:ea typeface="ヒラギノ角ゴ Pro W3"/>
+                <a:cs typeface="Times New Roman" panose="02020603050405020304" pitchFamily="18" charset="0"/>
+              </a:rPr>
+              <a:t> </a:t>
+            </a:r>
+          </a:p>
+          <a:p>
+            <a:pPr marL="342900" marR="0" lvl="0" indent="-342900">
+              <a:spcBef>
+                <a:spcPts val="0"/>
+              </a:spcBef>
+              <a:spcAft>
+                <a:spcPts val="0"/>
+              </a:spcAft>
+              <a:buFont typeface="+mj-lt"/>
+              <a:buAutoNum type="arabicPeriod"/>
+              <a:tabLst>
+                <a:tab pos="165100" algn="l"/>
+              </a:tabLst>
+            </a:pPr>
+            <a:r>
+              <a:rPr lang="en-US" dirty="0">
+                <a:solidFill>
+                  <a:srgbClr val="000000"/>
+                </a:solidFill>
+                <a:latin typeface="Helvetica" panose="020B0604020202020204" pitchFamily="34" charset="0"/>
+                <a:ea typeface="ヒラギノ角ゴ Pro W3"/>
+                <a:cs typeface="Times New Roman" panose="02020603050405020304" pitchFamily="18" charset="0"/>
+              </a:rPr>
+              <a:t>Run the server so users can play other users on different machines and can retrieve information from the database</a:t>
+            </a:r>
+          </a:p>
+          <a:p>
+            <a:pPr marL="342900" marR="0" lvl="0" indent="-342900">
+              <a:spcBef>
+                <a:spcPts val="0"/>
+              </a:spcBef>
+              <a:spcAft>
+                <a:spcPts val="0"/>
+              </a:spcAft>
+              <a:buFont typeface="+mj-lt"/>
+              <a:buAutoNum type="arabicPeriod"/>
+              <a:tabLst>
+                <a:tab pos="165100" algn="l"/>
+              </a:tabLst>
+            </a:pPr>
+            <a:r>
+              <a:rPr lang="en-US" dirty="0">
+                <a:solidFill>
+                  <a:srgbClr val="000000"/>
+                </a:solidFill>
+                <a:latin typeface="Helvetica" panose="020B0604020202020204" pitchFamily="34" charset="0"/>
+                <a:ea typeface="ヒラギノ角ゴ Pro W3"/>
+                <a:cs typeface="Times New Roman" panose="02020603050405020304" pitchFamily="18" charset="0"/>
+              </a:rPr>
+              <a:t>Run Login, and a window will appear with email and password text boxes.</a:t>
+            </a:r>
+          </a:p>
+          <a:p>
+            <a:pPr marL="342900" marR="0" lvl="0" indent="-342900">
+              <a:spcBef>
+                <a:spcPts val="0"/>
+              </a:spcBef>
+              <a:spcAft>
+                <a:spcPts val="0"/>
+              </a:spcAft>
+              <a:buFont typeface="+mj-lt"/>
+              <a:buAutoNum type="arabicPeriod"/>
+              <a:tabLst>
+                <a:tab pos="165100" algn="l"/>
+              </a:tabLst>
+            </a:pPr>
+            <a:r>
+              <a:rPr lang="en-US" dirty="0">
+                <a:solidFill>
+                  <a:srgbClr val="000000"/>
+                </a:solidFill>
+                <a:latin typeface="Helvetica" panose="020B0604020202020204" pitchFamily="34" charset="0"/>
+                <a:ea typeface="ヒラギノ角ゴ Pro W3"/>
+                <a:cs typeface="Times New Roman" panose="02020603050405020304" pitchFamily="18" charset="0"/>
+              </a:rPr>
+              <a:t>If you already have created account, enter your email and password and click “Login”</a:t>
+            </a:r>
+          </a:p>
+          <a:p>
+            <a:pPr marL="342900" marR="0" lvl="0" indent="-342900">
+              <a:spcBef>
+                <a:spcPts val="0"/>
+              </a:spcBef>
+              <a:spcAft>
+                <a:spcPts val="0"/>
+              </a:spcAft>
+              <a:buFont typeface="+mj-lt"/>
+              <a:buAutoNum type="arabicPeriod"/>
+              <a:tabLst>
+                <a:tab pos="165100" algn="l"/>
+              </a:tabLst>
+            </a:pPr>
+            <a:r>
+              <a:rPr lang="en-US" dirty="0">
+                <a:solidFill>
+                  <a:srgbClr val="000000"/>
+                </a:solidFill>
+                <a:latin typeface="Helvetica" panose="020B0604020202020204" pitchFamily="34" charset="0"/>
+                <a:ea typeface="ヒラギノ角ゴ Pro W3"/>
+                <a:cs typeface="Times New Roman" panose="02020603050405020304" pitchFamily="18" charset="0"/>
+              </a:rPr>
+              <a:t>If you have not created an account, click “Create Account” and enter credentials</a:t>
+            </a:r>
+          </a:p>
+          <a:p>
+            <a:pPr marL="342900" marR="0" lvl="0" indent="-342900">
+              <a:spcBef>
+                <a:spcPts val="0"/>
+              </a:spcBef>
+              <a:spcAft>
+                <a:spcPts val="0"/>
+              </a:spcAft>
+              <a:buFont typeface="+mj-lt"/>
+              <a:buAutoNum type="arabicPeriod"/>
+              <a:tabLst>
+                <a:tab pos="165100" algn="l"/>
+              </a:tabLst>
+            </a:pPr>
+            <a:r>
+              <a:rPr lang="en-US" dirty="0">
+                <a:solidFill>
+                  <a:srgbClr val="000000"/>
+                </a:solidFill>
+                <a:latin typeface="Helvetica" panose="020B0604020202020204" pitchFamily="34" charset="0"/>
+                <a:ea typeface="ヒラギノ角ゴ Pro W3"/>
+                <a:cs typeface="Times New Roman" panose="02020603050405020304" pitchFamily="18" charset="0"/>
+              </a:rPr>
+              <a:t>Once logged in, another dashboard window will appear where you can pick another user to send an invite to.</a:t>
+            </a:r>
+          </a:p>
+          <a:p>
+            <a:pPr marL="342900" marR="0" lvl="0" indent="-342900">
+              <a:spcBef>
+                <a:spcPts val="0"/>
+              </a:spcBef>
+              <a:spcAft>
+                <a:spcPts val="0"/>
+              </a:spcAft>
+              <a:buFont typeface="+mj-lt"/>
+              <a:buAutoNum type="arabicPeriod"/>
+              <a:tabLst>
+                <a:tab pos="165100" algn="l"/>
+              </a:tabLst>
+            </a:pPr>
+            <a:r>
+              <a:rPr lang="en-US" dirty="0">
+                <a:solidFill>
+                  <a:srgbClr val="000000"/>
+                </a:solidFill>
+                <a:latin typeface="Helvetica" panose="020B0604020202020204" pitchFamily="34" charset="0"/>
+                <a:ea typeface="ヒラギノ角ゴ Pro W3"/>
+                <a:cs typeface="Times New Roman" panose="02020603050405020304" pitchFamily="18" charset="0"/>
+              </a:rPr>
+              <a:t>You can also select a user and click view profile to see a history of games and win percentage</a:t>
+            </a:r>
+          </a:p>
+          <a:p>
+            <a:pPr marL="342900" marR="0" lvl="0" indent="-342900">
+              <a:spcBef>
+                <a:spcPts val="0"/>
+              </a:spcBef>
+              <a:spcAft>
+                <a:spcPts val="0"/>
+              </a:spcAft>
+              <a:buFont typeface="+mj-lt"/>
+              <a:buAutoNum type="arabicPeriod"/>
+              <a:tabLst>
+                <a:tab pos="165100" algn="l"/>
+              </a:tabLst>
+            </a:pPr>
+            <a:r>
+              <a:rPr lang="en-US" dirty="0">
+                <a:solidFill>
+                  <a:srgbClr val="000000"/>
+                </a:solidFill>
+                <a:latin typeface="Helvetica" panose="020B0604020202020204" pitchFamily="34" charset="0"/>
+                <a:ea typeface="ヒラギノ角ゴ Pro W3"/>
+                <a:cs typeface="Times New Roman" panose="02020603050405020304" pitchFamily="18" charset="0"/>
+              </a:rPr>
+              <a:t>If you are sent an invitation, you can either accept or reject the invitation</a:t>
+            </a:r>
+          </a:p>
+          <a:p>
+            <a:pPr marL="342900" marR="0" lvl="0" indent="-342900">
+              <a:spcBef>
+                <a:spcPts val="0"/>
+              </a:spcBef>
+              <a:spcAft>
+                <a:spcPts val="0"/>
+              </a:spcAft>
+              <a:buFont typeface="+mj-lt"/>
+              <a:buAutoNum type="arabicPeriod"/>
+              <a:tabLst>
+                <a:tab pos="165100" algn="l"/>
+              </a:tabLst>
+            </a:pPr>
+            <a:r>
+              <a:rPr lang="en-US" dirty="0">
+                <a:solidFill>
+                  <a:srgbClr val="000000"/>
+                </a:solidFill>
+                <a:latin typeface="Helvetica" panose="020B0604020202020204" pitchFamily="34" charset="0"/>
+                <a:ea typeface="ヒラギノ角ゴ Pro W3"/>
+                <a:cs typeface="Times New Roman" panose="02020603050405020304" pitchFamily="18" charset="0"/>
+              </a:rPr>
+              <a:t>If you accept the invitation, a game board will appear and a new game is started</a:t>
+            </a:r>
+          </a:p>
+        </p:txBody>
+      </p:sp>
+    </p:spTree>
+    <p:extLst>
+      <p:ext uri="{BB962C8B-B14F-4D97-AF65-F5344CB8AC3E}">
+        <p14:creationId xmlns:p14="http://schemas.microsoft.com/office/powerpoint/2010/main" val="1998811644"/>
+      </p:ext>
+    </p:extLst>
+  </p:cSld>
+  <p:clrMapOvr>
+    <a:masterClrMapping/>
+  </p:clrMapOvr>
+</p:sld>
+</file>
+
+<file path=ppt/slides/slide22.xml><?xml version="1.0" encoding="utf-8"?>
+<p:sld xmlns:a="http://schemas.openxmlformats.org/drawingml/2006/main" xmlns:r="http://schemas.openxmlformats.org/officeDocument/2006/relationships" xmlns:p="http://schemas.openxmlformats.org/presentationml/2006/main">
+  <p:cSld>
+    <p:spTree>
+      <p:nvGrpSpPr>
+        <p:cNvPr id="1" name=""/>
+        <p:cNvGrpSpPr/>
+        <p:nvPr/>
+      </p:nvGrpSpPr>
+      <p:grpSpPr>
+        <a:xfrm>
+          <a:off x="0" y="0"/>
+          <a:ext cx="0" cy="0"/>
+          <a:chOff x="0" y="0"/>
+          <a:chExt cx="0" cy="0"/>
+        </a:xfrm>
+      </p:grpSpPr>
+      <p:sp>
+        <p:nvSpPr>
+          <p:cNvPr id="2" name="Title 1">
+            <a:extLst>
+              <a:ext uri="{FF2B5EF4-FFF2-40B4-BE49-F238E27FC236}">
                 <a16:creationId xmlns:a16="http://schemas.microsoft.com/office/drawing/2014/main" id="{3A34420C-3FD0-44C0-94F2-39C7ACC683E7}"/>
               </a:ext>
             </a:extLst>
@@ -6327,7 +8733,7 @@
 </p:sld>
 </file>
 
-<file path=ppt/slides/slide21.xml><?xml version="1.0" encoding="utf-8"?>
+<file path=ppt/slides/slide23.xml><?xml version="1.0" encoding="utf-8"?>
 <p:sld xmlns:a="http://schemas.openxmlformats.org/drawingml/2006/main" xmlns:r="http://schemas.openxmlformats.org/officeDocument/2006/relationships" xmlns:p="http://schemas.openxmlformats.org/presentationml/2006/main">
   <p:cSld>
     <p:spTree>
@@ -6439,7 +8845,7 @@
 </p:sld>
 </file>
 
-<file path=ppt/slides/slide22.xml><?xml version="1.0" encoding="utf-8"?>
+<file path=ppt/slides/slide24.xml><?xml version="1.0" encoding="utf-8"?>
 <p:sld xmlns:a="http://schemas.openxmlformats.org/drawingml/2006/main" xmlns:r="http://schemas.openxmlformats.org/officeDocument/2006/relationships" xmlns:p="http://schemas.openxmlformats.org/presentationml/2006/main">
   <p:cSld>
     <p:spTree>
@@ -6600,7 +9006,7 @@
 </p:sld>
 </file>
 
-<file path=ppt/slides/slide23.xml><?xml version="1.0" encoding="utf-8"?>
+<file path=ppt/slides/slide25.xml><?xml version="1.0" encoding="utf-8"?>
 <p:sld xmlns:a="http://schemas.openxmlformats.org/drawingml/2006/main" xmlns:r="http://schemas.openxmlformats.org/officeDocument/2006/relationships" xmlns:p="http://schemas.openxmlformats.org/presentationml/2006/main">
   <p:cSld>
     <p:spTree>
@@ -6768,7 +9174,7 @@
 </p:sld>
 </file>
 
-<file path=ppt/slides/slide24.xml><?xml version="1.0" encoding="utf-8"?>
+<file path=ppt/slides/slide26.xml><?xml version="1.0" encoding="utf-8"?>
 <p:sld xmlns:a="http://schemas.openxmlformats.org/drawingml/2006/main" xmlns:r="http://schemas.openxmlformats.org/officeDocument/2006/relationships" xmlns:p="http://schemas.openxmlformats.org/presentationml/2006/main">
   <p:cSld>
     <p:spTree>
@@ -6963,7 +9369,7 @@
 </p:sld>
 </file>
 
-<file path=ppt/slides/slide25.xml><?xml version="1.0" encoding="utf-8"?>
+<file path=ppt/slides/slide27.xml><?xml version="1.0" encoding="utf-8"?>
 <p:sld xmlns:a="http://schemas.openxmlformats.org/drawingml/2006/main" xmlns:r="http://schemas.openxmlformats.org/officeDocument/2006/relationships" xmlns:p="http://schemas.openxmlformats.org/presentationml/2006/main">
   <p:cSld>
     <p:spTree>

--- a/Presentation 5/Presentation.pptx
+++ b/Presentation 5/Presentation.pptx
@@ -6,9 +6,9 @@
   </p:sldMasterIdLst>
   <p:sldIdLst>
     <p:sldId id="256" r:id="rId2"/>
-    <p:sldId id="257" r:id="rId3"/>
-    <p:sldId id="258" r:id="rId4"/>
-    <p:sldId id="259" r:id="rId5"/>
+    <p:sldId id="259" r:id="rId3"/>
+    <p:sldId id="257" r:id="rId4"/>
+    <p:sldId id="258" r:id="rId5"/>
     <p:sldId id="261" r:id="rId6"/>
     <p:sldId id="262" r:id="rId7"/>
     <p:sldId id="264" r:id="rId8"/>
@@ -3836,38 +3836,29 @@
           <a:lstStyle/>
           <a:p>
             <a:r>
-              <a:rPr lang="en-US" dirty="0" smtClean="0"/>
+              <a:rPr lang="en-US" dirty="0"/>
               <a:t>Design Document,</a:t>
             </a:r>
             <a:br>
-              <a:rPr lang="en-US" dirty="0" smtClean="0"/>
+              <a:rPr lang="en-US" dirty="0"/>
             </a:br>
-            <a:r>
-              <a:rPr lang="en-US" dirty="0"/>
-              <a:t/>
-            </a:r>
             <a:br>
               <a:rPr lang="en-US" dirty="0"/>
             </a:br>
             <a:r>
-              <a:rPr lang="en-US" dirty="0" smtClean="0"/>
+              <a:rPr lang="en-US" dirty="0"/>
               <a:t>Part 2,</a:t>
             </a:r>
             <a:br>
-              <a:rPr lang="en-US" dirty="0" smtClean="0"/>
+              <a:rPr lang="en-US" dirty="0"/>
             </a:br>
-            <a:r>
-              <a:rPr lang="en-US" dirty="0"/>
-              <a:t/>
-            </a:r>
             <a:br>
               <a:rPr lang="en-US" dirty="0"/>
             </a:br>
             <a:r>
-              <a:rPr lang="en-US" dirty="0" smtClean="0"/>
+              <a:rPr lang="en-US" dirty="0"/>
               <a:t>Design Class Diagram</a:t>
             </a:r>
-            <a:endParaRPr lang="en-US" dirty="0"/>
           </a:p>
         </p:txBody>
       </p:sp>
@@ -3971,38 +3962,29 @@
           <a:lstStyle/>
           <a:p>
             <a:r>
-              <a:rPr lang="en-US" dirty="0" smtClean="0"/>
+              <a:rPr lang="en-US" dirty="0"/>
               <a:t>Design Document,</a:t>
             </a:r>
             <a:br>
-              <a:rPr lang="en-US" dirty="0" smtClean="0"/>
+              <a:rPr lang="en-US" dirty="0"/>
             </a:br>
-            <a:r>
-              <a:rPr lang="en-US" dirty="0"/>
-              <a:t/>
-            </a:r>
             <a:br>
               <a:rPr lang="en-US" dirty="0"/>
             </a:br>
             <a:r>
-              <a:rPr lang="en-US" dirty="0" smtClean="0"/>
+              <a:rPr lang="en-US" dirty="0"/>
               <a:t>Part 2,</a:t>
             </a:r>
             <a:br>
-              <a:rPr lang="en-US" dirty="0" smtClean="0"/>
+              <a:rPr lang="en-US" dirty="0"/>
             </a:br>
-            <a:r>
-              <a:rPr lang="en-US" dirty="0"/>
-              <a:t/>
-            </a:r>
             <a:br>
               <a:rPr lang="en-US" dirty="0"/>
             </a:br>
             <a:r>
-              <a:rPr lang="en-US" dirty="0" smtClean="0"/>
+              <a:rPr lang="en-US" dirty="0"/>
               <a:t>Design Class Diagram</a:t>
             </a:r>
-            <a:endParaRPr lang="en-US" dirty="0"/>
           </a:p>
         </p:txBody>
       </p:sp>
@@ -4106,38 +4088,29 @@
           <a:lstStyle/>
           <a:p>
             <a:r>
-              <a:rPr lang="en-US" dirty="0" smtClean="0"/>
+              <a:rPr lang="en-US" dirty="0"/>
               <a:t>Design Document,</a:t>
             </a:r>
             <a:br>
-              <a:rPr lang="en-US" dirty="0" smtClean="0"/>
+              <a:rPr lang="en-US" dirty="0"/>
             </a:br>
-            <a:r>
-              <a:rPr lang="en-US" dirty="0"/>
-              <a:t/>
-            </a:r>
             <a:br>
               <a:rPr lang="en-US" dirty="0"/>
             </a:br>
             <a:r>
-              <a:rPr lang="en-US" dirty="0" smtClean="0"/>
+              <a:rPr lang="en-US" dirty="0"/>
               <a:t>Part 2,</a:t>
             </a:r>
             <a:br>
-              <a:rPr lang="en-US" dirty="0" smtClean="0"/>
+              <a:rPr lang="en-US" dirty="0"/>
             </a:br>
-            <a:r>
-              <a:rPr lang="en-US" dirty="0"/>
-              <a:t/>
-            </a:r>
             <a:br>
               <a:rPr lang="en-US" dirty="0"/>
             </a:br>
             <a:r>
-              <a:rPr lang="en-US" dirty="0" smtClean="0"/>
+              <a:rPr lang="en-US" dirty="0"/>
               <a:t>Design Class Diagram</a:t>
             </a:r>
-            <a:endParaRPr lang="en-US" dirty="0"/>
           </a:p>
         </p:txBody>
       </p:sp>
@@ -4253,10 +4226,6 @@
             <a:br>
               <a:rPr lang="en-US" dirty="0"/>
             </a:br>
-            <a:r>
-              <a:rPr lang="en-US" dirty="0"/>
-              <a:t/>
-            </a:r>
             <a:br>
               <a:rPr lang="en-US" dirty="0"/>
             </a:br>
@@ -4267,10 +4236,6 @@
             <a:br>
               <a:rPr lang="en-US" dirty="0"/>
             </a:br>
-            <a:r>
-              <a:rPr lang="en-US" dirty="0"/>
-              <a:t/>
-            </a:r>
             <a:br>
               <a:rPr lang="en-US" dirty="0"/>
             </a:br>
@@ -4369,10 +4334,6 @@
             <a:br>
               <a:rPr lang="en-US" dirty="0"/>
             </a:br>
-            <a:r>
-              <a:rPr lang="en-US" dirty="0"/>
-              <a:t/>
-            </a:r>
             <a:br>
               <a:rPr lang="en-US" dirty="0"/>
             </a:br>
@@ -4383,10 +4344,6 @@
             <a:br>
               <a:rPr lang="en-US" dirty="0"/>
             </a:br>
-            <a:r>
-              <a:rPr lang="en-US" dirty="0"/>
-              <a:t/>
-            </a:r>
             <a:br>
               <a:rPr lang="en-US" dirty="0"/>
             </a:br>
@@ -4485,10 +4442,6 @@
             <a:br>
               <a:rPr lang="en-US" dirty="0"/>
             </a:br>
-            <a:r>
-              <a:rPr lang="en-US" dirty="0"/>
-              <a:t/>
-            </a:r>
             <a:br>
               <a:rPr lang="en-US" dirty="0"/>
             </a:br>
@@ -4499,20 +4452,12 @@
             <a:br>
               <a:rPr lang="en-US" dirty="0"/>
             </a:br>
-            <a:r>
-              <a:rPr lang="en-US" dirty="0"/>
-              <a:t/>
-            </a:r>
             <a:br>
               <a:rPr lang="en-US" dirty="0"/>
             </a:br>
             <a:r>
               <a:rPr lang="en-US" i="1" dirty="0"/>
-              <a:t>Sequence Diagram </a:t>
-            </a:r>
-            <a:r>
-              <a:rPr lang="en-US" i="1" dirty="0" smtClean="0"/>
-              <a:t>3.1</a:t>
+              <a:t>Sequence Diagram 3.1</a:t>
             </a:r>
             <a:endParaRPr lang="en-US" dirty="0"/>
           </a:p>
@@ -4605,10 +4550,6 @@
             <a:br>
               <a:rPr lang="en-US" dirty="0"/>
             </a:br>
-            <a:r>
-              <a:rPr lang="en-US" dirty="0"/>
-              <a:t/>
-            </a:r>
             <a:br>
               <a:rPr lang="en-US" dirty="0"/>
             </a:br>
@@ -4619,20 +4560,12 @@
             <a:br>
               <a:rPr lang="en-US" dirty="0"/>
             </a:br>
-            <a:r>
-              <a:rPr lang="en-US" dirty="0"/>
-              <a:t/>
-            </a:r>
             <a:br>
               <a:rPr lang="en-US" dirty="0"/>
             </a:br>
             <a:r>
               <a:rPr lang="en-US" i="1" dirty="0"/>
-              <a:t>Sequence Diagram </a:t>
-            </a:r>
-            <a:r>
-              <a:rPr lang="en-US" i="1" dirty="0" smtClean="0"/>
-              <a:t>3.2</a:t>
+              <a:t>Sequence Diagram 3.2</a:t>
             </a:r>
             <a:endParaRPr lang="en-US" dirty="0"/>
           </a:p>
@@ -5663,10 +5596,9 @@
           <a:lstStyle/>
           <a:p>
             <a:r>
-              <a:rPr lang="en-US" dirty="0" smtClean="0"/>
+              <a:rPr lang="en-US" dirty="0"/>
               <a:t>Testing Document</a:t>
             </a:r>
-            <a:endParaRPr lang="en-US" dirty="0"/>
           </a:p>
         </p:txBody>
       </p:sp>
@@ -6411,10 +6343,9 @@
           <a:lstStyle/>
           <a:p>
             <a:r>
-              <a:rPr lang="en-US" dirty="0" smtClean="0"/>
+              <a:rPr lang="en-US" dirty="0"/>
               <a:t>Testing Document</a:t>
             </a:r>
-            <a:endParaRPr lang="en-US" dirty="0"/>
           </a:p>
         </p:txBody>
       </p:sp>
@@ -7189,7 +7120,7 @@
           <p:cNvPr id="2" name="Title 1">
             <a:extLst>
               <a:ext uri="{FF2B5EF4-FFF2-40B4-BE49-F238E27FC236}">
-                <a16:creationId xmlns:a16="http://schemas.microsoft.com/office/drawing/2014/main" id="{06231EB0-5BC6-45C3-8E06-97320A05BEC2}"/>
+                <a16:creationId xmlns:a16="http://schemas.microsoft.com/office/drawing/2014/main" id="{7089F230-807D-42B9-86FD-FC73B5CDC0B9}"/>
               </a:ext>
             </a:extLst>
           </p:cNvPr>
@@ -7207,7 +7138,7 @@
           <a:p>
             <a:r>
               <a:rPr lang="en-US" dirty="0"/>
-              <a:t>How did we work?</a:t>
+              <a:t>Banqi</a:t>
             </a:r>
           </a:p>
         </p:txBody>
@@ -7217,7 +7148,7 @@
           <p:cNvPr id="3" name="Content Placeholder 2">
             <a:extLst>
               <a:ext uri="{FF2B5EF4-FFF2-40B4-BE49-F238E27FC236}">
-                <a16:creationId xmlns:a16="http://schemas.microsoft.com/office/drawing/2014/main" id="{19A53038-B50A-4D2E-90CB-EC0A7B2E6576}"/>
+                <a16:creationId xmlns:a16="http://schemas.microsoft.com/office/drawing/2014/main" id="{375C385B-8D63-4668-A8C5-F7321A65FF93}"/>
               </a:ext>
             </a:extLst>
           </p:cNvPr>
@@ -7228,46 +7159,81 @@
             <p:ph idx="1"/>
           </p:nvPr>
         </p:nvSpPr>
-        <p:spPr/>
+        <p:spPr>
+          <a:xfrm>
+            <a:off x="3869268" y="246647"/>
+            <a:ext cx="7315200" cy="1975345"/>
+          </a:xfrm>
+        </p:spPr>
         <p:txBody>
-          <a:bodyPr>
-            <a:normAutofit/>
-          </a:bodyPr>
+          <a:bodyPr/>
           <a:lstStyle/>
           <a:p>
             <a:r>
-              <a:rPr lang="en-US" sz="3200" dirty="0"/>
-              <a:t>We had regular weekly meetings.</a:t>
+              <a:rPr lang="en-US" dirty="0"/>
+              <a:t>Description of Banqi</a:t>
             </a:r>
           </a:p>
           <a:p>
             <a:pPr lvl="1"/>
             <a:r>
-              <a:rPr lang="en-US" sz="3000" dirty="0"/>
-              <a:t>Usually on Sundays.</a:t>
-            </a:r>
-          </a:p>
-          <a:p>
-            <a:r>
-              <a:rPr lang="en-US" sz="3200" dirty="0"/>
-              <a:t>We communicated consistently, mostly via text.</a:t>
-            </a:r>
-          </a:p>
-          <a:p>
-            <a:r>
-              <a:rPr lang="en-US" sz="3200" dirty="0"/>
-              <a:t>We broke up work to be done as Issues on GitHub.</a:t>
-            </a:r>
-          </a:p>
-          <a:p>
-            <a:endParaRPr lang="en-US" sz="3200" dirty="0"/>
+              <a:rPr lang="en-US" dirty="0"/>
+              <a:t>Half/Blind Chinese Chess – game consists of tokens with various power levels, each placed face-down on the board in a random position. Tokens must be flipped face up (revealing color/power level) before you can move them – higher power level tokens can take lower power level tokens. Soldier can take General, General cannot take Soldier, Cannon can take anything (by jumping).</a:t>
+            </a:r>
           </a:p>
         </p:txBody>
       </p:sp>
+      <p:pic>
+        <p:nvPicPr>
+          <p:cNvPr id="1028" name="Picture 4" descr="Image result for banqi">
+            <a:extLst>
+              <a:ext uri="{FF2B5EF4-FFF2-40B4-BE49-F238E27FC236}">
+                <a16:creationId xmlns:a16="http://schemas.microsoft.com/office/drawing/2014/main" id="{37223C20-ED66-405B-906C-E8592E416393}"/>
+              </a:ext>
+            </a:extLst>
+          </p:cNvPr>
+          <p:cNvPicPr>
+            <a:picLocks noChangeAspect="1" noChangeArrowheads="1"/>
+          </p:cNvPicPr>
+          <p:nvPr/>
+        </p:nvPicPr>
+        <p:blipFill>
+          <a:blip r:embed="rId2">
+            <a:extLst>
+              <a:ext uri="{28A0092B-C50C-407E-A947-70E740481C1C}">
+                <a14:useLocalDpi xmlns:a14="http://schemas.microsoft.com/office/drawing/2010/main" val="0"/>
+              </a:ext>
+            </a:extLst>
+          </a:blip>
+          <a:srcRect/>
+          <a:stretch>
+            <a:fillRect/>
+          </a:stretch>
+        </p:blipFill>
+        <p:spPr bwMode="auto">
+          <a:xfrm>
+            <a:off x="4725404" y="2221992"/>
+            <a:ext cx="5605712" cy="4439724"/>
+          </a:xfrm>
+          <a:prstGeom prst="rect">
+            <a:avLst/>
+          </a:prstGeom>
+          <a:noFill/>
+          <a:extLst>
+            <a:ext uri="{909E8E84-426E-40DD-AFC4-6F175D3DCCD1}">
+              <a14:hiddenFill xmlns:a14="http://schemas.microsoft.com/office/drawing/2010/main">
+                <a:solidFill>
+                  <a:srgbClr val="FFFFFF"/>
+                </a:solidFill>
+              </a14:hiddenFill>
+            </a:ext>
+          </a:extLst>
+        </p:spPr>
+      </p:pic>
     </p:spTree>
     <p:extLst>
       <p:ext uri="{BB962C8B-B14F-4D97-AF65-F5344CB8AC3E}">
-        <p14:creationId xmlns:p14="http://schemas.microsoft.com/office/powerpoint/2010/main" val="2242488321"/>
+        <p14:creationId xmlns:p14="http://schemas.microsoft.com/office/powerpoint/2010/main" val="2910650583"/>
       </p:ext>
     </p:extLst>
   </p:cSld>
@@ -8277,10 +8243,9 @@
           <a:lstStyle/>
           <a:p>
             <a:r>
-              <a:rPr lang="en-US" dirty="0" smtClean="0"/>
+              <a:rPr lang="en-US" dirty="0"/>
               <a:t>Development Manual</a:t>
             </a:r>
-            <a:endParaRPr lang="en-US" dirty="0"/>
           </a:p>
         </p:txBody>
       </p:sp>
@@ -8878,10 +8843,9 @@
           <a:lstStyle/>
           <a:p>
             <a:r>
-              <a:rPr lang="en-US" dirty="0" smtClean="0"/>
+              <a:rPr lang="en-US" dirty="0"/>
               <a:t>Traceability Link Matrix</a:t>
             </a:r>
-            <a:endParaRPr lang="en-US" dirty="0"/>
           </a:p>
         </p:txBody>
       </p:sp>
@@ -9038,18 +9002,13 @@
           <a:bodyPr/>
           <a:lstStyle/>
           <a:p>
-            <a:r>
-              <a:rPr lang="en-US" dirty="0" smtClean="0"/>
-              <a:t/>
-            </a:r>
             <a:br>
-              <a:rPr lang="en-US" dirty="0" smtClean="0"/>
+              <a:rPr lang="en-US" dirty="0"/>
             </a:br>
             <a:r>
-              <a:rPr lang="en-US" dirty="0" smtClean="0"/>
+              <a:rPr lang="en-US" dirty="0"/>
               <a:t>Traceability Link Matrix</a:t>
             </a:r>
-            <a:endParaRPr lang="en-US" dirty="0"/>
           </a:p>
         </p:txBody>
       </p:sp>
@@ -9474,7 +9433,7 @@
           <p:cNvPr id="2" name="Title 1">
             <a:extLst>
               <a:ext uri="{FF2B5EF4-FFF2-40B4-BE49-F238E27FC236}">
-                <a16:creationId xmlns:a16="http://schemas.microsoft.com/office/drawing/2014/main" id="{3C62F2BE-55A9-48C7-8B1B-0E04B06EFA46}"/>
+                <a16:creationId xmlns:a16="http://schemas.microsoft.com/office/drawing/2014/main" id="{06231EB0-5BC6-45C3-8E06-97320A05BEC2}"/>
               </a:ext>
             </a:extLst>
           </p:cNvPr>
@@ -9485,123 +9444,74 @@
             <p:ph type="title"/>
           </p:nvPr>
         </p:nvSpPr>
-        <p:spPr>
-          <a:xfrm>
-            <a:off x="0" y="-1926162"/>
-            <a:ext cx="3852070" cy="4601183"/>
-          </a:xfrm>
-        </p:spPr>
+        <p:spPr/>
         <p:txBody>
           <a:bodyPr/>
           <a:lstStyle/>
           <a:p>
             <a:r>
-              <a:rPr lang="en-US" dirty="0">
-                <a:solidFill>
-                  <a:schemeClr val="tx1"/>
-                </a:solidFill>
-              </a:rPr>
-              <a:t>More Information</a:t>
+              <a:rPr lang="en-US" dirty="0"/>
+              <a:t>How did we work?</a:t>
             </a:r>
           </a:p>
         </p:txBody>
       </p:sp>
-      <p:pic>
-        <p:nvPicPr>
-          <p:cNvPr id="4" name="Content Placeholder 3">
+      <p:sp>
+        <p:nvSpPr>
+          <p:cNvPr id="3" name="Content Placeholder 2">
             <a:extLst>
               <a:ext uri="{FF2B5EF4-FFF2-40B4-BE49-F238E27FC236}">
-                <a16:creationId xmlns:a16="http://schemas.microsoft.com/office/drawing/2014/main" id="{0B1E8E55-4C96-4618-94F8-610C732F322A}"/>
+                <a16:creationId xmlns:a16="http://schemas.microsoft.com/office/drawing/2014/main" id="{19A53038-B50A-4D2E-90CB-EC0A7B2E6576}"/>
               </a:ext>
             </a:extLst>
           </p:cNvPr>
-          <p:cNvPicPr>
-            <a:picLocks noGrp="1" noChangeAspect="1"/>
-          </p:cNvPicPr>
+          <p:cNvSpPr>
+            <a:spLocks noGrp="1"/>
+          </p:cNvSpPr>
           <p:nvPr>
             <p:ph idx="1"/>
           </p:nvPr>
-        </p:nvPicPr>
-        <p:blipFill>
-          <a:blip r:embed="rId2"/>
-          <a:stretch>
-            <a:fillRect/>
-          </a:stretch>
-        </p:blipFill>
-        <p:spPr>
-          <a:xfrm>
-            <a:off x="272716" y="623376"/>
-            <a:ext cx="5197642" cy="5611248"/>
-          </a:xfrm>
-          <a:prstGeom prst="rect">
-            <a:avLst/>
-          </a:prstGeom>
-        </p:spPr>
-      </p:pic>
-      <p:pic>
-        <p:nvPicPr>
-          <p:cNvPr id="6" name="Picture 5">
-            <a:extLst>
-              <a:ext uri="{FF2B5EF4-FFF2-40B4-BE49-F238E27FC236}">
-                <a16:creationId xmlns:a16="http://schemas.microsoft.com/office/drawing/2014/main" id="{E3C66CA6-94F0-4ECA-AE05-30DE8A1C1737}"/>
-              </a:ext>
-            </a:extLst>
-          </p:cNvPr>
-          <p:cNvPicPr>
-            <a:picLocks noChangeAspect="1"/>
-          </p:cNvPicPr>
-          <p:nvPr/>
-        </p:nvPicPr>
-        <p:blipFill>
-          <a:blip r:embed="rId3"/>
-          <a:stretch>
-            <a:fillRect/>
-          </a:stretch>
-        </p:blipFill>
-        <p:spPr>
-          <a:xfrm>
-            <a:off x="5743074" y="1768662"/>
-            <a:ext cx="6007092" cy="4465962"/>
-          </a:xfrm>
-          <a:prstGeom prst="rect">
-            <a:avLst/>
-          </a:prstGeom>
-        </p:spPr>
-      </p:pic>
-      <p:pic>
-        <p:nvPicPr>
-          <p:cNvPr id="7" name="Picture 6">
-            <a:extLst>
-              <a:ext uri="{FF2B5EF4-FFF2-40B4-BE49-F238E27FC236}">
-                <a16:creationId xmlns:a16="http://schemas.microsoft.com/office/drawing/2014/main" id="{C877D75A-470D-442E-87C6-9DAC3C50D888}"/>
-              </a:ext>
-            </a:extLst>
-          </p:cNvPr>
-          <p:cNvPicPr>
-            <a:picLocks noChangeAspect="1"/>
-          </p:cNvPicPr>
-          <p:nvPr/>
-        </p:nvPicPr>
-        <p:blipFill>
-          <a:blip r:embed="rId4"/>
-          <a:stretch>
-            <a:fillRect/>
-          </a:stretch>
-        </p:blipFill>
-        <p:spPr>
-          <a:xfrm>
-            <a:off x="6368716" y="246092"/>
-            <a:ext cx="2919663" cy="2001625"/>
-          </a:xfrm>
-          <a:prstGeom prst="rect">
-            <a:avLst/>
-          </a:prstGeom>
-        </p:spPr>
-      </p:pic>
+        </p:nvSpPr>
+        <p:spPr/>
+        <p:txBody>
+          <a:bodyPr>
+            <a:normAutofit/>
+          </a:bodyPr>
+          <a:lstStyle/>
+          <a:p>
+            <a:r>
+              <a:rPr lang="en-US" sz="3200" dirty="0"/>
+              <a:t>We had regular weekly meetings.</a:t>
+            </a:r>
+          </a:p>
+          <a:p>
+            <a:pPr lvl="1"/>
+            <a:r>
+              <a:rPr lang="en-US" sz="3000" dirty="0"/>
+              <a:t>Usually on Sundays.</a:t>
+            </a:r>
+          </a:p>
+          <a:p>
+            <a:r>
+              <a:rPr lang="en-US" sz="3200" dirty="0"/>
+              <a:t>We communicated consistently, mostly via text.</a:t>
+            </a:r>
+          </a:p>
+          <a:p>
+            <a:r>
+              <a:rPr lang="en-US" sz="3200" dirty="0"/>
+              <a:t>We broke up work to be done as Issues on GitHub.</a:t>
+            </a:r>
+          </a:p>
+          <a:p>
+            <a:endParaRPr lang="en-US" sz="3200" dirty="0"/>
+          </a:p>
+        </p:txBody>
+      </p:sp>
     </p:spTree>
     <p:extLst>
       <p:ext uri="{BB962C8B-B14F-4D97-AF65-F5344CB8AC3E}">
-        <p14:creationId xmlns:p14="http://schemas.microsoft.com/office/powerpoint/2010/main" val="1915090375"/>
+        <p14:creationId xmlns:p14="http://schemas.microsoft.com/office/powerpoint/2010/main" val="2242488321"/>
       </p:ext>
     </p:extLst>
   </p:cSld>
@@ -9633,7 +9543,7 @@
           <p:cNvPr id="2" name="Title 1">
             <a:extLst>
               <a:ext uri="{FF2B5EF4-FFF2-40B4-BE49-F238E27FC236}">
-                <a16:creationId xmlns:a16="http://schemas.microsoft.com/office/drawing/2014/main" id="{7089F230-807D-42B9-86FD-FC73B5CDC0B9}"/>
+                <a16:creationId xmlns:a16="http://schemas.microsoft.com/office/drawing/2014/main" id="{3C62F2BE-55A9-48C7-8B1B-0E04B06EFA46}"/>
               </a:ext>
             </a:extLst>
           </p:cNvPr>
@@ -9644,38 +9554,10 @@
             <p:ph type="title"/>
           </p:nvPr>
         </p:nvSpPr>
-        <p:spPr/>
-        <p:txBody>
-          <a:bodyPr/>
-          <a:lstStyle/>
-          <a:p>
-            <a:r>
-              <a:rPr lang="en-US" dirty="0"/>
-              <a:t>Banqi</a:t>
-            </a:r>
-          </a:p>
-        </p:txBody>
-      </p:sp>
-      <p:sp>
-        <p:nvSpPr>
-          <p:cNvPr id="3" name="Content Placeholder 2">
-            <a:extLst>
-              <a:ext uri="{FF2B5EF4-FFF2-40B4-BE49-F238E27FC236}">
-                <a16:creationId xmlns:a16="http://schemas.microsoft.com/office/drawing/2014/main" id="{375C385B-8D63-4668-A8C5-F7321A65FF93}"/>
-              </a:ext>
-            </a:extLst>
-          </p:cNvPr>
-          <p:cNvSpPr>
-            <a:spLocks noGrp="1"/>
-          </p:cNvSpPr>
-          <p:nvPr>
-            <p:ph idx="1"/>
-          </p:nvPr>
-        </p:nvSpPr>
         <p:spPr>
           <a:xfrm>
-            <a:off x="3869268" y="246647"/>
-            <a:ext cx="7315200" cy="1975345"/>
+            <a:off x="0" y="-1926162"/>
+            <a:ext cx="9372600" cy="4601183"/>
           </a:xfrm>
         </p:spPr>
         <p:txBody>
@@ -9683,70 +9565,139 @@
           <a:lstStyle/>
           <a:p>
             <a:r>
-              <a:rPr lang="en-US" dirty="0"/>
-              <a:t>Description of Banqi</a:t>
-            </a:r>
-          </a:p>
-          <a:p>
-            <a:pPr lvl="1"/>
-            <a:r>
-              <a:rPr lang="en-US" dirty="0"/>
-              <a:t>Half/Blind Chinese Chess – game consists of tokens with various power levels, each placed face-down on the board in a random position. Tokens must be flipped face up (revealing color/power level) before you can move them – higher power level tokens can take lower power level tokens. Soldier can take General, General cannot take Soldier, Cannon can take anything (by jumping).</a:t>
+              <a:rPr lang="en-US" dirty="0">
+                <a:solidFill>
+                  <a:schemeClr val="tx1"/>
+                </a:solidFill>
+              </a:rPr>
+              <a:t>More Information…</a:t>
             </a:r>
           </a:p>
         </p:txBody>
       </p:sp>
       <p:pic>
         <p:nvPicPr>
-          <p:cNvPr id="1028" name="Picture 4" descr="Image result for banqi">
+          <p:cNvPr id="3" name="Picture 2">
             <a:extLst>
               <a:ext uri="{FF2B5EF4-FFF2-40B4-BE49-F238E27FC236}">
-                <a16:creationId xmlns:a16="http://schemas.microsoft.com/office/drawing/2014/main" id="{37223C20-ED66-405B-906C-E8592E416393}"/>
+                <a16:creationId xmlns:a16="http://schemas.microsoft.com/office/drawing/2014/main" id="{51A5F1C4-A882-408C-A8AB-720E6D83B96D}"/>
               </a:ext>
             </a:extLst>
           </p:cNvPr>
           <p:cNvPicPr>
-            <a:picLocks noChangeAspect="1" noChangeArrowheads="1"/>
+            <a:picLocks noChangeAspect="1"/>
           </p:cNvPicPr>
           <p:nvPr/>
         </p:nvPicPr>
         <p:blipFill>
-          <a:blip r:embed="rId2">
-            <a:extLst>
-              <a:ext uri="{28A0092B-C50C-407E-A947-70E740481C1C}">
-                <a14:useLocalDpi xmlns:a14="http://schemas.microsoft.com/office/drawing/2010/main" val="0"/>
-              </a:ext>
-            </a:extLst>
-          </a:blip>
-          <a:srcRect/>
+          <a:blip r:embed="rId2"/>
           <a:stretch>
             <a:fillRect/>
           </a:stretch>
         </p:blipFill>
-        <p:spPr bwMode="auto">
+        <p:spPr>
           <a:xfrm>
-            <a:off x="4725404" y="2221992"/>
-            <a:ext cx="5605712" cy="4439724"/>
+            <a:off x="5873749" y="444638"/>
+            <a:ext cx="5085676" cy="3631641"/>
           </a:xfrm>
           <a:prstGeom prst="rect">
             <a:avLst/>
           </a:prstGeom>
-          <a:noFill/>
-          <a:extLst>
-            <a:ext uri="{909E8E84-426E-40DD-AFC4-6F175D3DCCD1}">
-              <a14:hiddenFill xmlns:a14="http://schemas.microsoft.com/office/drawing/2010/main">
-                <a:solidFill>
-                  <a:srgbClr val="FFFFFF"/>
-                </a:solidFill>
-              </a14:hiddenFill>
-            </a:ext>
-          </a:extLst>
+        </p:spPr>
+      </p:pic>
+      <p:pic>
+        <p:nvPicPr>
+          <p:cNvPr id="9" name="Picture 8">
+            <a:extLst>
+              <a:ext uri="{FF2B5EF4-FFF2-40B4-BE49-F238E27FC236}">
+                <a16:creationId xmlns:a16="http://schemas.microsoft.com/office/drawing/2014/main" id="{1F9F9E75-7F24-4FFB-B09E-32B90BC583FC}"/>
+              </a:ext>
+            </a:extLst>
+          </p:cNvPr>
+          <p:cNvPicPr>
+            <a:picLocks noChangeAspect="1"/>
+          </p:cNvPicPr>
+          <p:nvPr/>
+        </p:nvPicPr>
+        <p:blipFill>
+          <a:blip r:embed="rId3"/>
+          <a:stretch>
+            <a:fillRect/>
+          </a:stretch>
+        </p:blipFill>
+        <p:spPr>
+          <a:xfrm>
+            <a:off x="294853" y="753533"/>
+            <a:ext cx="4948954" cy="5350933"/>
+          </a:xfrm>
+          <a:prstGeom prst="rect">
+            <a:avLst/>
+          </a:prstGeom>
+        </p:spPr>
+      </p:pic>
+      <p:pic>
+        <p:nvPicPr>
+          <p:cNvPr id="10" name="Picture 9">
+            <a:extLst>
+              <a:ext uri="{FF2B5EF4-FFF2-40B4-BE49-F238E27FC236}">
+                <a16:creationId xmlns:a16="http://schemas.microsoft.com/office/drawing/2014/main" id="{734DBE94-A5E0-46D0-AAE5-9B620F464265}"/>
+              </a:ext>
+            </a:extLst>
+          </p:cNvPr>
+          <p:cNvPicPr>
+            <a:picLocks noChangeAspect="1"/>
+          </p:cNvPicPr>
+          <p:nvPr/>
+        </p:nvPicPr>
+        <p:blipFill>
+          <a:blip r:embed="rId4"/>
+          <a:stretch>
+            <a:fillRect/>
+          </a:stretch>
+        </p:blipFill>
+        <p:spPr>
+          <a:xfrm>
+            <a:off x="8976820" y="4954507"/>
+            <a:ext cx="2475825" cy="1552574"/>
+          </a:xfrm>
+          <a:prstGeom prst="rect">
+            <a:avLst/>
+          </a:prstGeom>
+        </p:spPr>
+      </p:pic>
+      <p:pic>
+        <p:nvPicPr>
+          <p:cNvPr id="11" name="Picture 10">
+            <a:extLst>
+              <a:ext uri="{FF2B5EF4-FFF2-40B4-BE49-F238E27FC236}">
+                <a16:creationId xmlns:a16="http://schemas.microsoft.com/office/drawing/2014/main" id="{B7AA65DF-5198-481B-BC28-7CBC85822477}"/>
+              </a:ext>
+            </a:extLst>
+          </p:cNvPr>
+          <p:cNvPicPr>
+            <a:picLocks noChangeAspect="1"/>
+          </p:cNvPicPr>
+          <p:nvPr/>
+        </p:nvPicPr>
+        <p:blipFill rotWithShape="1">
+          <a:blip r:embed="rId5"/>
+          <a:srcRect r="26218"/>
+          <a:stretch/>
+        </p:blipFill>
+        <p:spPr>
+          <a:xfrm>
+            <a:off x="3134782" y="4954506"/>
+            <a:ext cx="5477934" cy="1552575"/>
+          </a:xfrm>
+          <a:prstGeom prst="rect">
+            <a:avLst/>
+          </a:prstGeom>
         </p:spPr>
       </p:pic>
     </p:spTree>
     <p:extLst>
       <p:ext uri="{BB962C8B-B14F-4D97-AF65-F5344CB8AC3E}">
-        <p14:creationId xmlns:p14="http://schemas.microsoft.com/office/powerpoint/2010/main" val="2910650583"/>
+        <p14:creationId xmlns:p14="http://schemas.microsoft.com/office/powerpoint/2010/main" val="1915090375"/>
       </p:ext>
     </p:extLst>
   </p:cSld>
@@ -9801,10 +9752,6 @@
             <a:br>
               <a:rPr lang="en-US" dirty="0"/>
             </a:br>
-            <a:r>
-              <a:rPr lang="en-US" dirty="0"/>
-              <a:t/>
-            </a:r>
             <a:br>
               <a:rPr lang="en-US" dirty="0"/>
             </a:br>
@@ -9834,7 +9781,7 @@
         <p:spPr/>
         <p:txBody>
           <a:bodyPr>
-            <a:normAutofit/>
+            <a:normAutofit lnSpcReduction="10000"/>
           </a:bodyPr>
           <a:lstStyle/>
           <a:p>
@@ -9888,6 +9835,12 @@
           <a:p>
             <a:r>
               <a:rPr lang="en-US" dirty="0"/>
+              <a:t>#90 – Implemented Recommended Changes to Code (Max)</a:t>
+            </a:r>
+          </a:p>
+          <a:p>
+            <a:r>
+              <a:rPr lang="en-US" dirty="0"/>
               <a:t>#91 – Implement Forfeit Game, Database Side (Spencer)</a:t>
             </a:r>
           </a:p>
@@ -9901,6 +9854,12 @@
             <a:r>
               <a:rPr lang="en-US" dirty="0"/>
               <a:t>#95 – Fix Graveyard Issue (Nicholas, Max)</a:t>
+            </a:r>
+          </a:p>
+          <a:p>
+            <a:r>
+              <a:rPr lang="en-US" dirty="0"/>
+              <a:t>#106 – Implement AI (Max, Nicholas &amp; Tyler)</a:t>
             </a:r>
           </a:p>
         </p:txBody>
@@ -10146,10 +10105,6 @@
             <a:br>
               <a:rPr lang="en-US" dirty="0"/>
             </a:br>
-            <a:r>
-              <a:rPr lang="en-US" dirty="0"/>
-              <a:t/>
-            </a:r>
             <a:br>
               <a:rPr lang="en-US" dirty="0"/>
             </a:br>
@@ -10160,10 +10115,6 @@
             <a:br>
               <a:rPr lang="en-US" dirty="0"/>
             </a:br>
-            <a:r>
-              <a:rPr lang="en-US" dirty="0"/>
-              <a:t/>
-            </a:r>
             <a:br>
               <a:rPr lang="en-US" dirty="0"/>
             </a:br>
@@ -10267,10 +10218,6 @@
             <a:br>
               <a:rPr lang="en-US" dirty="0"/>
             </a:br>
-            <a:r>
-              <a:rPr lang="en-US" dirty="0"/>
-              <a:t/>
-            </a:r>
             <a:br>
               <a:rPr lang="en-US" dirty="0"/>
             </a:br>
@@ -10281,10 +10228,6 @@
             <a:br>
               <a:rPr lang="en-US" dirty="0"/>
             </a:br>
-            <a:r>
-              <a:rPr lang="en-US" dirty="0"/>
-              <a:t/>
-            </a:r>
             <a:br>
               <a:rPr lang="en-US" dirty="0"/>
             </a:br>

--- a/Presentation 5/Presentation.pptx
+++ b/Presentation 5/Presentation.pptx
@@ -10017,10 +10017,10 @@
       </p:sp>
       <p:pic>
         <p:nvPicPr>
-          <p:cNvPr id="7" name="Content Placeholder 6">
+          <p:cNvPr id="6" name="Content Placeholder 5">
             <a:extLst>
               <a:ext uri="{FF2B5EF4-FFF2-40B4-BE49-F238E27FC236}">
-                <a16:creationId xmlns:a16="http://schemas.microsoft.com/office/drawing/2014/main" id="{2B87D84E-D462-4237-879D-CF2C4931398C}"/>
+                <a16:creationId xmlns:a16="http://schemas.microsoft.com/office/drawing/2014/main" id="{C168C6AC-7302-4B06-888C-1ADA7C2EA10A}"/>
               </a:ext>
             </a:extLst>
           </p:cNvPr>
@@ -10032,19 +10032,22 @@
           </p:nvPr>
         </p:nvPicPr>
         <p:blipFill>
-          <a:blip r:embed="rId2"/>
+          <a:blip r:embed="rId2">
+            <a:extLst>
+              <a:ext uri="{28A0092B-C50C-407E-A947-70E740481C1C}">
+                <a14:useLocalDpi xmlns:a14="http://schemas.microsoft.com/office/drawing/2010/main" val="0"/>
+              </a:ext>
+            </a:extLst>
+          </a:blip>
           <a:stretch>
             <a:fillRect/>
           </a:stretch>
         </p:blipFill>
         <p:spPr>
           <a:xfrm>
-            <a:off x="3868738" y="1147568"/>
-            <a:ext cx="7315200" cy="4553338"/>
+            <a:off x="3868738" y="1135613"/>
+            <a:ext cx="7315200" cy="4577249"/>
           </a:xfrm>
-          <a:prstGeom prst="rect">
-            <a:avLst/>
-          </a:prstGeom>
         </p:spPr>
       </p:pic>
     </p:spTree>

--- a/Presentation 5/Presentation.pptx
+++ b/Presentation 5/Presentation.pptx
@@ -9924,10 +9924,10 @@
       </p:sp>
       <p:pic>
         <p:nvPicPr>
-          <p:cNvPr id="5" name="Content Placeholder 4">
+          <p:cNvPr id="7" name="Content Placeholder 6">
             <a:extLst>
               <a:ext uri="{FF2B5EF4-FFF2-40B4-BE49-F238E27FC236}">
-                <a16:creationId xmlns:a16="http://schemas.microsoft.com/office/drawing/2014/main" id="{F921D5E5-58BE-4A09-8551-6870E7D40F40}"/>
+                <a16:creationId xmlns:a16="http://schemas.microsoft.com/office/drawing/2014/main" id="{A0AE402D-3EB6-4FAE-A9D8-C80F166CCD5F}"/>
               </a:ext>
             </a:extLst>
           </p:cNvPr>
@@ -9952,8 +9952,8 @@
         </p:blipFill>
         <p:spPr>
           <a:xfrm>
-            <a:off x="4870531" y="741105"/>
-            <a:ext cx="5755104" cy="5375790"/>
+            <a:off x="4173538" y="435952"/>
+            <a:ext cx="6069500" cy="6083294"/>
           </a:xfrm>
         </p:spPr>
       </p:pic>
@@ -10017,10 +10017,10 @@
       </p:sp>
       <p:pic>
         <p:nvPicPr>
-          <p:cNvPr id="6" name="Content Placeholder 5">
+          <p:cNvPr id="7" name="Content Placeholder 6">
             <a:extLst>
               <a:ext uri="{FF2B5EF4-FFF2-40B4-BE49-F238E27FC236}">
-                <a16:creationId xmlns:a16="http://schemas.microsoft.com/office/drawing/2014/main" id="{C168C6AC-7302-4B06-888C-1ADA7C2EA10A}"/>
+                <a16:creationId xmlns:a16="http://schemas.microsoft.com/office/drawing/2014/main" id="{2B87D84E-D462-4237-879D-CF2C4931398C}"/>
               </a:ext>
             </a:extLst>
           </p:cNvPr>
@@ -10032,22 +10032,19 @@
           </p:nvPr>
         </p:nvPicPr>
         <p:blipFill>
-          <a:blip r:embed="rId2">
-            <a:extLst>
-              <a:ext uri="{28A0092B-C50C-407E-A947-70E740481C1C}">
-                <a14:useLocalDpi xmlns:a14="http://schemas.microsoft.com/office/drawing/2010/main" val="0"/>
-              </a:ext>
-            </a:extLst>
-          </a:blip>
+          <a:blip r:embed="rId2"/>
           <a:stretch>
             <a:fillRect/>
           </a:stretch>
         </p:blipFill>
         <p:spPr>
           <a:xfrm>
-            <a:off x="3868738" y="1135613"/>
-            <a:ext cx="7315200" cy="4577249"/>
+            <a:off x="3868738" y="1147568"/>
+            <a:ext cx="7315200" cy="4553338"/>
           </a:xfrm>
+          <a:prstGeom prst="rect">
+            <a:avLst/>
+          </a:prstGeom>
         </p:spPr>
       </p:pic>
     </p:spTree>
